--- a/GPS DETECTER PROJECT.pptx
+++ b/GPS DETECTER PROJECT.pptx
@@ -8,12 +8,14 @@
     <p:sldId id="256" r:id="rId2"/>
     <p:sldId id="257" r:id="rId3"/>
     <p:sldId id="264" r:id="rId4"/>
-    <p:sldId id="258" r:id="rId5"/>
-    <p:sldId id="259" r:id="rId6"/>
-    <p:sldId id="260" r:id="rId7"/>
-    <p:sldId id="261" r:id="rId8"/>
-    <p:sldId id="262" r:id="rId9"/>
-    <p:sldId id="263" r:id="rId10"/>
+    <p:sldId id="265" r:id="rId5"/>
+    <p:sldId id="266" r:id="rId6"/>
+    <p:sldId id="258" r:id="rId7"/>
+    <p:sldId id="259" r:id="rId8"/>
+    <p:sldId id="260" r:id="rId9"/>
+    <p:sldId id="261" r:id="rId10"/>
+    <p:sldId id="262" r:id="rId11"/>
+    <p:sldId id="263" r:id="rId12"/>
   </p:sldIdLst>
   <p:sldSz cx="12192000" cy="6858000"/>
   <p:notesSz cx="6858000" cy="9144000"/>
@@ -112,6 +114,11 @@
       </a:defRPr>
     </a:lvl9pPr>
   </p:defaultTextStyle>
+  <p:extLst>
+    <p:ext uri="{EFAFB233-063F-42B5-8137-9DF3F51BA10A}">
+      <p15:sldGuideLst xmlns:p15="http://schemas.microsoft.com/office/powerpoint/2012/main"/>
+    </p:ext>
+  </p:extLst>
 </p:presentation>
 </file>
 
@@ -262,7 +269,7 @@
           <a:p>
             <a:fld id="{126129D5-3A97-4BA4-9E42-A0ED28A828FF}" type="datetimeFigureOut">
               <a:rPr lang="en-US" smtClean="0"/>
-              <a:t>4/22/2019</a:t>
+              <a:t>4/23/2019</a:t>
             </a:fld>
             <a:endParaRPr lang="en-US"/>
           </a:p>
@@ -460,7 +467,7 @@
           <a:p>
             <a:fld id="{126129D5-3A97-4BA4-9E42-A0ED28A828FF}" type="datetimeFigureOut">
               <a:rPr lang="en-US" smtClean="0"/>
-              <a:t>4/22/2019</a:t>
+              <a:t>4/23/2019</a:t>
             </a:fld>
             <a:endParaRPr lang="en-US"/>
           </a:p>
@@ -668,7 +675,7 @@
           <a:p>
             <a:fld id="{126129D5-3A97-4BA4-9E42-A0ED28A828FF}" type="datetimeFigureOut">
               <a:rPr lang="en-US" smtClean="0"/>
-              <a:t>4/22/2019</a:t>
+              <a:t>4/23/2019</a:t>
             </a:fld>
             <a:endParaRPr lang="en-US"/>
           </a:p>
@@ -866,7 +873,7 @@
           <a:p>
             <a:fld id="{126129D5-3A97-4BA4-9E42-A0ED28A828FF}" type="datetimeFigureOut">
               <a:rPr lang="en-US" smtClean="0"/>
-              <a:t>4/22/2019</a:t>
+              <a:t>4/23/2019</a:t>
             </a:fld>
             <a:endParaRPr lang="en-US"/>
           </a:p>
@@ -1141,7 +1148,7 @@
           <a:p>
             <a:fld id="{126129D5-3A97-4BA4-9E42-A0ED28A828FF}" type="datetimeFigureOut">
               <a:rPr lang="en-US" smtClean="0"/>
-              <a:t>4/22/2019</a:t>
+              <a:t>4/23/2019</a:t>
             </a:fld>
             <a:endParaRPr lang="en-US"/>
           </a:p>
@@ -1406,7 +1413,7 @@
           <a:p>
             <a:fld id="{126129D5-3A97-4BA4-9E42-A0ED28A828FF}" type="datetimeFigureOut">
               <a:rPr lang="en-US" smtClean="0"/>
-              <a:t>4/22/2019</a:t>
+              <a:t>4/23/2019</a:t>
             </a:fld>
             <a:endParaRPr lang="en-US"/>
           </a:p>
@@ -1818,7 +1825,7 @@
           <a:p>
             <a:fld id="{126129D5-3A97-4BA4-9E42-A0ED28A828FF}" type="datetimeFigureOut">
               <a:rPr lang="en-US" smtClean="0"/>
-              <a:t>4/22/2019</a:t>
+              <a:t>4/23/2019</a:t>
             </a:fld>
             <a:endParaRPr lang="en-US"/>
           </a:p>
@@ -1959,7 +1966,7 @@
           <a:p>
             <a:fld id="{126129D5-3A97-4BA4-9E42-A0ED28A828FF}" type="datetimeFigureOut">
               <a:rPr lang="en-US" smtClean="0"/>
-              <a:t>4/22/2019</a:t>
+              <a:t>4/23/2019</a:t>
             </a:fld>
             <a:endParaRPr lang="en-US"/>
           </a:p>
@@ -2072,7 +2079,7 @@
           <a:p>
             <a:fld id="{126129D5-3A97-4BA4-9E42-A0ED28A828FF}" type="datetimeFigureOut">
               <a:rPr lang="en-US" smtClean="0"/>
-              <a:t>4/22/2019</a:t>
+              <a:t>4/23/2019</a:t>
             </a:fld>
             <a:endParaRPr lang="en-US"/>
           </a:p>
@@ -2383,7 +2390,7 @@
           <a:p>
             <a:fld id="{126129D5-3A97-4BA4-9E42-A0ED28A828FF}" type="datetimeFigureOut">
               <a:rPr lang="en-US" smtClean="0"/>
-              <a:t>4/22/2019</a:t>
+              <a:t>4/23/2019</a:t>
             </a:fld>
             <a:endParaRPr lang="en-US"/>
           </a:p>
@@ -2671,7 +2678,7 @@
           <a:p>
             <a:fld id="{126129D5-3A97-4BA4-9E42-A0ED28A828FF}" type="datetimeFigureOut">
               <a:rPr lang="en-US" smtClean="0"/>
-              <a:t>4/22/2019</a:t>
+              <a:t>4/23/2019</a:t>
             </a:fld>
             <a:endParaRPr lang="en-US"/>
           </a:p>
@@ -2912,7 +2919,7 @@
           <a:p>
             <a:fld id="{126129D5-3A97-4BA4-9E42-A0ED28A828FF}" type="datetimeFigureOut">
               <a:rPr lang="en-US" smtClean="0"/>
-              <a:t>4/22/2019</a:t>
+              <a:t>4/23/2019</a:t>
             </a:fld>
             <a:endParaRPr lang="en-US"/>
           </a:p>
@@ -3439,6 +3446,173 @@
   <p:clrMapOvr>
     <a:masterClrMapping/>
   </p:clrMapOvr>
+  <p:timing>
+    <p:tnLst>
+      <p:par>
+        <p:cTn id="1" dur="indefinite" restart="never" nodeType="tmRoot"/>
+      </p:par>
+    </p:tnLst>
+  </p:timing>
+</p:sld>
+</file>
+
+<file path=ppt/slides/slide10.xml><?xml version="1.0" encoding="utf-8"?>
+<p:sld xmlns:a="http://schemas.openxmlformats.org/drawingml/2006/main" xmlns:r="http://schemas.openxmlformats.org/officeDocument/2006/relationships" xmlns:p="http://schemas.openxmlformats.org/presentationml/2006/main">
+  <p:cSld>
+    <p:spTree>
+      <p:nvGrpSpPr>
+        <p:cNvPr id="1" name=""/>
+        <p:cNvGrpSpPr/>
+        <p:nvPr/>
+      </p:nvGrpSpPr>
+      <p:grpSpPr>
+        <a:xfrm>
+          <a:off x="0" y="0"/>
+          <a:ext cx="0" cy="0"/>
+          <a:chOff x="0" y="0"/>
+          <a:chExt cx="0" cy="0"/>
+        </a:xfrm>
+      </p:grpSpPr>
+      <p:sp>
+        <p:nvSpPr>
+          <p:cNvPr id="2" name="Title 1">
+            <a:extLst>
+              <a:ext uri="{FF2B5EF4-FFF2-40B4-BE49-F238E27FC236}">
+                <a16:creationId xmlns:a16="http://schemas.microsoft.com/office/drawing/2014/main" id="{44FC0230-8C69-4D3D-95D0-B0ABE0FA1859}"/>
+              </a:ext>
+            </a:extLst>
+          </p:cNvPr>
+          <p:cNvSpPr>
+            <a:spLocks noGrp="1"/>
+          </p:cNvSpPr>
+          <p:nvPr>
+            <p:ph type="title"/>
+          </p:nvPr>
+        </p:nvSpPr>
+        <p:spPr/>
+        <p:txBody>
+          <a:bodyPr/>
+          <a:lstStyle/>
+          <a:p>
+            <a:endParaRPr lang="en-US"/>
+          </a:p>
+        </p:txBody>
+      </p:sp>
+      <p:sp>
+        <p:nvSpPr>
+          <p:cNvPr id="3" name="Content Placeholder 2">
+            <a:extLst>
+              <a:ext uri="{FF2B5EF4-FFF2-40B4-BE49-F238E27FC236}">
+                <a16:creationId xmlns:a16="http://schemas.microsoft.com/office/drawing/2014/main" id="{B808720A-3D11-4A87-AE16-C1A12030814D}"/>
+              </a:ext>
+            </a:extLst>
+          </p:cNvPr>
+          <p:cNvSpPr>
+            <a:spLocks noGrp="1"/>
+          </p:cNvSpPr>
+          <p:nvPr>
+            <p:ph idx="1"/>
+          </p:nvPr>
+        </p:nvSpPr>
+        <p:spPr/>
+        <p:txBody>
+          <a:bodyPr/>
+          <a:lstStyle/>
+          <a:p>
+            <a:endParaRPr lang="en-US"/>
+          </a:p>
+        </p:txBody>
+      </p:sp>
+    </p:spTree>
+    <p:extLst>
+      <p:ext uri="{BB962C8B-B14F-4D97-AF65-F5344CB8AC3E}">
+        <p14:creationId xmlns:p14="http://schemas.microsoft.com/office/powerpoint/2010/main" val="2033504082"/>
+      </p:ext>
+    </p:extLst>
+  </p:cSld>
+  <p:clrMapOvr>
+    <a:masterClrMapping/>
+  </p:clrMapOvr>
+</p:sld>
+</file>
+
+<file path=ppt/slides/slide11.xml><?xml version="1.0" encoding="utf-8"?>
+<p:sld xmlns:a="http://schemas.openxmlformats.org/drawingml/2006/main" xmlns:r="http://schemas.openxmlformats.org/officeDocument/2006/relationships" xmlns:p="http://schemas.openxmlformats.org/presentationml/2006/main">
+  <p:cSld>
+    <p:spTree>
+      <p:nvGrpSpPr>
+        <p:cNvPr id="1" name=""/>
+        <p:cNvGrpSpPr/>
+        <p:nvPr/>
+      </p:nvGrpSpPr>
+      <p:grpSpPr>
+        <a:xfrm>
+          <a:off x="0" y="0"/>
+          <a:ext cx="0" cy="0"/>
+          <a:chOff x="0" y="0"/>
+          <a:chExt cx="0" cy="0"/>
+        </a:xfrm>
+      </p:grpSpPr>
+      <p:sp>
+        <p:nvSpPr>
+          <p:cNvPr id="2" name="Title 1">
+            <a:extLst>
+              <a:ext uri="{FF2B5EF4-FFF2-40B4-BE49-F238E27FC236}">
+                <a16:creationId xmlns:a16="http://schemas.microsoft.com/office/drawing/2014/main" id="{26E4CFEA-82F6-4787-A48C-5D13D21627F1}"/>
+              </a:ext>
+            </a:extLst>
+          </p:cNvPr>
+          <p:cNvSpPr>
+            <a:spLocks noGrp="1"/>
+          </p:cNvSpPr>
+          <p:nvPr>
+            <p:ph type="title"/>
+          </p:nvPr>
+        </p:nvSpPr>
+        <p:spPr/>
+        <p:txBody>
+          <a:bodyPr/>
+          <a:lstStyle/>
+          <a:p>
+            <a:endParaRPr lang="en-US"/>
+          </a:p>
+        </p:txBody>
+      </p:sp>
+      <p:sp>
+        <p:nvSpPr>
+          <p:cNvPr id="3" name="Content Placeholder 2">
+            <a:extLst>
+              <a:ext uri="{FF2B5EF4-FFF2-40B4-BE49-F238E27FC236}">
+                <a16:creationId xmlns:a16="http://schemas.microsoft.com/office/drawing/2014/main" id="{4AA335EE-9A0A-4048-BBE2-1558098D3F65}"/>
+              </a:ext>
+            </a:extLst>
+          </p:cNvPr>
+          <p:cNvSpPr>
+            <a:spLocks noGrp="1"/>
+          </p:cNvSpPr>
+          <p:nvPr>
+            <p:ph idx="1"/>
+          </p:nvPr>
+        </p:nvSpPr>
+        <p:spPr/>
+        <p:txBody>
+          <a:bodyPr/>
+          <a:lstStyle/>
+          <a:p>
+            <a:endParaRPr lang="en-US"/>
+          </a:p>
+        </p:txBody>
+      </p:sp>
+    </p:spTree>
+    <p:extLst>
+      <p:ext uri="{BB962C8B-B14F-4D97-AF65-F5344CB8AC3E}">
+        <p14:creationId xmlns:p14="http://schemas.microsoft.com/office/powerpoint/2010/main" val="3682416576"/>
+      </p:ext>
+    </p:extLst>
+  </p:cSld>
+  <p:clrMapOvr>
+    <a:masterClrMapping/>
+  </p:clrMapOvr>
 </p:sld>
 </file>
 
@@ -3576,6 +3750,13 @@
   <p:clrMapOvr>
     <a:masterClrMapping/>
   </p:clrMapOvr>
+  <p:timing>
+    <p:tnLst>
+      <p:par>
+        <p:cTn id="1" dur="indefinite" restart="never" nodeType="tmRoot"/>
+      </p:par>
+    </p:tnLst>
+  </p:timing>
 </p:sld>
 </file>
 
@@ -3649,7 +3830,35 @@
           <a:bodyPr/>
           <a:lstStyle/>
           <a:p>
-            <a:endParaRPr lang="en-US"/>
+            <a:pPr marL="514350" indent="-514350">
+              <a:buFont typeface="+mj-lt"/>
+              <a:buAutoNum type="arabicPeriod"/>
+            </a:pPr>
+            <a:r>
+              <a:rPr lang="en-US" dirty="0" smtClean="0"/>
+              <a:t>What is GPS?</a:t>
+            </a:r>
+          </a:p>
+          <a:p>
+            <a:pPr marL="514350" indent="-514350">
+              <a:buFont typeface="+mj-lt"/>
+              <a:buAutoNum type="arabicPeriod"/>
+            </a:pPr>
+            <a:r>
+              <a:rPr lang="en-US" dirty="0" smtClean="0"/>
+              <a:t>How to get GPS?</a:t>
+            </a:r>
+          </a:p>
+          <a:p>
+            <a:pPr marL="514350" indent="-514350">
+              <a:buFont typeface="+mj-lt"/>
+              <a:buAutoNum type="arabicPeriod"/>
+            </a:pPr>
+            <a:r>
+              <a:rPr lang="en-US" dirty="0" smtClean="0"/>
+              <a:t>Detect position</a:t>
+            </a:r>
+            <a:endParaRPr lang="en-US" dirty="0"/>
           </a:p>
         </p:txBody>
       </p:sp>
@@ -3663,10 +3872,440 @@
   <p:clrMapOvr>
     <a:masterClrMapping/>
   </p:clrMapOvr>
+  <p:timing>
+    <p:tnLst>
+      <p:par>
+        <p:cTn id="1" dur="indefinite" restart="never" nodeType="tmRoot"/>
+      </p:par>
+    </p:tnLst>
+  </p:timing>
 </p:sld>
 </file>
 
 <file path=ppt/slides/slide4.xml><?xml version="1.0" encoding="utf-8"?>
+<p:sld xmlns:a="http://schemas.openxmlformats.org/drawingml/2006/main" xmlns:r="http://schemas.openxmlformats.org/officeDocument/2006/relationships" xmlns:p="http://schemas.openxmlformats.org/presentationml/2006/main">
+  <p:cSld>
+    <p:spTree>
+      <p:nvGrpSpPr>
+        <p:cNvPr id="1" name=""/>
+        <p:cNvGrpSpPr/>
+        <p:nvPr/>
+      </p:nvGrpSpPr>
+      <p:grpSpPr>
+        <a:xfrm>
+          <a:off x="0" y="0"/>
+          <a:ext cx="0" cy="0"/>
+          <a:chOff x="0" y="0"/>
+          <a:chExt cx="0" cy="0"/>
+        </a:xfrm>
+      </p:grpSpPr>
+      <p:sp>
+        <p:nvSpPr>
+          <p:cNvPr id="2" name="Title 1"/>
+          <p:cNvSpPr>
+            <a:spLocks noGrp="1"/>
+          </p:cNvSpPr>
+          <p:nvPr>
+            <p:ph type="title"/>
+          </p:nvPr>
+        </p:nvSpPr>
+        <p:spPr/>
+        <p:txBody>
+          <a:bodyPr/>
+          <a:lstStyle/>
+          <a:p>
+            <a:r>
+              <a:rPr lang="en-US" dirty="0" smtClean="0"/>
+              <a:t>1/ What is GPS?</a:t>
+            </a:r>
+            <a:endParaRPr lang="en-US" dirty="0"/>
+          </a:p>
+        </p:txBody>
+      </p:sp>
+      <p:sp>
+        <p:nvSpPr>
+          <p:cNvPr id="3" name="Content Placeholder 2"/>
+          <p:cNvSpPr>
+            <a:spLocks noGrp="1"/>
+          </p:cNvSpPr>
+          <p:nvPr>
+            <p:ph idx="1"/>
+          </p:nvPr>
+        </p:nvSpPr>
+        <p:spPr/>
+        <p:txBody>
+          <a:bodyPr>
+            <a:normAutofit/>
+          </a:bodyPr>
+          <a:lstStyle/>
+          <a:p>
+            <a:r>
+              <a:rPr lang="en-US" sz="2000" dirty="0"/>
+              <a:t>The Global Positioning System (GPS), originally </a:t>
+            </a:r>
+            <a:r>
+              <a:rPr lang="en-US" sz="2000" dirty="0" err="1"/>
+              <a:t>Navstar</a:t>
+            </a:r>
+            <a:r>
+              <a:rPr lang="en-US" sz="2000" dirty="0"/>
+              <a:t> GPS</a:t>
+            </a:r>
+            <a:r>
+              <a:rPr lang="en-US" sz="2000" dirty="0" smtClean="0"/>
+              <a:t>, </a:t>
+            </a:r>
+            <a:r>
+              <a:rPr lang="en-US" sz="2000" dirty="0"/>
+              <a:t>is a satellite-based </a:t>
+            </a:r>
+            <a:r>
+              <a:rPr lang="en-US" sz="2000" dirty="0" err="1"/>
+              <a:t>radionavigation</a:t>
+            </a:r>
+            <a:r>
+              <a:rPr lang="en-US" sz="2000" dirty="0"/>
+              <a:t> system owned by the United States government and operated by the United States Air Force</a:t>
+            </a:r>
+            <a:r>
+              <a:rPr lang="en-US" sz="2000" dirty="0" smtClean="0"/>
+              <a:t>. </a:t>
+            </a:r>
+            <a:r>
+              <a:rPr lang="en-US" sz="2000" dirty="0"/>
+              <a:t>It is a global navigation satellite system that provides geolocation and time information to a GPS receiver anywhere on or near the Earth where there is an unobstructed line of sight to four or more GPS satellites</a:t>
+            </a:r>
+            <a:r>
+              <a:rPr lang="en-US" sz="2000" dirty="0" smtClean="0"/>
+              <a:t>. </a:t>
+            </a:r>
+            <a:r>
+              <a:rPr lang="en-US" sz="2000" dirty="0"/>
+              <a:t>Obstacles such as mountains and buildings block the relatively weak GPS signals.</a:t>
+            </a:r>
+          </a:p>
+        </p:txBody>
+      </p:sp>
+    </p:spTree>
+    <p:extLst>
+      <p:ext uri="{BB962C8B-B14F-4D97-AF65-F5344CB8AC3E}">
+        <p14:creationId xmlns:p14="http://schemas.microsoft.com/office/powerpoint/2010/main" val="2424245085"/>
+      </p:ext>
+    </p:extLst>
+  </p:cSld>
+  <p:clrMapOvr>
+    <a:masterClrMapping/>
+  </p:clrMapOvr>
+  <p:timing>
+    <p:tnLst>
+      <p:par>
+        <p:cTn id="1" dur="indefinite" restart="never" nodeType="tmRoot"/>
+      </p:par>
+    </p:tnLst>
+  </p:timing>
+</p:sld>
+</file>
+
+<file path=ppt/slides/slide5.xml><?xml version="1.0" encoding="utf-8"?>
+<p:sld xmlns:a="http://schemas.openxmlformats.org/drawingml/2006/main" xmlns:r="http://schemas.openxmlformats.org/officeDocument/2006/relationships" xmlns:p="http://schemas.openxmlformats.org/presentationml/2006/main">
+  <p:cSld>
+    <p:spTree>
+      <p:nvGrpSpPr>
+        <p:cNvPr id="1" name=""/>
+        <p:cNvGrpSpPr/>
+        <p:nvPr/>
+      </p:nvGrpSpPr>
+      <p:grpSpPr>
+        <a:xfrm>
+          <a:off x="0" y="0"/>
+          <a:ext cx="0" cy="0"/>
+          <a:chOff x="0" y="0"/>
+          <a:chExt cx="0" cy="0"/>
+        </a:xfrm>
+      </p:grpSpPr>
+      <p:sp>
+        <p:nvSpPr>
+          <p:cNvPr id="3" name="Content Placeholder 2"/>
+          <p:cNvSpPr>
+            <a:spLocks noGrp="1"/>
+          </p:cNvSpPr>
+          <p:nvPr>
+            <p:ph idx="1"/>
+          </p:nvPr>
+        </p:nvSpPr>
+        <p:spPr>
+          <a:xfrm>
+            <a:off x="702418" y="510989"/>
+            <a:ext cx="10515600" cy="5908022"/>
+          </a:xfrm>
+        </p:spPr>
+        <p:txBody>
+          <a:bodyPr/>
+          <a:lstStyle/>
+          <a:p>
+            <a:r>
+              <a:rPr lang="en-US" sz="2000" dirty="0" smtClean="0"/>
+              <a:t>American Government.</a:t>
+            </a:r>
+          </a:p>
+          <a:p>
+            <a:r>
+              <a:rPr lang="en-US" sz="2000" dirty="0" smtClean="0"/>
+              <a:t>30 satellites, 27 work, 3 back-up.</a:t>
+            </a:r>
+          </a:p>
+          <a:p>
+            <a:r>
+              <a:rPr lang="en-US" sz="2000" dirty="0" smtClean="0"/>
+              <a:t>20200 km, 7000 miles/h.</a:t>
+            </a:r>
+          </a:p>
+          <a:p>
+            <a:r>
+              <a:rPr lang="en-US" sz="2000" dirty="0" smtClean="0"/>
+              <a:t>3 for longitude and latitude, 4 for height.</a:t>
+            </a:r>
+          </a:p>
+          <a:p>
+            <a:r>
+              <a:rPr lang="en-US" sz="2000" dirty="0" smtClean="0"/>
+              <a:t>6 controller station, 1 center and 4 automatic, 1 back-up.</a:t>
+            </a:r>
+          </a:p>
+          <a:p>
+            <a:endParaRPr lang="en-US" sz="2000" dirty="0" smtClean="0"/>
+          </a:p>
+          <a:p>
+            <a:endParaRPr lang="en-US" dirty="0"/>
+          </a:p>
+        </p:txBody>
+      </p:sp>
+      <p:pic>
+        <p:nvPicPr>
+          <p:cNvPr id="1026" name="Picture 2" descr="HÃ¬nh áº£nh cÃ³ liÃªn quan"/>
+          <p:cNvPicPr>
+            <a:picLocks noChangeAspect="1" noChangeArrowheads="1"/>
+          </p:cNvPicPr>
+          <p:nvPr/>
+        </p:nvPicPr>
+        <p:blipFill>
+          <a:blip r:embed="rId2">
+            <a:extLst>
+              <a:ext uri="{28A0092B-C50C-407E-A947-70E740481C1C}">
+                <a14:useLocalDpi xmlns:a14="http://schemas.microsoft.com/office/drawing/2010/main" val="0"/>
+              </a:ext>
+            </a:extLst>
+          </a:blip>
+          <a:srcRect/>
+          <a:stretch>
+            <a:fillRect/>
+          </a:stretch>
+        </p:blipFill>
+        <p:spPr bwMode="auto">
+          <a:xfrm>
+            <a:off x="284300" y="3019205"/>
+            <a:ext cx="3295650" cy="3295651"/>
+          </a:xfrm>
+          <a:prstGeom prst="rect">
+            <a:avLst/>
+          </a:prstGeom>
+          <a:noFill/>
+          <a:extLst>
+            <a:ext uri="{909E8E84-426E-40DD-AFC4-6F175D3DCCD1}">
+              <a14:hiddenFill xmlns:a14="http://schemas.microsoft.com/office/drawing/2010/main">
+                <a:solidFill>
+                  <a:srgbClr val="FFFFFF"/>
+                </a:solidFill>
+              </a14:hiddenFill>
+            </a:ext>
+          </a:extLst>
+        </p:spPr>
+      </p:pic>
+      <p:pic>
+        <p:nvPicPr>
+          <p:cNvPr id="1028" name="Picture 4" descr="Káº¿t quáº£ hÃ¬nh áº£nh cho what is gps"/>
+          <p:cNvPicPr>
+            <a:picLocks noChangeAspect="1" noChangeArrowheads="1"/>
+          </p:cNvPicPr>
+          <p:nvPr/>
+        </p:nvPicPr>
+        <p:blipFill>
+          <a:blip r:embed="rId3">
+            <a:extLst>
+              <a:ext uri="{28A0092B-C50C-407E-A947-70E740481C1C}">
+                <a14:useLocalDpi xmlns:a14="http://schemas.microsoft.com/office/drawing/2010/main" val="0"/>
+              </a:ext>
+            </a:extLst>
+          </a:blip>
+          <a:srcRect/>
+          <a:stretch>
+            <a:fillRect/>
+          </a:stretch>
+        </p:blipFill>
+        <p:spPr bwMode="auto">
+          <a:xfrm>
+            <a:off x="7963540" y="2904289"/>
+            <a:ext cx="3555815" cy="2370543"/>
+          </a:xfrm>
+          <a:prstGeom prst="rect">
+            <a:avLst/>
+          </a:prstGeom>
+          <a:noFill/>
+          <a:extLst>
+            <a:ext uri="{909E8E84-426E-40DD-AFC4-6F175D3DCCD1}">
+              <a14:hiddenFill xmlns:a14="http://schemas.microsoft.com/office/drawing/2010/main">
+                <a:solidFill>
+                  <a:srgbClr val="FFFFFF"/>
+                </a:solidFill>
+              </a14:hiddenFill>
+            </a:ext>
+          </a:extLst>
+        </p:spPr>
+      </p:pic>
+      <p:pic>
+        <p:nvPicPr>
+          <p:cNvPr id="1030" name="Picture 6" descr="Káº¿t quáº£ hÃ¬nh áº£nh cho united states government"/>
+          <p:cNvPicPr>
+            <a:picLocks noChangeAspect="1" noChangeArrowheads="1"/>
+          </p:cNvPicPr>
+          <p:nvPr/>
+        </p:nvPicPr>
+        <p:blipFill>
+          <a:blip r:embed="rId4">
+            <a:extLst>
+              <a:ext uri="{28A0092B-C50C-407E-A947-70E740481C1C}">
+                <a14:useLocalDpi xmlns:a14="http://schemas.microsoft.com/office/drawing/2010/main" val="0"/>
+              </a:ext>
+            </a:extLst>
+          </a:blip>
+          <a:srcRect/>
+          <a:stretch>
+            <a:fillRect/>
+          </a:stretch>
+        </p:blipFill>
+        <p:spPr bwMode="auto">
+          <a:xfrm>
+            <a:off x="5960218" y="245726"/>
+            <a:ext cx="2357719" cy="1760431"/>
+          </a:xfrm>
+          <a:prstGeom prst="rect">
+            <a:avLst/>
+          </a:prstGeom>
+          <a:noFill/>
+          <a:extLst>
+            <a:ext uri="{909E8E84-426E-40DD-AFC4-6F175D3DCCD1}">
+              <a14:hiddenFill xmlns:a14="http://schemas.microsoft.com/office/drawing/2010/main">
+                <a:solidFill>
+                  <a:srgbClr val="FFFFFF"/>
+                </a:solidFill>
+              </a14:hiddenFill>
+            </a:ext>
+          </a:extLst>
+        </p:spPr>
+      </p:pic>
+      <p:pic>
+        <p:nvPicPr>
+          <p:cNvPr id="1032" name="Picture 8" descr="Káº¿t quáº£ hÃ¬nh áº£nh cho GPS device"/>
+          <p:cNvPicPr>
+            <a:picLocks noChangeAspect="1" noChangeArrowheads="1"/>
+          </p:cNvPicPr>
+          <p:nvPr/>
+        </p:nvPicPr>
+        <p:blipFill>
+          <a:blip r:embed="rId5">
+            <a:extLst>
+              <a:ext uri="{28A0092B-C50C-407E-A947-70E740481C1C}">
+                <a14:useLocalDpi xmlns:a14="http://schemas.microsoft.com/office/drawing/2010/main" val="0"/>
+              </a:ext>
+            </a:extLst>
+          </a:blip>
+          <a:srcRect/>
+          <a:stretch>
+            <a:fillRect/>
+          </a:stretch>
+        </p:blipFill>
+        <p:spPr bwMode="auto">
+          <a:xfrm>
+            <a:off x="8645150" y="245726"/>
+            <a:ext cx="2381437" cy="1764429"/>
+          </a:xfrm>
+          <a:prstGeom prst="rect">
+            <a:avLst/>
+          </a:prstGeom>
+          <a:noFill/>
+          <a:extLst>
+            <a:ext uri="{909E8E84-426E-40DD-AFC4-6F175D3DCCD1}">
+              <a14:hiddenFill xmlns:a14="http://schemas.microsoft.com/office/drawing/2010/main">
+                <a:solidFill>
+                  <a:srgbClr val="FFFFFF"/>
+                </a:solidFill>
+              </a14:hiddenFill>
+            </a:ext>
+          </a:extLst>
+        </p:spPr>
+      </p:pic>
+      <p:pic>
+        <p:nvPicPr>
+          <p:cNvPr id="1034" name="Picture 10" descr="Káº¿t quáº£ hÃ¬nh áº£nh cho satellite for gps"/>
+          <p:cNvPicPr>
+            <a:picLocks noChangeAspect="1" noChangeArrowheads="1"/>
+          </p:cNvPicPr>
+          <p:nvPr/>
+        </p:nvPicPr>
+        <p:blipFill>
+          <a:blip r:embed="rId6">
+            <a:extLst>
+              <a:ext uri="{28A0092B-C50C-407E-A947-70E740481C1C}">
+                <a14:useLocalDpi xmlns:a14="http://schemas.microsoft.com/office/drawing/2010/main" val="0"/>
+              </a:ext>
+            </a:extLst>
+          </a:blip>
+          <a:srcRect/>
+          <a:stretch>
+            <a:fillRect/>
+          </a:stretch>
+        </p:blipFill>
+        <p:spPr bwMode="auto">
+          <a:xfrm>
+            <a:off x="4008344" y="3189535"/>
+            <a:ext cx="3718264" cy="1893454"/>
+          </a:xfrm>
+          <a:prstGeom prst="rect">
+            <a:avLst/>
+          </a:prstGeom>
+          <a:noFill/>
+          <a:extLst>
+            <a:ext uri="{909E8E84-426E-40DD-AFC4-6F175D3DCCD1}">
+              <a14:hiddenFill xmlns:a14="http://schemas.microsoft.com/office/drawing/2010/main">
+                <a:solidFill>
+                  <a:srgbClr val="FFFFFF"/>
+                </a:solidFill>
+              </a14:hiddenFill>
+            </a:ext>
+          </a:extLst>
+        </p:spPr>
+      </p:pic>
+    </p:spTree>
+    <p:extLst>
+      <p:ext uri="{BB962C8B-B14F-4D97-AF65-F5344CB8AC3E}">
+        <p14:creationId xmlns:p14="http://schemas.microsoft.com/office/powerpoint/2010/main" val="2364052531"/>
+      </p:ext>
+    </p:extLst>
+  </p:cSld>
+  <p:clrMapOvr>
+    <a:masterClrMapping/>
+  </p:clrMapOvr>
+  <p:timing>
+    <p:tnLst>
+      <p:par>
+        <p:cTn id="1" dur="indefinite" restart="never" nodeType="tmRoot"/>
+      </p:par>
+    </p:tnLst>
+  </p:timing>
+</p:sld>
+</file>
+
+<file path=ppt/slides/slide6.xml><?xml version="1.0" encoding="utf-8"?>
 <p:sld xmlns:a="http://schemas.openxmlformats.org/drawingml/2006/main" xmlns:r="http://schemas.openxmlformats.org/officeDocument/2006/relationships" xmlns:p="http://schemas.openxmlformats.org/presentationml/2006/main">
   <p:cSld>
     <p:spTree>
@@ -3820,166 +4459,13 @@
   <p:clrMapOvr>
     <a:masterClrMapping/>
   </p:clrMapOvr>
-</p:sld>
-</file>
-
-<file path=ppt/slides/slide5.xml><?xml version="1.0" encoding="utf-8"?>
-<p:sld xmlns:a="http://schemas.openxmlformats.org/drawingml/2006/main" xmlns:r="http://schemas.openxmlformats.org/officeDocument/2006/relationships" xmlns:p="http://schemas.openxmlformats.org/presentationml/2006/main">
-  <p:cSld>
-    <p:spTree>
-      <p:nvGrpSpPr>
-        <p:cNvPr id="1" name=""/>
-        <p:cNvGrpSpPr/>
-        <p:nvPr/>
-      </p:nvGrpSpPr>
-      <p:grpSpPr>
-        <a:xfrm>
-          <a:off x="0" y="0"/>
-          <a:ext cx="0" cy="0"/>
-          <a:chOff x="0" y="0"/>
-          <a:chExt cx="0" cy="0"/>
-        </a:xfrm>
-      </p:grpSpPr>
-      <p:sp>
-        <p:nvSpPr>
-          <p:cNvPr id="2" name="Title 1">
-            <a:extLst>
-              <a:ext uri="{FF2B5EF4-FFF2-40B4-BE49-F238E27FC236}">
-                <a16:creationId xmlns:a16="http://schemas.microsoft.com/office/drawing/2014/main" id="{E0B11B04-FADE-43BD-860E-976CEEA304FE}"/>
-              </a:ext>
-            </a:extLst>
-          </p:cNvPr>
-          <p:cNvSpPr>
-            <a:spLocks noGrp="1"/>
-          </p:cNvSpPr>
-          <p:nvPr>
-            <p:ph type="title"/>
-          </p:nvPr>
-        </p:nvSpPr>
-        <p:spPr/>
-        <p:txBody>
-          <a:bodyPr/>
-          <a:lstStyle/>
-          <a:p>
-            <a:endParaRPr lang="en-US"/>
-          </a:p>
-        </p:txBody>
-      </p:sp>
-      <p:sp>
-        <p:nvSpPr>
-          <p:cNvPr id="3" name="Content Placeholder 2">
-            <a:extLst>
-              <a:ext uri="{FF2B5EF4-FFF2-40B4-BE49-F238E27FC236}">
-                <a16:creationId xmlns:a16="http://schemas.microsoft.com/office/drawing/2014/main" id="{2C05DE46-DBF1-47B5-B268-D437678AA151}"/>
-              </a:ext>
-            </a:extLst>
-          </p:cNvPr>
-          <p:cNvSpPr>
-            <a:spLocks noGrp="1"/>
-          </p:cNvSpPr>
-          <p:nvPr>
-            <p:ph idx="1"/>
-          </p:nvPr>
-        </p:nvSpPr>
-        <p:spPr/>
-        <p:txBody>
-          <a:bodyPr/>
-          <a:lstStyle/>
-          <a:p>
-            <a:endParaRPr lang="en-US"/>
-          </a:p>
-        </p:txBody>
-      </p:sp>
-    </p:spTree>
-    <p:extLst>
-      <p:ext uri="{BB962C8B-B14F-4D97-AF65-F5344CB8AC3E}">
-        <p14:creationId xmlns:p14="http://schemas.microsoft.com/office/powerpoint/2010/main" val="2673389688"/>
-      </p:ext>
-    </p:extLst>
-  </p:cSld>
-  <p:clrMapOvr>
-    <a:masterClrMapping/>
-  </p:clrMapOvr>
-</p:sld>
-</file>
-
-<file path=ppt/slides/slide6.xml><?xml version="1.0" encoding="utf-8"?>
-<p:sld xmlns:a="http://schemas.openxmlformats.org/drawingml/2006/main" xmlns:r="http://schemas.openxmlformats.org/officeDocument/2006/relationships" xmlns:p="http://schemas.openxmlformats.org/presentationml/2006/main">
-  <p:cSld>
-    <p:spTree>
-      <p:nvGrpSpPr>
-        <p:cNvPr id="1" name=""/>
-        <p:cNvGrpSpPr/>
-        <p:nvPr/>
-      </p:nvGrpSpPr>
-      <p:grpSpPr>
-        <a:xfrm>
-          <a:off x="0" y="0"/>
-          <a:ext cx="0" cy="0"/>
-          <a:chOff x="0" y="0"/>
-          <a:chExt cx="0" cy="0"/>
-        </a:xfrm>
-      </p:grpSpPr>
-      <p:sp>
-        <p:nvSpPr>
-          <p:cNvPr id="2" name="Title 1">
-            <a:extLst>
-              <a:ext uri="{FF2B5EF4-FFF2-40B4-BE49-F238E27FC236}">
-                <a16:creationId xmlns:a16="http://schemas.microsoft.com/office/drawing/2014/main" id="{657D47DD-CD5E-4D4E-96DC-4CD2ED0C515F}"/>
-              </a:ext>
-            </a:extLst>
-          </p:cNvPr>
-          <p:cNvSpPr>
-            <a:spLocks noGrp="1"/>
-          </p:cNvSpPr>
-          <p:nvPr>
-            <p:ph type="title"/>
-          </p:nvPr>
-        </p:nvSpPr>
-        <p:spPr/>
-        <p:txBody>
-          <a:bodyPr/>
-          <a:lstStyle/>
-          <a:p>
-            <a:endParaRPr lang="en-US"/>
-          </a:p>
-        </p:txBody>
-      </p:sp>
-      <p:sp>
-        <p:nvSpPr>
-          <p:cNvPr id="3" name="Content Placeholder 2">
-            <a:extLst>
-              <a:ext uri="{FF2B5EF4-FFF2-40B4-BE49-F238E27FC236}">
-                <a16:creationId xmlns:a16="http://schemas.microsoft.com/office/drawing/2014/main" id="{7F0818A7-AF0B-4941-9249-0B2A2ADF0028}"/>
-              </a:ext>
-            </a:extLst>
-          </p:cNvPr>
-          <p:cNvSpPr>
-            <a:spLocks noGrp="1"/>
-          </p:cNvSpPr>
-          <p:nvPr>
-            <p:ph idx="1"/>
-          </p:nvPr>
-        </p:nvSpPr>
-        <p:spPr/>
-        <p:txBody>
-          <a:bodyPr/>
-          <a:lstStyle/>
-          <a:p>
-            <a:endParaRPr lang="en-US"/>
-          </a:p>
-        </p:txBody>
-      </p:sp>
-    </p:spTree>
-    <p:extLst>
-      <p:ext uri="{BB962C8B-B14F-4D97-AF65-F5344CB8AC3E}">
-        <p14:creationId xmlns:p14="http://schemas.microsoft.com/office/powerpoint/2010/main" val="2191777482"/>
-      </p:ext>
-    </p:extLst>
-  </p:cSld>
-  <p:clrMapOvr>
-    <a:masterClrMapping/>
-  </p:clrMapOvr>
+  <p:timing>
+    <p:tnLst>
+      <p:par>
+        <p:cTn id="1" dur="indefinite" restart="never" nodeType="tmRoot"/>
+      </p:par>
+    </p:tnLst>
+  </p:timing>
 </p:sld>
 </file>
 
@@ -4005,7 +4491,7 @@
           <p:cNvPr id="2" name="Title 1">
             <a:extLst>
               <a:ext uri="{FF2B5EF4-FFF2-40B4-BE49-F238E27FC236}">
-                <a16:creationId xmlns:a16="http://schemas.microsoft.com/office/drawing/2014/main" id="{18A8548F-1D37-4F1E-8691-FD6D58F17CF3}"/>
+                <a16:creationId xmlns:a16="http://schemas.microsoft.com/office/drawing/2014/main" id="{E0B11B04-FADE-43BD-860E-976CEEA304FE}"/>
               </a:ext>
             </a:extLst>
           </p:cNvPr>
@@ -4030,7 +4516,7 @@
           <p:cNvPr id="3" name="Content Placeholder 2">
             <a:extLst>
               <a:ext uri="{FF2B5EF4-FFF2-40B4-BE49-F238E27FC236}">
-                <a16:creationId xmlns:a16="http://schemas.microsoft.com/office/drawing/2014/main" id="{AFBFCB44-6128-4798-87D5-8B4B9012270F}"/>
+                <a16:creationId xmlns:a16="http://schemas.microsoft.com/office/drawing/2014/main" id="{2C05DE46-DBF1-47B5-B268-D437678AA151}"/>
               </a:ext>
             </a:extLst>
           </p:cNvPr>
@@ -4053,7 +4539,7 @@
     </p:spTree>
     <p:extLst>
       <p:ext uri="{BB962C8B-B14F-4D97-AF65-F5344CB8AC3E}">
-        <p14:creationId xmlns:p14="http://schemas.microsoft.com/office/powerpoint/2010/main" val="1366092590"/>
+        <p14:creationId xmlns:p14="http://schemas.microsoft.com/office/powerpoint/2010/main" val="2673389688"/>
       </p:ext>
     </p:extLst>
   </p:cSld>
@@ -4085,7 +4571,7 @@
           <p:cNvPr id="2" name="Title 1">
             <a:extLst>
               <a:ext uri="{FF2B5EF4-FFF2-40B4-BE49-F238E27FC236}">
-                <a16:creationId xmlns:a16="http://schemas.microsoft.com/office/drawing/2014/main" id="{44FC0230-8C69-4D3D-95D0-B0ABE0FA1859}"/>
+                <a16:creationId xmlns:a16="http://schemas.microsoft.com/office/drawing/2014/main" id="{657D47DD-CD5E-4D4E-96DC-4CD2ED0C515F}"/>
               </a:ext>
             </a:extLst>
           </p:cNvPr>
@@ -4110,7 +4596,7 @@
           <p:cNvPr id="3" name="Content Placeholder 2">
             <a:extLst>
               <a:ext uri="{FF2B5EF4-FFF2-40B4-BE49-F238E27FC236}">
-                <a16:creationId xmlns:a16="http://schemas.microsoft.com/office/drawing/2014/main" id="{B808720A-3D11-4A87-AE16-C1A12030814D}"/>
+                <a16:creationId xmlns:a16="http://schemas.microsoft.com/office/drawing/2014/main" id="{7F0818A7-AF0B-4941-9249-0B2A2ADF0028}"/>
               </a:ext>
             </a:extLst>
           </p:cNvPr>
@@ -4133,7 +4619,7 @@
     </p:spTree>
     <p:extLst>
       <p:ext uri="{BB962C8B-B14F-4D97-AF65-F5344CB8AC3E}">
-        <p14:creationId xmlns:p14="http://schemas.microsoft.com/office/powerpoint/2010/main" val="2033504082"/>
+        <p14:creationId xmlns:p14="http://schemas.microsoft.com/office/powerpoint/2010/main" val="2191777482"/>
       </p:ext>
     </p:extLst>
   </p:cSld>
@@ -4165,7 +4651,7 @@
           <p:cNvPr id="2" name="Title 1">
             <a:extLst>
               <a:ext uri="{FF2B5EF4-FFF2-40B4-BE49-F238E27FC236}">
-                <a16:creationId xmlns:a16="http://schemas.microsoft.com/office/drawing/2014/main" id="{26E4CFEA-82F6-4787-A48C-5D13D21627F1}"/>
+                <a16:creationId xmlns:a16="http://schemas.microsoft.com/office/drawing/2014/main" id="{18A8548F-1D37-4F1E-8691-FD6D58F17CF3}"/>
               </a:ext>
             </a:extLst>
           </p:cNvPr>
@@ -4190,7 +4676,7 @@
           <p:cNvPr id="3" name="Content Placeholder 2">
             <a:extLst>
               <a:ext uri="{FF2B5EF4-FFF2-40B4-BE49-F238E27FC236}">
-                <a16:creationId xmlns:a16="http://schemas.microsoft.com/office/drawing/2014/main" id="{4AA335EE-9A0A-4048-BBE2-1558098D3F65}"/>
+                <a16:creationId xmlns:a16="http://schemas.microsoft.com/office/drawing/2014/main" id="{AFBFCB44-6128-4798-87D5-8B4B9012270F}"/>
               </a:ext>
             </a:extLst>
           </p:cNvPr>
@@ -4213,7 +4699,7 @@
     </p:spTree>
     <p:extLst>
       <p:ext uri="{BB962C8B-B14F-4D97-AF65-F5344CB8AC3E}">
-        <p14:creationId xmlns:p14="http://schemas.microsoft.com/office/powerpoint/2010/main" val="3682416576"/>
+        <p14:creationId xmlns:p14="http://schemas.microsoft.com/office/powerpoint/2010/main" val="1366092590"/>
       </p:ext>
     </p:extLst>
   </p:cSld>

--- a/GPS DETECTER PROJECT.pptx
+++ b/GPS DETECTER PROJECT.pptx
@@ -2,7 +2,7 @@
 <file path=ppt/presentation.xml><?xml version="1.0" encoding="utf-8"?>
 <p:presentation xmlns:a="http://schemas.openxmlformats.org/drawingml/2006/main" xmlns:r="http://schemas.openxmlformats.org/officeDocument/2006/relationships" xmlns:p="http://schemas.openxmlformats.org/presentationml/2006/main" saveSubsetFonts="1">
   <p:sldMasterIdLst>
-    <p:sldMasterId id="2147483648" r:id="rId1"/>
+    <p:sldMasterId id="2147483660" r:id="rId1"/>
   </p:sldMasterIdLst>
   <p:sldIdLst>
     <p:sldId id="256" r:id="rId2"/>
@@ -10,12 +10,16 @@
     <p:sldId id="264" r:id="rId4"/>
     <p:sldId id="265" r:id="rId5"/>
     <p:sldId id="266" r:id="rId6"/>
-    <p:sldId id="258" r:id="rId7"/>
-    <p:sldId id="259" r:id="rId8"/>
-    <p:sldId id="260" r:id="rId9"/>
-    <p:sldId id="261" r:id="rId10"/>
-    <p:sldId id="262" r:id="rId11"/>
-    <p:sldId id="263" r:id="rId12"/>
+    <p:sldId id="267" r:id="rId7"/>
+    <p:sldId id="268" r:id="rId8"/>
+    <p:sldId id="269" r:id="rId9"/>
+    <p:sldId id="258" r:id="rId10"/>
+    <p:sldId id="259" r:id="rId11"/>
+    <p:sldId id="260" r:id="rId12"/>
+    <p:sldId id="261" r:id="rId13"/>
+    <p:sldId id="262" r:id="rId14"/>
+    <p:sldId id="263" r:id="rId15"/>
+    <p:sldId id="270" r:id="rId16"/>
   </p:sldIdLst>
   <p:sldSz cx="12192000" cy="6858000"/>
   <p:notesSz cx="6858000" cy="9144000"/>
@@ -23,7 +27,7 @@
     <a:defPPr>
       <a:defRPr lang="en-US"/>
     </a:defPPr>
-    <a:lvl1pPr marL="0" algn="l" defTabSz="914400" rtl="0" eaLnBrk="1" latinLnBrk="0" hangingPunct="1">
+    <a:lvl1pPr marL="0" algn="l" defTabSz="457200" rtl="0" eaLnBrk="1" latinLnBrk="0" hangingPunct="1">
       <a:defRPr sz="1800" kern="1200">
         <a:solidFill>
           <a:schemeClr val="tx1"/>
@@ -33,7 +37,7 @@
         <a:cs typeface="+mn-cs"/>
       </a:defRPr>
     </a:lvl1pPr>
-    <a:lvl2pPr marL="457200" algn="l" defTabSz="914400" rtl="0" eaLnBrk="1" latinLnBrk="0" hangingPunct="1">
+    <a:lvl2pPr marL="457200" algn="l" defTabSz="457200" rtl="0" eaLnBrk="1" latinLnBrk="0" hangingPunct="1">
       <a:defRPr sz="1800" kern="1200">
         <a:solidFill>
           <a:schemeClr val="tx1"/>
@@ -43,7 +47,7 @@
         <a:cs typeface="+mn-cs"/>
       </a:defRPr>
     </a:lvl2pPr>
-    <a:lvl3pPr marL="914400" algn="l" defTabSz="914400" rtl="0" eaLnBrk="1" latinLnBrk="0" hangingPunct="1">
+    <a:lvl3pPr marL="914400" algn="l" defTabSz="457200" rtl="0" eaLnBrk="1" latinLnBrk="0" hangingPunct="1">
       <a:defRPr sz="1800" kern="1200">
         <a:solidFill>
           <a:schemeClr val="tx1"/>
@@ -53,7 +57,7 @@
         <a:cs typeface="+mn-cs"/>
       </a:defRPr>
     </a:lvl3pPr>
-    <a:lvl4pPr marL="1371600" algn="l" defTabSz="914400" rtl="0" eaLnBrk="1" latinLnBrk="0" hangingPunct="1">
+    <a:lvl4pPr marL="1371600" algn="l" defTabSz="457200" rtl="0" eaLnBrk="1" latinLnBrk="0" hangingPunct="1">
       <a:defRPr sz="1800" kern="1200">
         <a:solidFill>
           <a:schemeClr val="tx1"/>
@@ -63,7 +67,7 @@
         <a:cs typeface="+mn-cs"/>
       </a:defRPr>
     </a:lvl4pPr>
-    <a:lvl5pPr marL="1828800" algn="l" defTabSz="914400" rtl="0" eaLnBrk="1" latinLnBrk="0" hangingPunct="1">
+    <a:lvl5pPr marL="1828800" algn="l" defTabSz="457200" rtl="0" eaLnBrk="1" latinLnBrk="0" hangingPunct="1">
       <a:defRPr sz="1800" kern="1200">
         <a:solidFill>
           <a:schemeClr val="tx1"/>
@@ -73,7 +77,7 @@
         <a:cs typeface="+mn-cs"/>
       </a:defRPr>
     </a:lvl5pPr>
-    <a:lvl6pPr marL="2286000" algn="l" defTabSz="914400" rtl="0" eaLnBrk="1" latinLnBrk="0" hangingPunct="1">
+    <a:lvl6pPr marL="2286000" algn="l" defTabSz="457200" rtl="0" eaLnBrk="1" latinLnBrk="0" hangingPunct="1">
       <a:defRPr sz="1800" kern="1200">
         <a:solidFill>
           <a:schemeClr val="tx1"/>
@@ -83,7 +87,7 @@
         <a:cs typeface="+mn-cs"/>
       </a:defRPr>
     </a:lvl6pPr>
-    <a:lvl7pPr marL="2743200" algn="l" defTabSz="914400" rtl="0" eaLnBrk="1" latinLnBrk="0" hangingPunct="1">
+    <a:lvl7pPr marL="2743200" algn="l" defTabSz="457200" rtl="0" eaLnBrk="1" latinLnBrk="0" hangingPunct="1">
       <a:defRPr sz="1800" kern="1200">
         <a:solidFill>
           <a:schemeClr val="tx1"/>
@@ -93,7 +97,7 @@
         <a:cs typeface="+mn-cs"/>
       </a:defRPr>
     </a:lvl7pPr>
-    <a:lvl8pPr marL="3200400" algn="l" defTabSz="914400" rtl="0" eaLnBrk="1" latinLnBrk="0" hangingPunct="1">
+    <a:lvl8pPr marL="3200400" algn="l" defTabSz="457200" rtl="0" eaLnBrk="1" latinLnBrk="0" hangingPunct="1">
       <a:defRPr sz="1800" kern="1200">
         <a:solidFill>
           <a:schemeClr val="tx1"/>
@@ -103,7 +107,7 @@
         <a:cs typeface="+mn-cs"/>
       </a:defRPr>
     </a:lvl8pPr>
-    <a:lvl9pPr marL="3657600" algn="l" defTabSz="914400" rtl="0" eaLnBrk="1" latinLnBrk="0" hangingPunct="1">
+    <a:lvl9pPr marL="3657600" algn="l" defTabSz="457200" rtl="0" eaLnBrk="1" latinLnBrk="0" hangingPunct="1">
       <a:defRPr sz="1800" kern="1200">
         <a:solidFill>
           <a:schemeClr val="tx1"/>
@@ -123,8 +127,16 @@
 </file>
 
 <file path=ppt/slideLayouts/slideLayout1.xml><?xml version="1.0" encoding="utf-8"?>
-<p:sldLayout xmlns:a="http://schemas.openxmlformats.org/drawingml/2006/main" xmlns:r="http://schemas.openxmlformats.org/officeDocument/2006/relationships" xmlns:p="http://schemas.openxmlformats.org/presentationml/2006/main" type="title" preserve="1">
+<p:sldLayout xmlns:a="http://schemas.openxmlformats.org/drawingml/2006/main" xmlns:r="http://schemas.openxmlformats.org/officeDocument/2006/relationships" xmlns:p="http://schemas.openxmlformats.org/presentationml/2006/main" showMasterSp="0" type="title" preserve="1">
   <p:cSld name="Title Slide">
+    <p:bg>
+      <p:bgPr>
+        <a:solidFill>
+          <a:schemeClr val="accent1"/>
+        </a:solidFill>
+        <a:effectLst/>
+      </p:bgPr>
+    </p:bg>
     <p:spTree>
       <p:nvGrpSpPr>
         <p:cNvPr id="1" name=""/>
@@ -141,13 +153,1053 @@
       </p:grpSpPr>
       <p:sp>
         <p:nvSpPr>
-          <p:cNvPr id="2" name="Title 1">
-            <a:extLst>
-              <a:ext uri="{FF2B5EF4-FFF2-40B4-BE49-F238E27FC236}">
-                <a16:creationId xmlns:a16="http://schemas.microsoft.com/office/drawing/2014/main" id="{1178F98B-3ADA-4739-B37A-4AE4D5BC6765}"/>
-              </a:ext>
-            </a:extLst>
-          </p:cNvPr>
+          <p:cNvPr id="11" name="Freeform 6" title="scalloped circle"/>
+          <p:cNvSpPr/>
+          <p:nvPr/>
+        </p:nvSpPr>
+        <p:spPr bwMode="auto">
+          <a:xfrm>
+            <a:off x="3557016" y="630936"/>
+            <a:ext cx="5235575" cy="5229225"/>
+          </a:xfrm>
+          <a:custGeom>
+            <a:avLst/>
+            <a:gdLst/>
+            <a:ahLst/>
+            <a:cxnLst/>
+            <a:rect l="0" t="0" r="r" b="b"/>
+            <a:pathLst>
+              <a:path w="3298" h="3294">
+                <a:moveTo>
+                  <a:pt x="1649" y="0"/>
+                </a:moveTo>
+                <a:lnTo>
+                  <a:pt x="1681" y="3"/>
+                </a:lnTo>
+                <a:lnTo>
+                  <a:pt x="1712" y="11"/>
+                </a:lnTo>
+                <a:lnTo>
+                  <a:pt x="1742" y="23"/>
+                </a:lnTo>
+                <a:lnTo>
+                  <a:pt x="1773" y="38"/>
+                </a:lnTo>
+                <a:lnTo>
+                  <a:pt x="1802" y="55"/>
+                </a:lnTo>
+                <a:lnTo>
+                  <a:pt x="1832" y="73"/>
+                </a:lnTo>
+                <a:lnTo>
+                  <a:pt x="1862" y="89"/>
+                </a:lnTo>
+                <a:lnTo>
+                  <a:pt x="1892" y="105"/>
+                </a:lnTo>
+                <a:lnTo>
+                  <a:pt x="1921" y="117"/>
+                </a:lnTo>
+                <a:lnTo>
+                  <a:pt x="1953" y="125"/>
+                </a:lnTo>
+                <a:lnTo>
+                  <a:pt x="1984" y="129"/>
+                </a:lnTo>
+                <a:lnTo>
+                  <a:pt x="2017" y="129"/>
+                </a:lnTo>
+                <a:lnTo>
+                  <a:pt x="2051" y="127"/>
+                </a:lnTo>
+                <a:lnTo>
+                  <a:pt x="2085" y="123"/>
+                </a:lnTo>
+                <a:lnTo>
+                  <a:pt x="2119" y="118"/>
+                </a:lnTo>
+                <a:lnTo>
+                  <a:pt x="2153" y="114"/>
+                </a:lnTo>
+                <a:lnTo>
+                  <a:pt x="2187" y="111"/>
+                </a:lnTo>
+                <a:lnTo>
+                  <a:pt x="2219" y="112"/>
+                </a:lnTo>
+                <a:lnTo>
+                  <a:pt x="2250" y="116"/>
+                </a:lnTo>
+                <a:lnTo>
+                  <a:pt x="2280" y="125"/>
+                </a:lnTo>
+                <a:lnTo>
+                  <a:pt x="2305" y="138"/>
+                </a:lnTo>
+                <a:lnTo>
+                  <a:pt x="2329" y="155"/>
+                </a:lnTo>
+                <a:lnTo>
+                  <a:pt x="2350" y="175"/>
+                </a:lnTo>
+                <a:lnTo>
+                  <a:pt x="2371" y="198"/>
+                </a:lnTo>
+                <a:lnTo>
+                  <a:pt x="2390" y="222"/>
+                </a:lnTo>
+                <a:lnTo>
+                  <a:pt x="2409" y="247"/>
+                </a:lnTo>
+                <a:lnTo>
+                  <a:pt x="2428" y="272"/>
+                </a:lnTo>
+                <a:lnTo>
+                  <a:pt x="2447" y="296"/>
+                </a:lnTo>
+                <a:lnTo>
+                  <a:pt x="2467" y="319"/>
+                </a:lnTo>
+                <a:lnTo>
+                  <a:pt x="2490" y="339"/>
+                </a:lnTo>
+                <a:lnTo>
+                  <a:pt x="2512" y="357"/>
+                </a:lnTo>
+                <a:lnTo>
+                  <a:pt x="2537" y="371"/>
+                </a:lnTo>
+                <a:lnTo>
+                  <a:pt x="2564" y="383"/>
+                </a:lnTo>
+                <a:lnTo>
+                  <a:pt x="2593" y="393"/>
+                </a:lnTo>
+                <a:lnTo>
+                  <a:pt x="2623" y="402"/>
+                </a:lnTo>
+                <a:lnTo>
+                  <a:pt x="2653" y="410"/>
+                </a:lnTo>
+                <a:lnTo>
+                  <a:pt x="2684" y="418"/>
+                </a:lnTo>
+                <a:lnTo>
+                  <a:pt x="2713" y="427"/>
+                </a:lnTo>
+                <a:lnTo>
+                  <a:pt x="2742" y="437"/>
+                </a:lnTo>
+                <a:lnTo>
+                  <a:pt x="2769" y="449"/>
+                </a:lnTo>
+                <a:lnTo>
+                  <a:pt x="2793" y="464"/>
+                </a:lnTo>
+                <a:lnTo>
+                  <a:pt x="2815" y="482"/>
+                </a:lnTo>
+                <a:lnTo>
+                  <a:pt x="2833" y="504"/>
+                </a:lnTo>
+                <a:lnTo>
+                  <a:pt x="2848" y="528"/>
+                </a:lnTo>
+                <a:lnTo>
+                  <a:pt x="2860" y="555"/>
+                </a:lnTo>
+                <a:lnTo>
+                  <a:pt x="2870" y="584"/>
+                </a:lnTo>
+                <a:lnTo>
+                  <a:pt x="2879" y="613"/>
+                </a:lnTo>
+                <a:lnTo>
+                  <a:pt x="2887" y="644"/>
+                </a:lnTo>
+                <a:lnTo>
+                  <a:pt x="2895" y="674"/>
+                </a:lnTo>
+                <a:lnTo>
+                  <a:pt x="2904" y="704"/>
+                </a:lnTo>
+                <a:lnTo>
+                  <a:pt x="2914" y="733"/>
+                </a:lnTo>
+                <a:lnTo>
+                  <a:pt x="2926" y="760"/>
+                </a:lnTo>
+                <a:lnTo>
+                  <a:pt x="2940" y="785"/>
+                </a:lnTo>
+                <a:lnTo>
+                  <a:pt x="2958" y="807"/>
+                </a:lnTo>
+                <a:lnTo>
+                  <a:pt x="2978" y="830"/>
+                </a:lnTo>
+                <a:lnTo>
+                  <a:pt x="3001" y="850"/>
+                </a:lnTo>
+                <a:lnTo>
+                  <a:pt x="3025" y="869"/>
+                </a:lnTo>
+                <a:lnTo>
+                  <a:pt x="3051" y="888"/>
+                </a:lnTo>
+                <a:lnTo>
+                  <a:pt x="3076" y="907"/>
+                </a:lnTo>
+                <a:lnTo>
+                  <a:pt x="3100" y="926"/>
+                </a:lnTo>
+                <a:lnTo>
+                  <a:pt x="3123" y="947"/>
+                </a:lnTo>
+                <a:lnTo>
+                  <a:pt x="3143" y="968"/>
+                </a:lnTo>
+                <a:lnTo>
+                  <a:pt x="3160" y="992"/>
+                </a:lnTo>
+                <a:lnTo>
+                  <a:pt x="3173" y="1017"/>
+                </a:lnTo>
+                <a:lnTo>
+                  <a:pt x="3182" y="1047"/>
+                </a:lnTo>
+                <a:lnTo>
+                  <a:pt x="3186" y="1078"/>
+                </a:lnTo>
+                <a:lnTo>
+                  <a:pt x="3187" y="1110"/>
+                </a:lnTo>
+                <a:lnTo>
+                  <a:pt x="3184" y="1144"/>
+                </a:lnTo>
+                <a:lnTo>
+                  <a:pt x="3180" y="1178"/>
+                </a:lnTo>
+                <a:lnTo>
+                  <a:pt x="3175" y="1212"/>
+                </a:lnTo>
+                <a:lnTo>
+                  <a:pt x="3171" y="1246"/>
+                </a:lnTo>
+                <a:lnTo>
+                  <a:pt x="3169" y="1280"/>
+                </a:lnTo>
+                <a:lnTo>
+                  <a:pt x="3169" y="1313"/>
+                </a:lnTo>
+                <a:lnTo>
+                  <a:pt x="3173" y="1344"/>
+                </a:lnTo>
+                <a:lnTo>
+                  <a:pt x="3181" y="1375"/>
+                </a:lnTo>
+                <a:lnTo>
+                  <a:pt x="3193" y="1404"/>
+                </a:lnTo>
+                <a:lnTo>
+                  <a:pt x="3209" y="1434"/>
+                </a:lnTo>
+                <a:lnTo>
+                  <a:pt x="3225" y="1464"/>
+                </a:lnTo>
+                <a:lnTo>
+                  <a:pt x="3243" y="1494"/>
+                </a:lnTo>
+                <a:lnTo>
+                  <a:pt x="3260" y="1523"/>
+                </a:lnTo>
+                <a:lnTo>
+                  <a:pt x="3275" y="1554"/>
+                </a:lnTo>
+                <a:lnTo>
+                  <a:pt x="3287" y="1584"/>
+                </a:lnTo>
+                <a:lnTo>
+                  <a:pt x="3295" y="1615"/>
+                </a:lnTo>
+                <a:lnTo>
+                  <a:pt x="3298" y="1647"/>
+                </a:lnTo>
+                <a:lnTo>
+                  <a:pt x="3295" y="1679"/>
+                </a:lnTo>
+                <a:lnTo>
+                  <a:pt x="3287" y="1710"/>
+                </a:lnTo>
+                <a:lnTo>
+                  <a:pt x="3275" y="1740"/>
+                </a:lnTo>
+                <a:lnTo>
+                  <a:pt x="3260" y="1771"/>
+                </a:lnTo>
+                <a:lnTo>
+                  <a:pt x="3243" y="1800"/>
+                </a:lnTo>
+                <a:lnTo>
+                  <a:pt x="3225" y="1830"/>
+                </a:lnTo>
+                <a:lnTo>
+                  <a:pt x="3209" y="1860"/>
+                </a:lnTo>
+                <a:lnTo>
+                  <a:pt x="3193" y="1890"/>
+                </a:lnTo>
+                <a:lnTo>
+                  <a:pt x="3181" y="1919"/>
+                </a:lnTo>
+                <a:lnTo>
+                  <a:pt x="3173" y="1950"/>
+                </a:lnTo>
+                <a:lnTo>
+                  <a:pt x="3169" y="1981"/>
+                </a:lnTo>
+                <a:lnTo>
+                  <a:pt x="3169" y="2014"/>
+                </a:lnTo>
+                <a:lnTo>
+                  <a:pt x="3171" y="2048"/>
+                </a:lnTo>
+                <a:lnTo>
+                  <a:pt x="3175" y="2082"/>
+                </a:lnTo>
+                <a:lnTo>
+                  <a:pt x="3180" y="2116"/>
+                </a:lnTo>
+                <a:lnTo>
+                  <a:pt x="3184" y="2150"/>
+                </a:lnTo>
+                <a:lnTo>
+                  <a:pt x="3187" y="2184"/>
+                </a:lnTo>
+                <a:lnTo>
+                  <a:pt x="3186" y="2216"/>
+                </a:lnTo>
+                <a:lnTo>
+                  <a:pt x="3182" y="2247"/>
+                </a:lnTo>
+                <a:lnTo>
+                  <a:pt x="3173" y="2277"/>
+                </a:lnTo>
+                <a:lnTo>
+                  <a:pt x="3160" y="2302"/>
+                </a:lnTo>
+                <a:lnTo>
+                  <a:pt x="3143" y="2326"/>
+                </a:lnTo>
+                <a:lnTo>
+                  <a:pt x="3123" y="2347"/>
+                </a:lnTo>
+                <a:lnTo>
+                  <a:pt x="3100" y="2368"/>
+                </a:lnTo>
+                <a:lnTo>
+                  <a:pt x="3076" y="2387"/>
+                </a:lnTo>
+                <a:lnTo>
+                  <a:pt x="3051" y="2406"/>
+                </a:lnTo>
+                <a:lnTo>
+                  <a:pt x="3025" y="2425"/>
+                </a:lnTo>
+                <a:lnTo>
+                  <a:pt x="3001" y="2444"/>
+                </a:lnTo>
+                <a:lnTo>
+                  <a:pt x="2978" y="2464"/>
+                </a:lnTo>
+                <a:lnTo>
+                  <a:pt x="2958" y="2487"/>
+                </a:lnTo>
+                <a:lnTo>
+                  <a:pt x="2940" y="2509"/>
+                </a:lnTo>
+                <a:lnTo>
+                  <a:pt x="2926" y="2534"/>
+                </a:lnTo>
+                <a:lnTo>
+                  <a:pt x="2914" y="2561"/>
+                </a:lnTo>
+                <a:lnTo>
+                  <a:pt x="2904" y="2590"/>
+                </a:lnTo>
+                <a:lnTo>
+                  <a:pt x="2895" y="2620"/>
+                </a:lnTo>
+                <a:lnTo>
+                  <a:pt x="2887" y="2650"/>
+                </a:lnTo>
+                <a:lnTo>
+                  <a:pt x="2879" y="2681"/>
+                </a:lnTo>
+                <a:lnTo>
+                  <a:pt x="2870" y="2710"/>
+                </a:lnTo>
+                <a:lnTo>
+                  <a:pt x="2860" y="2739"/>
+                </a:lnTo>
+                <a:lnTo>
+                  <a:pt x="2848" y="2766"/>
+                </a:lnTo>
+                <a:lnTo>
+                  <a:pt x="2833" y="2790"/>
+                </a:lnTo>
+                <a:lnTo>
+                  <a:pt x="2815" y="2812"/>
+                </a:lnTo>
+                <a:lnTo>
+                  <a:pt x="2793" y="2830"/>
+                </a:lnTo>
+                <a:lnTo>
+                  <a:pt x="2769" y="2845"/>
+                </a:lnTo>
+                <a:lnTo>
+                  <a:pt x="2742" y="2857"/>
+                </a:lnTo>
+                <a:lnTo>
+                  <a:pt x="2713" y="2867"/>
+                </a:lnTo>
+                <a:lnTo>
+                  <a:pt x="2684" y="2876"/>
+                </a:lnTo>
+                <a:lnTo>
+                  <a:pt x="2653" y="2884"/>
+                </a:lnTo>
+                <a:lnTo>
+                  <a:pt x="2623" y="2892"/>
+                </a:lnTo>
+                <a:lnTo>
+                  <a:pt x="2593" y="2901"/>
+                </a:lnTo>
+                <a:lnTo>
+                  <a:pt x="2564" y="2911"/>
+                </a:lnTo>
+                <a:lnTo>
+                  <a:pt x="2537" y="2923"/>
+                </a:lnTo>
+                <a:lnTo>
+                  <a:pt x="2512" y="2937"/>
+                </a:lnTo>
+                <a:lnTo>
+                  <a:pt x="2490" y="2955"/>
+                </a:lnTo>
+                <a:lnTo>
+                  <a:pt x="2467" y="2975"/>
+                </a:lnTo>
+                <a:lnTo>
+                  <a:pt x="2447" y="2998"/>
+                </a:lnTo>
+                <a:lnTo>
+                  <a:pt x="2428" y="3022"/>
+                </a:lnTo>
+                <a:lnTo>
+                  <a:pt x="2409" y="3047"/>
+                </a:lnTo>
+                <a:lnTo>
+                  <a:pt x="2390" y="3072"/>
+                </a:lnTo>
+                <a:lnTo>
+                  <a:pt x="2371" y="3096"/>
+                </a:lnTo>
+                <a:lnTo>
+                  <a:pt x="2350" y="3119"/>
+                </a:lnTo>
+                <a:lnTo>
+                  <a:pt x="2329" y="3139"/>
+                </a:lnTo>
+                <a:lnTo>
+                  <a:pt x="2305" y="3156"/>
+                </a:lnTo>
+                <a:lnTo>
+                  <a:pt x="2280" y="3169"/>
+                </a:lnTo>
+                <a:lnTo>
+                  <a:pt x="2250" y="3178"/>
+                </a:lnTo>
+                <a:lnTo>
+                  <a:pt x="2219" y="3182"/>
+                </a:lnTo>
+                <a:lnTo>
+                  <a:pt x="2187" y="3183"/>
+                </a:lnTo>
+                <a:lnTo>
+                  <a:pt x="2153" y="3180"/>
+                </a:lnTo>
+                <a:lnTo>
+                  <a:pt x="2119" y="3176"/>
+                </a:lnTo>
+                <a:lnTo>
+                  <a:pt x="2085" y="3171"/>
+                </a:lnTo>
+                <a:lnTo>
+                  <a:pt x="2051" y="3167"/>
+                </a:lnTo>
+                <a:lnTo>
+                  <a:pt x="2017" y="3165"/>
+                </a:lnTo>
+                <a:lnTo>
+                  <a:pt x="1984" y="3165"/>
+                </a:lnTo>
+                <a:lnTo>
+                  <a:pt x="1953" y="3169"/>
+                </a:lnTo>
+                <a:lnTo>
+                  <a:pt x="1921" y="3177"/>
+                </a:lnTo>
+                <a:lnTo>
+                  <a:pt x="1892" y="3189"/>
+                </a:lnTo>
+                <a:lnTo>
+                  <a:pt x="1862" y="3205"/>
+                </a:lnTo>
+                <a:lnTo>
+                  <a:pt x="1832" y="3221"/>
+                </a:lnTo>
+                <a:lnTo>
+                  <a:pt x="1802" y="3239"/>
+                </a:lnTo>
+                <a:lnTo>
+                  <a:pt x="1773" y="3256"/>
+                </a:lnTo>
+                <a:lnTo>
+                  <a:pt x="1742" y="3271"/>
+                </a:lnTo>
+                <a:lnTo>
+                  <a:pt x="1712" y="3283"/>
+                </a:lnTo>
+                <a:lnTo>
+                  <a:pt x="1681" y="3291"/>
+                </a:lnTo>
+                <a:lnTo>
+                  <a:pt x="1649" y="3294"/>
+                </a:lnTo>
+                <a:lnTo>
+                  <a:pt x="1617" y="3291"/>
+                </a:lnTo>
+                <a:lnTo>
+                  <a:pt x="1586" y="3283"/>
+                </a:lnTo>
+                <a:lnTo>
+                  <a:pt x="1556" y="3271"/>
+                </a:lnTo>
+                <a:lnTo>
+                  <a:pt x="1525" y="3256"/>
+                </a:lnTo>
+                <a:lnTo>
+                  <a:pt x="1496" y="3239"/>
+                </a:lnTo>
+                <a:lnTo>
+                  <a:pt x="1466" y="3221"/>
+                </a:lnTo>
+                <a:lnTo>
+                  <a:pt x="1436" y="3205"/>
+                </a:lnTo>
+                <a:lnTo>
+                  <a:pt x="1406" y="3189"/>
+                </a:lnTo>
+                <a:lnTo>
+                  <a:pt x="1376" y="3177"/>
+                </a:lnTo>
+                <a:lnTo>
+                  <a:pt x="1345" y="3169"/>
+                </a:lnTo>
+                <a:lnTo>
+                  <a:pt x="1314" y="3165"/>
+                </a:lnTo>
+                <a:lnTo>
+                  <a:pt x="1281" y="3165"/>
+                </a:lnTo>
+                <a:lnTo>
+                  <a:pt x="1247" y="3167"/>
+                </a:lnTo>
+                <a:lnTo>
+                  <a:pt x="1213" y="3171"/>
+                </a:lnTo>
+                <a:lnTo>
+                  <a:pt x="1179" y="3176"/>
+                </a:lnTo>
+                <a:lnTo>
+                  <a:pt x="1145" y="3180"/>
+                </a:lnTo>
+                <a:lnTo>
+                  <a:pt x="1111" y="3183"/>
+                </a:lnTo>
+                <a:lnTo>
+                  <a:pt x="1079" y="3182"/>
+                </a:lnTo>
+                <a:lnTo>
+                  <a:pt x="1048" y="3178"/>
+                </a:lnTo>
+                <a:lnTo>
+                  <a:pt x="1018" y="3169"/>
+                </a:lnTo>
+                <a:lnTo>
+                  <a:pt x="993" y="3156"/>
+                </a:lnTo>
+                <a:lnTo>
+                  <a:pt x="969" y="3139"/>
+                </a:lnTo>
+                <a:lnTo>
+                  <a:pt x="948" y="3119"/>
+                </a:lnTo>
+                <a:lnTo>
+                  <a:pt x="927" y="3096"/>
+                </a:lnTo>
+                <a:lnTo>
+                  <a:pt x="908" y="3072"/>
+                </a:lnTo>
+                <a:lnTo>
+                  <a:pt x="889" y="3047"/>
+                </a:lnTo>
+                <a:lnTo>
+                  <a:pt x="870" y="3022"/>
+                </a:lnTo>
+                <a:lnTo>
+                  <a:pt x="851" y="2998"/>
+                </a:lnTo>
+                <a:lnTo>
+                  <a:pt x="831" y="2975"/>
+                </a:lnTo>
+                <a:lnTo>
+                  <a:pt x="808" y="2955"/>
+                </a:lnTo>
+                <a:lnTo>
+                  <a:pt x="786" y="2937"/>
+                </a:lnTo>
+                <a:lnTo>
+                  <a:pt x="761" y="2923"/>
+                </a:lnTo>
+                <a:lnTo>
+                  <a:pt x="734" y="2911"/>
+                </a:lnTo>
+                <a:lnTo>
+                  <a:pt x="705" y="2901"/>
+                </a:lnTo>
+                <a:lnTo>
+                  <a:pt x="675" y="2892"/>
+                </a:lnTo>
+                <a:lnTo>
+                  <a:pt x="645" y="2884"/>
+                </a:lnTo>
+                <a:lnTo>
+                  <a:pt x="614" y="2876"/>
+                </a:lnTo>
+                <a:lnTo>
+                  <a:pt x="585" y="2867"/>
+                </a:lnTo>
+                <a:lnTo>
+                  <a:pt x="556" y="2857"/>
+                </a:lnTo>
+                <a:lnTo>
+                  <a:pt x="529" y="2845"/>
+                </a:lnTo>
+                <a:lnTo>
+                  <a:pt x="505" y="2830"/>
+                </a:lnTo>
+                <a:lnTo>
+                  <a:pt x="483" y="2812"/>
+                </a:lnTo>
+                <a:lnTo>
+                  <a:pt x="465" y="2790"/>
+                </a:lnTo>
+                <a:lnTo>
+                  <a:pt x="450" y="2766"/>
+                </a:lnTo>
+                <a:lnTo>
+                  <a:pt x="438" y="2739"/>
+                </a:lnTo>
+                <a:lnTo>
+                  <a:pt x="428" y="2710"/>
+                </a:lnTo>
+                <a:lnTo>
+                  <a:pt x="419" y="2681"/>
+                </a:lnTo>
+                <a:lnTo>
+                  <a:pt x="411" y="2650"/>
+                </a:lnTo>
+                <a:lnTo>
+                  <a:pt x="403" y="2620"/>
+                </a:lnTo>
+                <a:lnTo>
+                  <a:pt x="394" y="2590"/>
+                </a:lnTo>
+                <a:lnTo>
+                  <a:pt x="384" y="2561"/>
+                </a:lnTo>
+                <a:lnTo>
+                  <a:pt x="372" y="2534"/>
+                </a:lnTo>
+                <a:lnTo>
+                  <a:pt x="358" y="2509"/>
+                </a:lnTo>
+                <a:lnTo>
+                  <a:pt x="340" y="2487"/>
+                </a:lnTo>
+                <a:lnTo>
+                  <a:pt x="320" y="2464"/>
+                </a:lnTo>
+                <a:lnTo>
+                  <a:pt x="297" y="2444"/>
+                </a:lnTo>
+                <a:lnTo>
+                  <a:pt x="272" y="2425"/>
+                </a:lnTo>
+                <a:lnTo>
+                  <a:pt x="247" y="2406"/>
+                </a:lnTo>
+                <a:lnTo>
+                  <a:pt x="222" y="2387"/>
+                </a:lnTo>
+                <a:lnTo>
+                  <a:pt x="198" y="2368"/>
+                </a:lnTo>
+                <a:lnTo>
+                  <a:pt x="175" y="2347"/>
+                </a:lnTo>
+                <a:lnTo>
+                  <a:pt x="155" y="2326"/>
+                </a:lnTo>
+                <a:lnTo>
+                  <a:pt x="138" y="2302"/>
+                </a:lnTo>
+                <a:lnTo>
+                  <a:pt x="125" y="2277"/>
+                </a:lnTo>
+                <a:lnTo>
+                  <a:pt x="116" y="2247"/>
+                </a:lnTo>
+                <a:lnTo>
+                  <a:pt x="112" y="2216"/>
+                </a:lnTo>
+                <a:lnTo>
+                  <a:pt x="111" y="2184"/>
+                </a:lnTo>
+                <a:lnTo>
+                  <a:pt x="114" y="2150"/>
+                </a:lnTo>
+                <a:lnTo>
+                  <a:pt x="118" y="2116"/>
+                </a:lnTo>
+                <a:lnTo>
+                  <a:pt x="123" y="2082"/>
+                </a:lnTo>
+                <a:lnTo>
+                  <a:pt x="127" y="2048"/>
+                </a:lnTo>
+                <a:lnTo>
+                  <a:pt x="129" y="2014"/>
+                </a:lnTo>
+                <a:lnTo>
+                  <a:pt x="129" y="1981"/>
+                </a:lnTo>
+                <a:lnTo>
+                  <a:pt x="125" y="1950"/>
+                </a:lnTo>
+                <a:lnTo>
+                  <a:pt x="117" y="1919"/>
+                </a:lnTo>
+                <a:lnTo>
+                  <a:pt x="105" y="1890"/>
+                </a:lnTo>
+                <a:lnTo>
+                  <a:pt x="90" y="1860"/>
+                </a:lnTo>
+                <a:lnTo>
+                  <a:pt x="73" y="1830"/>
+                </a:lnTo>
+                <a:lnTo>
+                  <a:pt x="55" y="1800"/>
+                </a:lnTo>
+                <a:lnTo>
+                  <a:pt x="38" y="1771"/>
+                </a:lnTo>
+                <a:lnTo>
+                  <a:pt x="23" y="1740"/>
+                </a:lnTo>
+                <a:lnTo>
+                  <a:pt x="11" y="1710"/>
+                </a:lnTo>
+                <a:lnTo>
+                  <a:pt x="3" y="1679"/>
+                </a:lnTo>
+                <a:lnTo>
+                  <a:pt x="0" y="1647"/>
+                </a:lnTo>
+                <a:lnTo>
+                  <a:pt x="3" y="1615"/>
+                </a:lnTo>
+                <a:lnTo>
+                  <a:pt x="11" y="1584"/>
+                </a:lnTo>
+                <a:lnTo>
+                  <a:pt x="23" y="1554"/>
+                </a:lnTo>
+                <a:lnTo>
+                  <a:pt x="38" y="1523"/>
+                </a:lnTo>
+                <a:lnTo>
+                  <a:pt x="55" y="1494"/>
+                </a:lnTo>
+                <a:lnTo>
+                  <a:pt x="73" y="1464"/>
+                </a:lnTo>
+                <a:lnTo>
+                  <a:pt x="90" y="1434"/>
+                </a:lnTo>
+                <a:lnTo>
+                  <a:pt x="105" y="1404"/>
+                </a:lnTo>
+                <a:lnTo>
+                  <a:pt x="117" y="1375"/>
+                </a:lnTo>
+                <a:lnTo>
+                  <a:pt x="125" y="1344"/>
+                </a:lnTo>
+                <a:lnTo>
+                  <a:pt x="129" y="1313"/>
+                </a:lnTo>
+                <a:lnTo>
+                  <a:pt x="129" y="1280"/>
+                </a:lnTo>
+                <a:lnTo>
+                  <a:pt x="127" y="1246"/>
+                </a:lnTo>
+                <a:lnTo>
+                  <a:pt x="123" y="1212"/>
+                </a:lnTo>
+                <a:lnTo>
+                  <a:pt x="118" y="1178"/>
+                </a:lnTo>
+                <a:lnTo>
+                  <a:pt x="114" y="1144"/>
+                </a:lnTo>
+                <a:lnTo>
+                  <a:pt x="111" y="1110"/>
+                </a:lnTo>
+                <a:lnTo>
+                  <a:pt x="112" y="1078"/>
+                </a:lnTo>
+                <a:lnTo>
+                  <a:pt x="116" y="1047"/>
+                </a:lnTo>
+                <a:lnTo>
+                  <a:pt x="125" y="1017"/>
+                </a:lnTo>
+                <a:lnTo>
+                  <a:pt x="138" y="992"/>
+                </a:lnTo>
+                <a:lnTo>
+                  <a:pt x="155" y="968"/>
+                </a:lnTo>
+                <a:lnTo>
+                  <a:pt x="175" y="947"/>
+                </a:lnTo>
+                <a:lnTo>
+                  <a:pt x="198" y="926"/>
+                </a:lnTo>
+                <a:lnTo>
+                  <a:pt x="222" y="907"/>
+                </a:lnTo>
+                <a:lnTo>
+                  <a:pt x="247" y="888"/>
+                </a:lnTo>
+                <a:lnTo>
+                  <a:pt x="272" y="869"/>
+                </a:lnTo>
+                <a:lnTo>
+                  <a:pt x="297" y="850"/>
+                </a:lnTo>
+                <a:lnTo>
+                  <a:pt x="320" y="830"/>
+                </a:lnTo>
+                <a:lnTo>
+                  <a:pt x="340" y="807"/>
+                </a:lnTo>
+                <a:lnTo>
+                  <a:pt x="358" y="785"/>
+                </a:lnTo>
+                <a:lnTo>
+                  <a:pt x="372" y="760"/>
+                </a:lnTo>
+                <a:lnTo>
+                  <a:pt x="384" y="733"/>
+                </a:lnTo>
+                <a:lnTo>
+                  <a:pt x="394" y="704"/>
+                </a:lnTo>
+                <a:lnTo>
+                  <a:pt x="403" y="674"/>
+                </a:lnTo>
+                <a:lnTo>
+                  <a:pt x="411" y="644"/>
+                </a:lnTo>
+                <a:lnTo>
+                  <a:pt x="419" y="613"/>
+                </a:lnTo>
+                <a:lnTo>
+                  <a:pt x="428" y="584"/>
+                </a:lnTo>
+                <a:lnTo>
+                  <a:pt x="438" y="555"/>
+                </a:lnTo>
+                <a:lnTo>
+                  <a:pt x="450" y="528"/>
+                </a:lnTo>
+                <a:lnTo>
+                  <a:pt x="465" y="504"/>
+                </a:lnTo>
+                <a:lnTo>
+                  <a:pt x="483" y="482"/>
+                </a:lnTo>
+                <a:lnTo>
+                  <a:pt x="505" y="464"/>
+                </a:lnTo>
+                <a:lnTo>
+                  <a:pt x="529" y="449"/>
+                </a:lnTo>
+                <a:lnTo>
+                  <a:pt x="556" y="437"/>
+                </a:lnTo>
+                <a:lnTo>
+                  <a:pt x="585" y="427"/>
+                </a:lnTo>
+                <a:lnTo>
+                  <a:pt x="614" y="418"/>
+                </a:lnTo>
+                <a:lnTo>
+                  <a:pt x="645" y="410"/>
+                </a:lnTo>
+                <a:lnTo>
+                  <a:pt x="675" y="402"/>
+                </a:lnTo>
+                <a:lnTo>
+                  <a:pt x="705" y="393"/>
+                </a:lnTo>
+                <a:lnTo>
+                  <a:pt x="734" y="383"/>
+                </a:lnTo>
+                <a:lnTo>
+                  <a:pt x="761" y="371"/>
+                </a:lnTo>
+                <a:lnTo>
+                  <a:pt x="786" y="357"/>
+                </a:lnTo>
+                <a:lnTo>
+                  <a:pt x="808" y="339"/>
+                </a:lnTo>
+                <a:lnTo>
+                  <a:pt x="831" y="319"/>
+                </a:lnTo>
+                <a:lnTo>
+                  <a:pt x="851" y="296"/>
+                </a:lnTo>
+                <a:lnTo>
+                  <a:pt x="870" y="272"/>
+                </a:lnTo>
+                <a:lnTo>
+                  <a:pt x="889" y="247"/>
+                </a:lnTo>
+                <a:lnTo>
+                  <a:pt x="908" y="222"/>
+                </a:lnTo>
+                <a:lnTo>
+                  <a:pt x="927" y="198"/>
+                </a:lnTo>
+                <a:lnTo>
+                  <a:pt x="948" y="175"/>
+                </a:lnTo>
+                <a:lnTo>
+                  <a:pt x="969" y="155"/>
+                </a:lnTo>
+                <a:lnTo>
+                  <a:pt x="993" y="138"/>
+                </a:lnTo>
+                <a:lnTo>
+                  <a:pt x="1018" y="125"/>
+                </a:lnTo>
+                <a:lnTo>
+                  <a:pt x="1048" y="116"/>
+                </a:lnTo>
+                <a:lnTo>
+                  <a:pt x="1079" y="112"/>
+                </a:lnTo>
+                <a:lnTo>
+                  <a:pt x="1111" y="111"/>
+                </a:lnTo>
+                <a:lnTo>
+                  <a:pt x="1145" y="114"/>
+                </a:lnTo>
+                <a:lnTo>
+                  <a:pt x="1179" y="118"/>
+                </a:lnTo>
+                <a:lnTo>
+                  <a:pt x="1213" y="123"/>
+                </a:lnTo>
+                <a:lnTo>
+                  <a:pt x="1247" y="127"/>
+                </a:lnTo>
+                <a:lnTo>
+                  <a:pt x="1281" y="129"/>
+                </a:lnTo>
+                <a:lnTo>
+                  <a:pt x="1314" y="129"/>
+                </a:lnTo>
+                <a:lnTo>
+                  <a:pt x="1345" y="125"/>
+                </a:lnTo>
+                <a:lnTo>
+                  <a:pt x="1376" y="117"/>
+                </a:lnTo>
+                <a:lnTo>
+                  <a:pt x="1406" y="105"/>
+                </a:lnTo>
+                <a:lnTo>
+                  <a:pt x="1436" y="89"/>
+                </a:lnTo>
+                <a:lnTo>
+                  <a:pt x="1466" y="73"/>
+                </a:lnTo>
+                <a:lnTo>
+                  <a:pt x="1496" y="55"/>
+                </a:lnTo>
+                <a:lnTo>
+                  <a:pt x="1525" y="38"/>
+                </a:lnTo>
+                <a:lnTo>
+                  <a:pt x="1556" y="23"/>
+                </a:lnTo>
+                <a:lnTo>
+                  <a:pt x="1586" y="11"/>
+                </a:lnTo>
+                <a:lnTo>
+                  <a:pt x="1617" y="3"/>
+                </a:lnTo>
+                <a:lnTo>
+                  <a:pt x="1649" y="0"/>
+                </a:lnTo>
+                <a:close/>
+              </a:path>
+            </a:pathLst>
+          </a:custGeom>
+          <a:solidFill>
+            <a:schemeClr val="bg2"/>
+          </a:solidFill>
+          <a:ln w="0">
+            <a:noFill/>
+            <a:prstDash val="solid"/>
+            <a:round/>
+            <a:headEnd/>
+            <a:tailEnd/>
+          </a:ln>
+        </p:spPr>
+      </p:sp>
+      <p:sp>
+        <p:nvSpPr>
+          <p:cNvPr id="2" name="Title 1"/>
           <p:cNvSpPr>
             <a:spLocks noGrp="1"/>
           </p:cNvSpPr>
@@ -157,15 +1209,17 @@
         </p:nvSpPr>
         <p:spPr>
           <a:xfrm>
-            <a:off x="1524000" y="1122363"/>
-            <a:ext cx="9144000" cy="2387600"/>
+            <a:off x="1078523" y="1098388"/>
+            <a:ext cx="10318418" cy="4394988"/>
           </a:xfrm>
         </p:spPr>
         <p:txBody>
-          <a:bodyPr anchor="b"/>
+          <a:bodyPr anchor="ctr">
+            <a:noAutofit/>
+          </a:bodyPr>
           <a:lstStyle>
             <a:lvl1pPr algn="ctr">
-              <a:defRPr sz="6000"/>
+              <a:defRPr sz="10000" spc="800" baseline="0"/>
             </a:lvl1pPr>
           </a:lstStyle>
           <a:p>
@@ -173,18 +1227,13 @@
               <a:rPr lang="en-US"/>
               <a:t>Click to edit Master title style</a:t>
             </a:r>
+            <a:endParaRPr lang="en-US" dirty="0"/>
           </a:p>
         </p:txBody>
       </p:sp>
       <p:sp>
         <p:nvSpPr>
-          <p:cNvPr id="3" name="Subtitle 2">
-            <a:extLst>
-              <a:ext uri="{FF2B5EF4-FFF2-40B4-BE49-F238E27FC236}">
-                <a16:creationId xmlns:a16="http://schemas.microsoft.com/office/drawing/2014/main" id="{906794B6-F558-48EA-89F0-0BBE273497FE}"/>
-              </a:ext>
-            </a:extLst>
-          </p:cNvPr>
+          <p:cNvPr id="3" name="Subtitle 2"/>
           <p:cNvSpPr>
             <a:spLocks noGrp="1"/>
           </p:cNvSpPr>
@@ -194,16 +1243,25 @@
         </p:nvSpPr>
         <p:spPr>
           <a:xfrm>
-            <a:off x="1524000" y="3602038"/>
-            <a:ext cx="9144000" cy="1655762"/>
+            <a:off x="2215045" y="5979196"/>
+            <a:ext cx="8045373" cy="742279"/>
           </a:xfrm>
         </p:spPr>
         <p:txBody>
-          <a:bodyPr/>
+          <a:bodyPr anchor="t">
+            <a:normAutofit/>
+          </a:bodyPr>
           <a:lstStyle>
             <a:lvl1pPr marL="0" indent="0" algn="ctr">
+              <a:lnSpc>
+                <a:spcPct val="100000"/>
+              </a:lnSpc>
               <a:buNone/>
-              <a:defRPr sz="2400"/>
+              <a:defRPr sz="2000" b="1" i="0" cap="all" spc="400" baseline="0">
+                <a:solidFill>
+                  <a:schemeClr val="tx2"/>
+                </a:solidFill>
+              </a:defRPr>
             </a:lvl1pPr>
             <a:lvl2pPr marL="457200" indent="0" algn="ctr">
               <a:buNone/>
@@ -243,18 +1301,13 @@
               <a:rPr lang="en-US"/>
               <a:t>Click to edit Master subtitle style</a:t>
             </a:r>
+            <a:endParaRPr lang="en-US" dirty="0"/>
           </a:p>
         </p:txBody>
       </p:sp>
       <p:sp>
         <p:nvSpPr>
-          <p:cNvPr id="4" name="Date Placeholder 3">
-            <a:extLst>
-              <a:ext uri="{FF2B5EF4-FFF2-40B4-BE49-F238E27FC236}">
-                <a16:creationId xmlns:a16="http://schemas.microsoft.com/office/drawing/2014/main" id="{75FEC04F-9B28-4DCA-9819-4E9B34FDA5E2}"/>
-              </a:ext>
-            </a:extLst>
-          </p:cNvPr>
+          <p:cNvPr id="4" name="Date Placeholder 3"/>
           <p:cNvSpPr>
             <a:spLocks noGrp="1"/>
           </p:cNvSpPr>
@@ -262,10 +1315,25 @@
             <p:ph type="dt" sz="half" idx="10"/>
           </p:nvPr>
         </p:nvSpPr>
-        <p:spPr/>
+        <p:spPr>
+          <a:xfrm>
+            <a:off x="1078523" y="6375679"/>
+            <a:ext cx="2329722" cy="348462"/>
+          </a:xfrm>
+        </p:spPr>
         <p:txBody>
           <a:bodyPr/>
-          <a:lstStyle/>
+          <a:lstStyle>
+            <a:lvl1pPr>
+              <a:defRPr baseline="0">
+                <a:solidFill>
+                  <a:schemeClr val="accent1">
+                    <a:lumMod val="50000"/>
+                  </a:schemeClr>
+                </a:solidFill>
+              </a:defRPr>
+            </a:lvl1pPr>
+          </a:lstStyle>
           <a:p>
             <a:fld id="{126129D5-3A97-4BA4-9E42-A0ED28A828FF}" type="datetimeFigureOut">
               <a:rPr lang="en-US" smtClean="0"/>
@@ -277,13 +1345,7 @@
       </p:sp>
       <p:sp>
         <p:nvSpPr>
-          <p:cNvPr id="5" name="Footer Placeholder 4">
-            <a:extLst>
-              <a:ext uri="{FF2B5EF4-FFF2-40B4-BE49-F238E27FC236}">
-                <a16:creationId xmlns:a16="http://schemas.microsoft.com/office/drawing/2014/main" id="{E25DF7A7-0578-43F6-A9D6-B52FBFF6876A}"/>
-              </a:ext>
-            </a:extLst>
-          </p:cNvPr>
+          <p:cNvPr id="5" name="Footer Placeholder 4"/>
           <p:cNvSpPr>
             <a:spLocks noGrp="1"/>
           </p:cNvSpPr>
@@ -291,10 +1353,25 @@
             <p:ph type="ftr" sz="quarter" idx="11"/>
           </p:nvPr>
         </p:nvSpPr>
-        <p:spPr/>
+        <p:spPr>
+          <a:xfrm>
+            <a:off x="4180332" y="6375679"/>
+            <a:ext cx="4114800" cy="345796"/>
+          </a:xfrm>
+        </p:spPr>
         <p:txBody>
           <a:bodyPr/>
-          <a:lstStyle/>
+          <a:lstStyle>
+            <a:lvl1pPr>
+              <a:defRPr baseline="0">
+                <a:solidFill>
+                  <a:schemeClr val="accent1">
+                    <a:lumMod val="50000"/>
+                  </a:schemeClr>
+                </a:solidFill>
+              </a:defRPr>
+            </a:lvl1pPr>
+          </a:lstStyle>
           <a:p>
             <a:endParaRPr lang="en-US"/>
           </a:p>
@@ -302,13 +1379,7 @@
       </p:sp>
       <p:sp>
         <p:nvSpPr>
-          <p:cNvPr id="6" name="Slide Number Placeholder 5">
-            <a:extLst>
-              <a:ext uri="{FF2B5EF4-FFF2-40B4-BE49-F238E27FC236}">
-                <a16:creationId xmlns:a16="http://schemas.microsoft.com/office/drawing/2014/main" id="{A9600D96-E5F9-4999-AFFC-C5A8A0BE6EF1}"/>
-              </a:ext>
-            </a:extLst>
-          </p:cNvPr>
+          <p:cNvPr id="6" name="Slide Number Placeholder 5"/>
           <p:cNvSpPr>
             <a:spLocks noGrp="1"/>
           </p:cNvSpPr>
@@ -316,10 +1387,25 @@
             <p:ph type="sldNum" sz="quarter" idx="12"/>
           </p:nvPr>
         </p:nvSpPr>
-        <p:spPr/>
+        <p:spPr>
+          <a:xfrm>
+            <a:off x="9067218" y="6375679"/>
+            <a:ext cx="2329723" cy="345796"/>
+          </a:xfrm>
+        </p:spPr>
         <p:txBody>
           <a:bodyPr/>
-          <a:lstStyle/>
+          <a:lstStyle>
+            <a:lvl1pPr>
+              <a:defRPr baseline="0">
+                <a:solidFill>
+                  <a:schemeClr val="accent1">
+                    <a:lumMod val="50000"/>
+                  </a:schemeClr>
+                </a:solidFill>
+              </a:defRPr>
+            </a:lvl1pPr>
+          </a:lstStyle>
           <a:p>
             <a:fld id="{4599B2C0-B80E-42BD-AB13-9FD230937F4D}" type="slidenum">
               <a:rPr lang="en-US" smtClean="0"/>
@@ -329,10 +1415,48 @@
           </a:p>
         </p:txBody>
       </p:sp>
+      <p:sp>
+        <p:nvSpPr>
+          <p:cNvPr id="13" name="Rectangle 12" title="left edge border"/>
+          <p:cNvSpPr/>
+          <p:nvPr/>
+        </p:nvSpPr>
+        <p:spPr>
+          <a:xfrm>
+            <a:off x="0" y="0"/>
+            <a:ext cx="283464" cy="6858000"/>
+          </a:xfrm>
+          <a:prstGeom prst="rect">
+            <a:avLst/>
+          </a:prstGeom>
+          <a:solidFill>
+            <a:schemeClr val="tx2"/>
+          </a:solidFill>
+          <a:ln>
+            <a:noFill/>
+          </a:ln>
+        </p:spPr>
+        <p:style>
+          <a:lnRef idx="2">
+            <a:schemeClr val="accent1">
+              <a:shade val="50000"/>
+            </a:schemeClr>
+          </a:lnRef>
+          <a:fillRef idx="1">
+            <a:schemeClr val="accent1"/>
+          </a:fillRef>
+          <a:effectRef idx="0">
+            <a:schemeClr val="accent1"/>
+          </a:effectRef>
+          <a:fontRef idx="minor">
+            <a:schemeClr val="lt1"/>
+          </a:fontRef>
+        </p:style>
+      </p:sp>
     </p:spTree>
     <p:extLst>
       <p:ext uri="{BB962C8B-B14F-4D97-AF65-F5344CB8AC3E}">
-        <p14:creationId xmlns:p14="http://schemas.microsoft.com/office/powerpoint/2010/main" val="4191468363"/>
+        <p14:creationId xmlns:p14="http://schemas.microsoft.com/office/powerpoint/2010/main" val="3534955322"/>
       </p:ext>
     </p:extLst>
   </p:cSld>
@@ -361,13 +1485,7 @@
       </p:grpSpPr>
       <p:sp>
         <p:nvSpPr>
-          <p:cNvPr id="2" name="Title 1">
-            <a:extLst>
-              <a:ext uri="{FF2B5EF4-FFF2-40B4-BE49-F238E27FC236}">
-                <a16:creationId xmlns:a16="http://schemas.microsoft.com/office/drawing/2014/main" id="{08295B71-D169-41D4-A9F4-205F00795275}"/>
-              </a:ext>
-            </a:extLst>
-          </p:cNvPr>
+          <p:cNvPr id="2" name="Title 1"/>
           <p:cNvSpPr>
             <a:spLocks noGrp="1"/>
           </p:cNvSpPr>
@@ -384,18 +1502,13 @@
               <a:rPr lang="en-US"/>
               <a:t>Click to edit Master title style</a:t>
             </a:r>
+            <a:endParaRPr lang="en-US" dirty="0"/>
           </a:p>
         </p:txBody>
       </p:sp>
       <p:sp>
         <p:nvSpPr>
-          <p:cNvPr id="3" name="Vertical Text Placeholder 2">
-            <a:extLst>
-              <a:ext uri="{FF2B5EF4-FFF2-40B4-BE49-F238E27FC236}">
-                <a16:creationId xmlns:a16="http://schemas.microsoft.com/office/drawing/2014/main" id="{843D202A-4FC4-464B-B5CA-7D003FC42E7B}"/>
-              </a:ext>
-            </a:extLst>
-          </p:cNvPr>
+          <p:cNvPr id="3" name="Vertical Text Placeholder 2"/>
           <p:cNvSpPr>
             <a:spLocks noGrp="1"/>
           </p:cNvSpPr>
@@ -441,18 +1554,13 @@
               <a:rPr lang="en-US"/>
               <a:t>Fifth level</a:t>
             </a:r>
+            <a:endParaRPr lang="en-US" dirty="0"/>
           </a:p>
         </p:txBody>
       </p:sp>
       <p:sp>
         <p:nvSpPr>
-          <p:cNvPr id="4" name="Date Placeholder 3">
-            <a:extLst>
-              <a:ext uri="{FF2B5EF4-FFF2-40B4-BE49-F238E27FC236}">
-                <a16:creationId xmlns:a16="http://schemas.microsoft.com/office/drawing/2014/main" id="{F2E85715-2936-43B3-85D7-F9755BD65A0B}"/>
-              </a:ext>
-            </a:extLst>
-          </p:cNvPr>
+          <p:cNvPr id="4" name="Date Placeholder 3"/>
           <p:cNvSpPr>
             <a:spLocks noGrp="1"/>
           </p:cNvSpPr>
@@ -475,13 +1583,7 @@
       </p:sp>
       <p:sp>
         <p:nvSpPr>
-          <p:cNvPr id="5" name="Footer Placeholder 4">
-            <a:extLst>
-              <a:ext uri="{FF2B5EF4-FFF2-40B4-BE49-F238E27FC236}">
-                <a16:creationId xmlns:a16="http://schemas.microsoft.com/office/drawing/2014/main" id="{173D55D0-E4DB-47ED-A911-3C52E39F4CB5}"/>
-              </a:ext>
-            </a:extLst>
-          </p:cNvPr>
+          <p:cNvPr id="5" name="Footer Placeholder 4"/>
           <p:cNvSpPr>
             <a:spLocks noGrp="1"/>
           </p:cNvSpPr>
@@ -500,13 +1602,7 @@
       </p:sp>
       <p:sp>
         <p:nvSpPr>
-          <p:cNvPr id="6" name="Slide Number Placeholder 5">
-            <a:extLst>
-              <a:ext uri="{FF2B5EF4-FFF2-40B4-BE49-F238E27FC236}">
-                <a16:creationId xmlns:a16="http://schemas.microsoft.com/office/drawing/2014/main" id="{25A6212B-AC62-4283-AB66-623D0A845E4A}"/>
-              </a:ext>
-            </a:extLst>
-          </p:cNvPr>
+          <p:cNvPr id="6" name="Slide Number Placeholder 5"/>
           <p:cNvSpPr>
             <a:spLocks noGrp="1"/>
           </p:cNvSpPr>
@@ -530,7 +1626,7 @@
     </p:spTree>
     <p:extLst>
       <p:ext uri="{BB962C8B-B14F-4D97-AF65-F5344CB8AC3E}">
-        <p14:creationId xmlns:p14="http://schemas.microsoft.com/office/powerpoint/2010/main" val="1960954380"/>
+        <p14:creationId xmlns:p14="http://schemas.microsoft.com/office/powerpoint/2010/main" val="2084180137"/>
       </p:ext>
     </p:extLst>
   </p:cSld>
@@ -559,13 +1655,7 @@
       </p:grpSpPr>
       <p:sp>
         <p:nvSpPr>
-          <p:cNvPr id="2" name="Vertical Title 1">
-            <a:extLst>
-              <a:ext uri="{FF2B5EF4-FFF2-40B4-BE49-F238E27FC236}">
-                <a16:creationId xmlns:a16="http://schemas.microsoft.com/office/drawing/2014/main" id="{2A878A69-DFC5-4DFC-8E03-2A089AAC7E90}"/>
-              </a:ext>
-            </a:extLst>
-          </p:cNvPr>
+          <p:cNvPr id="2" name="Vertical Title 1"/>
           <p:cNvSpPr>
             <a:spLocks noGrp="1"/>
           </p:cNvSpPr>
@@ -575,8 +1665,8 @@
         </p:nvSpPr>
         <p:spPr>
           <a:xfrm>
-            <a:off x="8724900" y="365125"/>
-            <a:ext cx="2628900" cy="5811838"/>
+            <a:off x="10066321" y="382386"/>
+            <a:ext cx="1492132" cy="5600404"/>
           </a:xfrm>
         </p:spPr>
         <p:txBody>
@@ -587,18 +1677,13 @@
               <a:rPr lang="en-US"/>
               <a:t>Click to edit Master title style</a:t>
             </a:r>
+            <a:endParaRPr lang="en-US" dirty="0"/>
           </a:p>
         </p:txBody>
       </p:sp>
       <p:sp>
         <p:nvSpPr>
-          <p:cNvPr id="3" name="Vertical Text Placeholder 2">
-            <a:extLst>
-              <a:ext uri="{FF2B5EF4-FFF2-40B4-BE49-F238E27FC236}">
-                <a16:creationId xmlns:a16="http://schemas.microsoft.com/office/drawing/2014/main" id="{AE0FC0EF-8C5F-472B-8836-F6E936AB5306}"/>
-              </a:ext>
-            </a:extLst>
-          </p:cNvPr>
+          <p:cNvPr id="3" name="Vertical Text Placeholder 2"/>
           <p:cNvSpPr>
             <a:spLocks noGrp="1"/>
           </p:cNvSpPr>
@@ -608,8 +1693,8 @@
         </p:nvSpPr>
         <p:spPr>
           <a:xfrm>
-            <a:off x="838200" y="365125"/>
-            <a:ext cx="7734300" cy="5811838"/>
+            <a:off x="1257300" y="382385"/>
+            <a:ext cx="8392585" cy="5600405"/>
           </a:xfrm>
         </p:spPr>
         <p:txBody>
@@ -649,18 +1734,13 @@
               <a:rPr lang="en-US"/>
               <a:t>Fifth level</a:t>
             </a:r>
+            <a:endParaRPr lang="en-US" dirty="0"/>
           </a:p>
         </p:txBody>
       </p:sp>
       <p:sp>
         <p:nvSpPr>
-          <p:cNvPr id="4" name="Date Placeholder 3">
-            <a:extLst>
-              <a:ext uri="{FF2B5EF4-FFF2-40B4-BE49-F238E27FC236}">
-                <a16:creationId xmlns:a16="http://schemas.microsoft.com/office/drawing/2014/main" id="{8A2AA1B8-C9F5-42AA-B02F-F7CEFF672098}"/>
-              </a:ext>
-            </a:extLst>
-          </p:cNvPr>
+          <p:cNvPr id="4" name="Date Placeholder 3"/>
           <p:cNvSpPr>
             <a:spLocks noGrp="1"/>
           </p:cNvSpPr>
@@ -683,13 +1763,7 @@
       </p:sp>
       <p:sp>
         <p:nvSpPr>
-          <p:cNvPr id="5" name="Footer Placeholder 4">
-            <a:extLst>
-              <a:ext uri="{FF2B5EF4-FFF2-40B4-BE49-F238E27FC236}">
-                <a16:creationId xmlns:a16="http://schemas.microsoft.com/office/drawing/2014/main" id="{752FBD33-FB30-40E3-B02E-03B5935035B7}"/>
-              </a:ext>
-            </a:extLst>
-          </p:cNvPr>
+          <p:cNvPr id="5" name="Footer Placeholder 4"/>
           <p:cNvSpPr>
             <a:spLocks noGrp="1"/>
           </p:cNvSpPr>
@@ -708,13 +1782,7 @@
       </p:sp>
       <p:sp>
         <p:nvSpPr>
-          <p:cNvPr id="6" name="Slide Number Placeholder 5">
-            <a:extLst>
-              <a:ext uri="{FF2B5EF4-FFF2-40B4-BE49-F238E27FC236}">
-                <a16:creationId xmlns:a16="http://schemas.microsoft.com/office/drawing/2014/main" id="{29DD552E-0A97-4A67-9C11-0DBDA33AB80C}"/>
-              </a:ext>
-            </a:extLst>
-          </p:cNvPr>
+          <p:cNvPr id="6" name="Slide Number Placeholder 5"/>
           <p:cNvSpPr>
             <a:spLocks noGrp="1"/>
           </p:cNvSpPr>
@@ -738,7 +1806,7 @@
     </p:spTree>
     <p:extLst>
       <p:ext uri="{BB962C8B-B14F-4D97-AF65-F5344CB8AC3E}">
-        <p14:creationId xmlns:p14="http://schemas.microsoft.com/office/powerpoint/2010/main" val="2293724912"/>
+        <p14:creationId xmlns:p14="http://schemas.microsoft.com/office/powerpoint/2010/main" val="2014770830"/>
       </p:ext>
     </p:extLst>
   </p:cSld>
@@ -767,13 +1835,7 @@
       </p:grpSpPr>
       <p:sp>
         <p:nvSpPr>
-          <p:cNvPr id="2" name="Title 1">
-            <a:extLst>
-              <a:ext uri="{FF2B5EF4-FFF2-40B4-BE49-F238E27FC236}">
-                <a16:creationId xmlns:a16="http://schemas.microsoft.com/office/drawing/2014/main" id="{10B7BF48-11EE-4992-8A3E-EFE9B8867F63}"/>
-              </a:ext>
-            </a:extLst>
-          </p:cNvPr>
+          <p:cNvPr id="2" name="Title 1"/>
           <p:cNvSpPr>
             <a:spLocks noGrp="1"/>
           </p:cNvSpPr>
@@ -790,18 +1852,13 @@
               <a:rPr lang="en-US"/>
               <a:t>Click to edit Master title style</a:t>
             </a:r>
+            <a:endParaRPr lang="en-US" dirty="0"/>
           </a:p>
         </p:txBody>
       </p:sp>
       <p:sp>
         <p:nvSpPr>
-          <p:cNvPr id="3" name="Content Placeholder 2">
-            <a:extLst>
-              <a:ext uri="{FF2B5EF4-FFF2-40B4-BE49-F238E27FC236}">
-                <a16:creationId xmlns:a16="http://schemas.microsoft.com/office/drawing/2014/main" id="{F980C1C4-1765-4D1B-BA71-7CEA25C2933C}"/>
-              </a:ext>
-            </a:extLst>
-          </p:cNvPr>
+          <p:cNvPr id="3" name="Content Placeholder 2"/>
           <p:cNvSpPr>
             <a:spLocks noGrp="1"/>
           </p:cNvSpPr>
@@ -847,18 +1904,13 @@
               <a:rPr lang="en-US"/>
               <a:t>Fifth level</a:t>
             </a:r>
+            <a:endParaRPr lang="en-US" dirty="0"/>
           </a:p>
         </p:txBody>
       </p:sp>
       <p:sp>
         <p:nvSpPr>
-          <p:cNvPr id="4" name="Date Placeholder 3">
-            <a:extLst>
-              <a:ext uri="{FF2B5EF4-FFF2-40B4-BE49-F238E27FC236}">
-                <a16:creationId xmlns:a16="http://schemas.microsoft.com/office/drawing/2014/main" id="{0B864E40-B7E8-4B72-8043-180FCB50B62B}"/>
-              </a:ext>
-            </a:extLst>
-          </p:cNvPr>
+          <p:cNvPr id="4" name="Date Placeholder 3"/>
           <p:cNvSpPr>
             <a:spLocks noGrp="1"/>
           </p:cNvSpPr>
@@ -881,13 +1933,7 @@
       </p:sp>
       <p:sp>
         <p:nvSpPr>
-          <p:cNvPr id="5" name="Footer Placeholder 4">
-            <a:extLst>
-              <a:ext uri="{FF2B5EF4-FFF2-40B4-BE49-F238E27FC236}">
-                <a16:creationId xmlns:a16="http://schemas.microsoft.com/office/drawing/2014/main" id="{4A6A2FDB-EB21-4368-9DCE-85F19F2F2ACC}"/>
-              </a:ext>
-            </a:extLst>
-          </p:cNvPr>
+          <p:cNvPr id="5" name="Footer Placeholder 4"/>
           <p:cNvSpPr>
             <a:spLocks noGrp="1"/>
           </p:cNvSpPr>
@@ -906,13 +1952,7 @@
       </p:sp>
       <p:sp>
         <p:nvSpPr>
-          <p:cNvPr id="6" name="Slide Number Placeholder 5">
-            <a:extLst>
-              <a:ext uri="{FF2B5EF4-FFF2-40B4-BE49-F238E27FC236}">
-                <a16:creationId xmlns:a16="http://schemas.microsoft.com/office/drawing/2014/main" id="{EC6F538D-74EA-412E-B080-FE9268DF5453}"/>
-              </a:ext>
-            </a:extLst>
-          </p:cNvPr>
+          <p:cNvPr id="6" name="Slide Number Placeholder 5"/>
           <p:cNvSpPr>
             <a:spLocks noGrp="1"/>
           </p:cNvSpPr>
@@ -936,7 +1976,7 @@
     </p:spTree>
     <p:extLst>
       <p:ext uri="{BB962C8B-B14F-4D97-AF65-F5344CB8AC3E}">
-        <p14:creationId xmlns:p14="http://schemas.microsoft.com/office/powerpoint/2010/main" val="3714547512"/>
+        <p14:creationId xmlns:p14="http://schemas.microsoft.com/office/powerpoint/2010/main" val="3175496877"/>
       </p:ext>
     </p:extLst>
   </p:cSld>
@@ -947,8 +1987,16 @@
 </file>
 
 <file path=ppt/slideLayouts/slideLayout3.xml><?xml version="1.0" encoding="utf-8"?>
-<p:sldLayout xmlns:a="http://schemas.openxmlformats.org/drawingml/2006/main" xmlns:r="http://schemas.openxmlformats.org/officeDocument/2006/relationships" xmlns:p="http://schemas.openxmlformats.org/presentationml/2006/main" type="secHead" preserve="1">
+<p:sldLayout xmlns:a="http://schemas.openxmlformats.org/drawingml/2006/main" xmlns:r="http://schemas.openxmlformats.org/officeDocument/2006/relationships" xmlns:p="http://schemas.openxmlformats.org/presentationml/2006/main" showMasterSp="0" type="secHead" preserve="1">
   <p:cSld name="Section Header">
+    <p:bg>
+      <p:bgPr>
+        <a:solidFill>
+          <a:schemeClr val="bg2"/>
+        </a:solidFill>
+        <a:effectLst/>
+      </p:bgPr>
+    </p:bg>
     <p:spTree>
       <p:nvGrpSpPr>
         <p:cNvPr id="1" name=""/>
@@ -965,13 +2013,7 @@
       </p:grpSpPr>
       <p:sp>
         <p:nvSpPr>
-          <p:cNvPr id="2" name="Title 1">
-            <a:extLst>
-              <a:ext uri="{FF2B5EF4-FFF2-40B4-BE49-F238E27FC236}">
-                <a16:creationId xmlns:a16="http://schemas.microsoft.com/office/drawing/2014/main" id="{B6A4D3C8-7F1C-4A69-97A5-0500BC946D72}"/>
-              </a:ext>
-            </a:extLst>
-          </p:cNvPr>
+          <p:cNvPr id="2" name="Title 1"/>
           <p:cNvSpPr>
             <a:spLocks noGrp="1"/>
           </p:cNvSpPr>
@@ -981,15 +2023,21 @@
         </p:nvSpPr>
         <p:spPr>
           <a:xfrm>
-            <a:off x="831850" y="1709738"/>
-            <a:ext cx="10515600" cy="2852737"/>
+            <a:off x="3242929" y="1073888"/>
+            <a:ext cx="8187071" cy="4064627"/>
           </a:xfrm>
         </p:spPr>
         <p:txBody>
-          <a:bodyPr anchor="b"/>
+          <a:bodyPr anchor="b">
+            <a:normAutofit/>
+          </a:bodyPr>
           <a:lstStyle>
             <a:lvl1pPr>
-              <a:defRPr sz="6000"/>
+              <a:defRPr sz="8400" spc="800" baseline="0">
+                <a:solidFill>
+                  <a:schemeClr val="tx2"/>
+                </a:solidFill>
+              </a:defRPr>
             </a:lvl1pPr>
           </a:lstStyle>
           <a:p>
@@ -997,18 +2045,13 @@
               <a:rPr lang="en-US"/>
               <a:t>Click to edit Master title style</a:t>
             </a:r>
+            <a:endParaRPr lang="en-US" dirty="0"/>
           </a:p>
         </p:txBody>
       </p:sp>
       <p:sp>
         <p:nvSpPr>
-          <p:cNvPr id="3" name="Text Placeholder 2">
-            <a:extLst>
-              <a:ext uri="{FF2B5EF4-FFF2-40B4-BE49-F238E27FC236}">
-                <a16:creationId xmlns:a16="http://schemas.microsoft.com/office/drawing/2014/main" id="{B05EF366-57CF-40F2-9305-544018BFAD6F}"/>
-              </a:ext>
-            </a:extLst>
-          </p:cNvPr>
+          <p:cNvPr id="3" name="Text Placeholder 2"/>
           <p:cNvSpPr>
             <a:spLocks noGrp="1"/>
           </p:cNvSpPr>
@@ -1018,20 +2061,23 @@
         </p:nvSpPr>
         <p:spPr>
           <a:xfrm>
-            <a:off x="831850" y="4589463"/>
-            <a:ext cx="10515600" cy="1500187"/>
+            <a:off x="3242930" y="5159781"/>
+            <a:ext cx="7017488" cy="951135"/>
           </a:xfrm>
         </p:spPr>
         <p:txBody>
-          <a:bodyPr/>
+          <a:bodyPr>
+            <a:normAutofit/>
+          </a:bodyPr>
           <a:lstStyle>
             <a:lvl1pPr marL="0" indent="0">
+              <a:lnSpc>
+                <a:spcPct val="100000"/>
+              </a:lnSpc>
               <a:buNone/>
-              <a:defRPr sz="2400">
+              <a:defRPr sz="2000" b="1" i="0" cap="all" spc="400" baseline="0">
                 <a:solidFill>
-                  <a:schemeClr val="tx1">
-                    <a:tint val="75000"/>
-                  </a:schemeClr>
+                  <a:schemeClr val="accent1"/>
                 </a:solidFill>
               </a:defRPr>
             </a:lvl1pPr>
@@ -1127,13 +2173,7 @@
       </p:sp>
       <p:sp>
         <p:nvSpPr>
-          <p:cNvPr id="4" name="Date Placeholder 3">
-            <a:extLst>
-              <a:ext uri="{FF2B5EF4-FFF2-40B4-BE49-F238E27FC236}">
-                <a16:creationId xmlns:a16="http://schemas.microsoft.com/office/drawing/2014/main" id="{82FF5760-C790-4B2A-9F45-65010BC763D2}"/>
-              </a:ext>
-            </a:extLst>
-          </p:cNvPr>
+          <p:cNvPr id="4" name="Date Placeholder 3"/>
           <p:cNvSpPr>
             <a:spLocks noGrp="1"/>
           </p:cNvSpPr>
@@ -1141,10 +2181,23 @@
             <p:ph type="dt" sz="half" idx="10"/>
           </p:nvPr>
         </p:nvSpPr>
-        <p:spPr/>
+        <p:spPr>
+          <a:xfrm>
+            <a:off x="3236546" y="6375679"/>
+            <a:ext cx="1493947" cy="348462"/>
+          </a:xfrm>
+        </p:spPr>
         <p:txBody>
           <a:bodyPr/>
-          <a:lstStyle/>
+          <a:lstStyle>
+            <a:lvl1pPr>
+              <a:defRPr baseline="0">
+                <a:solidFill>
+                  <a:schemeClr val="tx2"/>
+                </a:solidFill>
+              </a:defRPr>
+            </a:lvl1pPr>
+          </a:lstStyle>
           <a:p>
             <a:fld id="{126129D5-3A97-4BA4-9E42-A0ED28A828FF}" type="datetimeFigureOut">
               <a:rPr lang="en-US" smtClean="0"/>
@@ -1156,13 +2209,7 @@
       </p:sp>
       <p:sp>
         <p:nvSpPr>
-          <p:cNvPr id="5" name="Footer Placeholder 4">
-            <a:extLst>
-              <a:ext uri="{FF2B5EF4-FFF2-40B4-BE49-F238E27FC236}">
-                <a16:creationId xmlns:a16="http://schemas.microsoft.com/office/drawing/2014/main" id="{64159806-0958-4E57-BC32-1E8BD4537BDC}"/>
-              </a:ext>
-            </a:extLst>
-          </p:cNvPr>
+          <p:cNvPr id="5" name="Footer Placeholder 4"/>
           <p:cNvSpPr>
             <a:spLocks noGrp="1"/>
           </p:cNvSpPr>
@@ -1170,10 +2217,23 @@
             <p:ph type="ftr" sz="quarter" idx="11"/>
           </p:nvPr>
         </p:nvSpPr>
-        <p:spPr/>
+        <p:spPr>
+          <a:xfrm>
+            <a:off x="5279064" y="6375679"/>
+            <a:ext cx="4114800" cy="345796"/>
+          </a:xfrm>
+        </p:spPr>
         <p:txBody>
           <a:bodyPr/>
-          <a:lstStyle/>
+          <a:lstStyle>
+            <a:lvl1pPr>
+              <a:defRPr baseline="0">
+                <a:solidFill>
+                  <a:schemeClr val="tx2"/>
+                </a:solidFill>
+              </a:defRPr>
+            </a:lvl1pPr>
+          </a:lstStyle>
           <a:p>
             <a:endParaRPr lang="en-US"/>
           </a:p>
@@ -1181,13 +2241,7 @@
       </p:sp>
       <p:sp>
         <p:nvSpPr>
-          <p:cNvPr id="6" name="Slide Number Placeholder 5">
-            <a:extLst>
-              <a:ext uri="{FF2B5EF4-FFF2-40B4-BE49-F238E27FC236}">
-                <a16:creationId xmlns:a16="http://schemas.microsoft.com/office/drawing/2014/main" id="{C73993EA-5A18-415F-8F0D-BCAD34EDDB88}"/>
-              </a:ext>
-            </a:extLst>
-          </p:cNvPr>
+          <p:cNvPr id="6" name="Slide Number Placeholder 5"/>
           <p:cNvSpPr>
             <a:spLocks noGrp="1"/>
           </p:cNvSpPr>
@@ -1195,10 +2249,23 @@
             <p:ph type="sldNum" sz="quarter" idx="12"/>
           </p:nvPr>
         </p:nvSpPr>
-        <p:spPr/>
+        <p:spPr>
+          <a:xfrm>
+            <a:off x="9942434" y="6375679"/>
+            <a:ext cx="1487566" cy="345796"/>
+          </a:xfrm>
+        </p:spPr>
         <p:txBody>
           <a:bodyPr/>
-          <a:lstStyle/>
+          <a:lstStyle>
+            <a:lvl1pPr>
+              <a:defRPr baseline="0">
+                <a:solidFill>
+                  <a:schemeClr val="tx2"/>
+                </a:solidFill>
+              </a:defRPr>
+            </a:lvl1pPr>
+          </a:lstStyle>
           <a:p>
             <a:fld id="{4599B2C0-B80E-42BD-AB13-9FD230937F4D}" type="slidenum">
               <a:rPr lang="en-US" smtClean="0"/>
@@ -1208,15 +2275,958 @@
           </a:p>
         </p:txBody>
       </p:sp>
+      <p:grpSp>
+        <p:nvGrpSpPr>
+          <p:cNvPr id="7" name="Group 6" title="left scallop shape"/>
+          <p:cNvGrpSpPr/>
+          <p:nvPr/>
+        </p:nvGrpSpPr>
+        <p:grpSpPr>
+          <a:xfrm>
+            <a:off x="0" y="0"/>
+            <a:ext cx="2814638" cy="6858000"/>
+            <a:chOff x="0" y="0"/>
+            <a:chExt cx="2814638" cy="6858000"/>
+          </a:xfrm>
+        </p:grpSpPr>
+        <p:sp>
+          <p:nvSpPr>
+            <p:cNvPr id="11" name="Freeform 6" title="left scallop shape"/>
+            <p:cNvSpPr/>
+            <p:nvPr/>
+          </p:nvSpPr>
+          <p:spPr bwMode="auto">
+            <a:xfrm>
+              <a:off x="0" y="0"/>
+              <a:ext cx="2814638" cy="6858000"/>
+            </a:xfrm>
+            <a:custGeom>
+              <a:avLst/>
+              <a:gdLst/>
+              <a:ahLst/>
+              <a:cxnLst/>
+              <a:rect l="0" t="0" r="r" b="b"/>
+              <a:pathLst>
+                <a:path w="1773" h="4320">
+                  <a:moveTo>
+                    <a:pt x="0" y="0"/>
+                  </a:moveTo>
+                  <a:lnTo>
+                    <a:pt x="891" y="0"/>
+                  </a:lnTo>
+                  <a:lnTo>
+                    <a:pt x="906" y="56"/>
+                  </a:lnTo>
+                  <a:lnTo>
+                    <a:pt x="921" y="111"/>
+                  </a:lnTo>
+                  <a:lnTo>
+                    <a:pt x="938" y="165"/>
+                  </a:lnTo>
+                  <a:lnTo>
+                    <a:pt x="957" y="217"/>
+                  </a:lnTo>
+                  <a:lnTo>
+                    <a:pt x="980" y="266"/>
+                  </a:lnTo>
+                  <a:lnTo>
+                    <a:pt x="1007" y="312"/>
+                  </a:lnTo>
+                  <a:lnTo>
+                    <a:pt x="1036" y="351"/>
+                  </a:lnTo>
+                  <a:lnTo>
+                    <a:pt x="1069" y="387"/>
+                  </a:lnTo>
+                  <a:lnTo>
+                    <a:pt x="1105" y="422"/>
+                  </a:lnTo>
+                  <a:lnTo>
+                    <a:pt x="1145" y="456"/>
+                  </a:lnTo>
+                  <a:lnTo>
+                    <a:pt x="1185" y="487"/>
+                  </a:lnTo>
+                  <a:lnTo>
+                    <a:pt x="1227" y="520"/>
+                  </a:lnTo>
+                  <a:lnTo>
+                    <a:pt x="1270" y="551"/>
+                  </a:lnTo>
+                  <a:lnTo>
+                    <a:pt x="1311" y="584"/>
+                  </a:lnTo>
+                  <a:lnTo>
+                    <a:pt x="1352" y="617"/>
+                  </a:lnTo>
+                  <a:lnTo>
+                    <a:pt x="1390" y="651"/>
+                  </a:lnTo>
+                  <a:lnTo>
+                    <a:pt x="1425" y="687"/>
+                  </a:lnTo>
+                  <a:lnTo>
+                    <a:pt x="1456" y="725"/>
+                  </a:lnTo>
+                  <a:lnTo>
+                    <a:pt x="1484" y="765"/>
+                  </a:lnTo>
+                  <a:lnTo>
+                    <a:pt x="1505" y="808"/>
+                  </a:lnTo>
+                  <a:lnTo>
+                    <a:pt x="1521" y="856"/>
+                  </a:lnTo>
+                  <a:lnTo>
+                    <a:pt x="1530" y="907"/>
+                  </a:lnTo>
+                  <a:lnTo>
+                    <a:pt x="1534" y="960"/>
+                  </a:lnTo>
+                  <a:lnTo>
+                    <a:pt x="1534" y="1013"/>
+                  </a:lnTo>
+                  <a:lnTo>
+                    <a:pt x="1530" y="1068"/>
+                  </a:lnTo>
+                  <a:lnTo>
+                    <a:pt x="1523" y="1125"/>
+                  </a:lnTo>
+                  <a:lnTo>
+                    <a:pt x="1515" y="1181"/>
+                  </a:lnTo>
+                  <a:lnTo>
+                    <a:pt x="1508" y="1237"/>
+                  </a:lnTo>
+                  <a:lnTo>
+                    <a:pt x="1501" y="1293"/>
+                  </a:lnTo>
+                  <a:lnTo>
+                    <a:pt x="1496" y="1350"/>
+                  </a:lnTo>
+                  <a:lnTo>
+                    <a:pt x="1494" y="1405"/>
+                  </a:lnTo>
+                  <a:lnTo>
+                    <a:pt x="1497" y="1458"/>
+                  </a:lnTo>
+                  <a:lnTo>
+                    <a:pt x="1504" y="1511"/>
+                  </a:lnTo>
+                  <a:lnTo>
+                    <a:pt x="1517" y="1560"/>
+                  </a:lnTo>
+                  <a:lnTo>
+                    <a:pt x="1535" y="1610"/>
+                  </a:lnTo>
+                  <a:lnTo>
+                    <a:pt x="1557" y="1659"/>
+                  </a:lnTo>
+                  <a:lnTo>
+                    <a:pt x="1583" y="1708"/>
+                  </a:lnTo>
+                  <a:lnTo>
+                    <a:pt x="1611" y="1757"/>
+                  </a:lnTo>
+                  <a:lnTo>
+                    <a:pt x="1640" y="1807"/>
+                  </a:lnTo>
+                  <a:lnTo>
+                    <a:pt x="1669" y="1855"/>
+                  </a:lnTo>
+                  <a:lnTo>
+                    <a:pt x="1696" y="1905"/>
+                  </a:lnTo>
+                  <a:lnTo>
+                    <a:pt x="1721" y="1954"/>
+                  </a:lnTo>
+                  <a:lnTo>
+                    <a:pt x="1742" y="2006"/>
+                  </a:lnTo>
+                  <a:lnTo>
+                    <a:pt x="1759" y="2057"/>
+                  </a:lnTo>
+                  <a:lnTo>
+                    <a:pt x="1769" y="2108"/>
+                  </a:lnTo>
+                  <a:lnTo>
+                    <a:pt x="1773" y="2160"/>
+                  </a:lnTo>
+                  <a:lnTo>
+                    <a:pt x="1769" y="2212"/>
+                  </a:lnTo>
+                  <a:lnTo>
+                    <a:pt x="1759" y="2263"/>
+                  </a:lnTo>
+                  <a:lnTo>
+                    <a:pt x="1742" y="2314"/>
+                  </a:lnTo>
+                  <a:lnTo>
+                    <a:pt x="1721" y="2366"/>
+                  </a:lnTo>
+                  <a:lnTo>
+                    <a:pt x="1696" y="2415"/>
+                  </a:lnTo>
+                  <a:lnTo>
+                    <a:pt x="1669" y="2465"/>
+                  </a:lnTo>
+                  <a:lnTo>
+                    <a:pt x="1640" y="2513"/>
+                  </a:lnTo>
+                  <a:lnTo>
+                    <a:pt x="1611" y="2563"/>
+                  </a:lnTo>
+                  <a:lnTo>
+                    <a:pt x="1583" y="2612"/>
+                  </a:lnTo>
+                  <a:lnTo>
+                    <a:pt x="1557" y="2661"/>
+                  </a:lnTo>
+                  <a:lnTo>
+                    <a:pt x="1535" y="2710"/>
+                  </a:lnTo>
+                  <a:lnTo>
+                    <a:pt x="1517" y="2760"/>
+                  </a:lnTo>
+                  <a:lnTo>
+                    <a:pt x="1504" y="2809"/>
+                  </a:lnTo>
+                  <a:lnTo>
+                    <a:pt x="1497" y="2862"/>
+                  </a:lnTo>
+                  <a:lnTo>
+                    <a:pt x="1494" y="2915"/>
+                  </a:lnTo>
+                  <a:lnTo>
+                    <a:pt x="1496" y="2970"/>
+                  </a:lnTo>
+                  <a:lnTo>
+                    <a:pt x="1501" y="3027"/>
+                  </a:lnTo>
+                  <a:lnTo>
+                    <a:pt x="1508" y="3083"/>
+                  </a:lnTo>
+                  <a:lnTo>
+                    <a:pt x="1515" y="3139"/>
+                  </a:lnTo>
+                  <a:lnTo>
+                    <a:pt x="1523" y="3195"/>
+                  </a:lnTo>
+                  <a:lnTo>
+                    <a:pt x="1530" y="3252"/>
+                  </a:lnTo>
+                  <a:lnTo>
+                    <a:pt x="1534" y="3307"/>
+                  </a:lnTo>
+                  <a:lnTo>
+                    <a:pt x="1534" y="3360"/>
+                  </a:lnTo>
+                  <a:lnTo>
+                    <a:pt x="1530" y="3413"/>
+                  </a:lnTo>
+                  <a:lnTo>
+                    <a:pt x="1521" y="3464"/>
+                  </a:lnTo>
+                  <a:lnTo>
+                    <a:pt x="1505" y="3512"/>
+                  </a:lnTo>
+                  <a:lnTo>
+                    <a:pt x="1484" y="3555"/>
+                  </a:lnTo>
+                  <a:lnTo>
+                    <a:pt x="1456" y="3595"/>
+                  </a:lnTo>
+                  <a:lnTo>
+                    <a:pt x="1425" y="3633"/>
+                  </a:lnTo>
+                  <a:lnTo>
+                    <a:pt x="1390" y="3669"/>
+                  </a:lnTo>
+                  <a:lnTo>
+                    <a:pt x="1352" y="3703"/>
+                  </a:lnTo>
+                  <a:lnTo>
+                    <a:pt x="1311" y="3736"/>
+                  </a:lnTo>
+                  <a:lnTo>
+                    <a:pt x="1270" y="3769"/>
+                  </a:lnTo>
+                  <a:lnTo>
+                    <a:pt x="1227" y="3800"/>
+                  </a:lnTo>
+                  <a:lnTo>
+                    <a:pt x="1185" y="3833"/>
+                  </a:lnTo>
+                  <a:lnTo>
+                    <a:pt x="1145" y="3864"/>
+                  </a:lnTo>
+                  <a:lnTo>
+                    <a:pt x="1105" y="3898"/>
+                  </a:lnTo>
+                  <a:lnTo>
+                    <a:pt x="1069" y="3933"/>
+                  </a:lnTo>
+                  <a:lnTo>
+                    <a:pt x="1036" y="3969"/>
+                  </a:lnTo>
+                  <a:lnTo>
+                    <a:pt x="1007" y="4008"/>
+                  </a:lnTo>
+                  <a:lnTo>
+                    <a:pt x="980" y="4054"/>
+                  </a:lnTo>
+                  <a:lnTo>
+                    <a:pt x="957" y="4103"/>
+                  </a:lnTo>
+                  <a:lnTo>
+                    <a:pt x="938" y="4155"/>
+                  </a:lnTo>
+                  <a:lnTo>
+                    <a:pt x="921" y="4209"/>
+                  </a:lnTo>
+                  <a:lnTo>
+                    <a:pt x="906" y="4264"/>
+                  </a:lnTo>
+                  <a:lnTo>
+                    <a:pt x="891" y="4320"/>
+                  </a:lnTo>
+                  <a:lnTo>
+                    <a:pt x="0" y="4320"/>
+                  </a:lnTo>
+                  <a:lnTo>
+                    <a:pt x="0" y="0"/>
+                  </a:lnTo>
+                  <a:close/>
+                </a:path>
+              </a:pathLst>
+            </a:custGeom>
+            <a:solidFill>
+              <a:schemeClr val="tx2"/>
+            </a:solidFill>
+            <a:ln w="0">
+              <a:noFill/>
+              <a:prstDash val="solid"/>
+              <a:round/>
+              <a:headEnd/>
+              <a:tailEnd/>
+            </a:ln>
+          </p:spPr>
+        </p:sp>
+        <p:sp>
+          <p:nvSpPr>
+            <p:cNvPr id="16" name="Freeform 11" title="left scallop inline"/>
+            <p:cNvSpPr/>
+            <p:nvPr/>
+          </p:nvSpPr>
+          <p:spPr bwMode="auto">
+            <a:xfrm>
+              <a:off x="874382" y="0"/>
+              <a:ext cx="1646238" cy="6858000"/>
+            </a:xfrm>
+            <a:custGeom>
+              <a:avLst/>
+              <a:gdLst/>
+              <a:ahLst/>
+              <a:cxnLst/>
+              <a:rect l="0" t="0" r="r" b="b"/>
+              <a:pathLst>
+                <a:path w="1037" h="4320">
+                  <a:moveTo>
+                    <a:pt x="0" y="0"/>
+                  </a:moveTo>
+                  <a:lnTo>
+                    <a:pt x="171" y="0"/>
+                  </a:lnTo>
+                  <a:lnTo>
+                    <a:pt x="188" y="55"/>
+                  </a:lnTo>
+                  <a:lnTo>
+                    <a:pt x="204" y="110"/>
+                  </a:lnTo>
+                  <a:lnTo>
+                    <a:pt x="220" y="166"/>
+                  </a:lnTo>
+                  <a:lnTo>
+                    <a:pt x="234" y="223"/>
+                  </a:lnTo>
+                  <a:lnTo>
+                    <a:pt x="251" y="278"/>
+                  </a:lnTo>
+                  <a:lnTo>
+                    <a:pt x="269" y="331"/>
+                  </a:lnTo>
+                  <a:lnTo>
+                    <a:pt x="292" y="381"/>
+                  </a:lnTo>
+                  <a:lnTo>
+                    <a:pt x="319" y="427"/>
+                  </a:lnTo>
+                  <a:lnTo>
+                    <a:pt x="349" y="466"/>
+                  </a:lnTo>
+                  <a:lnTo>
+                    <a:pt x="382" y="503"/>
+                  </a:lnTo>
+                  <a:lnTo>
+                    <a:pt x="420" y="537"/>
+                  </a:lnTo>
+                  <a:lnTo>
+                    <a:pt x="460" y="571"/>
+                  </a:lnTo>
+                  <a:lnTo>
+                    <a:pt x="502" y="603"/>
+                  </a:lnTo>
+                  <a:lnTo>
+                    <a:pt x="544" y="635"/>
+                  </a:lnTo>
+                  <a:lnTo>
+                    <a:pt x="587" y="668"/>
+                  </a:lnTo>
+                  <a:lnTo>
+                    <a:pt x="628" y="700"/>
+                  </a:lnTo>
+                  <a:lnTo>
+                    <a:pt x="667" y="734"/>
+                  </a:lnTo>
+                  <a:lnTo>
+                    <a:pt x="703" y="771"/>
+                  </a:lnTo>
+                  <a:lnTo>
+                    <a:pt x="736" y="808"/>
+                  </a:lnTo>
+                  <a:lnTo>
+                    <a:pt x="763" y="848"/>
+                  </a:lnTo>
+                  <a:lnTo>
+                    <a:pt x="786" y="893"/>
+                  </a:lnTo>
+                  <a:lnTo>
+                    <a:pt x="800" y="937"/>
+                  </a:lnTo>
+                  <a:lnTo>
+                    <a:pt x="809" y="986"/>
+                  </a:lnTo>
+                  <a:lnTo>
+                    <a:pt x="813" y="1034"/>
+                  </a:lnTo>
+                  <a:lnTo>
+                    <a:pt x="812" y="1085"/>
+                  </a:lnTo>
+                  <a:lnTo>
+                    <a:pt x="808" y="1136"/>
+                  </a:lnTo>
+                  <a:lnTo>
+                    <a:pt x="803" y="1189"/>
+                  </a:lnTo>
+                  <a:lnTo>
+                    <a:pt x="796" y="1242"/>
+                  </a:lnTo>
+                  <a:lnTo>
+                    <a:pt x="788" y="1295"/>
+                  </a:lnTo>
+                  <a:lnTo>
+                    <a:pt x="782" y="1348"/>
+                  </a:lnTo>
+                  <a:lnTo>
+                    <a:pt x="778" y="1401"/>
+                  </a:lnTo>
+                  <a:lnTo>
+                    <a:pt x="775" y="1452"/>
+                  </a:lnTo>
+                  <a:lnTo>
+                    <a:pt x="778" y="1502"/>
+                  </a:lnTo>
+                  <a:lnTo>
+                    <a:pt x="784" y="1551"/>
+                  </a:lnTo>
+                  <a:lnTo>
+                    <a:pt x="797" y="1602"/>
+                  </a:lnTo>
+                  <a:lnTo>
+                    <a:pt x="817" y="1652"/>
+                  </a:lnTo>
+                  <a:lnTo>
+                    <a:pt x="841" y="1702"/>
+                  </a:lnTo>
+                  <a:lnTo>
+                    <a:pt x="868" y="1752"/>
+                  </a:lnTo>
+                  <a:lnTo>
+                    <a:pt x="896" y="1801"/>
+                  </a:lnTo>
+                  <a:lnTo>
+                    <a:pt x="926" y="1851"/>
+                  </a:lnTo>
+                  <a:lnTo>
+                    <a:pt x="953" y="1901"/>
+                  </a:lnTo>
+                  <a:lnTo>
+                    <a:pt x="980" y="1952"/>
+                  </a:lnTo>
+                  <a:lnTo>
+                    <a:pt x="1003" y="2003"/>
+                  </a:lnTo>
+                  <a:lnTo>
+                    <a:pt x="1021" y="2054"/>
+                  </a:lnTo>
+                  <a:lnTo>
+                    <a:pt x="1031" y="2106"/>
+                  </a:lnTo>
+                  <a:lnTo>
+                    <a:pt x="1037" y="2160"/>
+                  </a:lnTo>
+                  <a:lnTo>
+                    <a:pt x="1031" y="2214"/>
+                  </a:lnTo>
+                  <a:lnTo>
+                    <a:pt x="1021" y="2266"/>
+                  </a:lnTo>
+                  <a:lnTo>
+                    <a:pt x="1003" y="2317"/>
+                  </a:lnTo>
+                  <a:lnTo>
+                    <a:pt x="980" y="2368"/>
+                  </a:lnTo>
+                  <a:lnTo>
+                    <a:pt x="953" y="2419"/>
+                  </a:lnTo>
+                  <a:lnTo>
+                    <a:pt x="926" y="2469"/>
+                  </a:lnTo>
+                  <a:lnTo>
+                    <a:pt x="896" y="2519"/>
+                  </a:lnTo>
+                  <a:lnTo>
+                    <a:pt x="868" y="2568"/>
+                  </a:lnTo>
+                  <a:lnTo>
+                    <a:pt x="841" y="2618"/>
+                  </a:lnTo>
+                  <a:lnTo>
+                    <a:pt x="817" y="2668"/>
+                  </a:lnTo>
+                  <a:lnTo>
+                    <a:pt x="797" y="2718"/>
+                  </a:lnTo>
+                  <a:lnTo>
+                    <a:pt x="784" y="2769"/>
+                  </a:lnTo>
+                  <a:lnTo>
+                    <a:pt x="778" y="2818"/>
+                  </a:lnTo>
+                  <a:lnTo>
+                    <a:pt x="775" y="2868"/>
+                  </a:lnTo>
+                  <a:lnTo>
+                    <a:pt x="778" y="2919"/>
+                  </a:lnTo>
+                  <a:lnTo>
+                    <a:pt x="782" y="2972"/>
+                  </a:lnTo>
+                  <a:lnTo>
+                    <a:pt x="788" y="3025"/>
+                  </a:lnTo>
+                  <a:lnTo>
+                    <a:pt x="796" y="3078"/>
+                  </a:lnTo>
+                  <a:lnTo>
+                    <a:pt x="803" y="3131"/>
+                  </a:lnTo>
+                  <a:lnTo>
+                    <a:pt x="808" y="3184"/>
+                  </a:lnTo>
+                  <a:lnTo>
+                    <a:pt x="812" y="3235"/>
+                  </a:lnTo>
+                  <a:lnTo>
+                    <a:pt x="813" y="3286"/>
+                  </a:lnTo>
+                  <a:lnTo>
+                    <a:pt x="809" y="3334"/>
+                  </a:lnTo>
+                  <a:lnTo>
+                    <a:pt x="800" y="3383"/>
+                  </a:lnTo>
+                  <a:lnTo>
+                    <a:pt x="786" y="3427"/>
+                  </a:lnTo>
+                  <a:lnTo>
+                    <a:pt x="763" y="3472"/>
+                  </a:lnTo>
+                  <a:lnTo>
+                    <a:pt x="736" y="3512"/>
+                  </a:lnTo>
+                  <a:lnTo>
+                    <a:pt x="703" y="3549"/>
+                  </a:lnTo>
+                  <a:lnTo>
+                    <a:pt x="667" y="3586"/>
+                  </a:lnTo>
+                  <a:lnTo>
+                    <a:pt x="628" y="3620"/>
+                  </a:lnTo>
+                  <a:lnTo>
+                    <a:pt x="587" y="3652"/>
+                  </a:lnTo>
+                  <a:lnTo>
+                    <a:pt x="544" y="3685"/>
+                  </a:lnTo>
+                  <a:lnTo>
+                    <a:pt x="502" y="3717"/>
+                  </a:lnTo>
+                  <a:lnTo>
+                    <a:pt x="460" y="3749"/>
+                  </a:lnTo>
+                  <a:lnTo>
+                    <a:pt x="420" y="3783"/>
+                  </a:lnTo>
+                  <a:lnTo>
+                    <a:pt x="382" y="3817"/>
+                  </a:lnTo>
+                  <a:lnTo>
+                    <a:pt x="349" y="3854"/>
+                  </a:lnTo>
+                  <a:lnTo>
+                    <a:pt x="319" y="3893"/>
+                  </a:lnTo>
+                  <a:lnTo>
+                    <a:pt x="292" y="3939"/>
+                  </a:lnTo>
+                  <a:lnTo>
+                    <a:pt x="269" y="3989"/>
+                  </a:lnTo>
+                  <a:lnTo>
+                    <a:pt x="251" y="4042"/>
+                  </a:lnTo>
+                  <a:lnTo>
+                    <a:pt x="234" y="4097"/>
+                  </a:lnTo>
+                  <a:lnTo>
+                    <a:pt x="220" y="4154"/>
+                  </a:lnTo>
+                  <a:lnTo>
+                    <a:pt x="204" y="4210"/>
+                  </a:lnTo>
+                  <a:lnTo>
+                    <a:pt x="188" y="4265"/>
+                  </a:lnTo>
+                  <a:lnTo>
+                    <a:pt x="171" y="4320"/>
+                  </a:lnTo>
+                  <a:lnTo>
+                    <a:pt x="0" y="4320"/>
+                  </a:lnTo>
+                  <a:lnTo>
+                    <a:pt x="17" y="4278"/>
+                  </a:lnTo>
+                  <a:lnTo>
+                    <a:pt x="33" y="4232"/>
+                  </a:lnTo>
+                  <a:lnTo>
+                    <a:pt x="46" y="4183"/>
+                  </a:lnTo>
+                  <a:lnTo>
+                    <a:pt x="60" y="4131"/>
+                  </a:lnTo>
+                  <a:lnTo>
+                    <a:pt x="75" y="4075"/>
+                  </a:lnTo>
+                  <a:lnTo>
+                    <a:pt x="90" y="4019"/>
+                  </a:lnTo>
+                  <a:lnTo>
+                    <a:pt x="109" y="3964"/>
+                  </a:lnTo>
+                  <a:lnTo>
+                    <a:pt x="129" y="3909"/>
+                  </a:lnTo>
+                  <a:lnTo>
+                    <a:pt x="156" y="3855"/>
+                  </a:lnTo>
+                  <a:lnTo>
+                    <a:pt x="186" y="3804"/>
+                  </a:lnTo>
+                  <a:lnTo>
+                    <a:pt x="222" y="3756"/>
+                  </a:lnTo>
+                  <a:lnTo>
+                    <a:pt x="261" y="3713"/>
+                  </a:lnTo>
+                  <a:lnTo>
+                    <a:pt x="303" y="3672"/>
+                  </a:lnTo>
+                  <a:lnTo>
+                    <a:pt x="348" y="3634"/>
+                  </a:lnTo>
+                  <a:lnTo>
+                    <a:pt x="392" y="3599"/>
+                  </a:lnTo>
+                  <a:lnTo>
+                    <a:pt x="438" y="3565"/>
+                  </a:lnTo>
+                  <a:lnTo>
+                    <a:pt x="482" y="3531"/>
+                  </a:lnTo>
+                  <a:lnTo>
+                    <a:pt x="523" y="3499"/>
+                  </a:lnTo>
+                  <a:lnTo>
+                    <a:pt x="561" y="3466"/>
+                  </a:lnTo>
+                  <a:lnTo>
+                    <a:pt x="594" y="3434"/>
+                  </a:lnTo>
+                  <a:lnTo>
+                    <a:pt x="620" y="3400"/>
+                  </a:lnTo>
+                  <a:lnTo>
+                    <a:pt x="638" y="3367"/>
+                  </a:lnTo>
+                  <a:lnTo>
+                    <a:pt x="647" y="3336"/>
+                  </a:lnTo>
+                  <a:lnTo>
+                    <a:pt x="652" y="3302"/>
+                  </a:lnTo>
+                  <a:lnTo>
+                    <a:pt x="654" y="3265"/>
+                  </a:lnTo>
+                  <a:lnTo>
+                    <a:pt x="651" y="3224"/>
+                  </a:lnTo>
+                  <a:lnTo>
+                    <a:pt x="647" y="3181"/>
+                  </a:lnTo>
+                  <a:lnTo>
+                    <a:pt x="642" y="3137"/>
+                  </a:lnTo>
+                  <a:lnTo>
+                    <a:pt x="637" y="3091"/>
+                  </a:lnTo>
+                  <a:lnTo>
+                    <a:pt x="626" y="3021"/>
+                  </a:lnTo>
+                  <a:lnTo>
+                    <a:pt x="620" y="2952"/>
+                  </a:lnTo>
+                  <a:lnTo>
+                    <a:pt x="616" y="2881"/>
+                  </a:lnTo>
+                  <a:lnTo>
+                    <a:pt x="618" y="2809"/>
+                  </a:lnTo>
+                  <a:lnTo>
+                    <a:pt x="628" y="2737"/>
+                  </a:lnTo>
+                  <a:lnTo>
+                    <a:pt x="642" y="2681"/>
+                  </a:lnTo>
+                  <a:lnTo>
+                    <a:pt x="661" y="2626"/>
+                  </a:lnTo>
+                  <a:lnTo>
+                    <a:pt x="685" y="2574"/>
+                  </a:lnTo>
+                  <a:lnTo>
+                    <a:pt x="711" y="2521"/>
+                  </a:lnTo>
+                  <a:lnTo>
+                    <a:pt x="739" y="2472"/>
+                  </a:lnTo>
+                  <a:lnTo>
+                    <a:pt x="767" y="2423"/>
+                  </a:lnTo>
+                  <a:lnTo>
+                    <a:pt x="791" y="2381"/>
+                  </a:lnTo>
+                  <a:lnTo>
+                    <a:pt x="813" y="2342"/>
+                  </a:lnTo>
+                  <a:lnTo>
+                    <a:pt x="834" y="2303"/>
+                  </a:lnTo>
+                  <a:lnTo>
+                    <a:pt x="851" y="2265"/>
+                  </a:lnTo>
+                  <a:lnTo>
+                    <a:pt x="864" y="2228"/>
+                  </a:lnTo>
+                  <a:lnTo>
+                    <a:pt x="873" y="2194"/>
+                  </a:lnTo>
+                  <a:lnTo>
+                    <a:pt x="876" y="2160"/>
+                  </a:lnTo>
+                  <a:lnTo>
+                    <a:pt x="873" y="2126"/>
+                  </a:lnTo>
+                  <a:lnTo>
+                    <a:pt x="864" y="2092"/>
+                  </a:lnTo>
+                  <a:lnTo>
+                    <a:pt x="851" y="2055"/>
+                  </a:lnTo>
+                  <a:lnTo>
+                    <a:pt x="834" y="2017"/>
+                  </a:lnTo>
+                  <a:lnTo>
+                    <a:pt x="813" y="1978"/>
+                  </a:lnTo>
+                  <a:lnTo>
+                    <a:pt x="791" y="1939"/>
+                  </a:lnTo>
+                  <a:lnTo>
+                    <a:pt x="767" y="1897"/>
+                  </a:lnTo>
+                  <a:lnTo>
+                    <a:pt x="739" y="1848"/>
+                  </a:lnTo>
+                  <a:lnTo>
+                    <a:pt x="711" y="1799"/>
+                  </a:lnTo>
+                  <a:lnTo>
+                    <a:pt x="685" y="1746"/>
+                  </a:lnTo>
+                  <a:lnTo>
+                    <a:pt x="661" y="1694"/>
+                  </a:lnTo>
+                  <a:lnTo>
+                    <a:pt x="642" y="1639"/>
+                  </a:lnTo>
+                  <a:lnTo>
+                    <a:pt x="628" y="1583"/>
+                  </a:lnTo>
+                  <a:lnTo>
+                    <a:pt x="618" y="1511"/>
+                  </a:lnTo>
+                  <a:lnTo>
+                    <a:pt x="616" y="1439"/>
+                  </a:lnTo>
+                  <a:lnTo>
+                    <a:pt x="620" y="1368"/>
+                  </a:lnTo>
+                  <a:lnTo>
+                    <a:pt x="626" y="1299"/>
+                  </a:lnTo>
+                  <a:lnTo>
+                    <a:pt x="637" y="1229"/>
+                  </a:lnTo>
+                  <a:lnTo>
+                    <a:pt x="642" y="1183"/>
+                  </a:lnTo>
+                  <a:lnTo>
+                    <a:pt x="647" y="1139"/>
+                  </a:lnTo>
+                  <a:lnTo>
+                    <a:pt x="651" y="1096"/>
+                  </a:lnTo>
+                  <a:lnTo>
+                    <a:pt x="654" y="1055"/>
+                  </a:lnTo>
+                  <a:lnTo>
+                    <a:pt x="652" y="1018"/>
+                  </a:lnTo>
+                  <a:lnTo>
+                    <a:pt x="647" y="984"/>
+                  </a:lnTo>
+                  <a:lnTo>
+                    <a:pt x="638" y="953"/>
+                  </a:lnTo>
+                  <a:lnTo>
+                    <a:pt x="620" y="920"/>
+                  </a:lnTo>
+                  <a:lnTo>
+                    <a:pt x="594" y="886"/>
+                  </a:lnTo>
+                  <a:lnTo>
+                    <a:pt x="561" y="854"/>
+                  </a:lnTo>
+                  <a:lnTo>
+                    <a:pt x="523" y="822"/>
+                  </a:lnTo>
+                  <a:lnTo>
+                    <a:pt x="482" y="789"/>
+                  </a:lnTo>
+                  <a:lnTo>
+                    <a:pt x="438" y="755"/>
+                  </a:lnTo>
+                  <a:lnTo>
+                    <a:pt x="392" y="721"/>
+                  </a:lnTo>
+                  <a:lnTo>
+                    <a:pt x="348" y="686"/>
+                  </a:lnTo>
+                  <a:lnTo>
+                    <a:pt x="303" y="648"/>
+                  </a:lnTo>
+                  <a:lnTo>
+                    <a:pt x="261" y="607"/>
+                  </a:lnTo>
+                  <a:lnTo>
+                    <a:pt x="222" y="564"/>
+                  </a:lnTo>
+                  <a:lnTo>
+                    <a:pt x="186" y="516"/>
+                  </a:lnTo>
+                  <a:lnTo>
+                    <a:pt x="156" y="465"/>
+                  </a:lnTo>
+                  <a:lnTo>
+                    <a:pt x="129" y="411"/>
+                  </a:lnTo>
+                  <a:lnTo>
+                    <a:pt x="109" y="356"/>
+                  </a:lnTo>
+                  <a:lnTo>
+                    <a:pt x="90" y="301"/>
+                  </a:lnTo>
+                  <a:lnTo>
+                    <a:pt x="75" y="245"/>
+                  </a:lnTo>
+                  <a:lnTo>
+                    <a:pt x="60" y="189"/>
+                  </a:lnTo>
+                  <a:lnTo>
+                    <a:pt x="46" y="137"/>
+                  </a:lnTo>
+                  <a:lnTo>
+                    <a:pt x="33" y="88"/>
+                  </a:lnTo>
+                  <a:lnTo>
+                    <a:pt x="17" y="42"/>
+                  </a:lnTo>
+                  <a:lnTo>
+                    <a:pt x="0" y="0"/>
+                  </a:lnTo>
+                  <a:lnTo>
+                    <a:pt x="0" y="0"/>
+                  </a:lnTo>
+                  <a:close/>
+                </a:path>
+              </a:pathLst>
+            </a:custGeom>
+            <a:solidFill>
+              <a:schemeClr val="accent1"/>
+            </a:solidFill>
+            <a:ln w="0">
+              <a:noFill/>
+              <a:prstDash val="solid"/>
+              <a:round/>
+              <a:headEnd/>
+              <a:tailEnd/>
+            </a:ln>
+          </p:spPr>
+        </p:sp>
+      </p:grpSp>
     </p:spTree>
     <p:extLst>
       <p:ext uri="{BB962C8B-B14F-4D97-AF65-F5344CB8AC3E}">
-        <p14:creationId xmlns:p14="http://schemas.microsoft.com/office/powerpoint/2010/main" val="3402267099"/>
+        <p14:creationId xmlns:p14="http://schemas.microsoft.com/office/powerpoint/2010/main" val="4106663519"/>
       </p:ext>
     </p:extLst>
   </p:cSld>
   <p:clrMapOvr>
-    <a:masterClrMapping/>
+    <a:overrideClrMapping bg1="dk1" tx1="lt1" bg2="dk2" tx2="lt2" accent1="accent1" accent2="accent2" accent3="accent3" accent4="accent4" accent5="accent5" accent6="accent6" hlink="hlink" folHlink="folHlink"/>
   </p:clrMapOvr>
 </p:sldLayout>
 </file>
@@ -1240,13 +3250,7 @@
       </p:grpSpPr>
       <p:sp>
         <p:nvSpPr>
-          <p:cNvPr id="2" name="Title 1">
-            <a:extLst>
-              <a:ext uri="{FF2B5EF4-FFF2-40B4-BE49-F238E27FC236}">
-                <a16:creationId xmlns:a16="http://schemas.microsoft.com/office/drawing/2014/main" id="{CD3B4D63-74A2-4FAE-A62C-344611886425}"/>
-              </a:ext>
-            </a:extLst>
-          </p:cNvPr>
+          <p:cNvPr id="2" name="Title 1"/>
           <p:cNvSpPr>
             <a:spLocks noGrp="1"/>
           </p:cNvSpPr>
@@ -1263,18 +3267,13 @@
               <a:rPr lang="en-US"/>
               <a:t>Click to edit Master title style</a:t>
             </a:r>
+            <a:endParaRPr lang="en-US" dirty="0"/>
           </a:p>
         </p:txBody>
       </p:sp>
       <p:sp>
         <p:nvSpPr>
-          <p:cNvPr id="3" name="Content Placeholder 2">
-            <a:extLst>
-              <a:ext uri="{FF2B5EF4-FFF2-40B4-BE49-F238E27FC236}">
-                <a16:creationId xmlns:a16="http://schemas.microsoft.com/office/drawing/2014/main" id="{2EF5F06C-DCD3-4CC1-9A8F-33385DA39C08}"/>
-              </a:ext>
-            </a:extLst>
-          </p:cNvPr>
+          <p:cNvPr id="3" name="Content Placeholder 2"/>
           <p:cNvSpPr>
             <a:spLocks noGrp="1"/>
           </p:cNvSpPr>
@@ -1284,8 +3283,8 @@
         </p:nvSpPr>
         <p:spPr>
           <a:xfrm>
-            <a:off x="838200" y="1825625"/>
-            <a:ext cx="5181600" cy="4351338"/>
+            <a:off x="1257300" y="2286000"/>
+            <a:ext cx="4800600" cy="3619500"/>
           </a:xfrm>
         </p:spPr>
         <p:txBody>
@@ -1325,18 +3324,13 @@
               <a:rPr lang="en-US"/>
               <a:t>Fifth level</a:t>
             </a:r>
+            <a:endParaRPr lang="en-US" dirty="0"/>
           </a:p>
         </p:txBody>
       </p:sp>
       <p:sp>
         <p:nvSpPr>
-          <p:cNvPr id="4" name="Content Placeholder 3">
-            <a:extLst>
-              <a:ext uri="{FF2B5EF4-FFF2-40B4-BE49-F238E27FC236}">
-                <a16:creationId xmlns:a16="http://schemas.microsoft.com/office/drawing/2014/main" id="{AF5332A4-A5D3-4F28-B13C-1682EE02250A}"/>
-              </a:ext>
-            </a:extLst>
-          </p:cNvPr>
+          <p:cNvPr id="4" name="Content Placeholder 3"/>
           <p:cNvSpPr>
             <a:spLocks noGrp="1"/>
           </p:cNvSpPr>
@@ -1346,8 +3340,8 @@
         </p:nvSpPr>
         <p:spPr>
           <a:xfrm>
-            <a:off x="6172200" y="1825625"/>
-            <a:ext cx="5181600" cy="4351338"/>
+            <a:off x="6647796" y="2286000"/>
+            <a:ext cx="4800600" cy="3619500"/>
           </a:xfrm>
         </p:spPr>
         <p:txBody>
@@ -1387,18 +3381,13 @@
               <a:rPr lang="en-US"/>
               <a:t>Fifth level</a:t>
             </a:r>
+            <a:endParaRPr lang="en-US" dirty="0"/>
           </a:p>
         </p:txBody>
       </p:sp>
       <p:sp>
         <p:nvSpPr>
-          <p:cNvPr id="5" name="Date Placeholder 4">
-            <a:extLst>
-              <a:ext uri="{FF2B5EF4-FFF2-40B4-BE49-F238E27FC236}">
-                <a16:creationId xmlns:a16="http://schemas.microsoft.com/office/drawing/2014/main" id="{6D75205B-EE0C-46A5-B1BB-BD4B22906B20}"/>
-              </a:ext>
-            </a:extLst>
-          </p:cNvPr>
+          <p:cNvPr id="5" name="Date Placeholder 4"/>
           <p:cNvSpPr>
             <a:spLocks noGrp="1"/>
           </p:cNvSpPr>
@@ -1421,13 +3410,7 @@
       </p:sp>
       <p:sp>
         <p:nvSpPr>
-          <p:cNvPr id="6" name="Footer Placeholder 5">
-            <a:extLst>
-              <a:ext uri="{FF2B5EF4-FFF2-40B4-BE49-F238E27FC236}">
-                <a16:creationId xmlns:a16="http://schemas.microsoft.com/office/drawing/2014/main" id="{3E2368A4-1F5C-425D-B5D0-AF6F15473AD6}"/>
-              </a:ext>
-            </a:extLst>
-          </p:cNvPr>
+          <p:cNvPr id="6" name="Footer Placeholder 5"/>
           <p:cNvSpPr>
             <a:spLocks noGrp="1"/>
           </p:cNvSpPr>
@@ -1446,13 +3429,7 @@
       </p:sp>
       <p:sp>
         <p:nvSpPr>
-          <p:cNvPr id="7" name="Slide Number Placeholder 6">
-            <a:extLst>
-              <a:ext uri="{FF2B5EF4-FFF2-40B4-BE49-F238E27FC236}">
-                <a16:creationId xmlns:a16="http://schemas.microsoft.com/office/drawing/2014/main" id="{7372676B-453D-4871-884C-0CF922319491}"/>
-              </a:ext>
-            </a:extLst>
-          </p:cNvPr>
+          <p:cNvPr id="7" name="Slide Number Placeholder 6"/>
           <p:cNvSpPr>
             <a:spLocks noGrp="1"/>
           </p:cNvSpPr>
@@ -1476,13 +3453,18 @@
     </p:spTree>
     <p:extLst>
       <p:ext uri="{BB962C8B-B14F-4D97-AF65-F5344CB8AC3E}">
-        <p14:creationId xmlns:p14="http://schemas.microsoft.com/office/powerpoint/2010/main" val="3457955595"/>
+        <p14:creationId xmlns:p14="http://schemas.microsoft.com/office/powerpoint/2010/main" val="1484843967"/>
       </p:ext>
     </p:extLst>
   </p:cSld>
   <p:clrMapOvr>
     <a:masterClrMapping/>
   </p:clrMapOvr>
+  <p:extLst mod="1">
+    <p:ext uri="{DCECCB84-F9BA-43D5-87BE-67443E8EF086}">
+      <p15:sldGuideLst xmlns:p15="http://schemas.microsoft.com/office/powerpoint/2012/main"/>
+    </p:ext>
+  </p:extLst>
 </p:sldLayout>
 </file>
 
@@ -1505,13 +3487,7 @@
       </p:grpSpPr>
       <p:sp>
         <p:nvSpPr>
-          <p:cNvPr id="2" name="Title 1">
-            <a:extLst>
-              <a:ext uri="{FF2B5EF4-FFF2-40B4-BE49-F238E27FC236}">
-                <a16:creationId xmlns:a16="http://schemas.microsoft.com/office/drawing/2014/main" id="{8936355C-426C-431B-ACEF-48FBC47D6FAA}"/>
-              </a:ext>
-            </a:extLst>
-          </p:cNvPr>
+          <p:cNvPr id="2" name="Title 1"/>
           <p:cNvSpPr>
             <a:spLocks noGrp="1"/>
           </p:cNvSpPr>
@@ -1521,8 +3497,8 @@
         </p:nvSpPr>
         <p:spPr>
           <a:xfrm>
-            <a:off x="839788" y="365125"/>
-            <a:ext cx="10515600" cy="1325563"/>
+            <a:off x="1252728" y="381000"/>
+            <a:ext cx="10172700" cy="1493517"/>
           </a:xfrm>
         </p:spPr>
         <p:txBody>
@@ -1533,18 +3509,13 @@
               <a:rPr lang="en-US"/>
               <a:t>Click to edit Master title style</a:t>
             </a:r>
+            <a:endParaRPr lang="en-US" dirty="0"/>
           </a:p>
         </p:txBody>
       </p:sp>
       <p:sp>
         <p:nvSpPr>
-          <p:cNvPr id="3" name="Text Placeholder 2">
-            <a:extLst>
-              <a:ext uri="{FF2B5EF4-FFF2-40B4-BE49-F238E27FC236}">
-                <a16:creationId xmlns:a16="http://schemas.microsoft.com/office/drawing/2014/main" id="{14F1A764-5830-4657-9030-632659822F44}"/>
-              </a:ext>
-            </a:extLst>
-          </p:cNvPr>
+          <p:cNvPr id="3" name="Text Placeholder 2"/>
           <p:cNvSpPr>
             <a:spLocks noGrp="1"/>
           </p:cNvSpPr>
@@ -1554,20 +3525,29 @@
         </p:nvSpPr>
         <p:spPr>
           <a:xfrm>
-            <a:off x="839788" y="1681163"/>
-            <a:ext cx="5157787" cy="823912"/>
+            <a:off x="1251678" y="2199633"/>
+            <a:ext cx="4800600" cy="632529"/>
           </a:xfrm>
         </p:spPr>
         <p:txBody>
-          <a:bodyPr anchor="b"/>
+          <a:bodyPr anchor="b">
+            <a:noAutofit/>
+          </a:bodyPr>
           <a:lstStyle>
             <a:lvl1pPr marL="0" indent="0">
+              <a:lnSpc>
+                <a:spcPct val="100000"/>
+              </a:lnSpc>
               <a:buNone/>
-              <a:defRPr sz="2400" b="1"/>
+              <a:defRPr sz="1900" b="1" cap="all" spc="200" baseline="0">
+                <a:solidFill>
+                  <a:schemeClr val="tx2"/>
+                </a:solidFill>
+              </a:defRPr>
             </a:lvl1pPr>
             <a:lvl2pPr marL="457200" indent="0">
               <a:buNone/>
-              <a:defRPr sz="2000" b="1"/>
+              <a:defRPr sz="1900" b="1"/>
             </a:lvl2pPr>
             <a:lvl3pPr marL="914400" indent="0">
               <a:buNone/>
@@ -1609,13 +3589,7 @@
       </p:sp>
       <p:sp>
         <p:nvSpPr>
-          <p:cNvPr id="4" name="Content Placeholder 3">
-            <a:extLst>
-              <a:ext uri="{FF2B5EF4-FFF2-40B4-BE49-F238E27FC236}">
-                <a16:creationId xmlns:a16="http://schemas.microsoft.com/office/drawing/2014/main" id="{3D2A861C-37BC-4596-ADE5-4F93A70F3431}"/>
-              </a:ext>
-            </a:extLst>
-          </p:cNvPr>
+          <p:cNvPr id="4" name="Content Placeholder 3"/>
           <p:cNvSpPr>
             <a:spLocks noGrp="1"/>
           </p:cNvSpPr>
@@ -1625,8 +3599,8 @@
         </p:nvSpPr>
         <p:spPr>
           <a:xfrm>
-            <a:off x="839788" y="2505075"/>
-            <a:ext cx="5157787" cy="3684588"/>
+            <a:off x="1257300" y="2909102"/>
+            <a:ext cx="4800600" cy="2996398"/>
           </a:xfrm>
         </p:spPr>
         <p:txBody>
@@ -1666,18 +3640,13 @@
               <a:rPr lang="en-US"/>
               <a:t>Fifth level</a:t>
             </a:r>
+            <a:endParaRPr lang="en-US" dirty="0"/>
           </a:p>
         </p:txBody>
       </p:sp>
       <p:sp>
         <p:nvSpPr>
-          <p:cNvPr id="5" name="Text Placeholder 4">
-            <a:extLst>
-              <a:ext uri="{FF2B5EF4-FFF2-40B4-BE49-F238E27FC236}">
-                <a16:creationId xmlns:a16="http://schemas.microsoft.com/office/drawing/2014/main" id="{91CDB8E1-CB83-4543-8BD2-845257709D32}"/>
-              </a:ext>
-            </a:extLst>
-          </p:cNvPr>
+          <p:cNvPr id="5" name="Text Placeholder 4"/>
           <p:cNvSpPr>
             <a:spLocks noGrp="1"/>
           </p:cNvSpPr>
@@ -1687,20 +3656,29 @@
         </p:nvSpPr>
         <p:spPr>
           <a:xfrm>
-            <a:off x="6172200" y="1681163"/>
-            <a:ext cx="5183188" cy="823912"/>
+            <a:off x="6633864" y="2199633"/>
+            <a:ext cx="4800600" cy="632529"/>
           </a:xfrm>
         </p:spPr>
         <p:txBody>
-          <a:bodyPr anchor="b"/>
+          <a:bodyPr anchor="b">
+            <a:noAutofit/>
+          </a:bodyPr>
           <a:lstStyle>
             <a:lvl1pPr marL="0" indent="0">
+              <a:lnSpc>
+                <a:spcPct val="100000"/>
+              </a:lnSpc>
               <a:buNone/>
-              <a:defRPr sz="2400" b="1"/>
+              <a:defRPr sz="1900" b="1" cap="all" spc="200" baseline="0">
+                <a:solidFill>
+                  <a:schemeClr val="tx2"/>
+                </a:solidFill>
+              </a:defRPr>
             </a:lvl1pPr>
             <a:lvl2pPr marL="457200" indent="0">
               <a:buNone/>
-              <a:defRPr sz="2000" b="1"/>
+              <a:defRPr sz="1900" b="1"/>
             </a:lvl2pPr>
             <a:lvl3pPr marL="914400" indent="0">
               <a:buNone/>
@@ -1742,13 +3720,7 @@
       </p:sp>
       <p:sp>
         <p:nvSpPr>
-          <p:cNvPr id="6" name="Content Placeholder 5">
-            <a:extLst>
-              <a:ext uri="{FF2B5EF4-FFF2-40B4-BE49-F238E27FC236}">
-                <a16:creationId xmlns:a16="http://schemas.microsoft.com/office/drawing/2014/main" id="{76309C83-313F-49A7-89D2-9C3F2F568D5D}"/>
-              </a:ext>
-            </a:extLst>
-          </p:cNvPr>
+          <p:cNvPr id="6" name="Content Placeholder 5"/>
           <p:cNvSpPr>
             <a:spLocks noGrp="1"/>
           </p:cNvSpPr>
@@ -1758,8 +3730,8 @@
         </p:nvSpPr>
         <p:spPr>
           <a:xfrm>
-            <a:off x="6172200" y="2505075"/>
-            <a:ext cx="5183188" cy="3684588"/>
+            <a:off x="6633864" y="2909102"/>
+            <a:ext cx="4800600" cy="2996398"/>
           </a:xfrm>
         </p:spPr>
         <p:txBody>
@@ -1799,18 +3771,13 @@
               <a:rPr lang="en-US"/>
               <a:t>Fifth level</a:t>
             </a:r>
+            <a:endParaRPr lang="en-US" dirty="0"/>
           </a:p>
         </p:txBody>
       </p:sp>
       <p:sp>
         <p:nvSpPr>
-          <p:cNvPr id="7" name="Date Placeholder 6">
-            <a:extLst>
-              <a:ext uri="{FF2B5EF4-FFF2-40B4-BE49-F238E27FC236}">
-                <a16:creationId xmlns:a16="http://schemas.microsoft.com/office/drawing/2014/main" id="{6ED9C34D-E2DA-46DC-96E4-2E6C7253C017}"/>
-              </a:ext>
-            </a:extLst>
-          </p:cNvPr>
+          <p:cNvPr id="7" name="Date Placeholder 6"/>
           <p:cNvSpPr>
             <a:spLocks noGrp="1"/>
           </p:cNvSpPr>
@@ -1833,13 +3800,7 @@
       </p:sp>
       <p:sp>
         <p:nvSpPr>
-          <p:cNvPr id="8" name="Footer Placeholder 7">
-            <a:extLst>
-              <a:ext uri="{FF2B5EF4-FFF2-40B4-BE49-F238E27FC236}">
-                <a16:creationId xmlns:a16="http://schemas.microsoft.com/office/drawing/2014/main" id="{347E5E6B-ECD5-41E2-8CBA-6F7F299C8655}"/>
-              </a:ext>
-            </a:extLst>
-          </p:cNvPr>
+          <p:cNvPr id="8" name="Footer Placeholder 7"/>
           <p:cNvSpPr>
             <a:spLocks noGrp="1"/>
           </p:cNvSpPr>
@@ -1858,13 +3819,7 @@
       </p:sp>
       <p:sp>
         <p:nvSpPr>
-          <p:cNvPr id="9" name="Slide Number Placeholder 8">
-            <a:extLst>
-              <a:ext uri="{FF2B5EF4-FFF2-40B4-BE49-F238E27FC236}">
-                <a16:creationId xmlns:a16="http://schemas.microsoft.com/office/drawing/2014/main" id="{C8402BFD-385F-4BE9-9648-E605B73F7C45}"/>
-              </a:ext>
-            </a:extLst>
-          </p:cNvPr>
+          <p:cNvPr id="9" name="Slide Number Placeholder 8"/>
           <p:cNvSpPr>
             <a:spLocks noGrp="1"/>
           </p:cNvSpPr>
@@ -1888,13 +3843,18 @@
     </p:spTree>
     <p:extLst>
       <p:ext uri="{BB962C8B-B14F-4D97-AF65-F5344CB8AC3E}">
-        <p14:creationId xmlns:p14="http://schemas.microsoft.com/office/powerpoint/2010/main" val="2458507382"/>
+        <p14:creationId xmlns:p14="http://schemas.microsoft.com/office/powerpoint/2010/main" val="1622772650"/>
       </p:ext>
     </p:extLst>
   </p:cSld>
   <p:clrMapOvr>
     <a:masterClrMapping/>
   </p:clrMapOvr>
+  <p:extLst mod="1">
+    <p:ext uri="{DCECCB84-F9BA-43D5-87BE-67443E8EF086}">
+      <p15:sldGuideLst xmlns:p15="http://schemas.microsoft.com/office/powerpoint/2012/main"/>
+    </p:ext>
+  </p:extLst>
 </p:sldLayout>
 </file>
 
@@ -1917,13 +3877,7 @@
       </p:grpSpPr>
       <p:sp>
         <p:nvSpPr>
-          <p:cNvPr id="2" name="Title 1">
-            <a:extLst>
-              <a:ext uri="{FF2B5EF4-FFF2-40B4-BE49-F238E27FC236}">
-                <a16:creationId xmlns:a16="http://schemas.microsoft.com/office/drawing/2014/main" id="{4B1E541D-51C6-44EE-B6F9-08E4FF824934}"/>
-              </a:ext>
-            </a:extLst>
-          </p:cNvPr>
+          <p:cNvPr id="2" name="Title 1"/>
           <p:cNvSpPr>
             <a:spLocks noGrp="1"/>
           </p:cNvSpPr>
@@ -1940,18 +3894,13 @@
               <a:rPr lang="en-US"/>
               <a:t>Click to edit Master title style</a:t>
             </a:r>
+            <a:endParaRPr lang="en-US" dirty="0"/>
           </a:p>
         </p:txBody>
       </p:sp>
       <p:sp>
         <p:nvSpPr>
-          <p:cNvPr id="3" name="Date Placeholder 2">
-            <a:extLst>
-              <a:ext uri="{FF2B5EF4-FFF2-40B4-BE49-F238E27FC236}">
-                <a16:creationId xmlns:a16="http://schemas.microsoft.com/office/drawing/2014/main" id="{B0F80A02-3B0F-4FD8-99D6-750C866630B8}"/>
-              </a:ext>
-            </a:extLst>
-          </p:cNvPr>
+          <p:cNvPr id="3" name="Date Placeholder 2"/>
           <p:cNvSpPr>
             <a:spLocks noGrp="1"/>
           </p:cNvSpPr>
@@ -1974,13 +3923,7 @@
       </p:sp>
       <p:sp>
         <p:nvSpPr>
-          <p:cNvPr id="4" name="Footer Placeholder 3">
-            <a:extLst>
-              <a:ext uri="{FF2B5EF4-FFF2-40B4-BE49-F238E27FC236}">
-                <a16:creationId xmlns:a16="http://schemas.microsoft.com/office/drawing/2014/main" id="{4D48C598-B8AE-45E1-9EF3-754334317BEE}"/>
-              </a:ext>
-            </a:extLst>
-          </p:cNvPr>
+          <p:cNvPr id="4" name="Footer Placeholder 3"/>
           <p:cNvSpPr>
             <a:spLocks noGrp="1"/>
           </p:cNvSpPr>
@@ -1999,13 +3942,7 @@
       </p:sp>
       <p:sp>
         <p:nvSpPr>
-          <p:cNvPr id="5" name="Slide Number Placeholder 4">
-            <a:extLst>
-              <a:ext uri="{FF2B5EF4-FFF2-40B4-BE49-F238E27FC236}">
-                <a16:creationId xmlns:a16="http://schemas.microsoft.com/office/drawing/2014/main" id="{B49E83D6-788A-4FBF-9D81-55C653D6EB12}"/>
-              </a:ext>
-            </a:extLst>
-          </p:cNvPr>
+          <p:cNvPr id="5" name="Slide Number Placeholder 4"/>
           <p:cNvSpPr>
             <a:spLocks noGrp="1"/>
           </p:cNvSpPr>
@@ -2029,7 +3966,7 @@
     </p:spTree>
     <p:extLst>
       <p:ext uri="{BB962C8B-B14F-4D97-AF65-F5344CB8AC3E}">
-        <p14:creationId xmlns:p14="http://schemas.microsoft.com/office/powerpoint/2010/main" val="1946896672"/>
+        <p14:creationId xmlns:p14="http://schemas.microsoft.com/office/powerpoint/2010/main" val="2860081257"/>
       </p:ext>
     </p:extLst>
   </p:cSld>
@@ -2058,13 +3995,7 @@
       </p:grpSpPr>
       <p:sp>
         <p:nvSpPr>
-          <p:cNvPr id="2" name="Date Placeholder 1">
-            <a:extLst>
-              <a:ext uri="{FF2B5EF4-FFF2-40B4-BE49-F238E27FC236}">
-                <a16:creationId xmlns:a16="http://schemas.microsoft.com/office/drawing/2014/main" id="{6EE5981F-E87A-4F8C-98C7-B634F17395A3}"/>
-              </a:ext>
-            </a:extLst>
-          </p:cNvPr>
+          <p:cNvPr id="2" name="Date Placeholder 1"/>
           <p:cNvSpPr>
             <a:spLocks noGrp="1"/>
           </p:cNvSpPr>
@@ -2087,13 +4018,7 @@
       </p:sp>
       <p:sp>
         <p:nvSpPr>
-          <p:cNvPr id="3" name="Footer Placeholder 2">
-            <a:extLst>
-              <a:ext uri="{FF2B5EF4-FFF2-40B4-BE49-F238E27FC236}">
-                <a16:creationId xmlns:a16="http://schemas.microsoft.com/office/drawing/2014/main" id="{CD18C04D-15A0-4F01-BD7D-CBA7BDC19B73}"/>
-              </a:ext>
-            </a:extLst>
-          </p:cNvPr>
+          <p:cNvPr id="3" name="Footer Placeholder 2"/>
           <p:cNvSpPr>
             <a:spLocks noGrp="1"/>
           </p:cNvSpPr>
@@ -2112,13 +4037,7 @@
       </p:sp>
       <p:sp>
         <p:nvSpPr>
-          <p:cNvPr id="4" name="Slide Number Placeholder 3">
-            <a:extLst>
-              <a:ext uri="{FF2B5EF4-FFF2-40B4-BE49-F238E27FC236}">
-                <a16:creationId xmlns:a16="http://schemas.microsoft.com/office/drawing/2014/main" id="{255E8355-1D8B-4277-B3E9-DD466D712CDD}"/>
-              </a:ext>
-            </a:extLst>
-          </p:cNvPr>
+          <p:cNvPr id="4" name="Slide Number Placeholder 3"/>
           <p:cNvSpPr>
             <a:spLocks noGrp="1"/>
           </p:cNvSpPr>
@@ -2142,7 +4061,7 @@
     </p:spTree>
     <p:extLst>
       <p:ext uri="{BB962C8B-B14F-4D97-AF65-F5344CB8AC3E}">
-        <p14:creationId xmlns:p14="http://schemas.microsoft.com/office/powerpoint/2010/main" val="422957912"/>
+        <p14:creationId xmlns:p14="http://schemas.microsoft.com/office/powerpoint/2010/main" val="2277725212"/>
       </p:ext>
     </p:extLst>
   </p:cSld>
@@ -2153,7 +4072,7 @@
 </file>
 
 <file path=ppt/slideLayouts/slideLayout8.xml><?xml version="1.0" encoding="utf-8"?>
-<p:sldLayout xmlns:a="http://schemas.openxmlformats.org/drawingml/2006/main" xmlns:r="http://schemas.openxmlformats.org/officeDocument/2006/relationships" xmlns:p="http://schemas.openxmlformats.org/presentationml/2006/main" type="objTx" preserve="1">
+<p:sldLayout xmlns:a="http://schemas.openxmlformats.org/drawingml/2006/main" xmlns:r="http://schemas.openxmlformats.org/officeDocument/2006/relationships" xmlns:p="http://schemas.openxmlformats.org/presentationml/2006/main" showMasterSp="0" type="objTx" preserve="1">
   <p:cSld name="Content with Caption">
     <p:spTree>
       <p:nvGrpSpPr>
@@ -2171,13 +4090,468 @@
       </p:grpSpPr>
       <p:sp>
         <p:nvSpPr>
-          <p:cNvPr id="2" name="Title 1">
-            <a:extLst>
-              <a:ext uri="{FF2B5EF4-FFF2-40B4-BE49-F238E27FC236}">
-                <a16:creationId xmlns:a16="http://schemas.microsoft.com/office/drawing/2014/main" id="{3BBAF0BE-63BA-4F1F-9E35-35DBDB9ADBE7}"/>
-              </a:ext>
-            </a:extLst>
-          </p:cNvPr>
+          <p:cNvPr id="17" name="Freeform 11" title="right scallop background shape"/>
+          <p:cNvSpPr/>
+          <p:nvPr/>
+        </p:nvSpPr>
+        <p:spPr bwMode="auto">
+          <a:xfrm>
+            <a:off x="7389812" y="0"/>
+            <a:ext cx="4802188" cy="6858000"/>
+          </a:xfrm>
+          <a:custGeom>
+            <a:avLst/>
+            <a:gdLst/>
+            <a:ahLst/>
+            <a:cxnLst/>
+            <a:rect l="0" t="0" r="r" b="b"/>
+            <a:pathLst>
+              <a:path w="3025" h="4320">
+                <a:moveTo>
+                  <a:pt x="0" y="0"/>
+                </a:moveTo>
+                <a:lnTo>
+                  <a:pt x="3025" y="0"/>
+                </a:lnTo>
+                <a:lnTo>
+                  <a:pt x="3025" y="4320"/>
+                </a:lnTo>
+                <a:lnTo>
+                  <a:pt x="0" y="4320"/>
+                </a:lnTo>
+                <a:lnTo>
+                  <a:pt x="3" y="4278"/>
+                </a:lnTo>
+                <a:lnTo>
+                  <a:pt x="8" y="4243"/>
+                </a:lnTo>
+                <a:lnTo>
+                  <a:pt x="14" y="4210"/>
+                </a:lnTo>
+                <a:lnTo>
+                  <a:pt x="24" y="4183"/>
+                </a:lnTo>
+                <a:lnTo>
+                  <a:pt x="34" y="4156"/>
+                </a:lnTo>
+                <a:lnTo>
+                  <a:pt x="46" y="4133"/>
+                </a:lnTo>
+                <a:lnTo>
+                  <a:pt x="58" y="4109"/>
+                </a:lnTo>
+                <a:lnTo>
+                  <a:pt x="69" y="4087"/>
+                </a:lnTo>
+                <a:lnTo>
+                  <a:pt x="80" y="4062"/>
+                </a:lnTo>
+                <a:lnTo>
+                  <a:pt x="90" y="4036"/>
+                </a:lnTo>
+                <a:lnTo>
+                  <a:pt x="99" y="4007"/>
+                </a:lnTo>
+                <a:lnTo>
+                  <a:pt x="106" y="3976"/>
+                </a:lnTo>
+                <a:lnTo>
+                  <a:pt x="111" y="3938"/>
+                </a:lnTo>
+                <a:lnTo>
+                  <a:pt x="113" y="3895"/>
+                </a:lnTo>
+                <a:lnTo>
+                  <a:pt x="111" y="3851"/>
+                </a:lnTo>
+                <a:lnTo>
+                  <a:pt x="106" y="3815"/>
+                </a:lnTo>
+                <a:lnTo>
+                  <a:pt x="99" y="3782"/>
+                </a:lnTo>
+                <a:lnTo>
+                  <a:pt x="90" y="3752"/>
+                </a:lnTo>
+                <a:lnTo>
+                  <a:pt x="80" y="3726"/>
+                </a:lnTo>
+                <a:lnTo>
+                  <a:pt x="68" y="3702"/>
+                </a:lnTo>
+                <a:lnTo>
+                  <a:pt x="56" y="3679"/>
+                </a:lnTo>
+                <a:lnTo>
+                  <a:pt x="44" y="3655"/>
+                </a:lnTo>
+                <a:lnTo>
+                  <a:pt x="33" y="3630"/>
+                </a:lnTo>
+                <a:lnTo>
+                  <a:pt x="22" y="3604"/>
+                </a:lnTo>
+                <a:lnTo>
+                  <a:pt x="13" y="3575"/>
+                </a:lnTo>
+                <a:lnTo>
+                  <a:pt x="7" y="3542"/>
+                </a:lnTo>
+                <a:lnTo>
+                  <a:pt x="1" y="3504"/>
+                </a:lnTo>
+                <a:lnTo>
+                  <a:pt x="0" y="3461"/>
+                </a:lnTo>
+                <a:lnTo>
+                  <a:pt x="1" y="3418"/>
+                </a:lnTo>
+                <a:lnTo>
+                  <a:pt x="7" y="3380"/>
+                </a:lnTo>
+                <a:lnTo>
+                  <a:pt x="13" y="3347"/>
+                </a:lnTo>
+                <a:lnTo>
+                  <a:pt x="22" y="3319"/>
+                </a:lnTo>
+                <a:lnTo>
+                  <a:pt x="33" y="3292"/>
+                </a:lnTo>
+                <a:lnTo>
+                  <a:pt x="44" y="3267"/>
+                </a:lnTo>
+                <a:lnTo>
+                  <a:pt x="56" y="3244"/>
+                </a:lnTo>
+                <a:lnTo>
+                  <a:pt x="68" y="3222"/>
+                </a:lnTo>
+                <a:lnTo>
+                  <a:pt x="80" y="3197"/>
+                </a:lnTo>
+                <a:lnTo>
+                  <a:pt x="90" y="3171"/>
+                </a:lnTo>
+                <a:lnTo>
+                  <a:pt x="99" y="3142"/>
+                </a:lnTo>
+                <a:lnTo>
+                  <a:pt x="106" y="3109"/>
+                </a:lnTo>
+                <a:lnTo>
+                  <a:pt x="111" y="3071"/>
+                </a:lnTo>
+                <a:lnTo>
+                  <a:pt x="113" y="3028"/>
+                </a:lnTo>
+                <a:lnTo>
+                  <a:pt x="111" y="2985"/>
+                </a:lnTo>
+                <a:lnTo>
+                  <a:pt x="106" y="2947"/>
+                </a:lnTo>
+                <a:lnTo>
+                  <a:pt x="99" y="2914"/>
+                </a:lnTo>
+                <a:lnTo>
+                  <a:pt x="90" y="2885"/>
+                </a:lnTo>
+                <a:lnTo>
+                  <a:pt x="80" y="2858"/>
+                </a:lnTo>
+                <a:lnTo>
+                  <a:pt x="68" y="2834"/>
+                </a:lnTo>
+                <a:lnTo>
+                  <a:pt x="44" y="2787"/>
+                </a:lnTo>
+                <a:lnTo>
+                  <a:pt x="33" y="2763"/>
+                </a:lnTo>
+                <a:lnTo>
+                  <a:pt x="22" y="2736"/>
+                </a:lnTo>
+                <a:lnTo>
+                  <a:pt x="13" y="2707"/>
+                </a:lnTo>
+                <a:lnTo>
+                  <a:pt x="7" y="2674"/>
+                </a:lnTo>
+                <a:lnTo>
+                  <a:pt x="1" y="2637"/>
+                </a:lnTo>
+                <a:lnTo>
+                  <a:pt x="0" y="2593"/>
+                </a:lnTo>
+                <a:lnTo>
+                  <a:pt x="1" y="2550"/>
+                </a:lnTo>
+                <a:lnTo>
+                  <a:pt x="7" y="2512"/>
+                </a:lnTo>
+                <a:lnTo>
+                  <a:pt x="13" y="2479"/>
+                </a:lnTo>
+                <a:lnTo>
+                  <a:pt x="22" y="2451"/>
+                </a:lnTo>
+                <a:lnTo>
+                  <a:pt x="33" y="2424"/>
+                </a:lnTo>
+                <a:lnTo>
+                  <a:pt x="44" y="2401"/>
+                </a:lnTo>
+                <a:lnTo>
+                  <a:pt x="68" y="2354"/>
+                </a:lnTo>
+                <a:lnTo>
+                  <a:pt x="80" y="2329"/>
+                </a:lnTo>
+                <a:lnTo>
+                  <a:pt x="90" y="2303"/>
+                </a:lnTo>
+                <a:lnTo>
+                  <a:pt x="99" y="2274"/>
+                </a:lnTo>
+                <a:lnTo>
+                  <a:pt x="106" y="2241"/>
+                </a:lnTo>
+                <a:lnTo>
+                  <a:pt x="111" y="2203"/>
+                </a:lnTo>
+                <a:lnTo>
+                  <a:pt x="113" y="2159"/>
+                </a:lnTo>
+                <a:lnTo>
+                  <a:pt x="111" y="2117"/>
+                </a:lnTo>
+                <a:lnTo>
+                  <a:pt x="106" y="2079"/>
+                </a:lnTo>
+                <a:lnTo>
+                  <a:pt x="99" y="2046"/>
+                </a:lnTo>
+                <a:lnTo>
+                  <a:pt x="90" y="2017"/>
+                </a:lnTo>
+                <a:lnTo>
+                  <a:pt x="80" y="1991"/>
+                </a:lnTo>
+                <a:lnTo>
+                  <a:pt x="68" y="1966"/>
+                </a:lnTo>
+                <a:lnTo>
+                  <a:pt x="56" y="1943"/>
+                </a:lnTo>
+                <a:lnTo>
+                  <a:pt x="44" y="1919"/>
+                </a:lnTo>
+                <a:lnTo>
+                  <a:pt x="33" y="1896"/>
+                </a:lnTo>
+                <a:lnTo>
+                  <a:pt x="22" y="1869"/>
+                </a:lnTo>
+                <a:lnTo>
+                  <a:pt x="13" y="1841"/>
+                </a:lnTo>
+                <a:lnTo>
+                  <a:pt x="7" y="1807"/>
+                </a:lnTo>
+                <a:lnTo>
+                  <a:pt x="1" y="1770"/>
+                </a:lnTo>
+                <a:lnTo>
+                  <a:pt x="0" y="1727"/>
+                </a:lnTo>
+                <a:lnTo>
+                  <a:pt x="1" y="1683"/>
+                </a:lnTo>
+                <a:lnTo>
+                  <a:pt x="7" y="1646"/>
+                </a:lnTo>
+                <a:lnTo>
+                  <a:pt x="13" y="1613"/>
+                </a:lnTo>
+                <a:lnTo>
+                  <a:pt x="22" y="1583"/>
+                </a:lnTo>
+                <a:lnTo>
+                  <a:pt x="33" y="1557"/>
+                </a:lnTo>
+                <a:lnTo>
+                  <a:pt x="44" y="1533"/>
+                </a:lnTo>
+                <a:lnTo>
+                  <a:pt x="56" y="1509"/>
+                </a:lnTo>
+                <a:lnTo>
+                  <a:pt x="68" y="1486"/>
+                </a:lnTo>
+                <a:lnTo>
+                  <a:pt x="80" y="1461"/>
+                </a:lnTo>
+                <a:lnTo>
+                  <a:pt x="90" y="1435"/>
+                </a:lnTo>
+                <a:lnTo>
+                  <a:pt x="99" y="1406"/>
+                </a:lnTo>
+                <a:lnTo>
+                  <a:pt x="106" y="1373"/>
+                </a:lnTo>
+                <a:lnTo>
+                  <a:pt x="111" y="1335"/>
+                </a:lnTo>
+                <a:lnTo>
+                  <a:pt x="113" y="1292"/>
+                </a:lnTo>
+                <a:lnTo>
+                  <a:pt x="111" y="1249"/>
+                </a:lnTo>
+                <a:lnTo>
+                  <a:pt x="106" y="1211"/>
+                </a:lnTo>
+                <a:lnTo>
+                  <a:pt x="99" y="1178"/>
+                </a:lnTo>
+                <a:lnTo>
+                  <a:pt x="90" y="1149"/>
+                </a:lnTo>
+                <a:lnTo>
+                  <a:pt x="80" y="1123"/>
+                </a:lnTo>
+                <a:lnTo>
+                  <a:pt x="68" y="1098"/>
+                </a:lnTo>
+                <a:lnTo>
+                  <a:pt x="56" y="1076"/>
+                </a:lnTo>
+                <a:lnTo>
+                  <a:pt x="44" y="1053"/>
+                </a:lnTo>
+                <a:lnTo>
+                  <a:pt x="33" y="1028"/>
+                </a:lnTo>
+                <a:lnTo>
+                  <a:pt x="22" y="1001"/>
+                </a:lnTo>
+                <a:lnTo>
+                  <a:pt x="13" y="973"/>
+                </a:lnTo>
+                <a:lnTo>
+                  <a:pt x="7" y="940"/>
+                </a:lnTo>
+                <a:lnTo>
+                  <a:pt x="1" y="902"/>
+                </a:lnTo>
+                <a:lnTo>
+                  <a:pt x="0" y="859"/>
+                </a:lnTo>
+                <a:lnTo>
+                  <a:pt x="1" y="816"/>
+                </a:lnTo>
+                <a:lnTo>
+                  <a:pt x="7" y="778"/>
+                </a:lnTo>
+                <a:lnTo>
+                  <a:pt x="13" y="745"/>
+                </a:lnTo>
+                <a:lnTo>
+                  <a:pt x="22" y="716"/>
+                </a:lnTo>
+                <a:lnTo>
+                  <a:pt x="33" y="690"/>
+                </a:lnTo>
+                <a:lnTo>
+                  <a:pt x="44" y="665"/>
+                </a:lnTo>
+                <a:lnTo>
+                  <a:pt x="56" y="641"/>
+                </a:lnTo>
+                <a:lnTo>
+                  <a:pt x="68" y="618"/>
+                </a:lnTo>
+                <a:lnTo>
+                  <a:pt x="80" y="594"/>
+                </a:lnTo>
+                <a:lnTo>
+                  <a:pt x="90" y="568"/>
+                </a:lnTo>
+                <a:lnTo>
+                  <a:pt x="99" y="538"/>
+                </a:lnTo>
+                <a:lnTo>
+                  <a:pt x="106" y="505"/>
+                </a:lnTo>
+                <a:lnTo>
+                  <a:pt x="111" y="469"/>
+                </a:lnTo>
+                <a:lnTo>
+                  <a:pt x="113" y="424"/>
+                </a:lnTo>
+                <a:lnTo>
+                  <a:pt x="111" y="382"/>
+                </a:lnTo>
+                <a:lnTo>
+                  <a:pt x="106" y="344"/>
+                </a:lnTo>
+                <a:lnTo>
+                  <a:pt x="99" y="313"/>
+                </a:lnTo>
+                <a:lnTo>
+                  <a:pt x="90" y="284"/>
+                </a:lnTo>
+                <a:lnTo>
+                  <a:pt x="80" y="258"/>
+                </a:lnTo>
+                <a:lnTo>
+                  <a:pt x="69" y="233"/>
+                </a:lnTo>
+                <a:lnTo>
+                  <a:pt x="58" y="211"/>
+                </a:lnTo>
+                <a:lnTo>
+                  <a:pt x="46" y="187"/>
+                </a:lnTo>
+                <a:lnTo>
+                  <a:pt x="34" y="164"/>
+                </a:lnTo>
+                <a:lnTo>
+                  <a:pt x="24" y="137"/>
+                </a:lnTo>
+                <a:lnTo>
+                  <a:pt x="14" y="110"/>
+                </a:lnTo>
+                <a:lnTo>
+                  <a:pt x="8" y="77"/>
+                </a:lnTo>
+                <a:lnTo>
+                  <a:pt x="3" y="42"/>
+                </a:lnTo>
+                <a:lnTo>
+                  <a:pt x="0" y="0"/>
+                </a:lnTo>
+                <a:close/>
+              </a:path>
+            </a:pathLst>
+          </a:custGeom>
+          <a:solidFill>
+            <a:schemeClr val="tx2"/>
+          </a:solidFill>
+          <a:ln w="0">
+            <a:noFill/>
+            <a:prstDash val="solid"/>
+            <a:round/>
+            <a:headEnd/>
+            <a:tailEnd/>
+          </a:ln>
+        </p:spPr>
+      </p:sp>
+      <p:sp>
+        <p:nvSpPr>
+          <p:cNvPr id="2" name="Title 1"/>
           <p:cNvSpPr>
             <a:spLocks noGrp="1"/>
           </p:cNvSpPr>
@@ -2187,15 +4561,25 @@
         </p:nvSpPr>
         <p:spPr>
           <a:xfrm>
-            <a:off x="839788" y="457200"/>
-            <a:ext cx="3932237" cy="1600200"/>
+            <a:off x="8337884" y="457199"/>
+            <a:ext cx="3092115" cy="1196671"/>
           </a:xfrm>
         </p:spPr>
         <p:txBody>
-          <a:bodyPr anchor="b"/>
+          <a:bodyPr anchor="b">
+            <a:normAutofit/>
+          </a:bodyPr>
           <a:lstStyle>
             <a:lvl1pPr>
-              <a:defRPr sz="3200"/>
+              <a:lnSpc>
+                <a:spcPct val="100000"/>
+              </a:lnSpc>
+              <a:defRPr sz="1900" b="1" i="0" cap="all" spc="300" baseline="0">
+                <a:solidFill>
+                  <a:schemeClr val="accent1"/>
+                </a:solidFill>
+                <a:latin typeface="+mn-lt"/>
+              </a:defRPr>
             </a:lvl1pPr>
           </a:lstStyle>
           <a:p>
@@ -2203,18 +4587,13 @@
               <a:rPr lang="en-US"/>
               <a:t>Click to edit Master title style</a:t>
             </a:r>
+            <a:endParaRPr lang="en-US" dirty="0"/>
           </a:p>
         </p:txBody>
       </p:sp>
       <p:sp>
         <p:nvSpPr>
-          <p:cNvPr id="3" name="Content Placeholder 2">
-            <a:extLst>
-              <a:ext uri="{FF2B5EF4-FFF2-40B4-BE49-F238E27FC236}">
-                <a16:creationId xmlns:a16="http://schemas.microsoft.com/office/drawing/2014/main" id="{8A5E1722-E550-453E-AE87-18B8807426FB}"/>
-              </a:ext>
-            </a:extLst>
-          </p:cNvPr>
+          <p:cNvPr id="3" name="Content Placeholder 2"/>
           <p:cNvSpPr>
             <a:spLocks noGrp="1"/>
           </p:cNvSpPr>
@@ -2224,8 +4603,8 @@
         </p:nvSpPr>
         <p:spPr>
           <a:xfrm>
-            <a:off x="5183188" y="987425"/>
-            <a:ext cx="6172200" cy="4873625"/>
+            <a:off x="765051" y="920377"/>
+            <a:ext cx="6158418" cy="4985124"/>
           </a:xfrm>
         </p:spPr>
         <p:txBody>
@@ -2293,18 +4672,13 @@
               <a:rPr lang="en-US"/>
               <a:t>Fifth level</a:t>
             </a:r>
+            <a:endParaRPr lang="en-US" dirty="0"/>
           </a:p>
         </p:txBody>
       </p:sp>
       <p:sp>
         <p:nvSpPr>
-          <p:cNvPr id="4" name="Text Placeholder 3">
-            <a:extLst>
-              <a:ext uri="{FF2B5EF4-FFF2-40B4-BE49-F238E27FC236}">
-                <a16:creationId xmlns:a16="http://schemas.microsoft.com/office/drawing/2014/main" id="{67921739-DE86-497A-A856-7626CC40C210}"/>
-              </a:ext>
-            </a:extLst>
-          </p:cNvPr>
+          <p:cNvPr id="4" name="Text Placeholder 3"/>
           <p:cNvSpPr>
             <a:spLocks noGrp="1"/>
           </p:cNvSpPr>
@@ -2314,16 +4688,26 @@
         </p:nvSpPr>
         <p:spPr>
           <a:xfrm>
-            <a:off x="839788" y="2057400"/>
-            <a:ext cx="3932237" cy="3811588"/>
+            <a:off x="8337885" y="1741336"/>
+            <a:ext cx="3092115" cy="4164164"/>
           </a:xfrm>
         </p:spPr>
         <p:txBody>
           <a:bodyPr/>
           <a:lstStyle>
             <a:lvl1pPr marL="0" indent="0">
+              <a:lnSpc>
+                <a:spcPct val="120000"/>
+              </a:lnSpc>
+              <a:spcBef>
+                <a:spcPts val="1200"/>
+              </a:spcBef>
               <a:buNone/>
-              <a:defRPr sz="1600"/>
+              <a:defRPr sz="1600" baseline="0">
+                <a:solidFill>
+                  <a:schemeClr val="bg2"/>
+                </a:solidFill>
+              </a:defRPr>
             </a:lvl1pPr>
             <a:lvl2pPr marL="457200" indent="0">
               <a:buNone/>
@@ -2369,13 +4753,7 @@
       </p:sp>
       <p:sp>
         <p:nvSpPr>
-          <p:cNvPr id="5" name="Date Placeholder 4">
-            <a:extLst>
-              <a:ext uri="{FF2B5EF4-FFF2-40B4-BE49-F238E27FC236}">
-                <a16:creationId xmlns:a16="http://schemas.microsoft.com/office/drawing/2014/main" id="{25EBD930-63D0-4DB6-8B15-4C605C787987}"/>
-              </a:ext>
-            </a:extLst>
-          </p:cNvPr>
+          <p:cNvPr id="5" name="Date Placeholder 4"/>
           <p:cNvSpPr>
             <a:spLocks noGrp="1"/>
           </p:cNvSpPr>
@@ -2383,7 +4761,12 @@
             <p:ph type="dt" sz="half" idx="10"/>
           </p:nvPr>
         </p:nvSpPr>
-        <p:spPr/>
+        <p:spPr>
+          <a:xfrm>
+            <a:off x="765051" y="6375679"/>
+            <a:ext cx="1233355" cy="348462"/>
+          </a:xfrm>
+        </p:spPr>
         <p:txBody>
           <a:bodyPr/>
           <a:lstStyle/>
@@ -2398,13 +4781,7 @@
       </p:sp>
       <p:sp>
         <p:nvSpPr>
-          <p:cNvPr id="6" name="Footer Placeholder 5">
-            <a:extLst>
-              <a:ext uri="{FF2B5EF4-FFF2-40B4-BE49-F238E27FC236}">
-                <a16:creationId xmlns:a16="http://schemas.microsoft.com/office/drawing/2014/main" id="{4A9FD5A6-8803-4BE6-9277-9FB60A786433}"/>
-              </a:ext>
-            </a:extLst>
-          </p:cNvPr>
+          <p:cNvPr id="6" name="Footer Placeholder 5"/>
           <p:cNvSpPr>
             <a:spLocks noGrp="1"/>
           </p:cNvSpPr>
@@ -2412,7 +4789,12 @@
             <p:ph type="ftr" sz="quarter" idx="11"/>
           </p:nvPr>
         </p:nvSpPr>
-        <p:spPr/>
+        <p:spPr>
+          <a:xfrm>
+            <a:off x="2103620" y="6375679"/>
+            <a:ext cx="3482179" cy="345796"/>
+          </a:xfrm>
+        </p:spPr>
         <p:txBody>
           <a:bodyPr/>
           <a:lstStyle/>
@@ -2423,13 +4805,7 @@
       </p:sp>
       <p:sp>
         <p:nvSpPr>
-          <p:cNvPr id="7" name="Slide Number Placeholder 6">
-            <a:extLst>
-              <a:ext uri="{FF2B5EF4-FFF2-40B4-BE49-F238E27FC236}">
-                <a16:creationId xmlns:a16="http://schemas.microsoft.com/office/drawing/2014/main" id="{A32AB070-2903-4FE6-B70D-1974AC141883}"/>
-              </a:ext>
-            </a:extLst>
-          </p:cNvPr>
+          <p:cNvPr id="7" name="Slide Number Placeholder 6"/>
           <p:cNvSpPr>
             <a:spLocks noGrp="1"/>
           </p:cNvSpPr>
@@ -2437,7 +4813,12 @@
             <p:ph type="sldNum" sz="quarter" idx="12"/>
           </p:nvPr>
         </p:nvSpPr>
-        <p:spPr/>
+        <p:spPr>
+          <a:xfrm>
+            <a:off x="5691014" y="6375679"/>
+            <a:ext cx="1232456" cy="345796"/>
+          </a:xfrm>
+        </p:spPr>
         <p:txBody>
           <a:bodyPr/>
           <a:lstStyle/>
@@ -2450,21 +4831,70 @@
           </a:p>
         </p:txBody>
       </p:sp>
+      <p:sp>
+        <p:nvSpPr>
+          <p:cNvPr id="8" name="Rectangle 7" title="left edge border"/>
+          <p:cNvSpPr/>
+          <p:nvPr/>
+        </p:nvSpPr>
+        <p:spPr>
+          <a:xfrm>
+            <a:off x="0" y="0"/>
+            <a:ext cx="283464" cy="6858000"/>
+          </a:xfrm>
+          <a:prstGeom prst="rect">
+            <a:avLst/>
+          </a:prstGeom>
+          <a:solidFill>
+            <a:schemeClr val="accent1"/>
+          </a:solidFill>
+          <a:ln>
+            <a:noFill/>
+          </a:ln>
+        </p:spPr>
+        <p:style>
+          <a:lnRef idx="2">
+            <a:schemeClr val="accent1">
+              <a:shade val="50000"/>
+            </a:schemeClr>
+          </a:lnRef>
+          <a:fillRef idx="1">
+            <a:schemeClr val="accent1"/>
+          </a:fillRef>
+          <a:effectRef idx="0">
+            <a:schemeClr val="accent1"/>
+          </a:effectRef>
+          <a:fontRef idx="minor">
+            <a:schemeClr val="lt1"/>
+          </a:fontRef>
+        </p:style>
+      </p:sp>
     </p:spTree>
     <p:extLst>
       <p:ext uri="{BB962C8B-B14F-4D97-AF65-F5344CB8AC3E}">
-        <p14:creationId xmlns:p14="http://schemas.microsoft.com/office/powerpoint/2010/main" val="2363088558"/>
+        <p14:creationId xmlns:p14="http://schemas.microsoft.com/office/powerpoint/2010/main" val="646237720"/>
       </p:ext>
     </p:extLst>
   </p:cSld>
   <p:clrMapOvr>
     <a:masterClrMapping/>
   </p:clrMapOvr>
+  <p:extLst mod="1">
+    <p:ext uri="{DCECCB84-F9BA-43D5-87BE-67443E8EF086}">
+      <p15:sldGuideLst xmlns:p15="http://schemas.microsoft.com/office/powerpoint/2012/main">
+        <p15:guide id="1" orient="horz" pos="696">
+          <p15:clr>
+            <a:srgbClr val="FBAE40"/>
+          </p15:clr>
+        </p15:guide>
+      </p15:sldGuideLst>
+    </p:ext>
+  </p:extLst>
 </p:sldLayout>
 </file>
 
 <file path=ppt/slideLayouts/slideLayout9.xml><?xml version="1.0" encoding="utf-8"?>
-<p:sldLayout xmlns:a="http://schemas.openxmlformats.org/drawingml/2006/main" xmlns:r="http://schemas.openxmlformats.org/officeDocument/2006/relationships" xmlns:p="http://schemas.openxmlformats.org/presentationml/2006/main" type="picTx" preserve="1">
+<p:sldLayout xmlns:a="http://schemas.openxmlformats.org/drawingml/2006/main" xmlns:r="http://schemas.openxmlformats.org/officeDocument/2006/relationships" xmlns:p="http://schemas.openxmlformats.org/presentationml/2006/main" showMasterSp="0" type="picTx" preserve="1">
   <p:cSld name="Picture with Caption">
     <p:spTree>
       <p:nvGrpSpPr>
@@ -2482,52 +4912,9 @@
       </p:grpSpPr>
       <p:sp>
         <p:nvSpPr>
-          <p:cNvPr id="2" name="Title 1">
-            <a:extLst>
-              <a:ext uri="{FF2B5EF4-FFF2-40B4-BE49-F238E27FC236}">
-                <a16:creationId xmlns:a16="http://schemas.microsoft.com/office/drawing/2014/main" id="{D4FF8DE3-84D1-4A92-8992-2F56ED65E49A}"/>
-              </a:ext>
-            </a:extLst>
-          </p:cNvPr>
+          <p:cNvPr id="3" name="Picture Placeholder 2"/>
           <p:cNvSpPr>
-            <a:spLocks noGrp="1"/>
-          </p:cNvSpPr>
-          <p:nvPr>
-            <p:ph type="title"/>
-          </p:nvPr>
-        </p:nvSpPr>
-        <p:spPr>
-          <a:xfrm>
-            <a:off x="839788" y="457200"/>
-            <a:ext cx="3932237" cy="1600200"/>
-          </a:xfrm>
-        </p:spPr>
-        <p:txBody>
-          <a:bodyPr anchor="b"/>
-          <a:lstStyle>
-            <a:lvl1pPr>
-              <a:defRPr sz="3200"/>
-            </a:lvl1pPr>
-          </a:lstStyle>
-          <a:p>
-            <a:r>
-              <a:rPr lang="en-US"/>
-              <a:t>Click to edit Master title style</a:t>
-            </a:r>
-          </a:p>
-        </p:txBody>
-      </p:sp>
-      <p:sp>
-        <p:nvSpPr>
-          <p:cNvPr id="3" name="Picture Placeholder 2">
-            <a:extLst>
-              <a:ext uri="{FF2B5EF4-FFF2-40B4-BE49-F238E27FC236}">
-                <a16:creationId xmlns:a16="http://schemas.microsoft.com/office/drawing/2014/main" id="{A82D9E9F-32C0-499E-A335-6176CEF1A88A}"/>
-              </a:ext>
-            </a:extLst>
-          </p:cNvPr>
-          <p:cNvSpPr>
-            <a:spLocks noGrp="1"/>
+            <a:spLocks noGrp="1" noChangeAspect="1"/>
           </p:cNvSpPr>
           <p:nvPr>
             <p:ph type="pic" idx="1"/>
@@ -2535,12 +4922,12 @@
         </p:nvSpPr>
         <p:spPr>
           <a:xfrm>
-            <a:off x="5183188" y="987425"/>
-            <a:ext cx="6172200" cy="4873625"/>
+            <a:off x="283464" y="0"/>
+            <a:ext cx="7355585" cy="6857999"/>
           </a:xfrm>
         </p:spPr>
         <p:txBody>
-          <a:bodyPr/>
+          <a:bodyPr anchor="t"/>
           <a:lstStyle>
             <a:lvl1pPr marL="0" indent="0">
               <a:buNone/>
@@ -2580,19 +4967,558 @@
             </a:lvl9pPr>
           </a:lstStyle>
           <a:p>
-            <a:endParaRPr lang="en-US"/>
+            <a:r>
+              <a:rPr lang="en-US"/>
+              <a:t>Click icon to add picture</a:t>
+            </a:r>
+            <a:endParaRPr lang="en-US" dirty="0"/>
           </a:p>
         </p:txBody>
       </p:sp>
       <p:sp>
         <p:nvSpPr>
-          <p:cNvPr id="4" name="Text Placeholder 3">
-            <a:extLst>
-              <a:ext uri="{FF2B5EF4-FFF2-40B4-BE49-F238E27FC236}">
-                <a16:creationId xmlns:a16="http://schemas.microsoft.com/office/drawing/2014/main" id="{2B6E77FA-C662-4277-B802-E3C57EBA04EA}"/>
-              </a:ext>
-            </a:extLst>
-          </p:cNvPr>
+          <p:cNvPr id="11" name="Freeform 11" title="right scallop background shape"/>
+          <p:cNvSpPr/>
+          <p:nvPr/>
+        </p:nvSpPr>
+        <p:spPr bwMode="auto">
+          <a:xfrm>
+            <a:off x="7389812" y="0"/>
+            <a:ext cx="4802188" cy="6858000"/>
+          </a:xfrm>
+          <a:custGeom>
+            <a:avLst/>
+            <a:gdLst/>
+            <a:ahLst/>
+            <a:cxnLst/>
+            <a:rect l="0" t="0" r="r" b="b"/>
+            <a:pathLst>
+              <a:path w="3025" h="4320">
+                <a:moveTo>
+                  <a:pt x="0" y="0"/>
+                </a:moveTo>
+                <a:lnTo>
+                  <a:pt x="3025" y="0"/>
+                </a:lnTo>
+                <a:lnTo>
+                  <a:pt x="3025" y="4320"/>
+                </a:lnTo>
+                <a:lnTo>
+                  <a:pt x="0" y="4320"/>
+                </a:lnTo>
+                <a:lnTo>
+                  <a:pt x="3" y="4278"/>
+                </a:lnTo>
+                <a:lnTo>
+                  <a:pt x="8" y="4243"/>
+                </a:lnTo>
+                <a:lnTo>
+                  <a:pt x="14" y="4210"/>
+                </a:lnTo>
+                <a:lnTo>
+                  <a:pt x="24" y="4183"/>
+                </a:lnTo>
+                <a:lnTo>
+                  <a:pt x="34" y="4156"/>
+                </a:lnTo>
+                <a:lnTo>
+                  <a:pt x="46" y="4133"/>
+                </a:lnTo>
+                <a:lnTo>
+                  <a:pt x="58" y="4109"/>
+                </a:lnTo>
+                <a:lnTo>
+                  <a:pt x="69" y="4087"/>
+                </a:lnTo>
+                <a:lnTo>
+                  <a:pt x="80" y="4062"/>
+                </a:lnTo>
+                <a:lnTo>
+                  <a:pt x="90" y="4036"/>
+                </a:lnTo>
+                <a:lnTo>
+                  <a:pt x="99" y="4007"/>
+                </a:lnTo>
+                <a:lnTo>
+                  <a:pt x="106" y="3976"/>
+                </a:lnTo>
+                <a:lnTo>
+                  <a:pt x="111" y="3938"/>
+                </a:lnTo>
+                <a:lnTo>
+                  <a:pt x="113" y="3895"/>
+                </a:lnTo>
+                <a:lnTo>
+                  <a:pt x="111" y="3851"/>
+                </a:lnTo>
+                <a:lnTo>
+                  <a:pt x="106" y="3815"/>
+                </a:lnTo>
+                <a:lnTo>
+                  <a:pt x="99" y="3782"/>
+                </a:lnTo>
+                <a:lnTo>
+                  <a:pt x="90" y="3752"/>
+                </a:lnTo>
+                <a:lnTo>
+                  <a:pt x="80" y="3726"/>
+                </a:lnTo>
+                <a:lnTo>
+                  <a:pt x="68" y="3702"/>
+                </a:lnTo>
+                <a:lnTo>
+                  <a:pt x="56" y="3679"/>
+                </a:lnTo>
+                <a:lnTo>
+                  <a:pt x="44" y="3655"/>
+                </a:lnTo>
+                <a:lnTo>
+                  <a:pt x="33" y="3630"/>
+                </a:lnTo>
+                <a:lnTo>
+                  <a:pt x="22" y="3604"/>
+                </a:lnTo>
+                <a:lnTo>
+                  <a:pt x="13" y="3575"/>
+                </a:lnTo>
+                <a:lnTo>
+                  <a:pt x="7" y="3542"/>
+                </a:lnTo>
+                <a:lnTo>
+                  <a:pt x="1" y="3504"/>
+                </a:lnTo>
+                <a:lnTo>
+                  <a:pt x="0" y="3461"/>
+                </a:lnTo>
+                <a:lnTo>
+                  <a:pt x="1" y="3418"/>
+                </a:lnTo>
+                <a:lnTo>
+                  <a:pt x="7" y="3380"/>
+                </a:lnTo>
+                <a:lnTo>
+                  <a:pt x="13" y="3347"/>
+                </a:lnTo>
+                <a:lnTo>
+                  <a:pt x="22" y="3319"/>
+                </a:lnTo>
+                <a:lnTo>
+                  <a:pt x="33" y="3292"/>
+                </a:lnTo>
+                <a:lnTo>
+                  <a:pt x="44" y="3267"/>
+                </a:lnTo>
+                <a:lnTo>
+                  <a:pt x="56" y="3244"/>
+                </a:lnTo>
+                <a:lnTo>
+                  <a:pt x="68" y="3222"/>
+                </a:lnTo>
+                <a:lnTo>
+                  <a:pt x="80" y="3197"/>
+                </a:lnTo>
+                <a:lnTo>
+                  <a:pt x="90" y="3171"/>
+                </a:lnTo>
+                <a:lnTo>
+                  <a:pt x="99" y="3142"/>
+                </a:lnTo>
+                <a:lnTo>
+                  <a:pt x="106" y="3109"/>
+                </a:lnTo>
+                <a:lnTo>
+                  <a:pt x="111" y="3071"/>
+                </a:lnTo>
+                <a:lnTo>
+                  <a:pt x="113" y="3028"/>
+                </a:lnTo>
+                <a:lnTo>
+                  <a:pt x="111" y="2985"/>
+                </a:lnTo>
+                <a:lnTo>
+                  <a:pt x="106" y="2947"/>
+                </a:lnTo>
+                <a:lnTo>
+                  <a:pt x="99" y="2914"/>
+                </a:lnTo>
+                <a:lnTo>
+                  <a:pt x="90" y="2885"/>
+                </a:lnTo>
+                <a:lnTo>
+                  <a:pt x="80" y="2858"/>
+                </a:lnTo>
+                <a:lnTo>
+                  <a:pt x="68" y="2834"/>
+                </a:lnTo>
+                <a:lnTo>
+                  <a:pt x="44" y="2787"/>
+                </a:lnTo>
+                <a:lnTo>
+                  <a:pt x="33" y="2763"/>
+                </a:lnTo>
+                <a:lnTo>
+                  <a:pt x="22" y="2736"/>
+                </a:lnTo>
+                <a:lnTo>
+                  <a:pt x="13" y="2707"/>
+                </a:lnTo>
+                <a:lnTo>
+                  <a:pt x="7" y="2674"/>
+                </a:lnTo>
+                <a:lnTo>
+                  <a:pt x="1" y="2637"/>
+                </a:lnTo>
+                <a:lnTo>
+                  <a:pt x="0" y="2593"/>
+                </a:lnTo>
+                <a:lnTo>
+                  <a:pt x="1" y="2550"/>
+                </a:lnTo>
+                <a:lnTo>
+                  <a:pt x="7" y="2512"/>
+                </a:lnTo>
+                <a:lnTo>
+                  <a:pt x="13" y="2479"/>
+                </a:lnTo>
+                <a:lnTo>
+                  <a:pt x="22" y="2451"/>
+                </a:lnTo>
+                <a:lnTo>
+                  <a:pt x="33" y="2424"/>
+                </a:lnTo>
+                <a:lnTo>
+                  <a:pt x="44" y="2401"/>
+                </a:lnTo>
+                <a:lnTo>
+                  <a:pt x="68" y="2354"/>
+                </a:lnTo>
+                <a:lnTo>
+                  <a:pt x="80" y="2329"/>
+                </a:lnTo>
+                <a:lnTo>
+                  <a:pt x="90" y="2303"/>
+                </a:lnTo>
+                <a:lnTo>
+                  <a:pt x="99" y="2274"/>
+                </a:lnTo>
+                <a:lnTo>
+                  <a:pt x="106" y="2241"/>
+                </a:lnTo>
+                <a:lnTo>
+                  <a:pt x="111" y="2203"/>
+                </a:lnTo>
+                <a:lnTo>
+                  <a:pt x="113" y="2159"/>
+                </a:lnTo>
+                <a:lnTo>
+                  <a:pt x="111" y="2117"/>
+                </a:lnTo>
+                <a:lnTo>
+                  <a:pt x="106" y="2079"/>
+                </a:lnTo>
+                <a:lnTo>
+                  <a:pt x="99" y="2046"/>
+                </a:lnTo>
+                <a:lnTo>
+                  <a:pt x="90" y="2017"/>
+                </a:lnTo>
+                <a:lnTo>
+                  <a:pt x="80" y="1991"/>
+                </a:lnTo>
+                <a:lnTo>
+                  <a:pt x="68" y="1966"/>
+                </a:lnTo>
+                <a:lnTo>
+                  <a:pt x="56" y="1943"/>
+                </a:lnTo>
+                <a:lnTo>
+                  <a:pt x="44" y="1919"/>
+                </a:lnTo>
+                <a:lnTo>
+                  <a:pt x="33" y="1896"/>
+                </a:lnTo>
+                <a:lnTo>
+                  <a:pt x="22" y="1869"/>
+                </a:lnTo>
+                <a:lnTo>
+                  <a:pt x="13" y="1841"/>
+                </a:lnTo>
+                <a:lnTo>
+                  <a:pt x="7" y="1807"/>
+                </a:lnTo>
+                <a:lnTo>
+                  <a:pt x="1" y="1770"/>
+                </a:lnTo>
+                <a:lnTo>
+                  <a:pt x="0" y="1727"/>
+                </a:lnTo>
+                <a:lnTo>
+                  <a:pt x="1" y="1683"/>
+                </a:lnTo>
+                <a:lnTo>
+                  <a:pt x="7" y="1646"/>
+                </a:lnTo>
+                <a:lnTo>
+                  <a:pt x="13" y="1613"/>
+                </a:lnTo>
+                <a:lnTo>
+                  <a:pt x="22" y="1583"/>
+                </a:lnTo>
+                <a:lnTo>
+                  <a:pt x="33" y="1557"/>
+                </a:lnTo>
+                <a:lnTo>
+                  <a:pt x="44" y="1533"/>
+                </a:lnTo>
+                <a:lnTo>
+                  <a:pt x="56" y="1509"/>
+                </a:lnTo>
+                <a:lnTo>
+                  <a:pt x="68" y="1486"/>
+                </a:lnTo>
+                <a:lnTo>
+                  <a:pt x="80" y="1461"/>
+                </a:lnTo>
+                <a:lnTo>
+                  <a:pt x="90" y="1435"/>
+                </a:lnTo>
+                <a:lnTo>
+                  <a:pt x="99" y="1406"/>
+                </a:lnTo>
+                <a:lnTo>
+                  <a:pt x="106" y="1373"/>
+                </a:lnTo>
+                <a:lnTo>
+                  <a:pt x="111" y="1335"/>
+                </a:lnTo>
+                <a:lnTo>
+                  <a:pt x="113" y="1292"/>
+                </a:lnTo>
+                <a:lnTo>
+                  <a:pt x="111" y="1249"/>
+                </a:lnTo>
+                <a:lnTo>
+                  <a:pt x="106" y="1211"/>
+                </a:lnTo>
+                <a:lnTo>
+                  <a:pt x="99" y="1178"/>
+                </a:lnTo>
+                <a:lnTo>
+                  <a:pt x="90" y="1149"/>
+                </a:lnTo>
+                <a:lnTo>
+                  <a:pt x="80" y="1123"/>
+                </a:lnTo>
+                <a:lnTo>
+                  <a:pt x="68" y="1098"/>
+                </a:lnTo>
+                <a:lnTo>
+                  <a:pt x="56" y="1076"/>
+                </a:lnTo>
+                <a:lnTo>
+                  <a:pt x="44" y="1053"/>
+                </a:lnTo>
+                <a:lnTo>
+                  <a:pt x="33" y="1028"/>
+                </a:lnTo>
+                <a:lnTo>
+                  <a:pt x="22" y="1001"/>
+                </a:lnTo>
+                <a:lnTo>
+                  <a:pt x="13" y="973"/>
+                </a:lnTo>
+                <a:lnTo>
+                  <a:pt x="7" y="940"/>
+                </a:lnTo>
+                <a:lnTo>
+                  <a:pt x="1" y="902"/>
+                </a:lnTo>
+                <a:lnTo>
+                  <a:pt x="0" y="859"/>
+                </a:lnTo>
+                <a:lnTo>
+                  <a:pt x="1" y="816"/>
+                </a:lnTo>
+                <a:lnTo>
+                  <a:pt x="7" y="778"/>
+                </a:lnTo>
+                <a:lnTo>
+                  <a:pt x="13" y="745"/>
+                </a:lnTo>
+                <a:lnTo>
+                  <a:pt x="22" y="716"/>
+                </a:lnTo>
+                <a:lnTo>
+                  <a:pt x="33" y="690"/>
+                </a:lnTo>
+                <a:lnTo>
+                  <a:pt x="44" y="665"/>
+                </a:lnTo>
+                <a:lnTo>
+                  <a:pt x="56" y="641"/>
+                </a:lnTo>
+                <a:lnTo>
+                  <a:pt x="68" y="618"/>
+                </a:lnTo>
+                <a:lnTo>
+                  <a:pt x="80" y="594"/>
+                </a:lnTo>
+                <a:lnTo>
+                  <a:pt x="90" y="568"/>
+                </a:lnTo>
+                <a:lnTo>
+                  <a:pt x="99" y="538"/>
+                </a:lnTo>
+                <a:lnTo>
+                  <a:pt x="106" y="505"/>
+                </a:lnTo>
+                <a:lnTo>
+                  <a:pt x="111" y="469"/>
+                </a:lnTo>
+                <a:lnTo>
+                  <a:pt x="113" y="424"/>
+                </a:lnTo>
+                <a:lnTo>
+                  <a:pt x="111" y="382"/>
+                </a:lnTo>
+                <a:lnTo>
+                  <a:pt x="106" y="344"/>
+                </a:lnTo>
+                <a:lnTo>
+                  <a:pt x="99" y="313"/>
+                </a:lnTo>
+                <a:lnTo>
+                  <a:pt x="90" y="284"/>
+                </a:lnTo>
+                <a:lnTo>
+                  <a:pt x="80" y="258"/>
+                </a:lnTo>
+                <a:lnTo>
+                  <a:pt x="69" y="233"/>
+                </a:lnTo>
+                <a:lnTo>
+                  <a:pt x="58" y="211"/>
+                </a:lnTo>
+                <a:lnTo>
+                  <a:pt x="46" y="187"/>
+                </a:lnTo>
+                <a:lnTo>
+                  <a:pt x="34" y="164"/>
+                </a:lnTo>
+                <a:lnTo>
+                  <a:pt x="24" y="137"/>
+                </a:lnTo>
+                <a:lnTo>
+                  <a:pt x="14" y="110"/>
+                </a:lnTo>
+                <a:lnTo>
+                  <a:pt x="8" y="77"/>
+                </a:lnTo>
+                <a:lnTo>
+                  <a:pt x="3" y="42"/>
+                </a:lnTo>
+                <a:lnTo>
+                  <a:pt x="0" y="0"/>
+                </a:lnTo>
+                <a:close/>
+              </a:path>
+            </a:pathLst>
+          </a:custGeom>
+          <a:solidFill>
+            <a:schemeClr val="tx2"/>
+          </a:solidFill>
+          <a:ln w="0">
+            <a:noFill/>
+            <a:prstDash val="solid"/>
+            <a:round/>
+            <a:headEnd/>
+            <a:tailEnd/>
+          </a:ln>
+        </p:spPr>
+      </p:sp>
+      <p:sp>
+        <p:nvSpPr>
+          <p:cNvPr id="12" name="Rectangle 11" title="left edge border"/>
+          <p:cNvSpPr/>
+          <p:nvPr/>
+        </p:nvSpPr>
+        <p:spPr>
+          <a:xfrm>
+            <a:off x="0" y="0"/>
+            <a:ext cx="283464" cy="6858000"/>
+          </a:xfrm>
+          <a:prstGeom prst="rect">
+            <a:avLst/>
+          </a:prstGeom>
+          <a:solidFill>
+            <a:schemeClr val="accent1"/>
+          </a:solidFill>
+          <a:ln>
+            <a:noFill/>
+          </a:ln>
+        </p:spPr>
+        <p:style>
+          <a:lnRef idx="2">
+            <a:schemeClr val="accent1">
+              <a:shade val="50000"/>
+            </a:schemeClr>
+          </a:lnRef>
+          <a:fillRef idx="1">
+            <a:schemeClr val="accent1"/>
+          </a:fillRef>
+          <a:effectRef idx="0">
+            <a:schemeClr val="accent1"/>
+          </a:effectRef>
+          <a:fontRef idx="minor">
+            <a:schemeClr val="lt1"/>
+          </a:fontRef>
+        </p:style>
+      </p:sp>
+      <p:sp>
+        <p:nvSpPr>
+          <p:cNvPr id="2" name="Title 1"/>
+          <p:cNvSpPr>
+            <a:spLocks noGrp="1"/>
+          </p:cNvSpPr>
+          <p:nvPr>
+            <p:ph type="title"/>
+          </p:nvPr>
+        </p:nvSpPr>
+        <p:spPr>
+          <a:xfrm>
+            <a:off x="8337883" y="457200"/>
+            <a:ext cx="3092117" cy="1196670"/>
+          </a:xfrm>
+        </p:spPr>
+        <p:txBody>
+          <a:bodyPr anchor="b">
+            <a:normAutofit/>
+          </a:bodyPr>
+          <a:lstStyle>
+            <a:lvl1pPr>
+              <a:lnSpc>
+                <a:spcPct val="100000"/>
+              </a:lnSpc>
+              <a:defRPr sz="1900" b="1" i="0" spc="300" baseline="0">
+                <a:solidFill>
+                  <a:schemeClr val="accent1"/>
+                </a:solidFill>
+                <a:latin typeface="+mn-lt"/>
+              </a:defRPr>
+            </a:lvl1pPr>
+          </a:lstStyle>
+          <a:p>
+            <a:r>
+              <a:rPr lang="en-US"/>
+              <a:t>Click to edit Master title style</a:t>
+            </a:r>
+            <a:endParaRPr lang="en-US" dirty="0"/>
+          </a:p>
+        </p:txBody>
+      </p:sp>
+      <p:sp>
+        <p:nvSpPr>
+          <p:cNvPr id="4" name="Text Placeholder 3"/>
           <p:cNvSpPr>
             <a:spLocks noGrp="1"/>
           </p:cNvSpPr>
@@ -2602,16 +5528,26 @@
         </p:nvSpPr>
         <p:spPr>
           <a:xfrm>
-            <a:off x="839788" y="2057400"/>
-            <a:ext cx="3932237" cy="3811588"/>
+            <a:off x="8337883" y="1741336"/>
+            <a:ext cx="3092117" cy="4164164"/>
           </a:xfrm>
         </p:spPr>
         <p:txBody>
           <a:bodyPr/>
           <a:lstStyle>
             <a:lvl1pPr marL="0" indent="0">
+              <a:lnSpc>
+                <a:spcPct val="120000"/>
+              </a:lnSpc>
+              <a:spcBef>
+                <a:spcPts val="1200"/>
+              </a:spcBef>
               <a:buNone/>
-              <a:defRPr sz="1600"/>
+              <a:defRPr sz="1600" baseline="0">
+                <a:solidFill>
+                  <a:schemeClr val="bg2"/>
+                </a:solidFill>
+              </a:defRPr>
             </a:lvl1pPr>
             <a:lvl2pPr marL="457200" indent="0">
               <a:buNone/>
@@ -2657,13 +5593,7 @@
       </p:sp>
       <p:sp>
         <p:nvSpPr>
-          <p:cNvPr id="5" name="Date Placeholder 4">
-            <a:extLst>
-              <a:ext uri="{FF2B5EF4-FFF2-40B4-BE49-F238E27FC236}">
-                <a16:creationId xmlns:a16="http://schemas.microsoft.com/office/drawing/2014/main" id="{70005459-2936-40A3-93A2-C205F93AF470}"/>
-              </a:ext>
-            </a:extLst>
-          </p:cNvPr>
+          <p:cNvPr id="5" name="Date Placeholder 4"/>
           <p:cNvSpPr>
             <a:spLocks noGrp="1"/>
           </p:cNvSpPr>
@@ -2671,7 +5601,12 @@
             <p:ph type="dt" sz="half" idx="10"/>
           </p:nvPr>
         </p:nvSpPr>
-        <p:spPr/>
+        <p:spPr>
+          <a:xfrm>
+            <a:off x="765950" y="6375679"/>
+            <a:ext cx="1232456" cy="348462"/>
+          </a:xfrm>
+        </p:spPr>
         <p:txBody>
           <a:bodyPr/>
           <a:lstStyle/>
@@ -2686,13 +5621,7 @@
       </p:sp>
       <p:sp>
         <p:nvSpPr>
-          <p:cNvPr id="6" name="Footer Placeholder 5">
-            <a:extLst>
-              <a:ext uri="{FF2B5EF4-FFF2-40B4-BE49-F238E27FC236}">
-                <a16:creationId xmlns:a16="http://schemas.microsoft.com/office/drawing/2014/main" id="{C464AE7A-D003-4C8F-B926-30A67CB46A0B}"/>
-              </a:ext>
-            </a:extLst>
-          </p:cNvPr>
+          <p:cNvPr id="6" name="Footer Placeholder 5"/>
           <p:cNvSpPr>
             <a:spLocks noGrp="1"/>
           </p:cNvSpPr>
@@ -2700,7 +5629,12 @@
             <p:ph type="ftr" sz="quarter" idx="11"/>
           </p:nvPr>
         </p:nvSpPr>
-        <p:spPr/>
+        <p:spPr>
+          <a:xfrm>
+            <a:off x="2103621" y="6375679"/>
+            <a:ext cx="3482178" cy="345796"/>
+          </a:xfrm>
+        </p:spPr>
         <p:txBody>
           <a:bodyPr/>
           <a:lstStyle/>
@@ -2711,13 +5645,7 @@
       </p:sp>
       <p:sp>
         <p:nvSpPr>
-          <p:cNvPr id="7" name="Slide Number Placeholder 6">
-            <a:extLst>
-              <a:ext uri="{FF2B5EF4-FFF2-40B4-BE49-F238E27FC236}">
-                <a16:creationId xmlns:a16="http://schemas.microsoft.com/office/drawing/2014/main" id="{ECDC1272-F084-4DDF-907B-EB85BBFE2FD2}"/>
-              </a:ext>
-            </a:extLst>
-          </p:cNvPr>
+          <p:cNvPr id="7" name="Slide Number Placeholder 6"/>
           <p:cNvSpPr>
             <a:spLocks noGrp="1"/>
           </p:cNvSpPr>
@@ -2725,7 +5653,12 @@
             <p:ph type="sldNum" sz="quarter" idx="12"/>
           </p:nvPr>
         </p:nvSpPr>
-        <p:spPr/>
+        <p:spPr>
+          <a:xfrm>
+            <a:off x="5687568" y="6375679"/>
+            <a:ext cx="1234440" cy="345796"/>
+          </a:xfrm>
+        </p:spPr>
         <p:txBody>
           <a:bodyPr/>
           <a:lstStyle/>
@@ -2741,7 +5674,7 @@
     </p:spTree>
     <p:extLst>
       <p:ext uri="{BB962C8B-B14F-4D97-AF65-F5344CB8AC3E}">
-        <p14:creationId xmlns:p14="http://schemas.microsoft.com/office/powerpoint/2010/main" val="4246841677"/>
+        <p14:creationId xmlns:p14="http://schemas.microsoft.com/office/powerpoint/2010/main" val="1807433517"/>
       </p:ext>
     </p:extLst>
   </p:cSld>
@@ -2755,9 +5688,12 @@
 <p:sldMaster xmlns:a="http://schemas.openxmlformats.org/drawingml/2006/main" xmlns:r="http://schemas.openxmlformats.org/officeDocument/2006/relationships" xmlns:p="http://schemas.openxmlformats.org/presentationml/2006/main">
   <p:cSld>
     <p:bg>
-      <p:bgRef idx="1001">
-        <a:schemeClr val="bg1"/>
-      </p:bgRef>
+      <p:bgPr>
+        <a:solidFill>
+          <a:schemeClr val="bg2"/>
+        </a:solidFill>
+        <a:effectLst/>
+      </p:bgPr>
     </p:bg>
     <p:spTree>
       <p:nvGrpSpPr>
@@ -2775,13 +5711,7 @@
       </p:grpSpPr>
       <p:sp>
         <p:nvSpPr>
-          <p:cNvPr id="2" name="Title Placeholder 1">
-            <a:extLst>
-              <a:ext uri="{FF2B5EF4-FFF2-40B4-BE49-F238E27FC236}">
-                <a16:creationId xmlns:a16="http://schemas.microsoft.com/office/drawing/2014/main" id="{306D424C-0801-4771-80DD-71214C448B27}"/>
-              </a:ext>
-            </a:extLst>
-          </p:cNvPr>
+          <p:cNvPr id="2" name="Title Placeholder 1"/>
           <p:cNvSpPr>
             <a:spLocks noGrp="1"/>
           </p:cNvSpPr>
@@ -2791,15 +5721,15 @@
         </p:nvSpPr>
         <p:spPr>
           <a:xfrm>
-            <a:off x="838200" y="365125"/>
-            <a:ext cx="10515600" cy="1325563"/>
+            <a:off x="1251678" y="382385"/>
+            <a:ext cx="10178322" cy="1492132"/>
           </a:xfrm>
           <a:prstGeom prst="rect">
             <a:avLst/>
           </a:prstGeom>
         </p:spPr>
         <p:txBody>
-          <a:bodyPr vert="horz" lIns="91440" tIns="45720" rIns="91440" bIns="45720" rtlCol="0" anchor="ctr">
+          <a:bodyPr vert="horz" lIns="91440" tIns="45720" rIns="91440" bIns="45720" rtlCol="0" anchor="t">
             <a:normAutofit/>
           </a:bodyPr>
           <a:lstStyle/>
@@ -2808,18 +5738,13 @@
               <a:rPr lang="en-US"/>
               <a:t>Click to edit Master title style</a:t>
             </a:r>
+            <a:endParaRPr lang="en-US" dirty="0"/>
           </a:p>
         </p:txBody>
       </p:sp>
       <p:sp>
         <p:nvSpPr>
-          <p:cNvPr id="3" name="Text Placeholder 2">
-            <a:extLst>
-              <a:ext uri="{FF2B5EF4-FFF2-40B4-BE49-F238E27FC236}">
-                <a16:creationId xmlns:a16="http://schemas.microsoft.com/office/drawing/2014/main" id="{2DE601EA-94CF-4273-B352-B8385D07408B}"/>
-              </a:ext>
-            </a:extLst>
-          </p:cNvPr>
+          <p:cNvPr id="3" name="Text Placeholder 2"/>
           <p:cNvSpPr>
             <a:spLocks noGrp="1"/>
           </p:cNvSpPr>
@@ -2829,8 +5754,8 @@
         </p:nvSpPr>
         <p:spPr>
           <a:xfrm>
-            <a:off x="838200" y="1825625"/>
-            <a:ext cx="10515600" cy="4351338"/>
+            <a:off x="1251678" y="2286001"/>
+            <a:ext cx="10178322" cy="3593591"/>
           </a:xfrm>
           <a:prstGeom prst="rect">
             <a:avLst/>
@@ -2875,18 +5800,13 @@
               <a:rPr lang="en-US"/>
               <a:t>Fifth level</a:t>
             </a:r>
+            <a:endParaRPr lang="en-US" dirty="0"/>
           </a:p>
         </p:txBody>
       </p:sp>
       <p:sp>
         <p:nvSpPr>
-          <p:cNvPr id="4" name="Date Placeholder 3">
-            <a:extLst>
-              <a:ext uri="{FF2B5EF4-FFF2-40B4-BE49-F238E27FC236}">
-                <a16:creationId xmlns:a16="http://schemas.microsoft.com/office/drawing/2014/main" id="{D28883C4-85DD-4E31-B074-2C0E43DC472B}"/>
-              </a:ext>
-            </a:extLst>
-          </p:cNvPr>
+          <p:cNvPr id="4" name="Date Placeholder 3"/>
           <p:cNvSpPr>
             <a:spLocks noGrp="1"/>
           </p:cNvSpPr>
@@ -2896,8 +5816,8 @@
         </p:nvSpPr>
         <p:spPr>
           <a:xfrm>
-            <a:off x="838200" y="6356350"/>
-            <a:ext cx="2743200" cy="365125"/>
+            <a:off x="1251678" y="6375679"/>
+            <a:ext cx="2329722" cy="348462"/>
           </a:xfrm>
           <a:prstGeom prst="rect">
             <a:avLst/>
@@ -2910,7 +5830,8 @@
               <a:defRPr sz="1200">
                 <a:solidFill>
                   <a:schemeClr val="tx1">
-                    <a:tint val="75000"/>
+                    <a:lumMod val="65000"/>
+                    <a:lumOff val="35000"/>
                   </a:schemeClr>
                 </a:solidFill>
               </a:defRPr>
@@ -2927,13 +5848,7 @@
       </p:sp>
       <p:sp>
         <p:nvSpPr>
-          <p:cNvPr id="5" name="Footer Placeholder 4">
-            <a:extLst>
-              <a:ext uri="{FF2B5EF4-FFF2-40B4-BE49-F238E27FC236}">
-                <a16:creationId xmlns:a16="http://schemas.microsoft.com/office/drawing/2014/main" id="{C1F010E9-E889-4B04-88FF-AA318B25E782}"/>
-              </a:ext>
-            </a:extLst>
-          </p:cNvPr>
+          <p:cNvPr id="5" name="Footer Placeholder 4"/>
           <p:cNvSpPr>
             <a:spLocks noGrp="1"/>
           </p:cNvSpPr>
@@ -2943,8 +5858,8 @@
         </p:nvSpPr>
         <p:spPr>
           <a:xfrm>
-            <a:off x="4038600" y="6356350"/>
-            <a:ext cx="4114800" cy="365125"/>
+            <a:off x="4038600" y="6375679"/>
+            <a:ext cx="4114800" cy="345796"/>
           </a:xfrm>
           <a:prstGeom prst="rect">
             <a:avLst/>
@@ -2957,7 +5872,8 @@
               <a:defRPr sz="1200">
                 <a:solidFill>
                   <a:schemeClr val="tx1">
-                    <a:tint val="75000"/>
+                    <a:lumMod val="65000"/>
+                    <a:lumOff val="35000"/>
                   </a:schemeClr>
                 </a:solidFill>
               </a:defRPr>
@@ -2970,13 +5886,7 @@
       </p:sp>
       <p:sp>
         <p:nvSpPr>
-          <p:cNvPr id="6" name="Slide Number Placeholder 5">
-            <a:extLst>
-              <a:ext uri="{FF2B5EF4-FFF2-40B4-BE49-F238E27FC236}">
-                <a16:creationId xmlns:a16="http://schemas.microsoft.com/office/drawing/2014/main" id="{1ACB909A-D573-4D89-98C6-EED985F62156}"/>
-              </a:ext>
-            </a:extLst>
-          </p:cNvPr>
+          <p:cNvPr id="6" name="Slide Number Placeholder 5"/>
           <p:cNvSpPr>
             <a:spLocks noGrp="1"/>
           </p:cNvSpPr>
@@ -2986,8 +5896,8 @@
         </p:nvSpPr>
         <p:spPr>
           <a:xfrm>
-            <a:off x="8610600" y="6356350"/>
-            <a:ext cx="2743200" cy="365125"/>
+            <a:off x="8610601" y="6375679"/>
+            <a:ext cx="2819399" cy="345796"/>
           </a:xfrm>
           <a:prstGeom prst="rect">
             <a:avLst/>
@@ -3000,7 +5910,8 @@
               <a:defRPr sz="1200">
                 <a:solidFill>
                   <a:schemeClr val="tx1">
-                    <a:tint val="75000"/>
+                    <a:lumMod val="65000"/>
+                    <a:lumOff val="35000"/>
                   </a:schemeClr>
                 </a:solidFill>
               </a:defRPr>
@@ -3015,26 +5926,528 @@
           </a:p>
         </p:txBody>
       </p:sp>
+      <p:sp>
+        <p:nvSpPr>
+          <p:cNvPr id="11" name="Freeform 6" title="Left scallop edge"/>
+          <p:cNvSpPr/>
+          <p:nvPr/>
+        </p:nvSpPr>
+        <p:spPr bwMode="auto">
+          <a:xfrm>
+            <a:off x="0" y="0"/>
+            <a:ext cx="885825" cy="6858000"/>
+          </a:xfrm>
+          <a:custGeom>
+            <a:avLst/>
+            <a:gdLst/>
+            <a:ahLst/>
+            <a:cxnLst/>
+            <a:rect l="0" t="0" r="r" b="b"/>
+            <a:pathLst>
+              <a:path w="558" h="4320">
+                <a:moveTo>
+                  <a:pt x="0" y="0"/>
+                </a:moveTo>
+                <a:lnTo>
+                  <a:pt x="447" y="0"/>
+                </a:lnTo>
+                <a:lnTo>
+                  <a:pt x="448" y="43"/>
+                </a:lnTo>
+                <a:lnTo>
+                  <a:pt x="453" y="81"/>
+                </a:lnTo>
+                <a:lnTo>
+                  <a:pt x="460" y="114"/>
+                </a:lnTo>
+                <a:lnTo>
+                  <a:pt x="469" y="143"/>
+                </a:lnTo>
+                <a:lnTo>
+                  <a:pt x="479" y="169"/>
+                </a:lnTo>
+                <a:lnTo>
+                  <a:pt x="491" y="192"/>
+                </a:lnTo>
+                <a:lnTo>
+                  <a:pt x="503" y="216"/>
+                </a:lnTo>
+                <a:lnTo>
+                  <a:pt x="515" y="240"/>
+                </a:lnTo>
+                <a:lnTo>
+                  <a:pt x="525" y="263"/>
+                </a:lnTo>
+                <a:lnTo>
+                  <a:pt x="535" y="289"/>
+                </a:lnTo>
+                <a:lnTo>
+                  <a:pt x="545" y="318"/>
+                </a:lnTo>
+                <a:lnTo>
+                  <a:pt x="552" y="351"/>
+                </a:lnTo>
+                <a:lnTo>
+                  <a:pt x="556" y="389"/>
+                </a:lnTo>
+                <a:lnTo>
+                  <a:pt x="558" y="432"/>
+                </a:lnTo>
+                <a:lnTo>
+                  <a:pt x="556" y="475"/>
+                </a:lnTo>
+                <a:lnTo>
+                  <a:pt x="552" y="513"/>
+                </a:lnTo>
+                <a:lnTo>
+                  <a:pt x="545" y="546"/>
+                </a:lnTo>
+                <a:lnTo>
+                  <a:pt x="535" y="575"/>
+                </a:lnTo>
+                <a:lnTo>
+                  <a:pt x="525" y="601"/>
+                </a:lnTo>
+                <a:lnTo>
+                  <a:pt x="515" y="624"/>
+                </a:lnTo>
+                <a:lnTo>
+                  <a:pt x="503" y="648"/>
+                </a:lnTo>
+                <a:lnTo>
+                  <a:pt x="491" y="672"/>
+                </a:lnTo>
+                <a:lnTo>
+                  <a:pt x="479" y="695"/>
+                </a:lnTo>
+                <a:lnTo>
+                  <a:pt x="469" y="721"/>
+                </a:lnTo>
+                <a:lnTo>
+                  <a:pt x="460" y="750"/>
+                </a:lnTo>
+                <a:lnTo>
+                  <a:pt x="453" y="783"/>
+                </a:lnTo>
+                <a:lnTo>
+                  <a:pt x="448" y="821"/>
+                </a:lnTo>
+                <a:lnTo>
+                  <a:pt x="447" y="864"/>
+                </a:lnTo>
+                <a:lnTo>
+                  <a:pt x="448" y="907"/>
+                </a:lnTo>
+                <a:lnTo>
+                  <a:pt x="453" y="945"/>
+                </a:lnTo>
+                <a:lnTo>
+                  <a:pt x="460" y="978"/>
+                </a:lnTo>
+                <a:lnTo>
+                  <a:pt x="469" y="1007"/>
+                </a:lnTo>
+                <a:lnTo>
+                  <a:pt x="479" y="1033"/>
+                </a:lnTo>
+                <a:lnTo>
+                  <a:pt x="491" y="1056"/>
+                </a:lnTo>
+                <a:lnTo>
+                  <a:pt x="503" y="1080"/>
+                </a:lnTo>
+                <a:lnTo>
+                  <a:pt x="515" y="1104"/>
+                </a:lnTo>
+                <a:lnTo>
+                  <a:pt x="525" y="1127"/>
+                </a:lnTo>
+                <a:lnTo>
+                  <a:pt x="535" y="1153"/>
+                </a:lnTo>
+                <a:lnTo>
+                  <a:pt x="545" y="1182"/>
+                </a:lnTo>
+                <a:lnTo>
+                  <a:pt x="552" y="1215"/>
+                </a:lnTo>
+                <a:lnTo>
+                  <a:pt x="556" y="1253"/>
+                </a:lnTo>
+                <a:lnTo>
+                  <a:pt x="558" y="1296"/>
+                </a:lnTo>
+                <a:lnTo>
+                  <a:pt x="556" y="1339"/>
+                </a:lnTo>
+                <a:lnTo>
+                  <a:pt x="552" y="1377"/>
+                </a:lnTo>
+                <a:lnTo>
+                  <a:pt x="545" y="1410"/>
+                </a:lnTo>
+                <a:lnTo>
+                  <a:pt x="535" y="1439"/>
+                </a:lnTo>
+                <a:lnTo>
+                  <a:pt x="525" y="1465"/>
+                </a:lnTo>
+                <a:lnTo>
+                  <a:pt x="515" y="1488"/>
+                </a:lnTo>
+                <a:lnTo>
+                  <a:pt x="503" y="1512"/>
+                </a:lnTo>
+                <a:lnTo>
+                  <a:pt x="491" y="1536"/>
+                </a:lnTo>
+                <a:lnTo>
+                  <a:pt x="479" y="1559"/>
+                </a:lnTo>
+                <a:lnTo>
+                  <a:pt x="469" y="1585"/>
+                </a:lnTo>
+                <a:lnTo>
+                  <a:pt x="460" y="1614"/>
+                </a:lnTo>
+                <a:lnTo>
+                  <a:pt x="453" y="1647"/>
+                </a:lnTo>
+                <a:lnTo>
+                  <a:pt x="448" y="1685"/>
+                </a:lnTo>
+                <a:lnTo>
+                  <a:pt x="447" y="1728"/>
+                </a:lnTo>
+                <a:lnTo>
+                  <a:pt x="448" y="1771"/>
+                </a:lnTo>
+                <a:lnTo>
+                  <a:pt x="453" y="1809"/>
+                </a:lnTo>
+                <a:lnTo>
+                  <a:pt x="460" y="1842"/>
+                </a:lnTo>
+                <a:lnTo>
+                  <a:pt x="469" y="1871"/>
+                </a:lnTo>
+                <a:lnTo>
+                  <a:pt x="479" y="1897"/>
+                </a:lnTo>
+                <a:lnTo>
+                  <a:pt x="491" y="1920"/>
+                </a:lnTo>
+                <a:lnTo>
+                  <a:pt x="503" y="1944"/>
+                </a:lnTo>
+                <a:lnTo>
+                  <a:pt x="515" y="1968"/>
+                </a:lnTo>
+                <a:lnTo>
+                  <a:pt x="525" y="1991"/>
+                </a:lnTo>
+                <a:lnTo>
+                  <a:pt x="535" y="2017"/>
+                </a:lnTo>
+                <a:lnTo>
+                  <a:pt x="545" y="2046"/>
+                </a:lnTo>
+                <a:lnTo>
+                  <a:pt x="552" y="2079"/>
+                </a:lnTo>
+                <a:lnTo>
+                  <a:pt x="556" y="2117"/>
+                </a:lnTo>
+                <a:lnTo>
+                  <a:pt x="558" y="2159"/>
+                </a:lnTo>
+                <a:lnTo>
+                  <a:pt x="556" y="2203"/>
+                </a:lnTo>
+                <a:lnTo>
+                  <a:pt x="552" y="2241"/>
+                </a:lnTo>
+                <a:lnTo>
+                  <a:pt x="545" y="2274"/>
+                </a:lnTo>
+                <a:lnTo>
+                  <a:pt x="535" y="2303"/>
+                </a:lnTo>
+                <a:lnTo>
+                  <a:pt x="525" y="2329"/>
+                </a:lnTo>
+                <a:lnTo>
+                  <a:pt x="515" y="2352"/>
+                </a:lnTo>
+                <a:lnTo>
+                  <a:pt x="503" y="2376"/>
+                </a:lnTo>
+                <a:lnTo>
+                  <a:pt x="491" y="2400"/>
+                </a:lnTo>
+                <a:lnTo>
+                  <a:pt x="479" y="2423"/>
+                </a:lnTo>
+                <a:lnTo>
+                  <a:pt x="469" y="2449"/>
+                </a:lnTo>
+                <a:lnTo>
+                  <a:pt x="460" y="2478"/>
+                </a:lnTo>
+                <a:lnTo>
+                  <a:pt x="453" y="2511"/>
+                </a:lnTo>
+                <a:lnTo>
+                  <a:pt x="448" y="2549"/>
+                </a:lnTo>
+                <a:lnTo>
+                  <a:pt x="447" y="2592"/>
+                </a:lnTo>
+                <a:lnTo>
+                  <a:pt x="448" y="2635"/>
+                </a:lnTo>
+                <a:lnTo>
+                  <a:pt x="453" y="2673"/>
+                </a:lnTo>
+                <a:lnTo>
+                  <a:pt x="460" y="2706"/>
+                </a:lnTo>
+                <a:lnTo>
+                  <a:pt x="469" y="2735"/>
+                </a:lnTo>
+                <a:lnTo>
+                  <a:pt x="479" y="2761"/>
+                </a:lnTo>
+                <a:lnTo>
+                  <a:pt x="491" y="2784"/>
+                </a:lnTo>
+                <a:lnTo>
+                  <a:pt x="515" y="2832"/>
+                </a:lnTo>
+                <a:lnTo>
+                  <a:pt x="525" y="2855"/>
+                </a:lnTo>
+                <a:lnTo>
+                  <a:pt x="535" y="2881"/>
+                </a:lnTo>
+                <a:lnTo>
+                  <a:pt x="545" y="2910"/>
+                </a:lnTo>
+                <a:lnTo>
+                  <a:pt x="552" y="2943"/>
+                </a:lnTo>
+                <a:lnTo>
+                  <a:pt x="556" y="2981"/>
+                </a:lnTo>
+                <a:lnTo>
+                  <a:pt x="558" y="3024"/>
+                </a:lnTo>
+                <a:lnTo>
+                  <a:pt x="556" y="3067"/>
+                </a:lnTo>
+                <a:lnTo>
+                  <a:pt x="552" y="3105"/>
+                </a:lnTo>
+                <a:lnTo>
+                  <a:pt x="545" y="3138"/>
+                </a:lnTo>
+                <a:lnTo>
+                  <a:pt x="535" y="3167"/>
+                </a:lnTo>
+                <a:lnTo>
+                  <a:pt x="525" y="3193"/>
+                </a:lnTo>
+                <a:lnTo>
+                  <a:pt x="515" y="3216"/>
+                </a:lnTo>
+                <a:lnTo>
+                  <a:pt x="503" y="3240"/>
+                </a:lnTo>
+                <a:lnTo>
+                  <a:pt x="491" y="3264"/>
+                </a:lnTo>
+                <a:lnTo>
+                  <a:pt x="479" y="3287"/>
+                </a:lnTo>
+                <a:lnTo>
+                  <a:pt x="469" y="3313"/>
+                </a:lnTo>
+                <a:lnTo>
+                  <a:pt x="460" y="3342"/>
+                </a:lnTo>
+                <a:lnTo>
+                  <a:pt x="453" y="3375"/>
+                </a:lnTo>
+                <a:lnTo>
+                  <a:pt x="448" y="3413"/>
+                </a:lnTo>
+                <a:lnTo>
+                  <a:pt x="447" y="3456"/>
+                </a:lnTo>
+                <a:lnTo>
+                  <a:pt x="448" y="3499"/>
+                </a:lnTo>
+                <a:lnTo>
+                  <a:pt x="453" y="3537"/>
+                </a:lnTo>
+                <a:lnTo>
+                  <a:pt x="460" y="3570"/>
+                </a:lnTo>
+                <a:lnTo>
+                  <a:pt x="469" y="3599"/>
+                </a:lnTo>
+                <a:lnTo>
+                  <a:pt x="479" y="3625"/>
+                </a:lnTo>
+                <a:lnTo>
+                  <a:pt x="491" y="3648"/>
+                </a:lnTo>
+                <a:lnTo>
+                  <a:pt x="503" y="3672"/>
+                </a:lnTo>
+                <a:lnTo>
+                  <a:pt x="515" y="3696"/>
+                </a:lnTo>
+                <a:lnTo>
+                  <a:pt x="525" y="3719"/>
+                </a:lnTo>
+                <a:lnTo>
+                  <a:pt x="535" y="3745"/>
+                </a:lnTo>
+                <a:lnTo>
+                  <a:pt x="545" y="3774"/>
+                </a:lnTo>
+                <a:lnTo>
+                  <a:pt x="552" y="3807"/>
+                </a:lnTo>
+                <a:lnTo>
+                  <a:pt x="556" y="3845"/>
+                </a:lnTo>
+                <a:lnTo>
+                  <a:pt x="558" y="3888"/>
+                </a:lnTo>
+                <a:lnTo>
+                  <a:pt x="556" y="3931"/>
+                </a:lnTo>
+                <a:lnTo>
+                  <a:pt x="552" y="3969"/>
+                </a:lnTo>
+                <a:lnTo>
+                  <a:pt x="545" y="4002"/>
+                </a:lnTo>
+                <a:lnTo>
+                  <a:pt x="535" y="4031"/>
+                </a:lnTo>
+                <a:lnTo>
+                  <a:pt x="525" y="4057"/>
+                </a:lnTo>
+                <a:lnTo>
+                  <a:pt x="515" y="4080"/>
+                </a:lnTo>
+                <a:lnTo>
+                  <a:pt x="503" y="4104"/>
+                </a:lnTo>
+                <a:lnTo>
+                  <a:pt x="491" y="4128"/>
+                </a:lnTo>
+                <a:lnTo>
+                  <a:pt x="479" y="4151"/>
+                </a:lnTo>
+                <a:lnTo>
+                  <a:pt x="469" y="4177"/>
+                </a:lnTo>
+                <a:lnTo>
+                  <a:pt x="460" y="4206"/>
+                </a:lnTo>
+                <a:lnTo>
+                  <a:pt x="453" y="4239"/>
+                </a:lnTo>
+                <a:lnTo>
+                  <a:pt x="448" y="4277"/>
+                </a:lnTo>
+                <a:lnTo>
+                  <a:pt x="447" y="4320"/>
+                </a:lnTo>
+                <a:lnTo>
+                  <a:pt x="0" y="4320"/>
+                </a:lnTo>
+                <a:lnTo>
+                  <a:pt x="0" y="0"/>
+                </a:lnTo>
+                <a:close/>
+              </a:path>
+            </a:pathLst>
+          </a:custGeom>
+          <a:solidFill>
+            <a:schemeClr val="tx2"/>
+          </a:solidFill>
+          <a:ln w="0">
+            <a:noFill/>
+            <a:prstDash val="solid"/>
+            <a:round/>
+            <a:headEnd/>
+            <a:tailEnd/>
+          </a:ln>
+        </p:spPr>
+      </p:sp>
+      <p:sp>
+        <p:nvSpPr>
+          <p:cNvPr id="12" name="Rectangle 11" title="right edge border"/>
+          <p:cNvSpPr/>
+          <p:nvPr/>
+        </p:nvSpPr>
+        <p:spPr>
+          <a:xfrm>
+            <a:off x="11908536" y="0"/>
+            <a:ext cx="283464" cy="6858000"/>
+          </a:xfrm>
+          <a:prstGeom prst="rect">
+            <a:avLst/>
+          </a:prstGeom>
+          <a:solidFill>
+            <a:schemeClr val="accent1"/>
+          </a:solidFill>
+          <a:ln>
+            <a:noFill/>
+          </a:ln>
+        </p:spPr>
+        <p:style>
+          <a:lnRef idx="2">
+            <a:schemeClr val="accent1">
+              <a:shade val="50000"/>
+            </a:schemeClr>
+          </a:lnRef>
+          <a:fillRef idx="1">
+            <a:schemeClr val="accent1"/>
+          </a:fillRef>
+          <a:effectRef idx="0">
+            <a:schemeClr val="accent1"/>
+          </a:effectRef>
+          <a:fontRef idx="minor">
+            <a:schemeClr val="lt1"/>
+          </a:fontRef>
+        </p:style>
+      </p:sp>
     </p:spTree>
     <p:extLst>
       <p:ext uri="{BB962C8B-B14F-4D97-AF65-F5344CB8AC3E}">
-        <p14:creationId xmlns:p14="http://schemas.microsoft.com/office/powerpoint/2010/main" val="3150830169"/>
+        <p14:creationId xmlns:p14="http://schemas.microsoft.com/office/powerpoint/2010/main" val="2330156510"/>
       </p:ext>
     </p:extLst>
   </p:cSld>
   <p:clrMap bg1="lt1" tx1="dk1" bg2="lt2" tx2="dk2" accent1="accent1" accent2="accent2" accent3="accent3" accent4="accent4" accent5="accent5" accent6="accent6" hlink="hlink" folHlink="folHlink"/>
   <p:sldLayoutIdLst>
-    <p:sldLayoutId id="2147483649" r:id="rId1"/>
-    <p:sldLayoutId id="2147483650" r:id="rId2"/>
-    <p:sldLayoutId id="2147483651" r:id="rId3"/>
-    <p:sldLayoutId id="2147483652" r:id="rId4"/>
-    <p:sldLayoutId id="2147483653" r:id="rId5"/>
-    <p:sldLayoutId id="2147483654" r:id="rId6"/>
-    <p:sldLayoutId id="2147483655" r:id="rId7"/>
-    <p:sldLayoutId id="2147483656" r:id="rId8"/>
-    <p:sldLayoutId id="2147483657" r:id="rId9"/>
-    <p:sldLayoutId id="2147483658" r:id="rId10"/>
-    <p:sldLayoutId id="2147483659" r:id="rId11"/>
+    <p:sldLayoutId id="2147483661" r:id="rId1"/>
+    <p:sldLayoutId id="2147483662" r:id="rId2"/>
+    <p:sldLayoutId id="2147483663" r:id="rId3"/>
+    <p:sldLayoutId id="2147483664" r:id="rId4"/>
+    <p:sldLayoutId id="2147483665" r:id="rId5"/>
+    <p:sldLayoutId id="2147483666" r:id="rId6"/>
+    <p:sldLayoutId id="2147483667" r:id="rId7"/>
+    <p:sldLayoutId id="2147483668" r:id="rId8"/>
+    <p:sldLayoutId id="2147483669" r:id="rId9"/>
+    <p:sldLayoutId id="2147483670" r:id="rId10"/>
+    <p:sldLayoutId id="2147483671" r:id="rId11"/>
   </p:sldLayoutIdLst>
   <p:txStyles>
     <p:titleStyle>
@@ -3046,9 +6459,9 @@
           <a:spcPct val="0"/>
         </a:spcBef>
         <a:buNone/>
-        <a:defRPr sz="4400" kern="1200">
+        <a:defRPr sz="5100" kern="1200" cap="all" spc="200" baseline="0">
           <a:solidFill>
-            <a:schemeClr val="tx1"/>
+            <a:schemeClr val="tx2"/>
           </a:solidFill>
           <a:latin typeface="+mj-lt"/>
           <a:ea typeface="+mj-ea"/>
@@ -3059,16 +6472,22 @@
     <p:bodyStyle>
       <a:lvl1pPr marL="228600" indent="-228600" algn="l" defTabSz="914400" rtl="0" eaLnBrk="1" latinLnBrk="0" hangingPunct="1">
         <a:lnSpc>
-          <a:spcPct val="90000"/>
+          <a:spcPct val="110000"/>
         </a:lnSpc>
         <a:spcBef>
-          <a:spcPts val="1000"/>
+          <a:spcPts val="700"/>
         </a:spcBef>
+        <a:buClr>
+          <a:schemeClr val="tx2"/>
+        </a:buClr>
         <a:buFont typeface="Arial" panose="020B0604020202020204" pitchFamily="34" charset="0"/>
         <a:buChar char="•"/>
-        <a:defRPr sz="2800" kern="1200">
+        <a:defRPr sz="2000" kern="1200">
           <a:solidFill>
-            <a:schemeClr val="tx1"/>
+            <a:schemeClr val="tx1">
+              <a:lumMod val="65000"/>
+              <a:lumOff val="35000"/>
+            </a:schemeClr>
           </a:solidFill>
           <a:latin typeface="+mn-lt"/>
           <a:ea typeface="+mn-ea"/>
@@ -3077,16 +6496,22 @@
       </a:lvl1pPr>
       <a:lvl2pPr marL="685800" indent="-228600" algn="l" defTabSz="914400" rtl="0" eaLnBrk="1" latinLnBrk="0" hangingPunct="1">
         <a:lnSpc>
-          <a:spcPct val="90000"/>
+          <a:spcPct val="110000"/>
         </a:lnSpc>
         <a:spcBef>
-          <a:spcPts val="500"/>
+          <a:spcPts val="700"/>
         </a:spcBef>
-        <a:buFont typeface="Arial" panose="020B0604020202020204" pitchFamily="34" charset="0"/>
-        <a:buChar char="•"/>
-        <a:defRPr sz="2400" kern="1200">
+        <a:buClr>
+          <a:schemeClr val="tx2"/>
+        </a:buClr>
+        <a:buFont typeface="Gill Sans MT" panose="020B0502020104020203" pitchFamily="34" charset="0"/>
+        <a:buChar char="–"/>
+        <a:defRPr sz="1800" kern="1200">
           <a:solidFill>
-            <a:schemeClr val="tx1"/>
+            <a:schemeClr val="tx1">
+              <a:lumMod val="65000"/>
+              <a:lumOff val="35000"/>
+            </a:schemeClr>
           </a:solidFill>
           <a:latin typeface="+mn-lt"/>
           <a:ea typeface="+mn-ea"/>
@@ -3095,16 +6520,22 @@
       </a:lvl2pPr>
       <a:lvl3pPr marL="1143000" indent="-228600" algn="l" defTabSz="914400" rtl="0" eaLnBrk="1" latinLnBrk="0" hangingPunct="1">
         <a:lnSpc>
-          <a:spcPct val="90000"/>
+          <a:spcPct val="110000"/>
         </a:lnSpc>
         <a:spcBef>
-          <a:spcPts val="500"/>
+          <a:spcPts val="700"/>
         </a:spcBef>
+        <a:buClr>
+          <a:schemeClr val="tx2"/>
+        </a:buClr>
         <a:buFont typeface="Arial" panose="020B0604020202020204" pitchFamily="34" charset="0"/>
         <a:buChar char="•"/>
-        <a:defRPr sz="2000" kern="1200">
+        <a:defRPr sz="1600" kern="1200">
           <a:solidFill>
-            <a:schemeClr val="tx1"/>
+            <a:schemeClr val="tx1">
+              <a:lumMod val="65000"/>
+              <a:lumOff val="35000"/>
+            </a:schemeClr>
           </a:solidFill>
           <a:latin typeface="+mn-lt"/>
           <a:ea typeface="+mn-ea"/>
@@ -3113,16 +6544,22 @@
       </a:lvl3pPr>
       <a:lvl4pPr marL="1600200" indent="-228600" algn="l" defTabSz="914400" rtl="0" eaLnBrk="1" latinLnBrk="0" hangingPunct="1">
         <a:lnSpc>
-          <a:spcPct val="90000"/>
+          <a:spcPct val="110000"/>
         </a:lnSpc>
         <a:spcBef>
-          <a:spcPts val="500"/>
+          <a:spcPts val="700"/>
         </a:spcBef>
-        <a:buFont typeface="Arial" panose="020B0604020202020204" pitchFamily="34" charset="0"/>
-        <a:buChar char="•"/>
-        <a:defRPr sz="1800" kern="1200">
+        <a:buClr>
+          <a:schemeClr val="tx2"/>
+        </a:buClr>
+        <a:buFont typeface="Gill Sans MT" panose="020B0502020104020203" pitchFamily="34" charset="0"/>
+        <a:buChar char="–"/>
+        <a:defRPr sz="1400" kern="1200">
           <a:solidFill>
-            <a:schemeClr val="tx1"/>
+            <a:schemeClr val="tx1">
+              <a:lumMod val="65000"/>
+              <a:lumOff val="35000"/>
+            </a:schemeClr>
           </a:solidFill>
           <a:latin typeface="+mn-lt"/>
           <a:ea typeface="+mn-ea"/>
@@ -3131,16 +6568,22 @@
       </a:lvl4pPr>
       <a:lvl5pPr marL="2057400" indent="-228600" algn="l" defTabSz="914400" rtl="0" eaLnBrk="1" latinLnBrk="0" hangingPunct="1">
         <a:lnSpc>
-          <a:spcPct val="90000"/>
+          <a:spcPct val="110000"/>
         </a:lnSpc>
         <a:spcBef>
-          <a:spcPts val="500"/>
+          <a:spcPts val="700"/>
         </a:spcBef>
+        <a:buClr>
+          <a:schemeClr val="tx2"/>
+        </a:buClr>
         <a:buFont typeface="Arial" panose="020B0604020202020204" pitchFamily="34" charset="0"/>
         <a:buChar char="•"/>
-        <a:defRPr sz="1800" kern="1200">
+        <a:defRPr sz="1400" kern="1200">
           <a:solidFill>
-            <a:schemeClr val="tx1"/>
+            <a:schemeClr val="tx1">
+              <a:lumMod val="65000"/>
+              <a:lumOff val="35000"/>
+            </a:schemeClr>
           </a:solidFill>
           <a:latin typeface="+mn-lt"/>
           <a:ea typeface="+mn-ea"/>
@@ -3149,16 +6592,22 @@
       </a:lvl5pPr>
       <a:lvl6pPr marL="2514600" indent="-228600" algn="l" defTabSz="914400" rtl="0" eaLnBrk="1" latinLnBrk="0" hangingPunct="1">
         <a:lnSpc>
-          <a:spcPct val="90000"/>
+          <a:spcPct val="110000"/>
         </a:lnSpc>
         <a:spcBef>
-          <a:spcPts val="500"/>
+          <a:spcPts val="700"/>
         </a:spcBef>
-        <a:buFont typeface="Arial" panose="020B0604020202020204" pitchFamily="34" charset="0"/>
-        <a:buChar char="•"/>
-        <a:defRPr sz="1800" kern="1200">
+        <a:buClr>
+          <a:schemeClr val="tx2"/>
+        </a:buClr>
+        <a:buFont typeface="Gill Sans MT" panose="020B0502020104020203" pitchFamily="34" charset="0"/>
+        <a:buChar char="–"/>
+        <a:defRPr sz="1400" kern="1200">
           <a:solidFill>
-            <a:schemeClr val="tx1"/>
+            <a:schemeClr val="tx1">
+              <a:lumMod val="65000"/>
+              <a:lumOff val="35000"/>
+            </a:schemeClr>
           </a:solidFill>
           <a:latin typeface="+mn-lt"/>
           <a:ea typeface="+mn-ea"/>
@@ -3167,16 +6616,22 @@
       </a:lvl6pPr>
       <a:lvl7pPr marL="2971800" indent="-228600" algn="l" defTabSz="914400" rtl="0" eaLnBrk="1" latinLnBrk="0" hangingPunct="1">
         <a:lnSpc>
-          <a:spcPct val="90000"/>
+          <a:spcPct val="110000"/>
         </a:lnSpc>
         <a:spcBef>
-          <a:spcPts val="500"/>
+          <a:spcPts val="700"/>
         </a:spcBef>
+        <a:buClr>
+          <a:schemeClr val="tx2"/>
+        </a:buClr>
         <a:buFont typeface="Arial" panose="020B0604020202020204" pitchFamily="34" charset="0"/>
         <a:buChar char="•"/>
-        <a:defRPr sz="1800" kern="1200">
+        <a:defRPr sz="1400" kern="1200">
           <a:solidFill>
-            <a:schemeClr val="tx1"/>
+            <a:schemeClr val="tx1">
+              <a:lumMod val="65000"/>
+              <a:lumOff val="35000"/>
+            </a:schemeClr>
           </a:solidFill>
           <a:latin typeface="+mn-lt"/>
           <a:ea typeface="+mn-ea"/>
@@ -3185,16 +6640,22 @@
       </a:lvl7pPr>
       <a:lvl8pPr marL="3429000" indent="-228600" algn="l" defTabSz="914400" rtl="0" eaLnBrk="1" latinLnBrk="0" hangingPunct="1">
         <a:lnSpc>
-          <a:spcPct val="90000"/>
+          <a:spcPct val="110000"/>
         </a:lnSpc>
         <a:spcBef>
-          <a:spcPts val="500"/>
+          <a:spcPts val="700"/>
         </a:spcBef>
-        <a:buFont typeface="Arial" panose="020B0604020202020204" pitchFamily="34" charset="0"/>
-        <a:buChar char="•"/>
-        <a:defRPr sz="1800" kern="1200">
+        <a:buClr>
+          <a:schemeClr val="tx2"/>
+        </a:buClr>
+        <a:buFont typeface="Gill Sans MT" panose="020B0502020104020203" pitchFamily="34" charset="0"/>
+        <a:buChar char="–"/>
+        <a:defRPr sz="1400" kern="1200" baseline="0">
           <a:solidFill>
-            <a:schemeClr val="tx1"/>
+            <a:schemeClr val="tx1">
+              <a:lumMod val="65000"/>
+              <a:lumOff val="35000"/>
+            </a:schemeClr>
           </a:solidFill>
           <a:latin typeface="+mn-lt"/>
           <a:ea typeface="+mn-ea"/>
@@ -3203,16 +6664,22 @@
       </a:lvl8pPr>
       <a:lvl9pPr marL="3886200" indent="-228600" algn="l" defTabSz="914400" rtl="0" eaLnBrk="1" latinLnBrk="0" hangingPunct="1">
         <a:lnSpc>
-          <a:spcPct val="90000"/>
+          <a:spcPct val="110000"/>
         </a:lnSpc>
         <a:spcBef>
-          <a:spcPts val="500"/>
+          <a:spcPts val="700"/>
         </a:spcBef>
+        <a:buClr>
+          <a:schemeClr val="tx2"/>
+        </a:buClr>
         <a:buFont typeface="Arial" panose="020B0604020202020204" pitchFamily="34" charset="0"/>
         <a:buChar char="•"/>
-        <a:defRPr sz="1800" kern="1200">
+        <a:defRPr sz="1400" kern="1200" baseline="0">
           <a:solidFill>
-            <a:schemeClr val="tx1"/>
+            <a:schemeClr val="tx1">
+              <a:lumMod val="65000"/>
+              <a:lumOff val="35000"/>
+            </a:schemeClr>
           </a:solidFill>
           <a:latin typeface="+mn-lt"/>
           <a:ea typeface="+mn-ea"/>
@@ -3316,6 +6783,42 @@
       </a:lvl9pPr>
     </p:otherStyle>
   </p:txStyles>
+  <p:extLst mod="1">
+    <p:ext uri="{27BBF7A9-308A-43DC-89C8-2F10F3537804}">
+      <p15:sldGuideLst xmlns:p15="http://schemas.microsoft.com/office/powerpoint/2012/main">
+        <p15:guide id="1" pos="792">
+          <p15:clr>
+            <a:srgbClr val="F26B43"/>
+          </p15:clr>
+        </p15:guide>
+        <p15:guide id="2" pos="7200">
+          <p15:clr>
+            <a:srgbClr val="F26B43"/>
+          </p15:clr>
+        </p15:guide>
+        <p15:guide id="3" orient="horz" pos="4008">
+          <p15:clr>
+            <a:srgbClr val="F26B43"/>
+          </p15:clr>
+        </p15:guide>
+        <p15:guide id="4" orient="horz" pos="1440">
+          <p15:clr>
+            <a:srgbClr val="F26B43"/>
+          </p15:clr>
+        </p15:guide>
+        <p15:guide id="5" orient="horz" pos="3720">
+          <p15:clr>
+            <a:srgbClr val="F26B43"/>
+          </p15:clr>
+        </p15:guide>
+        <p15:guide id="6" orient="horz" pos="240">
+          <p15:clr>
+            <a:srgbClr val="F26B43"/>
+          </p15:clr>
+        </p15:guide>
+      </p15:sldGuideLst>
+    </p:ext>
+  </p:extLst>
 </p:sldMaster>
 </file>
 
@@ -3382,13 +6885,14 @@
         </p:nvSpPr>
         <p:spPr/>
         <p:txBody>
-          <a:bodyPr/>
+          <a:bodyPr>
+            <a:normAutofit lnSpcReduction="10000"/>
+          </a:bodyPr>
           <a:lstStyle/>
           <a:p>
-            <a:pPr algn="l"/>
             <a:r>
               <a:rPr lang="en-US" dirty="0"/>
-              <a:t>Student: Lê </a:t>
+              <a:t>Lê </a:t>
             </a:r>
             <a:r>
               <a:rPr lang="en-US" dirty="0" err="1"/>
@@ -3408,10 +6912,9 @@
             </a:r>
           </a:p>
           <a:p>
-            <a:pPr algn="l"/>
             <a:r>
               <a:rPr lang="en-US" dirty="0"/>
-              <a:t>	   V</a:t>
+              <a:t>V</a:t>
             </a:r>
             <a:r>
               <a:rPr lang="vi-VN" dirty="0"/>
@@ -3446,17 +6949,965 @@
   <p:clrMapOvr>
     <a:masterClrMapping/>
   </p:clrMapOvr>
+</p:sld>
+</file>
+
+<file path=ppt/slides/slide10.xml><?xml version="1.0" encoding="utf-8"?>
+<p:sld xmlns:a="http://schemas.openxmlformats.org/drawingml/2006/main" xmlns:r="http://schemas.openxmlformats.org/officeDocument/2006/relationships" xmlns:p="http://schemas.openxmlformats.org/presentationml/2006/main">
+  <p:cSld>
+    <p:spTree>
+      <p:nvGrpSpPr>
+        <p:cNvPr id="1" name=""/>
+        <p:cNvGrpSpPr/>
+        <p:nvPr/>
+      </p:nvGrpSpPr>
+      <p:grpSpPr>
+        <a:xfrm>
+          <a:off x="0" y="0"/>
+          <a:ext cx="0" cy="0"/>
+          <a:chOff x="0" y="0"/>
+          <a:chExt cx="0" cy="0"/>
+        </a:xfrm>
+      </p:grpSpPr>
+      <p:sp>
+        <p:nvSpPr>
+          <p:cNvPr id="2" name="Title 1">
+            <a:extLst>
+              <a:ext uri="{FF2B5EF4-FFF2-40B4-BE49-F238E27FC236}">
+                <a16:creationId xmlns:a16="http://schemas.microsoft.com/office/drawing/2014/main" id="{E0B11B04-FADE-43BD-860E-976CEEA304FE}"/>
+              </a:ext>
+            </a:extLst>
+          </p:cNvPr>
+          <p:cNvSpPr>
+            <a:spLocks noGrp="1"/>
+          </p:cNvSpPr>
+          <p:nvPr>
+            <p:ph type="title"/>
+          </p:nvPr>
+        </p:nvSpPr>
+        <p:spPr/>
+        <p:txBody>
+          <a:bodyPr/>
+          <a:lstStyle/>
+          <a:p>
+            <a:r>
+              <a:rPr lang="en-US" dirty="0"/>
+              <a:t>III/ Local website</a:t>
+            </a:r>
+          </a:p>
+        </p:txBody>
+      </p:sp>
+      <p:sp>
+        <p:nvSpPr>
+          <p:cNvPr id="3" name="Content Placeholder 2">
+            <a:extLst>
+              <a:ext uri="{FF2B5EF4-FFF2-40B4-BE49-F238E27FC236}">
+                <a16:creationId xmlns:a16="http://schemas.microsoft.com/office/drawing/2014/main" id="{2C05DE46-DBF1-47B5-B268-D437678AA151}"/>
+              </a:ext>
+            </a:extLst>
+          </p:cNvPr>
+          <p:cNvSpPr>
+            <a:spLocks noGrp="1"/>
+          </p:cNvSpPr>
+          <p:nvPr>
+            <p:ph idx="1"/>
+          </p:nvPr>
+        </p:nvSpPr>
+        <p:spPr/>
+        <p:txBody>
+          <a:bodyPr/>
+          <a:lstStyle/>
+          <a:p>
+            <a:endParaRPr lang="en-US" dirty="0"/>
+          </a:p>
+        </p:txBody>
+      </p:sp>
+      <p:pic>
+        <p:nvPicPr>
+          <p:cNvPr id="4" name="Picture 3">
+            <a:extLst>
+              <a:ext uri="{FF2B5EF4-FFF2-40B4-BE49-F238E27FC236}">
+                <a16:creationId xmlns:a16="http://schemas.microsoft.com/office/drawing/2014/main" id="{5B13856B-70C1-412E-A84A-6989D41A64AB}"/>
+              </a:ext>
+            </a:extLst>
+          </p:cNvPr>
+          <p:cNvPicPr>
+            <a:picLocks noChangeAspect="1"/>
+          </p:cNvPicPr>
+          <p:nvPr/>
+        </p:nvPicPr>
+        <p:blipFill>
+          <a:blip r:embed="rId2"/>
+          <a:stretch>
+            <a:fillRect/>
+          </a:stretch>
+        </p:blipFill>
+        <p:spPr>
+          <a:xfrm>
+            <a:off x="1470991" y="1421455"/>
+            <a:ext cx="8905461" cy="4778699"/>
+          </a:xfrm>
+          <a:prstGeom prst="rect">
+            <a:avLst/>
+          </a:prstGeom>
+        </p:spPr>
+      </p:pic>
+    </p:spTree>
+    <p:extLst>
+      <p:ext uri="{BB962C8B-B14F-4D97-AF65-F5344CB8AC3E}">
+        <p14:creationId xmlns:p14="http://schemas.microsoft.com/office/powerpoint/2010/main" val="2673389688"/>
+      </p:ext>
+    </p:extLst>
+  </p:cSld>
+  <p:clrMapOvr>
+    <a:masterClrMapping/>
+  </p:clrMapOvr>
+</p:sld>
+</file>
+
+<file path=ppt/slides/slide11.xml><?xml version="1.0" encoding="utf-8"?>
+<p:sld xmlns:a="http://schemas.openxmlformats.org/drawingml/2006/main" xmlns:r="http://schemas.openxmlformats.org/officeDocument/2006/relationships" xmlns:p="http://schemas.openxmlformats.org/presentationml/2006/main">
+  <p:cSld>
+    <p:spTree>
+      <p:nvGrpSpPr>
+        <p:cNvPr id="1" name=""/>
+        <p:cNvGrpSpPr/>
+        <p:nvPr/>
+      </p:nvGrpSpPr>
+      <p:grpSpPr>
+        <a:xfrm>
+          <a:off x="0" y="0"/>
+          <a:ext cx="0" cy="0"/>
+          <a:chOff x="0" y="0"/>
+          <a:chExt cx="0" cy="0"/>
+        </a:xfrm>
+      </p:grpSpPr>
+      <p:sp>
+        <p:nvSpPr>
+          <p:cNvPr id="2" name="Title 1">
+            <a:extLst>
+              <a:ext uri="{FF2B5EF4-FFF2-40B4-BE49-F238E27FC236}">
+                <a16:creationId xmlns:a16="http://schemas.microsoft.com/office/drawing/2014/main" id="{657D47DD-CD5E-4D4E-96DC-4CD2ED0C515F}"/>
+              </a:ext>
+            </a:extLst>
+          </p:cNvPr>
+          <p:cNvSpPr>
+            <a:spLocks noGrp="1"/>
+          </p:cNvSpPr>
+          <p:nvPr>
+            <p:ph type="title"/>
+          </p:nvPr>
+        </p:nvSpPr>
+        <p:spPr/>
+        <p:txBody>
+          <a:bodyPr/>
+          <a:lstStyle/>
+          <a:p>
+            <a:r>
+              <a:rPr lang="en-US" dirty="0"/>
+              <a:t>Make the html file become website with IIS</a:t>
+            </a:r>
+          </a:p>
+        </p:txBody>
+      </p:sp>
+      <p:sp>
+        <p:nvSpPr>
+          <p:cNvPr id="3" name="Content Placeholder 2">
+            <a:extLst>
+              <a:ext uri="{FF2B5EF4-FFF2-40B4-BE49-F238E27FC236}">
+                <a16:creationId xmlns:a16="http://schemas.microsoft.com/office/drawing/2014/main" id="{7F0818A7-AF0B-4941-9249-0B2A2ADF0028}"/>
+              </a:ext>
+            </a:extLst>
+          </p:cNvPr>
+          <p:cNvSpPr>
+            <a:spLocks noGrp="1"/>
+          </p:cNvSpPr>
+          <p:nvPr>
+            <p:ph idx="1"/>
+          </p:nvPr>
+        </p:nvSpPr>
+        <p:spPr>
+          <a:xfrm>
+            <a:off x="1040295" y="1874517"/>
+            <a:ext cx="4171122" cy="4351338"/>
+          </a:xfrm>
+        </p:spPr>
+        <p:txBody>
+          <a:bodyPr/>
+          <a:lstStyle/>
+          <a:p>
+            <a:r>
+              <a:rPr lang="en-US" dirty="0"/>
+              <a:t>Create a website in IIS.</a:t>
+            </a:r>
+          </a:p>
+          <a:p>
+            <a:r>
+              <a:rPr lang="en-US" dirty="0"/>
+              <a:t>Allow permission for all user.</a:t>
+            </a:r>
+          </a:p>
+          <a:p>
+            <a:r>
+              <a:rPr lang="en-US" dirty="0"/>
+              <a:t>Allow firewall to open my port</a:t>
+            </a:r>
+          </a:p>
+          <a:p>
+            <a:endParaRPr lang="en-US" dirty="0"/>
+          </a:p>
+        </p:txBody>
+      </p:sp>
+      <p:pic>
+        <p:nvPicPr>
+          <p:cNvPr id="4" name="Picture 3">
+            <a:extLst>
+              <a:ext uri="{FF2B5EF4-FFF2-40B4-BE49-F238E27FC236}">
+                <a16:creationId xmlns:a16="http://schemas.microsoft.com/office/drawing/2014/main" id="{9C1763DE-32B6-40F2-921B-016EFDBDDD53}"/>
+              </a:ext>
+            </a:extLst>
+          </p:cNvPr>
+          <p:cNvPicPr>
+            <a:picLocks noChangeAspect="1"/>
+          </p:cNvPicPr>
+          <p:nvPr/>
+        </p:nvPicPr>
+        <p:blipFill>
+          <a:blip r:embed="rId2"/>
+          <a:stretch>
+            <a:fillRect/>
+          </a:stretch>
+        </p:blipFill>
+        <p:spPr>
+          <a:xfrm>
+            <a:off x="5185034" y="1806811"/>
+            <a:ext cx="6337852" cy="3244377"/>
+          </a:xfrm>
+          <a:prstGeom prst="rect">
+            <a:avLst/>
+          </a:prstGeom>
+        </p:spPr>
+      </p:pic>
+      <p:pic>
+        <p:nvPicPr>
+          <p:cNvPr id="5" name="Picture 4">
+            <a:extLst>
+              <a:ext uri="{FF2B5EF4-FFF2-40B4-BE49-F238E27FC236}">
+                <a16:creationId xmlns:a16="http://schemas.microsoft.com/office/drawing/2014/main" id="{5B241BAF-9B6C-49F9-AD8E-AE284A7673C4}"/>
+              </a:ext>
+            </a:extLst>
+          </p:cNvPr>
+          <p:cNvPicPr>
+            <a:picLocks noChangeAspect="1"/>
+          </p:cNvPicPr>
+          <p:nvPr/>
+        </p:nvPicPr>
+        <p:blipFill>
+          <a:blip r:embed="rId3"/>
+          <a:stretch>
+            <a:fillRect/>
+          </a:stretch>
+        </p:blipFill>
+        <p:spPr>
+          <a:xfrm>
+            <a:off x="6602067" y="1427956"/>
+            <a:ext cx="3437283" cy="4611688"/>
+          </a:xfrm>
+          <a:prstGeom prst="rect">
+            <a:avLst/>
+          </a:prstGeom>
+        </p:spPr>
+      </p:pic>
+      <p:pic>
+        <p:nvPicPr>
+          <p:cNvPr id="6" name="Picture 5">
+            <a:extLst>
+              <a:ext uri="{FF2B5EF4-FFF2-40B4-BE49-F238E27FC236}">
+                <a16:creationId xmlns:a16="http://schemas.microsoft.com/office/drawing/2014/main" id="{8DEECD39-04D5-46FF-A2B7-6E7DA403CA92}"/>
+              </a:ext>
+            </a:extLst>
+          </p:cNvPr>
+          <p:cNvPicPr>
+            <a:picLocks noChangeAspect="1"/>
+          </p:cNvPicPr>
+          <p:nvPr/>
+        </p:nvPicPr>
+        <p:blipFill>
+          <a:blip r:embed="rId4"/>
+          <a:stretch>
+            <a:fillRect/>
+          </a:stretch>
+        </p:blipFill>
+        <p:spPr>
+          <a:xfrm>
+            <a:off x="511093" y="3853069"/>
+            <a:ext cx="3363392" cy="2747963"/>
+          </a:xfrm>
+          <a:prstGeom prst="rect">
+            <a:avLst/>
+          </a:prstGeom>
+        </p:spPr>
+      </p:pic>
+      <p:pic>
+        <p:nvPicPr>
+          <p:cNvPr id="7" name="Picture 6">
+            <a:extLst>
+              <a:ext uri="{FF2B5EF4-FFF2-40B4-BE49-F238E27FC236}">
+                <a16:creationId xmlns:a16="http://schemas.microsoft.com/office/drawing/2014/main" id="{3CE6A75D-F580-4F08-AE7A-90C9080ACBFB}"/>
+              </a:ext>
+            </a:extLst>
+          </p:cNvPr>
+          <p:cNvPicPr>
+            <a:picLocks noChangeAspect="1"/>
+          </p:cNvPicPr>
+          <p:nvPr/>
+        </p:nvPicPr>
+        <p:blipFill>
+          <a:blip r:embed="rId5"/>
+          <a:stretch>
+            <a:fillRect/>
+          </a:stretch>
+        </p:blipFill>
+        <p:spPr>
+          <a:xfrm>
+            <a:off x="3967371" y="3909857"/>
+            <a:ext cx="3245126" cy="2634386"/>
+          </a:xfrm>
+          <a:prstGeom prst="rect">
+            <a:avLst/>
+          </a:prstGeom>
+        </p:spPr>
+      </p:pic>
+      <p:pic>
+        <p:nvPicPr>
+          <p:cNvPr id="8" name="Picture 7">
+            <a:extLst>
+              <a:ext uri="{FF2B5EF4-FFF2-40B4-BE49-F238E27FC236}">
+                <a16:creationId xmlns:a16="http://schemas.microsoft.com/office/drawing/2014/main" id="{412A8E73-D923-418E-9580-FFE0B4DEE6E2}"/>
+              </a:ext>
+            </a:extLst>
+          </p:cNvPr>
+          <p:cNvPicPr>
+            <a:picLocks noChangeAspect="1"/>
+          </p:cNvPicPr>
+          <p:nvPr/>
+        </p:nvPicPr>
+        <p:blipFill>
+          <a:blip r:embed="rId6"/>
+          <a:stretch>
+            <a:fillRect/>
+          </a:stretch>
+        </p:blipFill>
+        <p:spPr>
+          <a:xfrm>
+            <a:off x="7236636" y="3877094"/>
+            <a:ext cx="3885372" cy="2675845"/>
+          </a:xfrm>
+          <a:prstGeom prst="rect">
+            <a:avLst/>
+          </a:prstGeom>
+        </p:spPr>
+      </p:pic>
+    </p:spTree>
+    <p:extLst>
+      <p:ext uri="{BB962C8B-B14F-4D97-AF65-F5344CB8AC3E}">
+        <p14:creationId xmlns:p14="http://schemas.microsoft.com/office/powerpoint/2010/main" val="2191777482"/>
+      </p:ext>
+    </p:extLst>
+  </p:cSld>
+  <p:clrMapOvr>
+    <a:masterClrMapping/>
+  </p:clrMapOvr>
   <p:timing>
     <p:tnLst>
       <p:par>
-        <p:cTn id="1" dur="indefinite" restart="never" nodeType="tmRoot"/>
+        <p:cTn id="1" dur="indefinite" restart="never" nodeType="tmRoot">
+          <p:childTnLst>
+            <p:seq concurrent="1" nextAc="seek">
+              <p:cTn id="2" dur="indefinite" nodeType="mainSeq">
+                <p:childTnLst>
+                  <p:par>
+                    <p:cTn id="3" fill="hold">
+                      <p:stCondLst>
+                        <p:cond delay="indefinite"/>
+                      </p:stCondLst>
+                      <p:childTnLst>
+                        <p:par>
+                          <p:cTn id="4" fill="hold">
+                            <p:stCondLst>
+                              <p:cond delay="0"/>
+                            </p:stCondLst>
+                            <p:childTnLst>
+                              <p:par>
+                                <p:cTn id="5" presetID="1" presetClass="entr" presetSubtype="0" fill="hold" nodeType="clickEffect">
+                                  <p:stCondLst>
+                                    <p:cond delay="0"/>
+                                  </p:stCondLst>
+                                  <p:childTnLst>
+                                    <p:set>
+                                      <p:cBhvr>
+                                        <p:cTn id="6" dur="1" fill="hold">
+                                          <p:stCondLst>
+                                            <p:cond delay="0"/>
+                                          </p:stCondLst>
+                                        </p:cTn>
+                                        <p:tgtEl>
+                                          <p:spTgt spid="3">
+                                            <p:txEl>
+                                              <p:pRg st="0" end="0"/>
+                                            </p:txEl>
+                                          </p:spTgt>
+                                        </p:tgtEl>
+                                        <p:attrNameLst>
+                                          <p:attrName>style.visibility</p:attrName>
+                                        </p:attrNameLst>
+                                      </p:cBhvr>
+                                      <p:to>
+                                        <p:strVal val="visible"/>
+                                      </p:to>
+                                    </p:set>
+                                  </p:childTnLst>
+                                </p:cTn>
+                              </p:par>
+                              <p:par>
+                                <p:cTn id="7" presetID="1" presetClass="entr" presetSubtype="0" fill="hold" nodeType="withEffect">
+                                  <p:stCondLst>
+                                    <p:cond delay="0"/>
+                                  </p:stCondLst>
+                                  <p:childTnLst>
+                                    <p:set>
+                                      <p:cBhvr>
+                                        <p:cTn id="8" dur="1" fill="hold">
+                                          <p:stCondLst>
+                                            <p:cond delay="0"/>
+                                          </p:stCondLst>
+                                        </p:cTn>
+                                        <p:tgtEl>
+                                          <p:spTgt spid="4"/>
+                                        </p:tgtEl>
+                                        <p:attrNameLst>
+                                          <p:attrName>style.visibility</p:attrName>
+                                        </p:attrNameLst>
+                                      </p:cBhvr>
+                                      <p:to>
+                                        <p:strVal val="visible"/>
+                                      </p:to>
+                                    </p:set>
+                                  </p:childTnLst>
+                                </p:cTn>
+                              </p:par>
+                            </p:childTnLst>
+                          </p:cTn>
+                        </p:par>
+                      </p:childTnLst>
+                    </p:cTn>
+                  </p:par>
+                  <p:par>
+                    <p:cTn id="9" fill="hold">
+                      <p:stCondLst>
+                        <p:cond delay="indefinite"/>
+                      </p:stCondLst>
+                      <p:childTnLst>
+                        <p:par>
+                          <p:cTn id="10" fill="hold">
+                            <p:stCondLst>
+                              <p:cond delay="0"/>
+                            </p:stCondLst>
+                            <p:childTnLst>
+                              <p:par>
+                                <p:cTn id="11" presetID="1" presetClass="entr" presetSubtype="0" fill="hold" nodeType="clickEffect">
+                                  <p:stCondLst>
+                                    <p:cond delay="0"/>
+                                  </p:stCondLst>
+                                  <p:childTnLst>
+                                    <p:set>
+                                      <p:cBhvr>
+                                        <p:cTn id="12" dur="1" fill="hold">
+                                          <p:stCondLst>
+                                            <p:cond delay="0"/>
+                                          </p:stCondLst>
+                                        </p:cTn>
+                                        <p:tgtEl>
+                                          <p:spTgt spid="3">
+                                            <p:txEl>
+                                              <p:pRg st="1" end="1"/>
+                                            </p:txEl>
+                                          </p:spTgt>
+                                        </p:tgtEl>
+                                        <p:attrNameLst>
+                                          <p:attrName>style.visibility</p:attrName>
+                                        </p:attrNameLst>
+                                      </p:cBhvr>
+                                      <p:to>
+                                        <p:strVal val="visible"/>
+                                      </p:to>
+                                    </p:set>
+                                  </p:childTnLst>
+                                </p:cTn>
+                              </p:par>
+                              <p:par>
+                                <p:cTn id="13" presetID="1" presetClass="entr" presetSubtype="0" fill="hold" nodeType="withEffect">
+                                  <p:stCondLst>
+                                    <p:cond delay="0"/>
+                                  </p:stCondLst>
+                                  <p:childTnLst>
+                                    <p:set>
+                                      <p:cBhvr>
+                                        <p:cTn id="14" dur="1" fill="hold">
+                                          <p:stCondLst>
+                                            <p:cond delay="0"/>
+                                          </p:stCondLst>
+                                        </p:cTn>
+                                        <p:tgtEl>
+                                          <p:spTgt spid="5"/>
+                                        </p:tgtEl>
+                                        <p:attrNameLst>
+                                          <p:attrName>style.visibility</p:attrName>
+                                        </p:attrNameLst>
+                                      </p:cBhvr>
+                                      <p:to>
+                                        <p:strVal val="visible"/>
+                                      </p:to>
+                                    </p:set>
+                                  </p:childTnLst>
+                                </p:cTn>
+                              </p:par>
+                              <p:par>
+                                <p:cTn id="15" presetID="1" presetClass="exit" presetSubtype="0" fill="hold" nodeType="withEffect">
+                                  <p:stCondLst>
+                                    <p:cond delay="0"/>
+                                  </p:stCondLst>
+                                  <p:childTnLst>
+                                    <p:set>
+                                      <p:cBhvr>
+                                        <p:cTn id="16" dur="1" fill="hold">
+                                          <p:stCondLst>
+                                            <p:cond delay="0"/>
+                                          </p:stCondLst>
+                                        </p:cTn>
+                                        <p:tgtEl>
+                                          <p:spTgt spid="4"/>
+                                        </p:tgtEl>
+                                        <p:attrNameLst>
+                                          <p:attrName>style.visibility</p:attrName>
+                                        </p:attrNameLst>
+                                      </p:cBhvr>
+                                      <p:to>
+                                        <p:strVal val="hidden"/>
+                                      </p:to>
+                                    </p:set>
+                                  </p:childTnLst>
+                                </p:cTn>
+                              </p:par>
+                            </p:childTnLst>
+                          </p:cTn>
+                        </p:par>
+                      </p:childTnLst>
+                    </p:cTn>
+                  </p:par>
+                  <p:par>
+                    <p:cTn id="17" fill="hold">
+                      <p:stCondLst>
+                        <p:cond delay="indefinite"/>
+                      </p:stCondLst>
+                      <p:childTnLst>
+                        <p:par>
+                          <p:cTn id="18" fill="hold">
+                            <p:stCondLst>
+                              <p:cond delay="0"/>
+                            </p:stCondLst>
+                            <p:childTnLst>
+                              <p:par>
+                                <p:cTn id="19" presetID="1" presetClass="exit" presetSubtype="0" fill="hold" nodeType="clickEffect">
+                                  <p:stCondLst>
+                                    <p:cond delay="0"/>
+                                  </p:stCondLst>
+                                  <p:childTnLst>
+                                    <p:set>
+                                      <p:cBhvr>
+                                        <p:cTn id="20" dur="1" fill="hold">
+                                          <p:stCondLst>
+                                            <p:cond delay="0"/>
+                                          </p:stCondLst>
+                                        </p:cTn>
+                                        <p:tgtEl>
+                                          <p:spTgt spid="5"/>
+                                        </p:tgtEl>
+                                        <p:attrNameLst>
+                                          <p:attrName>style.visibility</p:attrName>
+                                        </p:attrNameLst>
+                                      </p:cBhvr>
+                                      <p:to>
+                                        <p:strVal val="hidden"/>
+                                      </p:to>
+                                    </p:set>
+                                  </p:childTnLst>
+                                </p:cTn>
+                              </p:par>
+                              <p:par>
+                                <p:cTn id="21" presetID="1" presetClass="entr" presetSubtype="0" fill="hold" nodeType="withEffect">
+                                  <p:stCondLst>
+                                    <p:cond delay="0"/>
+                                  </p:stCondLst>
+                                  <p:childTnLst>
+                                    <p:set>
+                                      <p:cBhvr>
+                                        <p:cTn id="22" dur="1" fill="hold">
+                                          <p:stCondLst>
+                                            <p:cond delay="0"/>
+                                          </p:stCondLst>
+                                        </p:cTn>
+                                        <p:tgtEl>
+                                          <p:spTgt spid="3">
+                                            <p:txEl>
+                                              <p:pRg st="2" end="2"/>
+                                            </p:txEl>
+                                          </p:spTgt>
+                                        </p:tgtEl>
+                                        <p:attrNameLst>
+                                          <p:attrName>style.visibility</p:attrName>
+                                        </p:attrNameLst>
+                                      </p:cBhvr>
+                                      <p:to>
+                                        <p:strVal val="visible"/>
+                                      </p:to>
+                                    </p:set>
+                                  </p:childTnLst>
+                                </p:cTn>
+                              </p:par>
+                              <p:par>
+                                <p:cTn id="23" presetID="1" presetClass="entr" presetSubtype="0" fill="hold" nodeType="withEffect">
+                                  <p:stCondLst>
+                                    <p:cond delay="0"/>
+                                  </p:stCondLst>
+                                  <p:childTnLst>
+                                    <p:set>
+                                      <p:cBhvr>
+                                        <p:cTn id="24" dur="1" fill="hold">
+                                          <p:stCondLst>
+                                            <p:cond delay="0"/>
+                                          </p:stCondLst>
+                                        </p:cTn>
+                                        <p:tgtEl>
+                                          <p:spTgt spid="6"/>
+                                        </p:tgtEl>
+                                        <p:attrNameLst>
+                                          <p:attrName>style.visibility</p:attrName>
+                                        </p:attrNameLst>
+                                      </p:cBhvr>
+                                      <p:to>
+                                        <p:strVal val="visible"/>
+                                      </p:to>
+                                    </p:set>
+                                  </p:childTnLst>
+                                </p:cTn>
+                              </p:par>
+                              <p:par>
+                                <p:cTn id="25" presetID="1" presetClass="entr" presetSubtype="0" fill="hold" nodeType="withEffect">
+                                  <p:stCondLst>
+                                    <p:cond delay="0"/>
+                                  </p:stCondLst>
+                                  <p:childTnLst>
+                                    <p:set>
+                                      <p:cBhvr>
+                                        <p:cTn id="26" dur="1" fill="hold">
+                                          <p:stCondLst>
+                                            <p:cond delay="0"/>
+                                          </p:stCondLst>
+                                        </p:cTn>
+                                        <p:tgtEl>
+                                          <p:spTgt spid="7"/>
+                                        </p:tgtEl>
+                                        <p:attrNameLst>
+                                          <p:attrName>style.visibility</p:attrName>
+                                        </p:attrNameLst>
+                                      </p:cBhvr>
+                                      <p:to>
+                                        <p:strVal val="visible"/>
+                                      </p:to>
+                                    </p:set>
+                                  </p:childTnLst>
+                                </p:cTn>
+                              </p:par>
+                              <p:par>
+                                <p:cTn id="27" presetID="1" presetClass="entr" presetSubtype="0" fill="hold" nodeType="withEffect">
+                                  <p:stCondLst>
+                                    <p:cond delay="0"/>
+                                  </p:stCondLst>
+                                  <p:childTnLst>
+                                    <p:set>
+                                      <p:cBhvr>
+                                        <p:cTn id="28" dur="1" fill="hold">
+                                          <p:stCondLst>
+                                            <p:cond delay="0"/>
+                                          </p:stCondLst>
+                                        </p:cTn>
+                                        <p:tgtEl>
+                                          <p:spTgt spid="8"/>
+                                        </p:tgtEl>
+                                        <p:attrNameLst>
+                                          <p:attrName>style.visibility</p:attrName>
+                                        </p:attrNameLst>
+                                      </p:cBhvr>
+                                      <p:to>
+                                        <p:strVal val="visible"/>
+                                      </p:to>
+                                    </p:set>
+                                  </p:childTnLst>
+                                </p:cTn>
+                              </p:par>
+                            </p:childTnLst>
+                          </p:cTn>
+                        </p:par>
+                      </p:childTnLst>
+                    </p:cTn>
+                  </p:par>
+                </p:childTnLst>
+              </p:cTn>
+              <p:prevCondLst>
+                <p:cond evt="onPrev" delay="0">
+                  <p:tgtEl>
+                    <p:sldTgt/>
+                  </p:tgtEl>
+                </p:cond>
+              </p:prevCondLst>
+              <p:nextCondLst>
+                <p:cond evt="onNext" delay="0">
+                  <p:tgtEl>
+                    <p:sldTgt/>
+                  </p:tgtEl>
+                </p:cond>
+              </p:nextCondLst>
+            </p:seq>
+          </p:childTnLst>
+        </p:cTn>
       </p:par>
     </p:tnLst>
   </p:timing>
 </p:sld>
 </file>
 
-<file path=ppt/slides/slide10.xml><?xml version="1.0" encoding="utf-8"?>
+<file path=ppt/slides/slide12.xml><?xml version="1.0" encoding="utf-8"?>
+<p:sld xmlns:a="http://schemas.openxmlformats.org/drawingml/2006/main" xmlns:r="http://schemas.openxmlformats.org/officeDocument/2006/relationships" xmlns:p="http://schemas.openxmlformats.org/presentationml/2006/main">
+  <p:cSld>
+    <p:spTree>
+      <p:nvGrpSpPr>
+        <p:cNvPr id="1" name=""/>
+        <p:cNvGrpSpPr/>
+        <p:nvPr/>
+      </p:nvGrpSpPr>
+      <p:grpSpPr>
+        <a:xfrm>
+          <a:off x="0" y="0"/>
+          <a:ext cx="0" cy="0"/>
+          <a:chOff x="0" y="0"/>
+          <a:chExt cx="0" cy="0"/>
+        </a:xfrm>
+      </p:grpSpPr>
+      <p:sp>
+        <p:nvSpPr>
+          <p:cNvPr id="2" name="Title 1">
+            <a:extLst>
+              <a:ext uri="{FF2B5EF4-FFF2-40B4-BE49-F238E27FC236}">
+                <a16:creationId xmlns:a16="http://schemas.microsoft.com/office/drawing/2014/main" id="{18A8548F-1D37-4F1E-8691-FD6D58F17CF3}"/>
+              </a:ext>
+            </a:extLst>
+          </p:cNvPr>
+          <p:cNvSpPr>
+            <a:spLocks noGrp="1"/>
+          </p:cNvSpPr>
+          <p:nvPr>
+            <p:ph type="title"/>
+          </p:nvPr>
+        </p:nvSpPr>
+        <p:spPr/>
+        <p:txBody>
+          <a:bodyPr/>
+          <a:lstStyle/>
+          <a:p>
+            <a:r>
+              <a:rPr lang="en-US" dirty="0"/>
+              <a:t>IV/ Restriction and Problem</a:t>
+            </a:r>
+          </a:p>
+        </p:txBody>
+      </p:sp>
+      <p:sp>
+        <p:nvSpPr>
+          <p:cNvPr id="3" name="Content Placeholder 2">
+            <a:extLst>
+              <a:ext uri="{FF2B5EF4-FFF2-40B4-BE49-F238E27FC236}">
+                <a16:creationId xmlns:a16="http://schemas.microsoft.com/office/drawing/2014/main" id="{AFBFCB44-6128-4798-87D5-8B4B9012270F}"/>
+              </a:ext>
+            </a:extLst>
+          </p:cNvPr>
+          <p:cNvSpPr>
+            <a:spLocks noGrp="1"/>
+          </p:cNvSpPr>
+          <p:nvPr>
+            <p:ph idx="1"/>
+          </p:nvPr>
+        </p:nvSpPr>
+        <p:spPr/>
+        <p:txBody>
+          <a:bodyPr numCol="2">
+            <a:normAutofit/>
+          </a:bodyPr>
+          <a:lstStyle/>
+          <a:p>
+            <a:r>
+              <a:rPr lang="en-US" dirty="0"/>
+              <a:t>Problem</a:t>
+            </a:r>
+          </a:p>
+          <a:p>
+            <a:pPr marL="0" indent="0">
+              <a:buNone/>
+            </a:pPr>
+            <a:r>
+              <a:rPr lang="en-US" dirty="0"/>
+              <a:t>+ Can’t send data                              </a:t>
+            </a:r>
+          </a:p>
+          <a:p>
+            <a:pPr marL="0" indent="0">
+              <a:buNone/>
+            </a:pPr>
+            <a:r>
+              <a:rPr lang="en-US" dirty="0"/>
+              <a:t>+ First time at HTML, CSS, Android Studio.</a:t>
+            </a:r>
+          </a:p>
+          <a:p>
+            <a:pPr marL="0" indent="0">
+              <a:buNone/>
+            </a:pPr>
+            <a:r>
+              <a:rPr lang="en-US" dirty="0"/>
+              <a:t>+ </a:t>
+            </a:r>
+          </a:p>
+          <a:p>
+            <a:pPr marL="0" indent="0">
+              <a:buNone/>
+            </a:pPr>
+            <a:r>
+              <a:rPr lang="en-US" dirty="0"/>
+              <a:t>+ </a:t>
+            </a:r>
+          </a:p>
+          <a:p>
+            <a:pPr marL="0" indent="0">
+              <a:buNone/>
+            </a:pPr>
+            <a:r>
+              <a:rPr lang="en-US" dirty="0"/>
+              <a:t>+ </a:t>
+            </a:r>
+          </a:p>
+          <a:p>
+            <a:pPr marL="0" indent="0">
+              <a:buNone/>
+            </a:pPr>
+            <a:r>
+              <a:rPr lang="en-US" dirty="0"/>
+              <a:t>+ </a:t>
+            </a:r>
+          </a:p>
+          <a:p>
+            <a:pPr marL="0" indent="0">
+              <a:buNone/>
+            </a:pPr>
+            <a:r>
+              <a:rPr lang="en-US" dirty="0"/>
+              <a:t>+ </a:t>
+            </a:r>
+          </a:p>
+          <a:p>
+            <a:r>
+              <a:rPr lang="en-US" dirty="0"/>
+              <a:t>Restriction</a:t>
+            </a:r>
+          </a:p>
+          <a:p>
+            <a:pPr marL="0" indent="0">
+              <a:buNone/>
+            </a:pPr>
+            <a:r>
+              <a:rPr lang="en-US" dirty="0"/>
+              <a:t>+ Local web </a:t>
+            </a:r>
+          </a:p>
+          <a:p>
+            <a:pPr marL="0" indent="0">
+              <a:buNone/>
+            </a:pPr>
+            <a:r>
+              <a:rPr lang="en-US" dirty="0"/>
+              <a:t>+ </a:t>
+            </a:r>
+          </a:p>
+          <a:p>
+            <a:pPr marL="0" indent="0">
+              <a:buNone/>
+            </a:pPr>
+            <a:r>
+              <a:rPr lang="en-US" dirty="0"/>
+              <a:t>+ </a:t>
+            </a:r>
+          </a:p>
+          <a:p>
+            <a:pPr marL="0" indent="0">
+              <a:buNone/>
+            </a:pPr>
+            <a:r>
+              <a:rPr lang="en-US" dirty="0"/>
+              <a:t>+ </a:t>
+            </a:r>
+          </a:p>
+          <a:p>
+            <a:pPr marL="0" indent="0">
+              <a:buNone/>
+            </a:pPr>
+            <a:r>
+              <a:rPr lang="en-US" dirty="0"/>
+              <a:t>+ </a:t>
+            </a:r>
+          </a:p>
+          <a:p>
+            <a:pPr marL="0" indent="0">
+              <a:buNone/>
+            </a:pPr>
+            <a:r>
+              <a:rPr lang="en-US" dirty="0"/>
+              <a:t>+ </a:t>
+            </a:r>
+          </a:p>
+          <a:p>
+            <a:pPr marL="0" indent="0">
+              <a:buNone/>
+            </a:pPr>
+            <a:r>
+              <a:rPr lang="en-US" dirty="0"/>
+              <a:t>+ </a:t>
+            </a:r>
+          </a:p>
+        </p:txBody>
+      </p:sp>
+    </p:spTree>
+    <p:extLst>
+      <p:ext uri="{BB962C8B-B14F-4D97-AF65-F5344CB8AC3E}">
+        <p14:creationId xmlns:p14="http://schemas.microsoft.com/office/powerpoint/2010/main" val="1366092590"/>
+      </p:ext>
+    </p:extLst>
+  </p:cSld>
+  <p:clrMapOvr>
+    <a:masterClrMapping/>
+  </p:clrMapOvr>
+</p:sld>
+</file>
+
+<file path=ppt/slides/slide13.xml><?xml version="1.0" encoding="utf-8"?>
 <p:sld xmlns:a="http://schemas.openxmlformats.org/drawingml/2006/main" xmlns:r="http://schemas.openxmlformats.org/officeDocument/2006/relationships" xmlns:p="http://schemas.openxmlformats.org/presentationml/2006/main">
   <p:cSld>
     <p:spTree>
@@ -3494,7 +7945,10 @@
           <a:bodyPr/>
           <a:lstStyle/>
           <a:p>
-            <a:endParaRPr lang="en-US"/>
+            <a:r>
+              <a:rPr lang="en-US" dirty="0"/>
+              <a:t>V/ References</a:t>
+            </a:r>
           </a:p>
         </p:txBody>
       </p:sp>
@@ -3519,7 +7973,202 @@
           <a:bodyPr/>
           <a:lstStyle/>
           <a:p>
-            <a:endParaRPr lang="en-US"/>
+            <a:r>
+              <a:rPr lang="en-US" dirty="0"/>
+              <a:t>Stack Overflow: </a:t>
+            </a:r>
+            <a:r>
+              <a:rPr lang="en-US" dirty="0">
+                <a:hlinkClick r:id="rId2"/>
+              </a:rPr>
+              <a:t>https://</a:t>
+            </a:r>
+            <a:r>
+              <a:rPr lang="en-US" dirty="0" err="1">
+                <a:hlinkClick r:id="rId2"/>
+              </a:rPr>
+              <a:t>stackoverflow.com</a:t>
+            </a:r>
+            <a:r>
+              <a:rPr lang="en-US" dirty="0">
+                <a:hlinkClick r:id="rId2"/>
+              </a:rPr>
+              <a:t>/</a:t>
+            </a:r>
+            <a:endParaRPr lang="en-US" dirty="0"/>
+          </a:p>
+          <a:p>
+            <a:r>
+              <a:rPr lang="en-US" dirty="0"/>
+              <a:t>Wikimedia: </a:t>
+            </a:r>
+            <a:r>
+              <a:rPr lang="en-US" dirty="0">
+                <a:hlinkClick r:id="rId3"/>
+              </a:rPr>
+              <a:t>https://</a:t>
+            </a:r>
+            <a:r>
+              <a:rPr lang="en-US" dirty="0" err="1">
+                <a:hlinkClick r:id="rId3"/>
+              </a:rPr>
+              <a:t>en.wikipedia.org</a:t>
+            </a:r>
+            <a:r>
+              <a:rPr lang="en-US" dirty="0">
+                <a:hlinkClick r:id="rId3"/>
+              </a:rPr>
+              <a:t>/wiki/</a:t>
+            </a:r>
+            <a:r>
+              <a:rPr lang="en-US" dirty="0" err="1">
+                <a:hlinkClick r:id="rId3"/>
+              </a:rPr>
+              <a:t>Global_Positioning_System</a:t>
+            </a:r>
+            <a:endParaRPr lang="en-US" dirty="0"/>
+          </a:p>
+          <a:p>
+            <a:r>
+              <a:rPr lang="en-US" dirty="0" err="1"/>
+              <a:t>W3School</a:t>
+            </a:r>
+            <a:r>
+              <a:rPr lang="en-US" dirty="0"/>
+              <a:t>: </a:t>
+            </a:r>
+            <a:r>
+              <a:rPr lang="en-US" dirty="0">
+                <a:hlinkClick r:id="rId4"/>
+              </a:rPr>
+              <a:t>https://</a:t>
+            </a:r>
+            <a:r>
+              <a:rPr lang="en-US" dirty="0" err="1">
+                <a:hlinkClick r:id="rId4"/>
+              </a:rPr>
+              <a:t>www.w3schools.com</a:t>
+            </a:r>
+            <a:r>
+              <a:rPr lang="en-US" dirty="0">
+                <a:hlinkClick r:id="rId4"/>
+              </a:rPr>
+              <a:t>/</a:t>
+            </a:r>
+            <a:endParaRPr lang="en-US" dirty="0"/>
+          </a:p>
+          <a:p>
+            <a:r>
+              <a:rPr lang="en-US" dirty="0"/>
+              <a:t>Android Studio: </a:t>
+            </a:r>
+            <a:r>
+              <a:rPr lang="en-US" dirty="0">
+                <a:hlinkClick r:id="rId5"/>
+              </a:rPr>
+              <a:t>https://</a:t>
+            </a:r>
+            <a:r>
+              <a:rPr lang="en-US" dirty="0" err="1">
+                <a:hlinkClick r:id="rId5"/>
+              </a:rPr>
+              <a:t>developer.android.com</a:t>
+            </a:r>
+            <a:r>
+              <a:rPr lang="en-US" dirty="0">
+                <a:hlinkClick r:id="rId5"/>
+              </a:rPr>
+              <a:t>/docs</a:t>
+            </a:r>
+            <a:endParaRPr lang="en-US" dirty="0"/>
+          </a:p>
+          <a:p>
+            <a:r>
+              <a:rPr lang="en-US" dirty="0" err="1"/>
+              <a:t>Devside</a:t>
+            </a:r>
+            <a:r>
+              <a:rPr lang="en-US" dirty="0"/>
+              <a:t>: </a:t>
+            </a:r>
+            <a:r>
+              <a:rPr lang="en-US" dirty="0">
+                <a:hlinkClick r:id="rId6"/>
+              </a:rPr>
+              <a:t>https://</a:t>
+            </a:r>
+            <a:r>
+              <a:rPr lang="en-US" dirty="0" err="1">
+                <a:hlinkClick r:id="rId6"/>
+              </a:rPr>
+              <a:t>www.devside.net</a:t>
+            </a:r>
+            <a:r>
+              <a:rPr lang="en-US" dirty="0">
+                <a:hlinkClick r:id="rId6"/>
+              </a:rPr>
+              <a:t>/</a:t>
+            </a:r>
+            <a:r>
+              <a:rPr lang="en-US" dirty="0" err="1">
+                <a:hlinkClick r:id="rId6"/>
+              </a:rPr>
+              <a:t>wamp</a:t>
+            </a:r>
+            <a:r>
+              <a:rPr lang="en-US" dirty="0">
+                <a:hlinkClick r:id="rId6"/>
+              </a:rPr>
+              <a:t>-server/accessing-websites-on-a-local-network-</a:t>
+            </a:r>
+            <a:r>
+              <a:rPr lang="en-US" dirty="0" err="1">
+                <a:hlinkClick r:id="rId6"/>
+              </a:rPr>
+              <a:t>lan</a:t>
+            </a:r>
+            <a:r>
+              <a:rPr lang="en-US" dirty="0">
+                <a:hlinkClick r:id="rId6"/>
+              </a:rPr>
+              <a:t>-web-server</a:t>
+            </a:r>
+            <a:endParaRPr lang="en-US" dirty="0"/>
+          </a:p>
+          <a:p>
+            <a:r>
+              <a:rPr lang="en-US" dirty="0" err="1"/>
+              <a:t>Github</a:t>
+            </a:r>
+            <a:r>
+              <a:rPr lang="en-US" dirty="0"/>
+              <a:t>: </a:t>
+            </a:r>
+            <a:r>
+              <a:rPr lang="en-US" dirty="0">
+                <a:hlinkClick r:id="rId7"/>
+              </a:rPr>
+              <a:t>https://</a:t>
+            </a:r>
+            <a:r>
+              <a:rPr lang="en-US" dirty="0" err="1">
+                <a:hlinkClick r:id="rId7"/>
+              </a:rPr>
+              <a:t>github.com</a:t>
+            </a:r>
+            <a:r>
+              <a:rPr lang="en-US" dirty="0">
+                <a:hlinkClick r:id="rId7"/>
+              </a:rPr>
+              <a:t>/</a:t>
+            </a:r>
+            <a:endParaRPr lang="en-US" dirty="0"/>
+          </a:p>
+          <a:p>
+            <a:endParaRPr lang="en-US" dirty="0"/>
+          </a:p>
+          <a:p>
+            <a:endParaRPr lang="en-US" dirty="0"/>
           </a:p>
         </p:txBody>
       </p:sp>
@@ -3536,7 +8185,7 @@
 </p:sld>
 </file>
 
-<file path=ppt/slides/slide11.xml><?xml version="1.0" encoding="utf-8"?>
+<file path=ppt/slides/slide14.xml><?xml version="1.0" encoding="utf-8"?>
 <p:sld xmlns:a="http://schemas.openxmlformats.org/drawingml/2006/main" xmlns:r="http://schemas.openxmlformats.org/officeDocument/2006/relationships" xmlns:p="http://schemas.openxmlformats.org/presentationml/2006/main">
   <p:cSld>
     <p:spTree>
@@ -3574,7 +8223,7 @@
           <a:bodyPr/>
           <a:lstStyle/>
           <a:p>
-            <a:endParaRPr lang="en-US"/>
+            <a:endParaRPr lang="en-US" dirty="0"/>
           </a:p>
         </p:txBody>
       </p:sp>
@@ -3603,10 +8252,184 @@
           </a:p>
         </p:txBody>
       </p:sp>
+      <p:pic>
+        <p:nvPicPr>
+          <p:cNvPr id="1026" name="Picture 2" descr="Káº¿t quáº£ hÃ¬nh áº£nh cho Question and answer">
+            <a:extLst>
+              <a:ext uri="{FF2B5EF4-FFF2-40B4-BE49-F238E27FC236}">
+                <a16:creationId xmlns:a16="http://schemas.microsoft.com/office/drawing/2014/main" id="{C580AC58-4995-474D-9A60-55F2AD0E3417}"/>
+              </a:ext>
+            </a:extLst>
+          </p:cNvPr>
+          <p:cNvPicPr>
+            <a:picLocks noChangeAspect="1" noChangeArrowheads="1"/>
+          </p:cNvPicPr>
+          <p:nvPr/>
+        </p:nvPicPr>
+        <p:blipFill>
+          <a:blip r:embed="rId2">
+            <a:extLst>
+              <a:ext uri="{28A0092B-C50C-407E-A947-70E740481C1C}">
+                <a14:useLocalDpi xmlns:a14="http://schemas.microsoft.com/office/drawing/2010/main" val="0"/>
+              </a:ext>
+            </a:extLst>
+          </a:blip>
+          <a:srcRect/>
+          <a:stretch>
+            <a:fillRect/>
+          </a:stretch>
+        </p:blipFill>
+        <p:spPr bwMode="auto">
+          <a:xfrm>
+            <a:off x="1233694" y="503227"/>
+            <a:ext cx="9262027" cy="5387364"/>
+          </a:xfrm>
+          <a:prstGeom prst="rect">
+            <a:avLst/>
+          </a:prstGeom>
+          <a:noFill/>
+          <a:extLst>
+            <a:ext uri="{909E8E84-426E-40DD-AFC4-6F175D3DCCD1}">
+              <a14:hiddenFill xmlns:a14="http://schemas.microsoft.com/office/drawing/2010/main">
+                <a:solidFill>
+                  <a:srgbClr val="FFFFFF"/>
+                </a:solidFill>
+              </a14:hiddenFill>
+            </a:ext>
+          </a:extLst>
+        </p:spPr>
+      </p:pic>
     </p:spTree>
     <p:extLst>
       <p:ext uri="{BB962C8B-B14F-4D97-AF65-F5344CB8AC3E}">
         <p14:creationId xmlns:p14="http://schemas.microsoft.com/office/powerpoint/2010/main" val="3682416576"/>
+      </p:ext>
+    </p:extLst>
+  </p:cSld>
+  <p:clrMapOvr>
+    <a:masterClrMapping/>
+  </p:clrMapOvr>
+</p:sld>
+</file>
+
+<file path=ppt/slides/slide15.xml><?xml version="1.0" encoding="utf-8"?>
+<p:sld xmlns:a="http://schemas.openxmlformats.org/drawingml/2006/main" xmlns:r="http://schemas.openxmlformats.org/officeDocument/2006/relationships" xmlns:p="http://schemas.openxmlformats.org/presentationml/2006/main">
+  <p:cSld>
+    <p:spTree>
+      <p:nvGrpSpPr>
+        <p:cNvPr id="1" name=""/>
+        <p:cNvGrpSpPr/>
+        <p:nvPr/>
+      </p:nvGrpSpPr>
+      <p:grpSpPr>
+        <a:xfrm>
+          <a:off x="0" y="0"/>
+          <a:ext cx="0" cy="0"/>
+          <a:chOff x="0" y="0"/>
+          <a:chExt cx="0" cy="0"/>
+        </a:xfrm>
+      </p:grpSpPr>
+      <p:sp>
+        <p:nvSpPr>
+          <p:cNvPr id="2" name="Title 1">
+            <a:extLst>
+              <a:ext uri="{FF2B5EF4-FFF2-40B4-BE49-F238E27FC236}">
+                <a16:creationId xmlns:a16="http://schemas.microsoft.com/office/drawing/2014/main" id="{F60FC6C1-EAC2-4C8B-9757-0F6EF4B2DB0E}"/>
+              </a:ext>
+            </a:extLst>
+          </p:cNvPr>
+          <p:cNvSpPr>
+            <a:spLocks noGrp="1"/>
+          </p:cNvSpPr>
+          <p:nvPr>
+            <p:ph type="title"/>
+          </p:nvPr>
+        </p:nvSpPr>
+        <p:spPr/>
+        <p:txBody>
+          <a:bodyPr/>
+          <a:lstStyle/>
+          <a:p>
+            <a:endParaRPr lang="en-US"/>
+          </a:p>
+        </p:txBody>
+      </p:sp>
+      <p:sp>
+        <p:nvSpPr>
+          <p:cNvPr id="3" name="Content Placeholder 2">
+            <a:extLst>
+              <a:ext uri="{FF2B5EF4-FFF2-40B4-BE49-F238E27FC236}">
+                <a16:creationId xmlns:a16="http://schemas.microsoft.com/office/drawing/2014/main" id="{7CC4DAA2-7F09-42EE-BF42-8C19ABBD222A}"/>
+              </a:ext>
+            </a:extLst>
+          </p:cNvPr>
+          <p:cNvSpPr>
+            <a:spLocks noGrp="1"/>
+          </p:cNvSpPr>
+          <p:nvPr>
+            <p:ph idx="1"/>
+          </p:nvPr>
+        </p:nvSpPr>
+        <p:spPr/>
+        <p:txBody>
+          <a:bodyPr/>
+          <a:lstStyle/>
+          <a:p>
+            <a:endParaRPr lang="en-US"/>
+          </a:p>
+        </p:txBody>
+      </p:sp>
+      <p:pic>
+        <p:nvPicPr>
+          <p:cNvPr id="2050" name="Picture 2" descr="Káº¿t quáº£ hÃ¬nh áº£nh cho Thank you">
+            <a:extLst>
+              <a:ext uri="{FF2B5EF4-FFF2-40B4-BE49-F238E27FC236}">
+                <a16:creationId xmlns:a16="http://schemas.microsoft.com/office/drawing/2014/main" id="{F4E10B4C-349C-4A19-BDCC-5DE97C255F68}"/>
+              </a:ext>
+            </a:extLst>
+          </p:cNvPr>
+          <p:cNvPicPr>
+            <a:picLocks noChangeAspect="1" noChangeArrowheads="1"/>
+          </p:cNvPicPr>
+          <p:nvPr/>
+        </p:nvPicPr>
+        <p:blipFill>
+          <a:blip r:embed="rId2">
+            <a:extLst>
+              <a:ext uri="{28A0092B-C50C-407E-A947-70E740481C1C}">
+                <a14:useLocalDpi xmlns:a14="http://schemas.microsoft.com/office/drawing/2010/main" val="0"/>
+              </a:ext>
+            </a:extLst>
+          </a:blip>
+          <a:srcRect/>
+          <a:stretch>
+            <a:fillRect/>
+          </a:stretch>
+        </p:blipFill>
+        <p:spPr bwMode="auto">
+          <a:xfrm>
+            <a:off x="838200" y="-13252"/>
+            <a:ext cx="10810323" cy="7204658"/>
+          </a:xfrm>
+          <a:prstGeom prst="rect">
+            <a:avLst/>
+          </a:prstGeom>
+          <a:noFill/>
+          <a:extLst>
+            <a:ext uri="{909E8E84-426E-40DD-AFC4-6F175D3DCCD1}">
+              <a14:hiddenFill xmlns:a14="http://schemas.microsoft.com/office/drawing/2010/main">
+                <a:solidFill>
+                  <a:srgbClr val="FFFFFF"/>
+                </a:solidFill>
+              </a14:hiddenFill>
+            </a:ext>
+          </a:extLst>
+        </p:spPr>
+      </p:pic>
+    </p:spTree>
+    <p:extLst>
+      <p:ext uri="{BB962C8B-B14F-4D97-AF65-F5344CB8AC3E}">
+        <p14:creationId xmlns:p14="http://schemas.microsoft.com/office/powerpoint/2010/main" val="3331880871"/>
       </p:ext>
     </p:extLst>
   </p:cSld>
@@ -3750,13 +8573,6 @@
   <p:clrMapOvr>
     <a:masterClrMapping/>
   </p:clrMapOvr>
-  <p:timing>
-    <p:tnLst>
-      <p:par>
-        <p:cTn id="1" dur="indefinite" restart="never" nodeType="tmRoot"/>
-      </p:par>
-    </p:tnLst>
-  </p:timing>
 </p:sld>
 </file>
 
@@ -3835,7 +8651,7 @@
               <a:buAutoNum type="arabicPeriod"/>
             </a:pPr>
             <a:r>
-              <a:rPr lang="en-US" dirty="0" smtClean="0"/>
+              <a:rPr lang="en-US" dirty="0"/>
               <a:t>What is GPS?</a:t>
             </a:r>
           </a:p>
@@ -3845,7 +8661,7 @@
               <a:buAutoNum type="arabicPeriod"/>
             </a:pPr>
             <a:r>
-              <a:rPr lang="en-US" dirty="0" smtClean="0"/>
+              <a:rPr lang="en-US" dirty="0"/>
               <a:t>How to get GPS?</a:t>
             </a:r>
           </a:p>
@@ -3855,10 +8671,9 @@
               <a:buAutoNum type="arabicPeriod"/>
             </a:pPr>
             <a:r>
-              <a:rPr lang="en-US" dirty="0" smtClean="0"/>
+              <a:rPr lang="en-US" dirty="0"/>
               <a:t>Detect position</a:t>
             </a:r>
-            <a:endParaRPr lang="en-US" dirty="0"/>
           </a:p>
         </p:txBody>
       </p:sp>
@@ -3872,13 +8687,6 @@
   <p:clrMapOvr>
     <a:masterClrMapping/>
   </p:clrMapOvr>
-  <p:timing>
-    <p:tnLst>
-      <p:par>
-        <p:cTn id="1" dur="indefinite" restart="never" nodeType="tmRoot"/>
-      </p:par>
-    </p:tnLst>
-  </p:timing>
 </p:sld>
 </file>
 
@@ -3915,10 +8723,9 @@
           <a:lstStyle/>
           <a:p>
             <a:r>
-              <a:rPr lang="en-US" dirty="0" smtClean="0"/>
+              <a:rPr lang="en-US" dirty="0"/>
               <a:t>1/ What is GPS?</a:t>
             </a:r>
-            <a:endParaRPr lang="en-US" dirty="0"/>
           </a:p>
         </p:txBody>
       </p:sp>
@@ -3940,48 +8747,24 @@
           <a:lstStyle/>
           <a:p>
             <a:r>
-              <a:rPr lang="en-US" sz="2000" dirty="0"/>
+              <a:rPr lang="en-US" sz="2500" dirty="0"/>
               <a:t>The Global Positioning System (GPS), originally </a:t>
             </a:r>
             <a:r>
-              <a:rPr lang="en-US" sz="2000" dirty="0" err="1"/>
+              <a:rPr lang="en-US" sz="2500" dirty="0" err="1"/>
               <a:t>Navstar</a:t>
             </a:r>
             <a:r>
-              <a:rPr lang="en-US" sz="2000" dirty="0"/>
-              <a:t> GPS</a:t>
-            </a:r>
-            <a:r>
-              <a:rPr lang="en-US" sz="2000" dirty="0" smtClean="0"/>
-              <a:t>, </a:t>
-            </a:r>
-            <a:r>
-              <a:rPr lang="en-US" sz="2000" dirty="0"/>
-              <a:t>is a satellite-based </a:t>
-            </a:r>
-            <a:r>
-              <a:rPr lang="en-US" sz="2000" dirty="0" err="1"/>
+              <a:rPr lang="en-US" sz="2500" dirty="0"/>
+              <a:t> GPS, is a satellite-based </a:t>
+            </a:r>
+            <a:r>
+              <a:rPr lang="en-US" sz="2500" dirty="0" err="1"/>
               <a:t>radionavigation</a:t>
             </a:r>
             <a:r>
-              <a:rPr lang="en-US" sz="2000" dirty="0"/>
-              <a:t> system owned by the United States government and operated by the United States Air Force</a:t>
-            </a:r>
-            <a:r>
-              <a:rPr lang="en-US" sz="2000" dirty="0" smtClean="0"/>
-              <a:t>. </a:t>
-            </a:r>
-            <a:r>
-              <a:rPr lang="en-US" sz="2000" dirty="0"/>
-              <a:t>It is a global navigation satellite system that provides geolocation and time information to a GPS receiver anywhere on or near the Earth where there is an unobstructed line of sight to four or more GPS satellites</a:t>
-            </a:r>
-            <a:r>
-              <a:rPr lang="en-US" sz="2000" dirty="0" smtClean="0"/>
-              <a:t>. </a:t>
-            </a:r>
-            <a:r>
-              <a:rPr lang="en-US" sz="2000" dirty="0"/>
-              <a:t>Obstacles such as mountains and buildings block the relatively weak GPS signals.</a:t>
+              <a:rPr lang="en-US" sz="2500" dirty="0"/>
+              <a:t> system owned by the United States government and operated by the United States Air Force. It is a global navigation satellite system that provides geolocation and time information to a GPS receiver anywhere on or near the Earth where there is an unobstructed line of sight to four or more GPS satellites. Obstacles such as mountains and buildings block the relatively weak GPS signals.</a:t>
             </a:r>
           </a:p>
         </p:txBody>
@@ -3996,13 +8779,6 @@
   <p:clrMapOvr>
     <a:masterClrMapping/>
   </p:clrMapOvr>
-  <p:timing>
-    <p:tnLst>
-      <p:par>
-        <p:cTn id="1" dur="indefinite" restart="never" nodeType="tmRoot"/>
-      </p:par>
-    </p:tnLst>
-  </p:timing>
 </p:sld>
 </file>
 
@@ -4035,7 +8811,7 @@
         </p:nvSpPr>
         <p:spPr>
           <a:xfrm>
-            <a:off x="702418" y="510989"/>
+            <a:off x="838200" y="543144"/>
             <a:ext cx="10515600" cy="5908022"/>
           </a:xfrm>
         </p:spPr>
@@ -4044,36 +8820,39 @@
           <a:lstStyle/>
           <a:p>
             <a:r>
-              <a:rPr lang="en-US" sz="2000" dirty="0" smtClean="0"/>
+              <a:rPr lang="en-US" sz="2000" dirty="0"/>
               <a:t>American Government.</a:t>
             </a:r>
           </a:p>
           <a:p>
             <a:r>
-              <a:rPr lang="en-US" sz="2000" dirty="0" smtClean="0"/>
+              <a:rPr lang="en-US" sz="2000" dirty="0"/>
               <a:t>30 satellites, 27 work, 3 back-up.</a:t>
             </a:r>
           </a:p>
           <a:p>
             <a:r>
-              <a:rPr lang="en-US" sz="2000" dirty="0" smtClean="0"/>
+              <a:rPr lang="en-US" sz="2000" dirty="0"/>
               <a:t>20200 km, 7000 miles/h.</a:t>
             </a:r>
           </a:p>
           <a:p>
             <a:r>
-              <a:rPr lang="en-US" sz="2000" dirty="0" smtClean="0"/>
+              <a:rPr lang="en-US" sz="2000" dirty="0"/>
               <a:t>3 for longitude and latitude, 4 for height.</a:t>
             </a:r>
           </a:p>
           <a:p>
             <a:r>
-              <a:rPr lang="en-US" sz="2000" dirty="0" smtClean="0"/>
+              <a:rPr lang="en-US" sz="2000" dirty="0"/>
               <a:t>6 controller station, 1 center and 4 automatic, 1 back-up.</a:t>
             </a:r>
           </a:p>
           <a:p>
-            <a:endParaRPr lang="en-US" sz="2000" dirty="0" smtClean="0"/>
+            <a:endParaRPr lang="en-US" sz="2000" dirty="0"/>
+          </a:p>
+          <a:p>
+            <a:endParaRPr lang="en-US" sz="2000" dirty="0"/>
           </a:p>
           <a:p>
             <a:endParaRPr lang="en-US" dirty="0"/>
@@ -4144,7 +8923,7 @@
         </p:blipFill>
         <p:spPr bwMode="auto">
           <a:xfrm>
-            <a:off x="7963540" y="2904289"/>
+            <a:off x="8057960" y="2780660"/>
             <a:ext cx="3555815" cy="2370543"/>
           </a:xfrm>
           <a:prstGeom prst="rect">
@@ -4267,7 +9046,7 @@
         </p:blipFill>
         <p:spPr bwMode="auto">
           <a:xfrm>
-            <a:off x="4008344" y="3189535"/>
+            <a:off x="3998068" y="3019205"/>
             <a:ext cx="3718264" cy="1893454"/>
           </a:xfrm>
           <a:prstGeom prst="rect">
@@ -4295,17 +9074,682 @@
   <p:clrMapOvr>
     <a:masterClrMapping/>
   </p:clrMapOvr>
+</p:sld>
+</file>
+
+<file path=ppt/slides/slide6.xml><?xml version="1.0" encoding="utf-8"?>
+<p:sld xmlns:a="http://schemas.openxmlformats.org/drawingml/2006/main" xmlns:r="http://schemas.openxmlformats.org/officeDocument/2006/relationships" xmlns:p="http://schemas.openxmlformats.org/presentationml/2006/main">
+  <p:cSld>
+    <p:spTree>
+      <p:nvGrpSpPr>
+        <p:cNvPr id="1" name=""/>
+        <p:cNvGrpSpPr/>
+        <p:nvPr/>
+      </p:nvGrpSpPr>
+      <p:grpSpPr>
+        <a:xfrm>
+          <a:off x="0" y="0"/>
+          <a:ext cx="0" cy="0"/>
+          <a:chOff x="0" y="0"/>
+          <a:chExt cx="0" cy="0"/>
+        </a:xfrm>
+      </p:grpSpPr>
+      <p:sp>
+        <p:nvSpPr>
+          <p:cNvPr id="2" name="Title 1">
+            <a:extLst>
+              <a:ext uri="{FF2B5EF4-FFF2-40B4-BE49-F238E27FC236}">
+                <a16:creationId xmlns:a16="http://schemas.microsoft.com/office/drawing/2014/main" id="{2DF89140-E817-40C5-A182-07B668C2D22B}"/>
+              </a:ext>
+            </a:extLst>
+          </p:cNvPr>
+          <p:cNvSpPr>
+            <a:spLocks noGrp="1"/>
+          </p:cNvSpPr>
+          <p:nvPr>
+            <p:ph type="title"/>
+          </p:nvPr>
+        </p:nvSpPr>
+        <p:spPr/>
+        <p:txBody>
+          <a:bodyPr/>
+          <a:lstStyle/>
+          <a:p>
+            <a:r>
+              <a:rPr lang="en-US" dirty="0"/>
+              <a:t>2/ How to get GPS? </a:t>
+            </a:r>
+          </a:p>
+        </p:txBody>
+      </p:sp>
+      <p:sp>
+        <p:nvSpPr>
+          <p:cNvPr id="3" name="Content Placeholder 2">
+            <a:extLst>
+              <a:ext uri="{FF2B5EF4-FFF2-40B4-BE49-F238E27FC236}">
+                <a16:creationId xmlns:a16="http://schemas.microsoft.com/office/drawing/2014/main" id="{E88A71C6-2BFA-4018-9204-B61158A16292}"/>
+              </a:ext>
+            </a:extLst>
+          </p:cNvPr>
+          <p:cNvSpPr>
+            <a:spLocks noGrp="1"/>
+          </p:cNvSpPr>
+          <p:nvPr>
+            <p:ph idx="1"/>
+          </p:nvPr>
+        </p:nvSpPr>
+        <p:spPr>
+          <a:xfrm>
+            <a:off x="838200" y="1632089"/>
+            <a:ext cx="5257800" cy="4351338"/>
+          </a:xfrm>
+        </p:spPr>
+        <p:txBody>
+          <a:bodyPr>
+            <a:normAutofit/>
+          </a:bodyPr>
+          <a:lstStyle/>
+          <a:p>
+            <a:r>
+              <a:rPr lang="en-US" sz="2500" dirty="0"/>
+              <a:t>Build Android application to take the location.</a:t>
+            </a:r>
+          </a:p>
+          <a:p>
+            <a:r>
+              <a:rPr lang="en-US" sz="2500" dirty="0"/>
+              <a:t>Framework and library support.</a:t>
+            </a:r>
+          </a:p>
+          <a:p>
+            <a:r>
+              <a:rPr lang="en-US" sz="2500" dirty="0"/>
+              <a:t>Weak security.</a:t>
+            </a:r>
+          </a:p>
+          <a:p>
+            <a:endParaRPr lang="en-US" sz="2500" dirty="0"/>
+          </a:p>
+        </p:txBody>
+      </p:sp>
+      <p:pic>
+        <p:nvPicPr>
+          <p:cNvPr id="1026" name="Picture 2" descr="Káº¿t quáº£ hÃ¬nh áº£nh cho android phone">
+            <a:extLst>
+              <a:ext uri="{FF2B5EF4-FFF2-40B4-BE49-F238E27FC236}">
+                <a16:creationId xmlns:a16="http://schemas.microsoft.com/office/drawing/2014/main" id="{51C7DA1C-C399-4CAA-8D1A-64B7757E693F}"/>
+              </a:ext>
+            </a:extLst>
+          </p:cNvPr>
+          <p:cNvPicPr>
+            <a:picLocks noChangeAspect="1" noChangeArrowheads="1"/>
+          </p:cNvPicPr>
+          <p:nvPr/>
+        </p:nvPicPr>
+        <p:blipFill>
+          <a:blip r:embed="rId2">
+            <a:extLst>
+              <a:ext uri="{28A0092B-C50C-407E-A947-70E740481C1C}">
+                <a14:useLocalDpi xmlns:a14="http://schemas.microsoft.com/office/drawing/2010/main" val="0"/>
+              </a:ext>
+            </a:extLst>
+          </a:blip>
+          <a:srcRect/>
+          <a:stretch>
+            <a:fillRect/>
+          </a:stretch>
+        </p:blipFill>
+        <p:spPr bwMode="auto">
+          <a:xfrm>
+            <a:off x="6883963" y="1690688"/>
+            <a:ext cx="4469837" cy="2985711"/>
+          </a:xfrm>
+          <a:prstGeom prst="rect">
+            <a:avLst/>
+          </a:prstGeom>
+          <a:noFill/>
+          <a:extLst>
+            <a:ext uri="{909E8E84-426E-40DD-AFC4-6F175D3DCCD1}">
+              <a14:hiddenFill xmlns:a14="http://schemas.microsoft.com/office/drawing/2010/main">
+                <a:solidFill>
+                  <a:srgbClr val="FFFFFF"/>
+                </a:solidFill>
+              </a14:hiddenFill>
+            </a:ext>
+          </a:extLst>
+        </p:spPr>
+      </p:pic>
+      <p:pic>
+        <p:nvPicPr>
+          <p:cNvPr id="1028" name="Picture 4" descr="Káº¿t quáº£ hÃ¬nh áº£nh cho ios phone">
+            <a:extLst>
+              <a:ext uri="{FF2B5EF4-FFF2-40B4-BE49-F238E27FC236}">
+                <a16:creationId xmlns:a16="http://schemas.microsoft.com/office/drawing/2014/main" id="{2F963DF9-75D8-4826-87A6-EA3241835F4C}"/>
+              </a:ext>
+            </a:extLst>
+          </p:cNvPr>
+          <p:cNvPicPr>
+            <a:picLocks noChangeAspect="1" noChangeArrowheads="1"/>
+          </p:cNvPicPr>
+          <p:nvPr/>
+        </p:nvPicPr>
+        <p:blipFill>
+          <a:blip r:embed="rId3">
+            <a:extLst>
+              <a:ext uri="{28A0092B-C50C-407E-A947-70E740481C1C}">
+                <a14:useLocalDpi xmlns:a14="http://schemas.microsoft.com/office/drawing/2010/main" val="0"/>
+              </a:ext>
+            </a:extLst>
+          </a:blip>
+          <a:srcRect/>
+          <a:stretch>
+            <a:fillRect/>
+          </a:stretch>
+        </p:blipFill>
+        <p:spPr bwMode="auto">
+          <a:xfrm>
+            <a:off x="7300362" y="599788"/>
+            <a:ext cx="2956820" cy="4748500"/>
+          </a:xfrm>
+          <a:prstGeom prst="rect">
+            <a:avLst/>
+          </a:prstGeom>
+          <a:noFill/>
+          <a:extLst>
+            <a:ext uri="{909E8E84-426E-40DD-AFC4-6F175D3DCCD1}">
+              <a14:hiddenFill xmlns:a14="http://schemas.microsoft.com/office/drawing/2010/main">
+                <a:solidFill>
+                  <a:srgbClr val="FFFFFF"/>
+                </a:solidFill>
+              </a14:hiddenFill>
+            </a:ext>
+          </a:extLst>
+        </p:spPr>
+      </p:pic>
+    </p:spTree>
+    <p:extLst>
+      <p:ext uri="{BB962C8B-B14F-4D97-AF65-F5344CB8AC3E}">
+        <p14:creationId xmlns:p14="http://schemas.microsoft.com/office/powerpoint/2010/main" val="4066938424"/>
+      </p:ext>
+    </p:extLst>
+  </p:cSld>
+  <p:clrMapOvr>
+    <a:masterClrMapping/>
+  </p:clrMapOvr>
   <p:timing>
     <p:tnLst>
       <p:par>
-        <p:cTn id="1" dur="indefinite" restart="never" nodeType="tmRoot"/>
+        <p:cTn id="1" dur="indefinite" restart="never" nodeType="tmRoot">
+          <p:childTnLst>
+            <p:seq concurrent="1" nextAc="seek">
+              <p:cTn id="2" dur="indefinite" nodeType="mainSeq">
+                <p:childTnLst>
+                  <p:par>
+                    <p:cTn id="3" fill="hold">
+                      <p:stCondLst>
+                        <p:cond delay="indefinite"/>
+                      </p:stCondLst>
+                      <p:childTnLst>
+                        <p:par>
+                          <p:cTn id="4" fill="hold">
+                            <p:stCondLst>
+                              <p:cond delay="0"/>
+                            </p:stCondLst>
+                            <p:childTnLst>
+                              <p:par>
+                                <p:cTn id="5" presetID="1" presetClass="entr" presetSubtype="0" fill="hold" nodeType="clickEffect">
+                                  <p:stCondLst>
+                                    <p:cond delay="0"/>
+                                  </p:stCondLst>
+                                  <p:childTnLst>
+                                    <p:set>
+                                      <p:cBhvr>
+                                        <p:cTn id="6" dur="1" fill="hold">
+                                          <p:stCondLst>
+                                            <p:cond delay="0"/>
+                                          </p:stCondLst>
+                                        </p:cTn>
+                                        <p:tgtEl>
+                                          <p:spTgt spid="1028"/>
+                                        </p:tgtEl>
+                                        <p:attrNameLst>
+                                          <p:attrName>style.visibility</p:attrName>
+                                        </p:attrNameLst>
+                                      </p:cBhvr>
+                                      <p:to>
+                                        <p:strVal val="visible"/>
+                                      </p:to>
+                                    </p:set>
+                                  </p:childTnLst>
+                                </p:cTn>
+                              </p:par>
+                            </p:childTnLst>
+                          </p:cTn>
+                        </p:par>
+                      </p:childTnLst>
+                    </p:cTn>
+                  </p:par>
+                </p:childTnLst>
+              </p:cTn>
+              <p:prevCondLst>
+                <p:cond evt="onPrev" delay="0">
+                  <p:tgtEl>
+                    <p:sldTgt/>
+                  </p:tgtEl>
+                </p:cond>
+              </p:prevCondLst>
+              <p:nextCondLst>
+                <p:cond evt="onNext" delay="0">
+                  <p:tgtEl>
+                    <p:sldTgt/>
+                  </p:tgtEl>
+                </p:cond>
+              </p:nextCondLst>
+            </p:seq>
+          </p:childTnLst>
+        </p:cTn>
       </p:par>
     </p:tnLst>
   </p:timing>
 </p:sld>
 </file>
 
-<file path=ppt/slides/slide6.xml><?xml version="1.0" encoding="utf-8"?>
+<file path=ppt/slides/slide7.xml><?xml version="1.0" encoding="utf-8"?>
+<p:sld xmlns:a="http://schemas.openxmlformats.org/drawingml/2006/main" xmlns:r="http://schemas.openxmlformats.org/officeDocument/2006/relationships" xmlns:p="http://schemas.openxmlformats.org/presentationml/2006/main">
+  <p:cSld>
+    <p:spTree>
+      <p:nvGrpSpPr>
+        <p:cNvPr id="1" name=""/>
+        <p:cNvGrpSpPr/>
+        <p:nvPr/>
+      </p:nvGrpSpPr>
+      <p:grpSpPr>
+        <a:xfrm>
+          <a:off x="0" y="0"/>
+          <a:ext cx="0" cy="0"/>
+          <a:chOff x="0" y="0"/>
+          <a:chExt cx="0" cy="0"/>
+        </a:xfrm>
+      </p:grpSpPr>
+      <p:sp>
+        <p:nvSpPr>
+          <p:cNvPr id="2" name="Title 1">
+            <a:extLst>
+              <a:ext uri="{FF2B5EF4-FFF2-40B4-BE49-F238E27FC236}">
+                <a16:creationId xmlns:a16="http://schemas.microsoft.com/office/drawing/2014/main" id="{853AF67D-418B-4751-BB97-88767EBCDFB4}"/>
+              </a:ext>
+            </a:extLst>
+          </p:cNvPr>
+          <p:cNvSpPr>
+            <a:spLocks noGrp="1"/>
+          </p:cNvSpPr>
+          <p:nvPr>
+            <p:ph type="title"/>
+          </p:nvPr>
+        </p:nvSpPr>
+        <p:spPr>
+          <a:xfrm>
+            <a:off x="838200" y="325368"/>
+            <a:ext cx="10515600" cy="1325563"/>
+          </a:xfrm>
+        </p:spPr>
+        <p:txBody>
+          <a:bodyPr/>
+          <a:lstStyle/>
+          <a:p>
+            <a:r>
+              <a:rPr lang="en-US" dirty="0"/>
+              <a:t>3/ Detect position</a:t>
+            </a:r>
+          </a:p>
+        </p:txBody>
+      </p:sp>
+      <p:sp>
+        <p:nvSpPr>
+          <p:cNvPr id="3" name="Content Placeholder 2">
+            <a:extLst>
+              <a:ext uri="{FF2B5EF4-FFF2-40B4-BE49-F238E27FC236}">
+                <a16:creationId xmlns:a16="http://schemas.microsoft.com/office/drawing/2014/main" id="{D125F1B6-9250-47B1-8ADE-3419DF43A747}"/>
+              </a:ext>
+            </a:extLst>
+          </p:cNvPr>
+          <p:cNvSpPr>
+            <a:spLocks noGrp="1"/>
+          </p:cNvSpPr>
+          <p:nvPr>
+            <p:ph idx="1"/>
+          </p:nvPr>
+        </p:nvSpPr>
+        <p:spPr>
+          <a:xfrm>
+            <a:off x="838200" y="1825625"/>
+            <a:ext cx="5668617" cy="4351338"/>
+          </a:xfrm>
+        </p:spPr>
+        <p:txBody>
+          <a:bodyPr>
+            <a:normAutofit/>
+          </a:bodyPr>
+          <a:lstStyle/>
+          <a:p>
+            <a:r>
+              <a:rPr lang="en-US" sz="2500" dirty="0"/>
+              <a:t>Google API:</a:t>
+            </a:r>
+          </a:p>
+          <a:p>
+            <a:pPr marL="0" indent="0">
+              <a:buNone/>
+            </a:pPr>
+            <a:r>
+              <a:rPr lang="en-US" sz="2500" dirty="0"/>
+              <a:t>+ Clear tutorial and support for research</a:t>
+            </a:r>
+          </a:p>
+          <a:p>
+            <a:pPr marL="0" indent="0">
+              <a:buNone/>
+            </a:pPr>
+            <a:r>
+              <a:rPr lang="en-US" sz="2500" dirty="0"/>
+              <a:t>+ More than 200 countries data and cover 99% area of Earth.</a:t>
+            </a:r>
+          </a:p>
+          <a:p>
+            <a:pPr marL="0" indent="0">
+              <a:buNone/>
+            </a:pPr>
+            <a:r>
+              <a:rPr lang="en-US" sz="2500" dirty="0"/>
+              <a:t>+ Over 25 millions location’s updates from collaborators and Google Local Guide teams around the world.</a:t>
+            </a:r>
+          </a:p>
+          <a:p>
+            <a:pPr marL="0" indent="0">
+              <a:buNone/>
+            </a:pPr>
+            <a:endParaRPr lang="en-US" sz="2500" dirty="0"/>
+          </a:p>
+        </p:txBody>
+      </p:sp>
+      <p:pic>
+        <p:nvPicPr>
+          <p:cNvPr id="2050" name="Picture 2" descr="Káº¿t quáº£ hÃ¬nh áº£nh cho google api">
+            <a:extLst>
+              <a:ext uri="{FF2B5EF4-FFF2-40B4-BE49-F238E27FC236}">
+                <a16:creationId xmlns:a16="http://schemas.microsoft.com/office/drawing/2014/main" id="{98BE8F0A-4B69-4476-B8A0-1F5F4A87D155}"/>
+              </a:ext>
+            </a:extLst>
+          </p:cNvPr>
+          <p:cNvPicPr>
+            <a:picLocks noChangeAspect="1" noChangeArrowheads="1"/>
+          </p:cNvPicPr>
+          <p:nvPr/>
+        </p:nvPicPr>
+        <p:blipFill>
+          <a:blip r:embed="rId2">
+            <a:extLst>
+              <a:ext uri="{28A0092B-C50C-407E-A947-70E740481C1C}">
+                <a14:useLocalDpi xmlns:a14="http://schemas.microsoft.com/office/drawing/2010/main" val="0"/>
+              </a:ext>
+            </a:extLst>
+          </a:blip>
+          <a:srcRect/>
+          <a:stretch>
+            <a:fillRect/>
+          </a:stretch>
+        </p:blipFill>
+        <p:spPr bwMode="auto">
+          <a:xfrm>
+            <a:off x="7116417" y="2237236"/>
+            <a:ext cx="4237383" cy="2383528"/>
+          </a:xfrm>
+          <a:prstGeom prst="rect">
+            <a:avLst/>
+          </a:prstGeom>
+          <a:noFill/>
+          <a:extLst>
+            <a:ext uri="{909E8E84-426E-40DD-AFC4-6F175D3DCCD1}">
+              <a14:hiddenFill xmlns:a14="http://schemas.microsoft.com/office/drawing/2010/main">
+                <a:solidFill>
+                  <a:srgbClr val="FFFFFF"/>
+                </a:solidFill>
+              </a14:hiddenFill>
+            </a:ext>
+          </a:extLst>
+        </p:spPr>
+      </p:pic>
+    </p:spTree>
+    <p:extLst>
+      <p:ext uri="{BB962C8B-B14F-4D97-AF65-F5344CB8AC3E}">
+        <p14:creationId xmlns:p14="http://schemas.microsoft.com/office/powerpoint/2010/main" val="2710744438"/>
+      </p:ext>
+    </p:extLst>
+  </p:cSld>
+  <p:clrMapOvr>
+    <a:masterClrMapping/>
+  </p:clrMapOvr>
+</p:sld>
+</file>
+
+<file path=ppt/slides/slide8.xml><?xml version="1.0" encoding="utf-8"?>
+<p:sld xmlns:a="http://schemas.openxmlformats.org/drawingml/2006/main" xmlns:r="http://schemas.openxmlformats.org/officeDocument/2006/relationships" xmlns:p="http://schemas.openxmlformats.org/presentationml/2006/main">
+  <p:cSld>
+    <p:spTree>
+      <p:nvGrpSpPr>
+        <p:cNvPr id="1" name=""/>
+        <p:cNvGrpSpPr/>
+        <p:nvPr/>
+      </p:nvGrpSpPr>
+      <p:grpSpPr>
+        <a:xfrm>
+          <a:off x="0" y="0"/>
+          <a:ext cx="0" cy="0"/>
+          <a:chOff x="0" y="0"/>
+          <a:chExt cx="0" cy="0"/>
+        </a:xfrm>
+      </p:grpSpPr>
+      <p:sp>
+        <p:nvSpPr>
+          <p:cNvPr id="2" name="Title 1">
+            <a:extLst>
+              <a:ext uri="{FF2B5EF4-FFF2-40B4-BE49-F238E27FC236}">
+                <a16:creationId xmlns:a16="http://schemas.microsoft.com/office/drawing/2014/main" id="{6B8C891A-09E1-4C05-BE14-C39AC1A24A03}"/>
+              </a:ext>
+            </a:extLst>
+          </p:cNvPr>
+          <p:cNvSpPr>
+            <a:spLocks noGrp="1"/>
+          </p:cNvSpPr>
+          <p:nvPr>
+            <p:ph type="title"/>
+          </p:nvPr>
+        </p:nvSpPr>
+        <p:spPr/>
+        <p:txBody>
+          <a:bodyPr/>
+          <a:lstStyle/>
+          <a:p>
+            <a:r>
+              <a:rPr lang="en-US" dirty="0"/>
+              <a:t>Receive data</a:t>
+            </a:r>
+          </a:p>
+        </p:txBody>
+      </p:sp>
+      <p:sp>
+        <p:nvSpPr>
+          <p:cNvPr id="3" name="Content Placeholder 2">
+            <a:extLst>
+              <a:ext uri="{FF2B5EF4-FFF2-40B4-BE49-F238E27FC236}">
+                <a16:creationId xmlns:a16="http://schemas.microsoft.com/office/drawing/2014/main" id="{8DFC2EB2-2062-4E9B-A7A7-19437EF9333A}"/>
+              </a:ext>
+            </a:extLst>
+          </p:cNvPr>
+          <p:cNvSpPr>
+            <a:spLocks noGrp="1"/>
+          </p:cNvSpPr>
+          <p:nvPr>
+            <p:ph idx="1"/>
+          </p:nvPr>
+        </p:nvSpPr>
+        <p:spPr>
+          <a:xfrm>
+            <a:off x="838200" y="1825625"/>
+            <a:ext cx="4581939" cy="4351338"/>
+          </a:xfrm>
+        </p:spPr>
+        <p:txBody>
+          <a:bodyPr>
+            <a:normAutofit/>
+          </a:bodyPr>
+          <a:lstStyle/>
+          <a:p>
+            <a:r>
+              <a:rPr lang="en-US" sz="2500" dirty="0"/>
+              <a:t>An website:</a:t>
+            </a:r>
+          </a:p>
+          <a:p>
+            <a:pPr marL="0" indent="0">
+              <a:buNone/>
+            </a:pPr>
+            <a:r>
+              <a:rPr lang="en-US" sz="2500" dirty="0"/>
+              <a:t>+ Receive data</a:t>
+            </a:r>
+          </a:p>
+          <a:p>
+            <a:pPr marL="0" indent="0">
+              <a:buNone/>
+            </a:pPr>
+            <a:r>
+              <a:rPr lang="en-US" sz="2500" dirty="0"/>
+              <a:t>+ Commute with API map</a:t>
+            </a:r>
+          </a:p>
+          <a:p>
+            <a:pPr marL="0" indent="0">
+              <a:buNone/>
+            </a:pPr>
+            <a:r>
+              <a:rPr lang="en-US" sz="2500" dirty="0"/>
+              <a:t>+ Good outlook</a:t>
+            </a:r>
+          </a:p>
+          <a:p>
+            <a:endParaRPr lang="en-US" sz="2500" dirty="0"/>
+          </a:p>
+        </p:txBody>
+      </p:sp>
+      <p:pic>
+        <p:nvPicPr>
+          <p:cNvPr id="3074" name="Picture 2" descr="Káº¿t quáº£ hÃ¬nh áº£nh cho html">
+            <a:extLst>
+              <a:ext uri="{FF2B5EF4-FFF2-40B4-BE49-F238E27FC236}">
+                <a16:creationId xmlns:a16="http://schemas.microsoft.com/office/drawing/2014/main" id="{519B3BDD-089C-4F89-8E3A-2791FFBC69B2}"/>
+              </a:ext>
+            </a:extLst>
+          </p:cNvPr>
+          <p:cNvPicPr>
+            <a:picLocks noChangeAspect="1" noChangeArrowheads="1"/>
+          </p:cNvPicPr>
+          <p:nvPr/>
+        </p:nvPicPr>
+        <p:blipFill>
+          <a:blip r:embed="rId2">
+            <a:extLst>
+              <a:ext uri="{28A0092B-C50C-407E-A947-70E740481C1C}">
+                <a14:useLocalDpi xmlns:a14="http://schemas.microsoft.com/office/drawing/2010/main" val="0"/>
+              </a:ext>
+            </a:extLst>
+          </a:blip>
+          <a:srcRect/>
+          <a:stretch>
+            <a:fillRect/>
+          </a:stretch>
+        </p:blipFill>
+        <p:spPr bwMode="auto">
+          <a:xfrm>
+            <a:off x="5569226" y="1295141"/>
+            <a:ext cx="2905798" cy="2905798"/>
+          </a:xfrm>
+          <a:prstGeom prst="rect">
+            <a:avLst/>
+          </a:prstGeom>
+          <a:noFill/>
+          <a:extLst>
+            <a:ext uri="{909E8E84-426E-40DD-AFC4-6F175D3DCCD1}">
+              <a14:hiddenFill xmlns:a14="http://schemas.microsoft.com/office/drawing/2010/main">
+                <a:solidFill>
+                  <a:srgbClr val="FFFFFF"/>
+                </a:solidFill>
+              </a14:hiddenFill>
+            </a:ext>
+          </a:extLst>
+        </p:spPr>
+      </p:pic>
+      <p:pic>
+        <p:nvPicPr>
+          <p:cNvPr id="4" name="Picture 2" descr="Káº¿t quáº£ hÃ¬nh áº£nh cho css">
+            <a:extLst>
+              <a:ext uri="{FF2B5EF4-FFF2-40B4-BE49-F238E27FC236}">
+                <a16:creationId xmlns:a16="http://schemas.microsoft.com/office/drawing/2014/main" id="{9976521B-6E52-425C-8D42-5D50BB22B070}"/>
+              </a:ext>
+            </a:extLst>
+          </p:cNvPr>
+          <p:cNvPicPr>
+            <a:picLocks noChangeAspect="1" noChangeArrowheads="1"/>
+          </p:cNvPicPr>
+          <p:nvPr/>
+        </p:nvPicPr>
+        <p:blipFill>
+          <a:blip r:embed="rId3">
+            <a:extLst>
+              <a:ext uri="{28A0092B-C50C-407E-A947-70E740481C1C}">
+                <a14:useLocalDpi xmlns:a14="http://schemas.microsoft.com/office/drawing/2010/main" val="0"/>
+              </a:ext>
+            </a:extLst>
+          </a:blip>
+          <a:srcRect/>
+          <a:stretch>
+            <a:fillRect/>
+          </a:stretch>
+        </p:blipFill>
+        <p:spPr bwMode="auto">
+          <a:xfrm>
+            <a:off x="7374576" y="629016"/>
+            <a:ext cx="4817424" cy="4817424"/>
+          </a:xfrm>
+          <a:prstGeom prst="rect">
+            <a:avLst/>
+          </a:prstGeom>
+          <a:noFill/>
+          <a:extLst>
+            <a:ext uri="{909E8E84-426E-40DD-AFC4-6F175D3DCCD1}">
+              <a14:hiddenFill xmlns:a14="http://schemas.microsoft.com/office/drawing/2010/main">
+                <a:solidFill>
+                  <a:srgbClr val="FFFFFF"/>
+                </a:solidFill>
+              </a14:hiddenFill>
+            </a:ext>
+          </a:extLst>
+        </p:spPr>
+      </p:pic>
+    </p:spTree>
+    <p:extLst>
+      <p:ext uri="{BB962C8B-B14F-4D97-AF65-F5344CB8AC3E}">
+        <p14:creationId xmlns:p14="http://schemas.microsoft.com/office/powerpoint/2010/main" val="1803599197"/>
+      </p:ext>
+    </p:extLst>
+  </p:cSld>
+  <p:clrMapOvr>
+    <a:masterClrMapping/>
+  </p:clrMapOvr>
+</p:sld>
+</file>
+
+<file path=ppt/slides/slide9.xml><?xml version="1.0" encoding="utf-8"?>
 <p:sld xmlns:a="http://schemas.openxmlformats.org/drawingml/2006/main" xmlns:r="http://schemas.openxmlformats.org/officeDocument/2006/relationships" xmlns:p="http://schemas.openxmlformats.org/presentationml/2006/main">
   <p:cSld>
     <p:spTree>
@@ -4366,9 +9810,16 @@
             <p:ph idx="1"/>
           </p:nvPr>
         </p:nvSpPr>
-        <p:spPr/>
+        <p:spPr>
+          <a:xfrm>
+            <a:off x="1251678" y="1825625"/>
+            <a:ext cx="10178322" cy="3593591"/>
+          </a:xfrm>
+        </p:spPr>
         <p:txBody>
-          <a:bodyPr/>
+          <a:bodyPr>
+            <a:noAutofit/>
+          </a:bodyPr>
           <a:lstStyle/>
           <a:p>
             <a:pPr marL="514350" indent="-514350">
@@ -4376,7 +9827,7 @@
               <a:buAutoNum type="arabicPeriod"/>
             </a:pPr>
             <a:r>
-              <a:rPr lang="en-US" dirty="0"/>
+              <a:rPr lang="en-US" sz="2500" dirty="0"/>
               <a:t>Visual Studio Code Insider</a:t>
             </a:r>
           </a:p>
@@ -4386,7 +9837,7 @@
               <a:buAutoNum type="arabicPeriod"/>
             </a:pPr>
             <a:r>
-              <a:rPr lang="en-US" dirty="0"/>
+              <a:rPr lang="en-US" sz="2500" dirty="0"/>
               <a:t>Internet information services manager (IIS)</a:t>
             </a:r>
           </a:p>
@@ -4396,7 +9847,7 @@
               <a:buAutoNum type="arabicPeriod"/>
             </a:pPr>
             <a:r>
-              <a:rPr lang="en-US" dirty="0"/>
+              <a:rPr lang="en-US" sz="2500" dirty="0"/>
               <a:t>Android Studio</a:t>
             </a:r>
           </a:p>
@@ -4449,6 +9900,100 @@
           </a:extLst>
         </p:spPr>
       </p:pic>
+      <p:pic>
+        <p:nvPicPr>
+          <p:cNvPr id="4098" name="Picture 2" descr="Káº¿t quáº£ hÃ¬nh áº£nh cho internet information services (iis) manager">
+            <a:extLst>
+              <a:ext uri="{FF2B5EF4-FFF2-40B4-BE49-F238E27FC236}">
+                <a16:creationId xmlns:a16="http://schemas.microsoft.com/office/drawing/2014/main" id="{CA291D06-9011-4AE4-9F6C-12A7B28162EC}"/>
+              </a:ext>
+            </a:extLst>
+          </p:cNvPr>
+          <p:cNvPicPr>
+            <a:picLocks noChangeAspect="1" noChangeArrowheads="1"/>
+          </p:cNvPicPr>
+          <p:nvPr/>
+        </p:nvPicPr>
+        <p:blipFill>
+          <a:blip r:embed="rId3">
+            <a:extLst>
+              <a:ext uri="{28A0092B-C50C-407E-A947-70E740481C1C}">
+                <a14:useLocalDpi xmlns:a14="http://schemas.microsoft.com/office/drawing/2010/main" val="0"/>
+              </a:ext>
+            </a:extLst>
+          </a:blip>
+          <a:srcRect/>
+          <a:stretch>
+            <a:fillRect/>
+          </a:stretch>
+        </p:blipFill>
+        <p:spPr bwMode="auto">
+          <a:xfrm>
+            <a:off x="6864626" y="2928317"/>
+            <a:ext cx="4744278" cy="2668656"/>
+          </a:xfrm>
+          <a:prstGeom prst="rect">
+            <a:avLst/>
+          </a:prstGeom>
+          <a:noFill/>
+          <a:extLst>
+            <a:ext uri="{909E8E84-426E-40DD-AFC4-6F175D3DCCD1}">
+              <a14:hiddenFill xmlns:a14="http://schemas.microsoft.com/office/drawing/2010/main">
+                <a:solidFill>
+                  <a:srgbClr val="FFFFFF"/>
+                </a:solidFill>
+              </a14:hiddenFill>
+            </a:ext>
+          </a:extLst>
+        </p:spPr>
+      </p:pic>
+      <p:pic>
+        <p:nvPicPr>
+          <p:cNvPr id="4100" name="Picture 4" descr="Káº¿t quáº£ hÃ¬nh áº£nh cho android studio">
+            <a:extLst>
+              <a:ext uri="{FF2B5EF4-FFF2-40B4-BE49-F238E27FC236}">
+                <a16:creationId xmlns:a16="http://schemas.microsoft.com/office/drawing/2014/main" id="{05B488C1-4CC8-4834-BF06-1B8C00468EBD}"/>
+              </a:ext>
+            </a:extLst>
+          </p:cNvPr>
+          <p:cNvPicPr>
+            <a:picLocks noChangeAspect="1" noChangeArrowheads="1"/>
+          </p:cNvPicPr>
+          <p:nvPr/>
+        </p:nvPicPr>
+        <p:blipFill>
+          <a:blip r:embed="rId4">
+            <a:extLst>
+              <a:ext uri="{28A0092B-C50C-407E-A947-70E740481C1C}">
+                <a14:useLocalDpi xmlns:a14="http://schemas.microsoft.com/office/drawing/2010/main" val="0"/>
+              </a:ext>
+            </a:extLst>
+          </a:blip>
+          <a:srcRect/>
+          <a:stretch>
+            <a:fillRect/>
+          </a:stretch>
+        </p:blipFill>
+        <p:spPr bwMode="auto">
+          <a:xfrm>
+            <a:off x="2232992" y="3664020"/>
+            <a:ext cx="2908851" cy="2181639"/>
+          </a:xfrm>
+          <a:prstGeom prst="rect">
+            <a:avLst/>
+          </a:prstGeom>
+          <a:noFill/>
+          <a:extLst>
+            <a:ext uri="{909E8E84-426E-40DD-AFC4-6F175D3DCCD1}">
+              <a14:hiddenFill xmlns:a14="http://schemas.microsoft.com/office/drawing/2010/main">
+                <a:solidFill>
+                  <a:srgbClr val="FFFFFF"/>
+                </a:solidFill>
+              </a14:hiddenFill>
+            </a:ext>
+          </a:extLst>
+        </p:spPr>
+      </p:pic>
     </p:spTree>
     <p:extLst>
       <p:ext uri="{BB962C8B-B14F-4D97-AF65-F5344CB8AC3E}">
@@ -4459,260 +10004,13 @@
   <p:clrMapOvr>
     <a:masterClrMapping/>
   </p:clrMapOvr>
-  <p:timing>
-    <p:tnLst>
-      <p:par>
-        <p:cTn id="1" dur="indefinite" restart="never" nodeType="tmRoot"/>
-      </p:par>
-    </p:tnLst>
-  </p:timing>
-</p:sld>
-</file>
-
-<file path=ppt/slides/slide7.xml><?xml version="1.0" encoding="utf-8"?>
-<p:sld xmlns:a="http://schemas.openxmlformats.org/drawingml/2006/main" xmlns:r="http://schemas.openxmlformats.org/officeDocument/2006/relationships" xmlns:p="http://schemas.openxmlformats.org/presentationml/2006/main">
-  <p:cSld>
-    <p:spTree>
-      <p:nvGrpSpPr>
-        <p:cNvPr id="1" name=""/>
-        <p:cNvGrpSpPr/>
-        <p:nvPr/>
-      </p:nvGrpSpPr>
-      <p:grpSpPr>
-        <a:xfrm>
-          <a:off x="0" y="0"/>
-          <a:ext cx="0" cy="0"/>
-          <a:chOff x="0" y="0"/>
-          <a:chExt cx="0" cy="0"/>
-        </a:xfrm>
-      </p:grpSpPr>
-      <p:sp>
-        <p:nvSpPr>
-          <p:cNvPr id="2" name="Title 1">
-            <a:extLst>
-              <a:ext uri="{FF2B5EF4-FFF2-40B4-BE49-F238E27FC236}">
-                <a16:creationId xmlns:a16="http://schemas.microsoft.com/office/drawing/2014/main" id="{E0B11B04-FADE-43BD-860E-976CEEA304FE}"/>
-              </a:ext>
-            </a:extLst>
-          </p:cNvPr>
-          <p:cNvSpPr>
-            <a:spLocks noGrp="1"/>
-          </p:cNvSpPr>
-          <p:nvPr>
-            <p:ph type="title"/>
-          </p:nvPr>
-        </p:nvSpPr>
-        <p:spPr/>
-        <p:txBody>
-          <a:bodyPr/>
-          <a:lstStyle/>
-          <a:p>
-            <a:endParaRPr lang="en-US"/>
-          </a:p>
-        </p:txBody>
-      </p:sp>
-      <p:sp>
-        <p:nvSpPr>
-          <p:cNvPr id="3" name="Content Placeholder 2">
-            <a:extLst>
-              <a:ext uri="{FF2B5EF4-FFF2-40B4-BE49-F238E27FC236}">
-                <a16:creationId xmlns:a16="http://schemas.microsoft.com/office/drawing/2014/main" id="{2C05DE46-DBF1-47B5-B268-D437678AA151}"/>
-              </a:ext>
-            </a:extLst>
-          </p:cNvPr>
-          <p:cNvSpPr>
-            <a:spLocks noGrp="1"/>
-          </p:cNvSpPr>
-          <p:nvPr>
-            <p:ph idx="1"/>
-          </p:nvPr>
-        </p:nvSpPr>
-        <p:spPr/>
-        <p:txBody>
-          <a:bodyPr/>
-          <a:lstStyle/>
-          <a:p>
-            <a:endParaRPr lang="en-US"/>
-          </a:p>
-        </p:txBody>
-      </p:sp>
-    </p:spTree>
-    <p:extLst>
-      <p:ext uri="{BB962C8B-B14F-4D97-AF65-F5344CB8AC3E}">
-        <p14:creationId xmlns:p14="http://schemas.microsoft.com/office/powerpoint/2010/main" val="2673389688"/>
-      </p:ext>
-    </p:extLst>
-  </p:cSld>
-  <p:clrMapOvr>
-    <a:masterClrMapping/>
-  </p:clrMapOvr>
-</p:sld>
-</file>
-
-<file path=ppt/slides/slide8.xml><?xml version="1.0" encoding="utf-8"?>
-<p:sld xmlns:a="http://schemas.openxmlformats.org/drawingml/2006/main" xmlns:r="http://schemas.openxmlformats.org/officeDocument/2006/relationships" xmlns:p="http://schemas.openxmlformats.org/presentationml/2006/main">
-  <p:cSld>
-    <p:spTree>
-      <p:nvGrpSpPr>
-        <p:cNvPr id="1" name=""/>
-        <p:cNvGrpSpPr/>
-        <p:nvPr/>
-      </p:nvGrpSpPr>
-      <p:grpSpPr>
-        <a:xfrm>
-          <a:off x="0" y="0"/>
-          <a:ext cx="0" cy="0"/>
-          <a:chOff x="0" y="0"/>
-          <a:chExt cx="0" cy="0"/>
-        </a:xfrm>
-      </p:grpSpPr>
-      <p:sp>
-        <p:nvSpPr>
-          <p:cNvPr id="2" name="Title 1">
-            <a:extLst>
-              <a:ext uri="{FF2B5EF4-FFF2-40B4-BE49-F238E27FC236}">
-                <a16:creationId xmlns:a16="http://schemas.microsoft.com/office/drawing/2014/main" id="{657D47DD-CD5E-4D4E-96DC-4CD2ED0C515F}"/>
-              </a:ext>
-            </a:extLst>
-          </p:cNvPr>
-          <p:cNvSpPr>
-            <a:spLocks noGrp="1"/>
-          </p:cNvSpPr>
-          <p:nvPr>
-            <p:ph type="title"/>
-          </p:nvPr>
-        </p:nvSpPr>
-        <p:spPr/>
-        <p:txBody>
-          <a:bodyPr/>
-          <a:lstStyle/>
-          <a:p>
-            <a:endParaRPr lang="en-US"/>
-          </a:p>
-        </p:txBody>
-      </p:sp>
-      <p:sp>
-        <p:nvSpPr>
-          <p:cNvPr id="3" name="Content Placeholder 2">
-            <a:extLst>
-              <a:ext uri="{FF2B5EF4-FFF2-40B4-BE49-F238E27FC236}">
-                <a16:creationId xmlns:a16="http://schemas.microsoft.com/office/drawing/2014/main" id="{7F0818A7-AF0B-4941-9249-0B2A2ADF0028}"/>
-              </a:ext>
-            </a:extLst>
-          </p:cNvPr>
-          <p:cNvSpPr>
-            <a:spLocks noGrp="1"/>
-          </p:cNvSpPr>
-          <p:nvPr>
-            <p:ph idx="1"/>
-          </p:nvPr>
-        </p:nvSpPr>
-        <p:spPr/>
-        <p:txBody>
-          <a:bodyPr/>
-          <a:lstStyle/>
-          <a:p>
-            <a:endParaRPr lang="en-US"/>
-          </a:p>
-        </p:txBody>
-      </p:sp>
-    </p:spTree>
-    <p:extLst>
-      <p:ext uri="{BB962C8B-B14F-4D97-AF65-F5344CB8AC3E}">
-        <p14:creationId xmlns:p14="http://schemas.microsoft.com/office/powerpoint/2010/main" val="2191777482"/>
-      </p:ext>
-    </p:extLst>
-  </p:cSld>
-  <p:clrMapOvr>
-    <a:masterClrMapping/>
-  </p:clrMapOvr>
-</p:sld>
-</file>
-
-<file path=ppt/slides/slide9.xml><?xml version="1.0" encoding="utf-8"?>
-<p:sld xmlns:a="http://schemas.openxmlformats.org/drawingml/2006/main" xmlns:r="http://schemas.openxmlformats.org/officeDocument/2006/relationships" xmlns:p="http://schemas.openxmlformats.org/presentationml/2006/main">
-  <p:cSld>
-    <p:spTree>
-      <p:nvGrpSpPr>
-        <p:cNvPr id="1" name=""/>
-        <p:cNvGrpSpPr/>
-        <p:nvPr/>
-      </p:nvGrpSpPr>
-      <p:grpSpPr>
-        <a:xfrm>
-          <a:off x="0" y="0"/>
-          <a:ext cx="0" cy="0"/>
-          <a:chOff x="0" y="0"/>
-          <a:chExt cx="0" cy="0"/>
-        </a:xfrm>
-      </p:grpSpPr>
-      <p:sp>
-        <p:nvSpPr>
-          <p:cNvPr id="2" name="Title 1">
-            <a:extLst>
-              <a:ext uri="{FF2B5EF4-FFF2-40B4-BE49-F238E27FC236}">
-                <a16:creationId xmlns:a16="http://schemas.microsoft.com/office/drawing/2014/main" id="{18A8548F-1D37-4F1E-8691-FD6D58F17CF3}"/>
-              </a:ext>
-            </a:extLst>
-          </p:cNvPr>
-          <p:cNvSpPr>
-            <a:spLocks noGrp="1"/>
-          </p:cNvSpPr>
-          <p:nvPr>
-            <p:ph type="title"/>
-          </p:nvPr>
-        </p:nvSpPr>
-        <p:spPr/>
-        <p:txBody>
-          <a:bodyPr/>
-          <a:lstStyle/>
-          <a:p>
-            <a:endParaRPr lang="en-US"/>
-          </a:p>
-        </p:txBody>
-      </p:sp>
-      <p:sp>
-        <p:nvSpPr>
-          <p:cNvPr id="3" name="Content Placeholder 2">
-            <a:extLst>
-              <a:ext uri="{FF2B5EF4-FFF2-40B4-BE49-F238E27FC236}">
-                <a16:creationId xmlns:a16="http://schemas.microsoft.com/office/drawing/2014/main" id="{AFBFCB44-6128-4798-87D5-8B4B9012270F}"/>
-              </a:ext>
-            </a:extLst>
-          </p:cNvPr>
-          <p:cNvSpPr>
-            <a:spLocks noGrp="1"/>
-          </p:cNvSpPr>
-          <p:nvPr>
-            <p:ph idx="1"/>
-          </p:nvPr>
-        </p:nvSpPr>
-        <p:spPr/>
-        <p:txBody>
-          <a:bodyPr/>
-          <a:lstStyle/>
-          <a:p>
-            <a:endParaRPr lang="en-US"/>
-          </a:p>
-        </p:txBody>
-      </p:sp>
-    </p:spTree>
-    <p:extLst>
-      <p:ext uri="{BB962C8B-B14F-4D97-AF65-F5344CB8AC3E}">
-        <p14:creationId xmlns:p14="http://schemas.microsoft.com/office/powerpoint/2010/main" val="1366092590"/>
-      </p:ext>
-    </p:extLst>
-  </p:cSld>
-  <p:clrMapOvr>
-    <a:masterClrMapping/>
-  </p:clrMapOvr>
 </p:sld>
 </file>
 
 <file path=ppt/theme/theme1.xml><?xml version="1.0" encoding="utf-8"?>
-<a:theme xmlns:a="http://schemas.openxmlformats.org/drawingml/2006/main" name="Office Theme">
+<a:theme xmlns:a="http://schemas.openxmlformats.org/drawingml/2006/main" name="Badge">
   <a:themeElements>
-    <a:clrScheme name="Office">
+    <a:clrScheme name="Badge">
       <a:dk1>
         <a:sysClr val="windowText" lastClr="000000"/>
       </a:dk1>
@@ -4720,96 +10018,44 @@
         <a:sysClr val="window" lastClr="FFFFFF"/>
       </a:lt1>
       <a:dk2>
-        <a:srgbClr val="44546A"/>
+        <a:srgbClr val="2A1A00"/>
       </a:dk2>
       <a:lt2>
-        <a:srgbClr val="E7E6E6"/>
+        <a:srgbClr val="F3F3F2"/>
       </a:lt2>
       <a:accent1>
-        <a:srgbClr val="4472C4"/>
+        <a:srgbClr val="F8B323"/>
       </a:accent1>
       <a:accent2>
-        <a:srgbClr val="ED7D31"/>
+        <a:srgbClr val="656A59"/>
       </a:accent2>
       <a:accent3>
-        <a:srgbClr val="A5A5A5"/>
+        <a:srgbClr val="46B2B5"/>
       </a:accent3>
       <a:accent4>
-        <a:srgbClr val="FFC000"/>
+        <a:srgbClr val="8CAA7E"/>
       </a:accent4>
       <a:accent5>
-        <a:srgbClr val="5B9BD5"/>
+        <a:srgbClr val="D36F68"/>
       </a:accent5>
       <a:accent6>
-        <a:srgbClr val="70AD47"/>
+        <a:srgbClr val="826276"/>
       </a:accent6>
       <a:hlink>
-        <a:srgbClr val="0563C1"/>
+        <a:srgbClr val="46B2B5"/>
       </a:hlink>
       <a:folHlink>
-        <a:srgbClr val="954F72"/>
+        <a:srgbClr val="A46694"/>
       </a:folHlink>
     </a:clrScheme>
-    <a:fontScheme name="Office">
+    <a:fontScheme name="Badge">
       <a:majorFont>
-        <a:latin typeface="Calibri Light" panose="020F0302020204030204"/>
+        <a:latin typeface="Impact" panose="020B0806030902050204"/>
         <a:ea typeface=""/>
         <a:cs typeface=""/>
-        <a:font script="Jpan" typeface="游ゴシック Light"/>
+        <a:font script="Jpan" typeface="メイリオ"/>
         <a:font script="Hang" typeface="맑은 고딕"/>
-        <a:font script="Hans" typeface="等线 Light"/>
-        <a:font script="Hant" typeface="新細明體"/>
-        <a:font script="Arab" typeface="Times New Roman"/>
-        <a:font script="Hebr" typeface="Times New Roman"/>
-        <a:font script="Thai" typeface="Angsana New"/>
-        <a:font script="Ethi" typeface="Nyala"/>
-        <a:font script="Beng" typeface="Vrinda"/>
-        <a:font script="Gujr" typeface="Shruti"/>
-        <a:font script="Khmr" typeface="MoolBoran"/>
-        <a:font script="Knda" typeface="Tunga"/>
-        <a:font script="Guru" typeface="Raavi"/>
-        <a:font script="Cans" typeface="Euphemia"/>
-        <a:font script="Cher" typeface="Plantagenet Cherokee"/>
-        <a:font script="Yiii" typeface="Microsoft Yi Baiti"/>
-        <a:font script="Tibt" typeface="Microsoft Himalaya"/>
-        <a:font script="Thaa" typeface="MV Boli"/>
-        <a:font script="Deva" typeface="Mangal"/>
-        <a:font script="Telu" typeface="Gautami"/>
-        <a:font script="Taml" typeface="Latha"/>
-        <a:font script="Syrc" typeface="Estrangelo Edessa"/>
-        <a:font script="Orya" typeface="Kalinga"/>
-        <a:font script="Mlym" typeface="Kartika"/>
-        <a:font script="Laoo" typeface="DokChampa"/>
-        <a:font script="Sinh" typeface="Iskoola Pota"/>
-        <a:font script="Mong" typeface="Mongolian Baiti"/>
-        <a:font script="Viet" typeface="Times New Roman"/>
-        <a:font script="Uigh" typeface="Microsoft Uighur"/>
-        <a:font script="Geor" typeface="Sylfaen"/>
-        <a:font script="Armn" typeface="Arial"/>
-        <a:font script="Bugi" typeface="Leelawadee UI"/>
-        <a:font script="Bopo" typeface="Microsoft JhengHei"/>
-        <a:font script="Java" typeface="Javanese Text"/>
-        <a:font script="Lisu" typeface="Segoe UI"/>
-        <a:font script="Mymr" typeface="Myanmar Text"/>
-        <a:font script="Nkoo" typeface="Ebrima"/>
-        <a:font script="Olck" typeface="Nirmala UI"/>
-        <a:font script="Osma" typeface="Ebrima"/>
-        <a:font script="Phag" typeface="Phagspa"/>
-        <a:font script="Syrn" typeface="Estrangelo Edessa"/>
-        <a:font script="Syrj" typeface="Estrangelo Edessa"/>
-        <a:font script="Syre" typeface="Estrangelo Edessa"/>
-        <a:font script="Sora" typeface="Nirmala UI"/>
-        <a:font script="Tale" typeface="Microsoft Tai Le"/>
-        <a:font script="Talu" typeface="Microsoft New Tai Lue"/>
-        <a:font script="Tfng" typeface="Ebrima"/>
-      </a:majorFont>
-      <a:minorFont>
-        <a:latin typeface="Calibri" panose="020F0502020204030204"/>
-        <a:ea typeface=""/>
-        <a:cs typeface=""/>
-        <a:font script="Jpan" typeface="游ゴシック"/>
-        <a:font script="Hang" typeface="맑은 고딕"/>
-        <a:font script="Hans" typeface="等线"/>
+        <a:font script="Hans" typeface="宋体"/>
         <a:font script="Hant" typeface="新細明體"/>
         <a:font script="Arab" typeface="Arial"/>
         <a:font script="Hebr" typeface="Arial"/>
@@ -4837,26 +10083,46 @@
         <a:font script="Viet" typeface="Arial"/>
         <a:font script="Uigh" typeface="Microsoft Uighur"/>
         <a:font script="Geor" typeface="Sylfaen"/>
-        <a:font script="Armn" typeface="Arial"/>
-        <a:font script="Bugi" typeface="Leelawadee UI"/>
-        <a:font script="Bopo" typeface="Microsoft JhengHei"/>
-        <a:font script="Java" typeface="Javanese Text"/>
-        <a:font script="Lisu" typeface="Segoe UI"/>
-        <a:font script="Mymr" typeface="Myanmar Text"/>
-        <a:font script="Nkoo" typeface="Ebrima"/>
-        <a:font script="Olck" typeface="Nirmala UI"/>
-        <a:font script="Osma" typeface="Ebrima"/>
-        <a:font script="Phag" typeface="Phagspa"/>
-        <a:font script="Syrn" typeface="Estrangelo Edessa"/>
-        <a:font script="Syrj" typeface="Estrangelo Edessa"/>
-        <a:font script="Syre" typeface="Estrangelo Edessa"/>
-        <a:font script="Sora" typeface="Nirmala UI"/>
-        <a:font script="Tale" typeface="Microsoft Tai Le"/>
-        <a:font script="Talu" typeface="Microsoft New Tai Lue"/>
-        <a:font script="Tfng" typeface="Ebrima"/>
+      </a:majorFont>
+      <a:minorFont>
+        <a:latin typeface="Gill Sans MT" panose="020B0502020104020203"/>
+        <a:ea typeface=""/>
+        <a:cs typeface=""/>
+        <a:font script="Grek" typeface="Corbel"/>
+        <a:font script="Cyrl" typeface="Corbel"/>
+        <a:font script="Jpan" typeface="メイリオ"/>
+        <a:font script="Hang" typeface="휴먼매직체"/>
+        <a:font script="Hans" typeface="华文中宋"/>
+        <a:font script="Hant" typeface="微軟正黑體"/>
+        <a:font script="Arab" typeface="Majalla UI"/>
+        <a:font script="Hebr" typeface="Arial"/>
+        <a:font script="Thai" typeface="Cordia New"/>
+        <a:font script="Ethi" typeface="Nyala"/>
+        <a:font script="Beng" typeface="Vrinda"/>
+        <a:font script="Gujr" typeface="Shruti"/>
+        <a:font script="Khmr" typeface="DaunPenh"/>
+        <a:font script="Knda" typeface="Tunga"/>
+        <a:font script="Guru" typeface="Raavi"/>
+        <a:font script="Cans" typeface="Euphemia"/>
+        <a:font script="Cher" typeface="Plantagenet Cherokee"/>
+        <a:font script="Yiii" typeface="Microsoft Yi Baiti"/>
+        <a:font script="Tibt" typeface="Microsoft Himalaya"/>
+        <a:font script="Thaa" typeface="MV Boli"/>
+        <a:font script="Deva" typeface="Mangal"/>
+        <a:font script="Telu" typeface="Gautami"/>
+        <a:font script="Taml" typeface="Latha"/>
+        <a:font script="Syrc" typeface="Estrangelo Edessa"/>
+        <a:font script="Orya" typeface="Kalinga"/>
+        <a:font script="Mlym" typeface="Kartika"/>
+        <a:font script="Laoo" typeface="DokChampa"/>
+        <a:font script="Sinh" typeface="Iskoola Pota"/>
+        <a:font script="Mong" typeface="Mongolian Baiti"/>
+        <a:font script="Viet" typeface="Tahoma"/>
+        <a:font script="Uigh" typeface="Microsoft Uighur"/>
+        <a:font script="Geor" typeface="Sylfaen"/>
       </a:minorFont>
     </a:fontScheme>
-    <a:fmtScheme name="Office">
+    <a:fmtScheme name="Badge">
       <a:fillStyleLst>
         <a:solidFill>
           <a:schemeClr val="phClr"/>
@@ -4865,23 +10131,23 @@
           <a:gsLst>
             <a:gs pos="0">
               <a:schemeClr val="phClr">
+                <a:tint val="67000"/>
+                <a:satMod val="105000"/>
                 <a:lumMod val="110000"/>
-                <a:satMod val="105000"/>
-                <a:tint val="67000"/>
               </a:schemeClr>
             </a:gs>
             <a:gs pos="50000">
               <a:schemeClr val="phClr">
+                <a:tint val="73000"/>
+                <a:satMod val="103000"/>
                 <a:lumMod val="105000"/>
-                <a:satMod val="103000"/>
-                <a:tint val="73000"/>
               </a:schemeClr>
             </a:gs>
             <a:gs pos="100000">
               <a:schemeClr val="phClr">
+                <a:tint val="81000"/>
+                <a:satMod val="109000"/>
                 <a:lumMod val="105000"/>
-                <a:satMod val="109000"/>
-                <a:tint val="81000"/>
               </a:schemeClr>
             </a:gs>
           </a:gsLst>
@@ -4891,23 +10157,23 @@
           <a:gsLst>
             <a:gs pos="0">
               <a:schemeClr val="phClr">
+                <a:tint val="94000"/>
                 <a:satMod val="103000"/>
                 <a:lumMod val="102000"/>
-                <a:tint val="94000"/>
               </a:schemeClr>
             </a:gs>
             <a:gs pos="50000">
               <a:schemeClr val="phClr">
+                <a:shade val="100000"/>
                 <a:satMod val="110000"/>
                 <a:lumMod val="100000"/>
-                <a:shade val="100000"/>
               </a:schemeClr>
             </a:gs>
             <a:gs pos="100000">
               <a:schemeClr val="phClr">
+                <a:shade val="78000"/>
+                <a:satMod val="120000"/>
                 <a:lumMod val="99000"/>
-                <a:satMod val="120000"/>
-                <a:shade val="78000"/>
               </a:schemeClr>
             </a:gs>
           </a:gsLst>
@@ -4915,26 +10181,23 @@
         </a:gradFill>
       </a:fillStyleLst>
       <a:lnStyleLst>
-        <a:ln w="6350" cap="flat" cmpd="sng" algn="ctr">
+        <a:ln w="6350" cap="flat" cmpd="sng" algn="in">
           <a:solidFill>
             <a:schemeClr val="phClr"/>
           </a:solidFill>
           <a:prstDash val="solid"/>
-          <a:miter lim="800000"/>
         </a:ln>
-        <a:ln w="12700" cap="flat" cmpd="sng" algn="ctr">
+        <a:ln w="12700" cap="flat" cmpd="sng" algn="in">
           <a:solidFill>
             <a:schemeClr val="phClr"/>
           </a:solidFill>
           <a:prstDash val="solid"/>
-          <a:miter lim="800000"/>
         </a:ln>
-        <a:ln w="19050" cap="flat" cmpd="sng" algn="ctr">
+        <a:ln w="50800" cap="flat" cmpd="sng" algn="in">
           <a:solidFill>
             <a:schemeClr val="phClr"/>
           </a:solidFill>
           <a:prstDash val="solid"/>
-          <a:miter lim="800000"/>
         </a:ln>
       </a:lnStyleLst>
       <a:effectStyleLst>
@@ -4946,9 +10209,9 @@
         </a:effectStyle>
         <a:effectStyle>
           <a:effectLst>
-            <a:outerShdw blurRad="57150" dist="19050" dir="5400000" algn="ctr" rotWithShape="0">
+            <a:outerShdw blurRad="38100" dist="25400" dir="5400000" algn="ctr" rotWithShape="0">
               <a:srgbClr val="000000">
-                <a:alpha val="63000"/>
+                <a:alpha val="25000"/>
               </a:srgbClr>
             </a:outerShdw>
           </a:effectLst>
@@ -4969,16 +10232,16 @@
             <a:gs pos="0">
               <a:schemeClr val="phClr">
                 <a:tint val="93000"/>
+                <a:shade val="98000"/>
                 <a:satMod val="150000"/>
-                <a:shade val="98000"/>
                 <a:lumMod val="102000"/>
               </a:schemeClr>
             </a:gs>
             <a:gs pos="50000">
               <a:schemeClr val="phClr">
                 <a:tint val="98000"/>
+                <a:shade val="90000"/>
                 <a:satMod val="130000"/>
-                <a:shade val="90000"/>
                 <a:lumMod val="103000"/>
               </a:schemeClr>
             </a:gs>
@@ -4998,7 +10261,7 @@
   <a:extraClrSchemeLst/>
   <a:extLst>
     <a:ext uri="{05A4C25C-085E-4340-85A3-A5531E510DB2}">
-      <thm15:themeFamily xmlns:thm15="http://schemas.microsoft.com/office/thememl/2012/main" name="Office Theme" id="{62F939B6-93AF-4DB8-9C6B-D6C7DFDC589F}" vid="{4A3C46E8-61CC-4603-A589-7422A47A8E4A}"/>
+      <thm15:themeFamily xmlns:thm15="http://schemas.microsoft.com/office/thememl/2012/main" name="Badge" id="{71A07785-5930-41D4-9A83-E23602B48E98}" vid="{771EA782-DFA6-45B1-AEA3-661F1715B310}"/>
     </a:ext>
   </a:extLst>
 </a:theme>

--- a/GPS DETECTER PROJECT.pptx
+++ b/GPS DETECTER PROJECT.pptx
@@ -1337,7 +1337,7 @@
           <a:p>
             <a:fld id="{126129D5-3A97-4BA4-9E42-A0ED28A828FF}" type="datetimeFigureOut">
               <a:rPr lang="en-US" smtClean="0"/>
-              <a:t>4/23/2019</a:t>
+              <a:t>4/24/2019</a:t>
             </a:fld>
             <a:endParaRPr lang="en-US"/>
           </a:p>
@@ -1575,7 +1575,7 @@
           <a:p>
             <a:fld id="{126129D5-3A97-4BA4-9E42-A0ED28A828FF}" type="datetimeFigureOut">
               <a:rPr lang="en-US" smtClean="0"/>
-              <a:t>4/23/2019</a:t>
+              <a:t>4/24/2019</a:t>
             </a:fld>
             <a:endParaRPr lang="en-US"/>
           </a:p>
@@ -1755,7 +1755,7 @@
           <a:p>
             <a:fld id="{126129D5-3A97-4BA4-9E42-A0ED28A828FF}" type="datetimeFigureOut">
               <a:rPr lang="en-US" smtClean="0"/>
-              <a:t>4/23/2019</a:t>
+              <a:t>4/24/2019</a:t>
             </a:fld>
             <a:endParaRPr lang="en-US"/>
           </a:p>
@@ -1925,7 +1925,7 @@
           <a:p>
             <a:fld id="{126129D5-3A97-4BA4-9E42-A0ED28A828FF}" type="datetimeFigureOut">
               <a:rPr lang="en-US" smtClean="0"/>
-              <a:t>4/23/2019</a:t>
+              <a:t>4/24/2019</a:t>
             </a:fld>
             <a:endParaRPr lang="en-US"/>
           </a:p>
@@ -2201,7 +2201,7 @@
           <a:p>
             <a:fld id="{126129D5-3A97-4BA4-9E42-A0ED28A828FF}" type="datetimeFigureOut">
               <a:rPr lang="en-US" smtClean="0"/>
-              <a:t>4/23/2019</a:t>
+              <a:t>4/24/2019</a:t>
             </a:fld>
             <a:endParaRPr lang="en-US"/>
           </a:p>
@@ -3402,7 +3402,7 @@
           <a:p>
             <a:fld id="{126129D5-3A97-4BA4-9E42-A0ED28A828FF}" type="datetimeFigureOut">
               <a:rPr lang="en-US" smtClean="0"/>
-              <a:t>4/23/2019</a:t>
+              <a:t>4/24/2019</a:t>
             </a:fld>
             <a:endParaRPr lang="en-US"/>
           </a:p>
@@ -3792,7 +3792,7 @@
           <a:p>
             <a:fld id="{126129D5-3A97-4BA4-9E42-A0ED28A828FF}" type="datetimeFigureOut">
               <a:rPr lang="en-US" smtClean="0"/>
-              <a:t>4/23/2019</a:t>
+              <a:t>4/24/2019</a:t>
             </a:fld>
             <a:endParaRPr lang="en-US"/>
           </a:p>
@@ -3915,7 +3915,7 @@
           <a:p>
             <a:fld id="{126129D5-3A97-4BA4-9E42-A0ED28A828FF}" type="datetimeFigureOut">
               <a:rPr lang="en-US" smtClean="0"/>
-              <a:t>4/23/2019</a:t>
+              <a:t>4/24/2019</a:t>
             </a:fld>
             <a:endParaRPr lang="en-US"/>
           </a:p>
@@ -4010,7 +4010,7 @@
           <a:p>
             <a:fld id="{126129D5-3A97-4BA4-9E42-A0ED28A828FF}" type="datetimeFigureOut">
               <a:rPr lang="en-US" smtClean="0"/>
-              <a:t>4/23/2019</a:t>
+              <a:t>4/24/2019</a:t>
             </a:fld>
             <a:endParaRPr lang="en-US"/>
           </a:p>
@@ -4773,7 +4773,7 @@
           <a:p>
             <a:fld id="{126129D5-3A97-4BA4-9E42-A0ED28A828FF}" type="datetimeFigureOut">
               <a:rPr lang="en-US" smtClean="0"/>
-              <a:t>4/23/2019</a:t>
+              <a:t>4/24/2019</a:t>
             </a:fld>
             <a:endParaRPr lang="en-US"/>
           </a:p>
@@ -5613,7 +5613,7 @@
           <a:p>
             <a:fld id="{126129D5-3A97-4BA4-9E42-A0ED28A828FF}" type="datetimeFigureOut">
               <a:rPr lang="en-US" smtClean="0"/>
-              <a:t>4/23/2019</a:t>
+              <a:t>4/24/2019</a:t>
             </a:fld>
             <a:endParaRPr lang="en-US"/>
           </a:p>
@@ -5840,7 +5840,7 @@
           <a:p>
             <a:fld id="{126129D5-3A97-4BA4-9E42-A0ED28A828FF}" type="datetimeFigureOut">
               <a:rPr lang="en-US" smtClean="0"/>
-              <a:t>4/23/2019</a:t>
+              <a:t>4/24/2019</a:t>
             </a:fld>
             <a:endParaRPr lang="en-US"/>
           </a:p>
@@ -7784,7 +7784,7 @@
             </a:pPr>
             <a:r>
               <a:rPr lang="en-US" dirty="0"/>
-              <a:t>+ </a:t>
+              <a:t> </a:t>
             </a:r>
           </a:p>
           <a:p>
@@ -7793,7 +7793,7 @@
             </a:pPr>
             <a:r>
               <a:rPr lang="en-US" dirty="0"/>
-              <a:t>+ </a:t>
+              <a:t> </a:t>
             </a:r>
           </a:p>
           <a:p>
@@ -7802,7 +7802,7 @@
             </a:pPr>
             <a:r>
               <a:rPr lang="en-US" dirty="0"/>
-              <a:t>+ </a:t>
+              <a:t> </a:t>
             </a:r>
           </a:p>
           <a:p>
@@ -7811,7 +7811,7 @@
             </a:pPr>
             <a:r>
               <a:rPr lang="en-US" dirty="0"/>
-              <a:t>+ </a:t>
+              <a:t> </a:t>
             </a:r>
           </a:p>
           <a:p>
@@ -7820,7 +7820,7 @@
             </a:pPr>
             <a:r>
               <a:rPr lang="en-US" dirty="0"/>
-              <a:t>+ </a:t>
+              <a:t> </a:t>
             </a:r>
           </a:p>
           <a:p>
@@ -7842,10 +7842,7 @@
             <a:pPr marL="0" indent="0">
               <a:buNone/>
             </a:pPr>
-            <a:r>
-              <a:rPr lang="en-US" dirty="0"/>
-              <a:t>+ </a:t>
-            </a:r>
+            <a:endParaRPr lang="en-US" dirty="0"/>
           </a:p>
           <a:p>
             <a:pPr marL="0" indent="0">
@@ -7853,7 +7850,7 @@
             </a:pPr>
             <a:r>
               <a:rPr lang="en-US" dirty="0"/>
-              <a:t>+ </a:t>
+              <a:t> </a:t>
             </a:r>
           </a:p>
           <a:p>
@@ -7862,7 +7859,7 @@
             </a:pPr>
             <a:r>
               <a:rPr lang="en-US" dirty="0"/>
-              <a:t>+ </a:t>
+              <a:t> </a:t>
             </a:r>
           </a:p>
           <a:p>
@@ -7871,7 +7868,7 @@
             </a:pPr>
             <a:r>
               <a:rPr lang="en-US" dirty="0"/>
-              <a:t>+ </a:t>
+              <a:t> </a:t>
             </a:r>
           </a:p>
           <a:p>
@@ -7880,7 +7877,7 @@
             </a:pPr>
             <a:r>
               <a:rPr lang="en-US" dirty="0"/>
-              <a:t>+ </a:t>
+              <a:t> </a:t>
             </a:r>
           </a:p>
           <a:p>
@@ -7889,7 +7886,7 @@
             </a:pPr>
             <a:r>
               <a:rPr lang="en-US" dirty="0"/>
-              <a:t>+ </a:t>
+              <a:t> </a:t>
             </a:r>
           </a:p>
         </p:txBody>

--- a/GPS DETECTER PROJECT.pptx
+++ b/GPS DETECTER PROJECT.pptx
@@ -1337,7 +1337,7 @@
           <a:p>
             <a:fld id="{126129D5-3A97-4BA4-9E42-A0ED28A828FF}" type="datetimeFigureOut">
               <a:rPr lang="en-US" smtClean="0"/>
-              <a:t>4/24/2019</a:t>
+              <a:t>5/13/2019</a:t>
             </a:fld>
             <a:endParaRPr lang="en-US"/>
           </a:p>
@@ -1575,7 +1575,7 @@
           <a:p>
             <a:fld id="{126129D5-3A97-4BA4-9E42-A0ED28A828FF}" type="datetimeFigureOut">
               <a:rPr lang="en-US" smtClean="0"/>
-              <a:t>4/24/2019</a:t>
+              <a:t>5/13/2019</a:t>
             </a:fld>
             <a:endParaRPr lang="en-US"/>
           </a:p>
@@ -1755,7 +1755,7 @@
           <a:p>
             <a:fld id="{126129D5-3A97-4BA4-9E42-A0ED28A828FF}" type="datetimeFigureOut">
               <a:rPr lang="en-US" smtClean="0"/>
-              <a:t>4/24/2019</a:t>
+              <a:t>5/13/2019</a:t>
             </a:fld>
             <a:endParaRPr lang="en-US"/>
           </a:p>
@@ -1925,7 +1925,7 @@
           <a:p>
             <a:fld id="{126129D5-3A97-4BA4-9E42-A0ED28A828FF}" type="datetimeFigureOut">
               <a:rPr lang="en-US" smtClean="0"/>
-              <a:t>4/24/2019</a:t>
+              <a:t>5/13/2019</a:t>
             </a:fld>
             <a:endParaRPr lang="en-US"/>
           </a:p>
@@ -2201,7 +2201,7 @@
           <a:p>
             <a:fld id="{126129D5-3A97-4BA4-9E42-A0ED28A828FF}" type="datetimeFigureOut">
               <a:rPr lang="en-US" smtClean="0"/>
-              <a:t>4/24/2019</a:t>
+              <a:t>5/13/2019</a:t>
             </a:fld>
             <a:endParaRPr lang="en-US"/>
           </a:p>
@@ -3402,7 +3402,7 @@
           <a:p>
             <a:fld id="{126129D5-3A97-4BA4-9E42-A0ED28A828FF}" type="datetimeFigureOut">
               <a:rPr lang="en-US" smtClean="0"/>
-              <a:t>4/24/2019</a:t>
+              <a:t>5/13/2019</a:t>
             </a:fld>
             <a:endParaRPr lang="en-US"/>
           </a:p>
@@ -3792,7 +3792,7 @@
           <a:p>
             <a:fld id="{126129D5-3A97-4BA4-9E42-A0ED28A828FF}" type="datetimeFigureOut">
               <a:rPr lang="en-US" smtClean="0"/>
-              <a:t>4/24/2019</a:t>
+              <a:t>5/13/2019</a:t>
             </a:fld>
             <a:endParaRPr lang="en-US"/>
           </a:p>
@@ -3915,7 +3915,7 @@
           <a:p>
             <a:fld id="{126129D5-3A97-4BA4-9E42-A0ED28A828FF}" type="datetimeFigureOut">
               <a:rPr lang="en-US" smtClean="0"/>
-              <a:t>4/24/2019</a:t>
+              <a:t>5/13/2019</a:t>
             </a:fld>
             <a:endParaRPr lang="en-US"/>
           </a:p>
@@ -4010,7 +4010,7 @@
           <a:p>
             <a:fld id="{126129D5-3A97-4BA4-9E42-A0ED28A828FF}" type="datetimeFigureOut">
               <a:rPr lang="en-US" smtClean="0"/>
-              <a:t>4/24/2019</a:t>
+              <a:t>5/13/2019</a:t>
             </a:fld>
             <a:endParaRPr lang="en-US"/>
           </a:p>
@@ -4773,7 +4773,7 @@
           <a:p>
             <a:fld id="{126129D5-3A97-4BA4-9E42-A0ED28A828FF}" type="datetimeFigureOut">
               <a:rPr lang="en-US" smtClean="0"/>
-              <a:t>4/24/2019</a:t>
+              <a:t>5/13/2019</a:t>
             </a:fld>
             <a:endParaRPr lang="en-US"/>
           </a:p>
@@ -5613,7 +5613,7 @@
           <a:p>
             <a:fld id="{126129D5-3A97-4BA4-9E42-A0ED28A828FF}" type="datetimeFigureOut">
               <a:rPr lang="en-US" smtClean="0"/>
-              <a:t>4/24/2019</a:t>
+              <a:t>5/13/2019</a:t>
             </a:fld>
             <a:endParaRPr lang="en-US"/>
           </a:p>
@@ -5840,7 +5840,7 @@
           <a:p>
             <a:fld id="{126129D5-3A97-4BA4-9E42-A0ED28A828FF}" type="datetimeFigureOut">
               <a:rPr lang="en-US" smtClean="0"/>
-              <a:t>4/24/2019</a:t>
+              <a:t>5/13/2019</a:t>
             </a:fld>
             <a:endParaRPr lang="en-US"/>
           </a:p>

--- a/GPS DETECTER PROJECT.pptx
+++ b/GPS DETECTER PROJECT.pptx
@@ -11,15 +11,10 @@
     <p:sldId id="265" r:id="rId5"/>
     <p:sldId id="266" r:id="rId6"/>
     <p:sldId id="267" r:id="rId7"/>
-    <p:sldId id="268" r:id="rId8"/>
-    <p:sldId id="269" r:id="rId9"/>
-    <p:sldId id="258" r:id="rId10"/>
-    <p:sldId id="259" r:id="rId11"/>
-    <p:sldId id="260" r:id="rId12"/>
-    <p:sldId id="261" r:id="rId13"/>
-    <p:sldId id="262" r:id="rId14"/>
-    <p:sldId id="263" r:id="rId15"/>
-    <p:sldId id="270" r:id="rId16"/>
+    <p:sldId id="260" r:id="rId8"/>
+    <p:sldId id="262" r:id="rId9"/>
+    <p:sldId id="263" r:id="rId10"/>
+    <p:sldId id="270" r:id="rId11"/>
   </p:sldIdLst>
   <p:sldSz cx="12192000" cy="6858000"/>
   <p:notesSz cx="6858000" cy="9144000"/>
@@ -1337,7 +1332,7 @@
           <a:p>
             <a:fld id="{126129D5-3A97-4BA4-9E42-A0ED28A828FF}" type="datetimeFigureOut">
               <a:rPr lang="en-US" smtClean="0"/>
-              <a:t>5/13/2019</a:t>
+              <a:t>5/25/2019</a:t>
             </a:fld>
             <a:endParaRPr lang="en-US"/>
           </a:p>
@@ -1575,7 +1570,7 @@
           <a:p>
             <a:fld id="{126129D5-3A97-4BA4-9E42-A0ED28A828FF}" type="datetimeFigureOut">
               <a:rPr lang="en-US" smtClean="0"/>
-              <a:t>5/13/2019</a:t>
+              <a:t>5/25/2019</a:t>
             </a:fld>
             <a:endParaRPr lang="en-US"/>
           </a:p>
@@ -1755,7 +1750,7 @@
           <a:p>
             <a:fld id="{126129D5-3A97-4BA4-9E42-A0ED28A828FF}" type="datetimeFigureOut">
               <a:rPr lang="en-US" smtClean="0"/>
-              <a:t>5/13/2019</a:t>
+              <a:t>5/25/2019</a:t>
             </a:fld>
             <a:endParaRPr lang="en-US"/>
           </a:p>
@@ -1925,7 +1920,7 @@
           <a:p>
             <a:fld id="{126129D5-3A97-4BA4-9E42-A0ED28A828FF}" type="datetimeFigureOut">
               <a:rPr lang="en-US" smtClean="0"/>
-              <a:t>5/13/2019</a:t>
+              <a:t>5/25/2019</a:t>
             </a:fld>
             <a:endParaRPr lang="en-US"/>
           </a:p>
@@ -2201,7 +2196,7 @@
           <a:p>
             <a:fld id="{126129D5-3A97-4BA4-9E42-A0ED28A828FF}" type="datetimeFigureOut">
               <a:rPr lang="en-US" smtClean="0"/>
-              <a:t>5/13/2019</a:t>
+              <a:t>5/25/2019</a:t>
             </a:fld>
             <a:endParaRPr lang="en-US"/>
           </a:p>
@@ -3402,7 +3397,7 @@
           <a:p>
             <a:fld id="{126129D5-3A97-4BA4-9E42-A0ED28A828FF}" type="datetimeFigureOut">
               <a:rPr lang="en-US" smtClean="0"/>
-              <a:t>5/13/2019</a:t>
+              <a:t>5/25/2019</a:t>
             </a:fld>
             <a:endParaRPr lang="en-US"/>
           </a:p>
@@ -3460,7 +3455,7 @@
   <p:clrMapOvr>
     <a:masterClrMapping/>
   </p:clrMapOvr>
-  <p:extLst mod="1">
+  <p:extLst>
     <p:ext uri="{DCECCB84-F9BA-43D5-87BE-67443E8EF086}">
       <p15:sldGuideLst xmlns:p15="http://schemas.microsoft.com/office/powerpoint/2012/main"/>
     </p:ext>
@@ -3792,7 +3787,7 @@
           <a:p>
             <a:fld id="{126129D5-3A97-4BA4-9E42-A0ED28A828FF}" type="datetimeFigureOut">
               <a:rPr lang="en-US" smtClean="0"/>
-              <a:t>5/13/2019</a:t>
+              <a:t>5/25/2019</a:t>
             </a:fld>
             <a:endParaRPr lang="en-US"/>
           </a:p>
@@ -3850,7 +3845,7 @@
   <p:clrMapOvr>
     <a:masterClrMapping/>
   </p:clrMapOvr>
-  <p:extLst mod="1">
+  <p:extLst>
     <p:ext uri="{DCECCB84-F9BA-43D5-87BE-67443E8EF086}">
       <p15:sldGuideLst xmlns:p15="http://schemas.microsoft.com/office/powerpoint/2012/main"/>
     </p:ext>
@@ -3915,7 +3910,7 @@
           <a:p>
             <a:fld id="{126129D5-3A97-4BA4-9E42-A0ED28A828FF}" type="datetimeFigureOut">
               <a:rPr lang="en-US" smtClean="0"/>
-              <a:t>5/13/2019</a:t>
+              <a:t>5/25/2019</a:t>
             </a:fld>
             <a:endParaRPr lang="en-US"/>
           </a:p>
@@ -4010,7 +4005,7 @@
           <a:p>
             <a:fld id="{126129D5-3A97-4BA4-9E42-A0ED28A828FF}" type="datetimeFigureOut">
               <a:rPr lang="en-US" smtClean="0"/>
-              <a:t>5/13/2019</a:t>
+              <a:t>5/25/2019</a:t>
             </a:fld>
             <a:endParaRPr lang="en-US"/>
           </a:p>
@@ -4773,7 +4768,7 @@
           <a:p>
             <a:fld id="{126129D5-3A97-4BA4-9E42-A0ED28A828FF}" type="datetimeFigureOut">
               <a:rPr lang="en-US" smtClean="0"/>
-              <a:t>5/13/2019</a:t>
+              <a:t>5/25/2019</a:t>
             </a:fld>
             <a:endParaRPr lang="en-US"/>
           </a:p>
@@ -4879,7 +4874,7 @@
   <p:clrMapOvr>
     <a:masterClrMapping/>
   </p:clrMapOvr>
-  <p:extLst mod="1">
+  <p:extLst>
     <p:ext uri="{DCECCB84-F9BA-43D5-87BE-67443E8EF086}">
       <p15:sldGuideLst xmlns:p15="http://schemas.microsoft.com/office/powerpoint/2012/main">
         <p15:guide id="1" orient="horz" pos="696">
@@ -5613,7 +5608,7 @@
           <a:p>
             <a:fld id="{126129D5-3A97-4BA4-9E42-A0ED28A828FF}" type="datetimeFigureOut">
               <a:rPr lang="en-US" smtClean="0"/>
-              <a:t>5/13/2019</a:t>
+              <a:t>5/25/2019</a:t>
             </a:fld>
             <a:endParaRPr lang="en-US"/>
           </a:p>
@@ -5840,7 +5835,7 @@
           <a:p>
             <a:fld id="{126129D5-3A97-4BA4-9E42-A0ED28A828FF}" type="datetimeFigureOut">
               <a:rPr lang="en-US" smtClean="0"/>
-              <a:t>5/13/2019</a:t>
+              <a:t>5/25/2019</a:t>
             </a:fld>
             <a:endParaRPr lang="en-US"/>
           </a:p>
@@ -6783,7 +6778,7 @@
       </a:lvl9pPr>
     </p:otherStyle>
   </p:txStyles>
-  <p:extLst mod="1">
+  <p:extLst>
     <p:ext uri="{27BBF7A9-308A-43DC-89C8-2F10F3537804}">
       <p15:sldGuideLst xmlns:p15="http://schemas.microsoft.com/office/powerpoint/2012/main">
         <p15:guide id="1" pos="792">
@@ -6886,9 +6881,31 @@
         <p:spPr/>
         <p:txBody>
           <a:bodyPr>
-            <a:normAutofit lnSpcReduction="10000"/>
+            <a:normAutofit fontScale="55000" lnSpcReduction="20000"/>
           </a:bodyPr>
           <a:lstStyle/>
+          <a:p>
+            <a:r>
+              <a:rPr lang="en-US" dirty="0"/>
+              <a:t>Instructor: </a:t>
+            </a:r>
+            <a:r>
+              <a:rPr lang="en-US" dirty="0" err="1"/>
+              <a:t>hà</a:t>
+            </a:r>
+            <a:r>
+              <a:rPr lang="en-US" dirty="0"/>
+              <a:t> </a:t>
+            </a:r>
+            <a:r>
+              <a:rPr lang="en-US" dirty="0" err="1"/>
+              <a:t>hoàng</a:t>
+            </a:r>
+            <a:r>
+              <a:rPr lang="en-US"/>
+              <a:t> kha</a:t>
+            </a:r>
+          </a:p>
           <a:p>
             <a:r>
               <a:rPr lang="en-US" dirty="0"/>
@@ -6974,7 +6991,7 @@
           <p:cNvPr id="2" name="Title 1">
             <a:extLst>
               <a:ext uri="{FF2B5EF4-FFF2-40B4-BE49-F238E27FC236}">
-                <a16:creationId xmlns:a16="http://schemas.microsoft.com/office/drawing/2014/main" id="{E0B11B04-FADE-43BD-860E-976CEEA304FE}"/>
+                <a16:creationId xmlns:a16="http://schemas.microsoft.com/office/drawing/2014/main" id="{F60FC6C1-EAC2-4C8B-9757-0F6EF4B2DB0E}"/>
               </a:ext>
             </a:extLst>
           </p:cNvPr>
@@ -6990,10 +7007,7 @@
           <a:bodyPr/>
           <a:lstStyle/>
           <a:p>
-            <a:r>
-              <a:rPr lang="en-US" dirty="0"/>
-              <a:t>III/ Local website</a:t>
-            </a:r>
+            <a:endParaRPr lang="en-US"/>
           </a:p>
         </p:txBody>
       </p:sp>
@@ -7002,7 +7016,7 @@
           <p:cNvPr id="3" name="Content Placeholder 2">
             <a:extLst>
               <a:ext uri="{FF2B5EF4-FFF2-40B4-BE49-F238E27FC236}">
-                <a16:creationId xmlns:a16="http://schemas.microsoft.com/office/drawing/2014/main" id="{2C05DE46-DBF1-47B5-B268-D437678AA151}"/>
+                <a16:creationId xmlns:a16="http://schemas.microsoft.com/office/drawing/2014/main" id="{7CC4DAA2-7F09-42EE-BF42-8C19ABBD222A}"/>
               </a:ext>
             </a:extLst>
           </p:cNvPr>
@@ -7018,44 +7032,61 @@
           <a:bodyPr/>
           <a:lstStyle/>
           <a:p>
-            <a:endParaRPr lang="en-US" dirty="0"/>
+            <a:endParaRPr lang="en-US"/>
           </a:p>
         </p:txBody>
       </p:sp>
       <p:pic>
         <p:nvPicPr>
-          <p:cNvPr id="4" name="Picture 3">
+          <p:cNvPr id="2050" name="Picture 2" descr="Káº¿t quáº£ hÃ¬nh áº£nh cho Thank you">
             <a:extLst>
               <a:ext uri="{FF2B5EF4-FFF2-40B4-BE49-F238E27FC236}">
-                <a16:creationId xmlns:a16="http://schemas.microsoft.com/office/drawing/2014/main" id="{5B13856B-70C1-412E-A84A-6989D41A64AB}"/>
+                <a16:creationId xmlns:a16="http://schemas.microsoft.com/office/drawing/2014/main" id="{F4E10B4C-349C-4A19-BDCC-5DE97C255F68}"/>
               </a:ext>
             </a:extLst>
           </p:cNvPr>
           <p:cNvPicPr>
-            <a:picLocks noChangeAspect="1"/>
+            <a:picLocks noChangeAspect="1" noChangeArrowheads="1"/>
           </p:cNvPicPr>
           <p:nvPr/>
         </p:nvPicPr>
         <p:blipFill>
-          <a:blip r:embed="rId2"/>
+          <a:blip r:embed="rId2">
+            <a:extLst>
+              <a:ext uri="{28A0092B-C50C-407E-A947-70E740481C1C}">
+                <a14:useLocalDpi xmlns:a14="http://schemas.microsoft.com/office/drawing/2010/main" val="0"/>
+              </a:ext>
+            </a:extLst>
+          </a:blip>
+          <a:srcRect/>
           <a:stretch>
             <a:fillRect/>
           </a:stretch>
         </p:blipFill>
-        <p:spPr>
+        <p:spPr bwMode="auto">
           <a:xfrm>
-            <a:off x="1470991" y="1421455"/>
-            <a:ext cx="8905461" cy="4778699"/>
+            <a:off x="838200" y="-13252"/>
+            <a:ext cx="10810323" cy="7204658"/>
           </a:xfrm>
           <a:prstGeom prst="rect">
             <a:avLst/>
           </a:prstGeom>
+          <a:noFill/>
+          <a:extLst>
+            <a:ext uri="{909E8E84-426E-40DD-AFC4-6F175D3DCCD1}">
+              <a14:hiddenFill xmlns:a14="http://schemas.microsoft.com/office/drawing/2010/main">
+                <a:solidFill>
+                  <a:srgbClr val="FFFFFF"/>
+                </a:solidFill>
+              </a14:hiddenFill>
+            </a:ext>
+          </a:extLst>
         </p:spPr>
       </p:pic>
     </p:spTree>
     <p:extLst>
       <p:ext uri="{BB962C8B-B14F-4D97-AF65-F5344CB8AC3E}">
-        <p14:creationId xmlns:p14="http://schemas.microsoft.com/office/powerpoint/2010/main" val="2673389688"/>
+        <p14:creationId xmlns:p14="http://schemas.microsoft.com/office/powerpoint/2010/main" val="3331880871"/>
       </p:ext>
     </p:extLst>
   </p:cSld>
@@ -7065,7 +7096,843 @@
 </p:sld>
 </file>
 
-<file path=ppt/slides/slide11.xml><?xml version="1.0" encoding="utf-8"?>
+<file path=ppt/slides/slide2.xml><?xml version="1.0" encoding="utf-8"?>
+<p:sld xmlns:a="http://schemas.openxmlformats.org/drawingml/2006/main" xmlns:r="http://schemas.openxmlformats.org/officeDocument/2006/relationships" xmlns:p="http://schemas.openxmlformats.org/presentationml/2006/main">
+  <p:cSld>
+    <p:spTree>
+      <p:nvGrpSpPr>
+        <p:cNvPr id="1" name=""/>
+        <p:cNvGrpSpPr/>
+        <p:nvPr/>
+      </p:nvGrpSpPr>
+      <p:grpSpPr>
+        <a:xfrm>
+          <a:off x="0" y="0"/>
+          <a:ext cx="0" cy="0"/>
+          <a:chOff x="0" y="0"/>
+          <a:chExt cx="0" cy="0"/>
+        </a:xfrm>
+      </p:grpSpPr>
+      <p:sp>
+        <p:nvSpPr>
+          <p:cNvPr id="2" name="Title 1">
+            <a:extLst>
+              <a:ext uri="{FF2B5EF4-FFF2-40B4-BE49-F238E27FC236}">
+                <a16:creationId xmlns:a16="http://schemas.microsoft.com/office/drawing/2014/main" id="{53068791-53BE-425F-9232-8813D4932E05}"/>
+              </a:ext>
+            </a:extLst>
+          </p:cNvPr>
+          <p:cNvSpPr>
+            <a:spLocks noGrp="1"/>
+          </p:cNvSpPr>
+          <p:nvPr>
+            <p:ph type="title"/>
+          </p:nvPr>
+        </p:nvSpPr>
+        <p:spPr/>
+        <p:txBody>
+          <a:bodyPr/>
+          <a:lstStyle/>
+          <a:p>
+            <a:r>
+              <a:rPr lang="en-US" dirty="0"/>
+              <a:t>Overview</a:t>
+            </a:r>
+          </a:p>
+        </p:txBody>
+      </p:sp>
+      <p:sp>
+        <p:nvSpPr>
+          <p:cNvPr id="3" name="Content Placeholder 2">
+            <a:extLst>
+              <a:ext uri="{FF2B5EF4-FFF2-40B4-BE49-F238E27FC236}">
+                <a16:creationId xmlns:a16="http://schemas.microsoft.com/office/drawing/2014/main" id="{8844C238-78B3-488F-9B3E-7E496F31833D}"/>
+              </a:ext>
+            </a:extLst>
+          </p:cNvPr>
+          <p:cNvSpPr>
+            <a:spLocks noGrp="1"/>
+          </p:cNvSpPr>
+          <p:nvPr>
+            <p:ph idx="1"/>
+          </p:nvPr>
+        </p:nvSpPr>
+        <p:spPr/>
+        <p:txBody>
+          <a:bodyPr/>
+          <a:lstStyle/>
+          <a:p>
+            <a:pPr marL="571500" indent="-571500">
+              <a:buFont typeface="+mj-lt"/>
+              <a:buAutoNum type="romanUcPeriod"/>
+            </a:pPr>
+            <a:r>
+              <a:rPr lang="en-US" dirty="0"/>
+              <a:t>Solution</a:t>
+            </a:r>
+          </a:p>
+          <a:p>
+            <a:pPr marL="571500" indent="-571500">
+              <a:buFont typeface="+mj-lt"/>
+              <a:buAutoNum type="romanUcPeriod"/>
+            </a:pPr>
+            <a:r>
+              <a:rPr lang="en-US" dirty="0"/>
+              <a:t>Necessary Framework</a:t>
+            </a:r>
+          </a:p>
+          <a:p>
+            <a:pPr marL="571500" indent="-571500">
+              <a:buFont typeface="+mj-lt"/>
+              <a:buAutoNum type="romanUcPeriod"/>
+            </a:pPr>
+            <a:r>
+              <a:rPr lang="en-US" dirty="0"/>
+              <a:t>Local website</a:t>
+            </a:r>
+          </a:p>
+          <a:p>
+            <a:pPr marL="571500" indent="-571500">
+              <a:buFont typeface="+mj-lt"/>
+              <a:buAutoNum type="romanUcPeriod"/>
+            </a:pPr>
+            <a:r>
+              <a:rPr lang="en-US" dirty="0"/>
+              <a:t>Restriction and problems</a:t>
+            </a:r>
+          </a:p>
+          <a:p>
+            <a:pPr marL="571500" indent="-571500">
+              <a:buFont typeface="+mj-lt"/>
+              <a:buAutoNum type="romanUcPeriod"/>
+            </a:pPr>
+            <a:r>
+              <a:rPr lang="en-US" dirty="0"/>
+              <a:t>Reference</a:t>
+            </a:r>
+          </a:p>
+          <a:p>
+            <a:pPr marL="571500" indent="-571500">
+              <a:buFont typeface="+mj-lt"/>
+              <a:buAutoNum type="romanUcPeriod"/>
+            </a:pPr>
+            <a:endParaRPr lang="en-US" dirty="0"/>
+          </a:p>
+        </p:txBody>
+      </p:sp>
+    </p:spTree>
+    <p:extLst>
+      <p:ext uri="{BB962C8B-B14F-4D97-AF65-F5344CB8AC3E}">
+        <p14:creationId xmlns:p14="http://schemas.microsoft.com/office/powerpoint/2010/main" val="598296448"/>
+      </p:ext>
+    </p:extLst>
+  </p:cSld>
+  <p:clrMapOvr>
+    <a:masterClrMapping/>
+  </p:clrMapOvr>
+</p:sld>
+</file>
+
+<file path=ppt/slides/slide3.xml><?xml version="1.0" encoding="utf-8"?>
+<p:sld xmlns:a="http://schemas.openxmlformats.org/drawingml/2006/main" xmlns:r="http://schemas.openxmlformats.org/officeDocument/2006/relationships" xmlns:p="http://schemas.openxmlformats.org/presentationml/2006/main">
+  <p:cSld>
+    <p:spTree>
+      <p:nvGrpSpPr>
+        <p:cNvPr id="1" name=""/>
+        <p:cNvGrpSpPr/>
+        <p:nvPr/>
+      </p:nvGrpSpPr>
+      <p:grpSpPr>
+        <a:xfrm>
+          <a:off x="0" y="0"/>
+          <a:ext cx="0" cy="0"/>
+          <a:chOff x="0" y="0"/>
+          <a:chExt cx="0" cy="0"/>
+        </a:xfrm>
+      </p:grpSpPr>
+      <p:sp>
+        <p:nvSpPr>
+          <p:cNvPr id="2" name="Title 1">
+            <a:extLst>
+              <a:ext uri="{FF2B5EF4-FFF2-40B4-BE49-F238E27FC236}">
+                <a16:creationId xmlns:a16="http://schemas.microsoft.com/office/drawing/2014/main" id="{5CA18521-A973-4281-8BDB-36E7537A0EF1}"/>
+              </a:ext>
+            </a:extLst>
+          </p:cNvPr>
+          <p:cNvSpPr>
+            <a:spLocks noGrp="1"/>
+          </p:cNvSpPr>
+          <p:nvPr>
+            <p:ph type="title"/>
+          </p:nvPr>
+        </p:nvSpPr>
+        <p:spPr/>
+        <p:txBody>
+          <a:bodyPr/>
+          <a:lstStyle/>
+          <a:p>
+            <a:r>
+              <a:rPr lang="en-US" dirty="0"/>
+              <a:t>I</a:t>
+            </a:r>
+            <a:r>
+              <a:rPr lang="en-US"/>
+              <a:t>/ Solution</a:t>
+            </a:r>
+          </a:p>
+        </p:txBody>
+      </p:sp>
+      <p:sp>
+        <p:nvSpPr>
+          <p:cNvPr id="3" name="Content Placeholder 2">
+            <a:extLst>
+              <a:ext uri="{FF2B5EF4-FFF2-40B4-BE49-F238E27FC236}">
+                <a16:creationId xmlns:a16="http://schemas.microsoft.com/office/drawing/2014/main" id="{327FCF2D-5020-45F0-ADB7-FD6FDDAF771A}"/>
+              </a:ext>
+            </a:extLst>
+          </p:cNvPr>
+          <p:cNvSpPr>
+            <a:spLocks noGrp="1"/>
+          </p:cNvSpPr>
+          <p:nvPr>
+            <p:ph idx="1"/>
+          </p:nvPr>
+        </p:nvSpPr>
+        <p:spPr/>
+        <p:txBody>
+          <a:bodyPr/>
+          <a:lstStyle/>
+          <a:p>
+            <a:pPr marL="514350" indent="-514350">
+              <a:buFont typeface="+mj-lt"/>
+              <a:buAutoNum type="arabicPeriod"/>
+            </a:pPr>
+            <a:r>
+              <a:rPr lang="en-US" dirty="0"/>
+              <a:t>What is GPS?</a:t>
+            </a:r>
+          </a:p>
+          <a:p>
+            <a:pPr marL="514350" indent="-514350">
+              <a:buFont typeface="+mj-lt"/>
+              <a:buAutoNum type="arabicPeriod"/>
+            </a:pPr>
+            <a:r>
+              <a:rPr lang="en-US" dirty="0"/>
+              <a:t>How to get GPS?</a:t>
+            </a:r>
+          </a:p>
+          <a:p>
+            <a:pPr marL="514350" indent="-514350">
+              <a:buFont typeface="+mj-lt"/>
+              <a:buAutoNum type="arabicPeriod"/>
+            </a:pPr>
+            <a:r>
+              <a:rPr lang="en-US" dirty="0"/>
+              <a:t>Detect position</a:t>
+            </a:r>
+          </a:p>
+        </p:txBody>
+      </p:sp>
+    </p:spTree>
+    <p:extLst>
+      <p:ext uri="{BB962C8B-B14F-4D97-AF65-F5344CB8AC3E}">
+        <p14:creationId xmlns:p14="http://schemas.microsoft.com/office/powerpoint/2010/main" val="552068756"/>
+      </p:ext>
+    </p:extLst>
+  </p:cSld>
+  <p:clrMapOvr>
+    <a:masterClrMapping/>
+  </p:clrMapOvr>
+</p:sld>
+</file>
+
+<file path=ppt/slides/slide4.xml><?xml version="1.0" encoding="utf-8"?>
+<p:sld xmlns:a="http://schemas.openxmlformats.org/drawingml/2006/main" xmlns:r="http://schemas.openxmlformats.org/officeDocument/2006/relationships" xmlns:p="http://schemas.openxmlformats.org/presentationml/2006/main">
+  <p:cSld>
+    <p:spTree>
+      <p:nvGrpSpPr>
+        <p:cNvPr id="1" name=""/>
+        <p:cNvGrpSpPr/>
+        <p:nvPr/>
+      </p:nvGrpSpPr>
+      <p:grpSpPr>
+        <a:xfrm>
+          <a:off x="0" y="0"/>
+          <a:ext cx="0" cy="0"/>
+          <a:chOff x="0" y="0"/>
+          <a:chExt cx="0" cy="0"/>
+        </a:xfrm>
+      </p:grpSpPr>
+      <p:sp>
+        <p:nvSpPr>
+          <p:cNvPr id="2" name="Title 1"/>
+          <p:cNvSpPr>
+            <a:spLocks noGrp="1"/>
+          </p:cNvSpPr>
+          <p:nvPr>
+            <p:ph type="title"/>
+          </p:nvPr>
+        </p:nvSpPr>
+        <p:spPr/>
+        <p:txBody>
+          <a:bodyPr/>
+          <a:lstStyle/>
+          <a:p>
+            <a:r>
+              <a:rPr lang="en-US" dirty="0"/>
+              <a:t>1/ What is GPS?</a:t>
+            </a:r>
+          </a:p>
+        </p:txBody>
+      </p:sp>
+      <p:sp>
+        <p:nvSpPr>
+          <p:cNvPr id="3" name="Content Placeholder 2"/>
+          <p:cNvSpPr>
+            <a:spLocks noGrp="1"/>
+          </p:cNvSpPr>
+          <p:nvPr>
+            <p:ph idx="1"/>
+          </p:nvPr>
+        </p:nvSpPr>
+        <p:spPr/>
+        <p:txBody>
+          <a:bodyPr>
+            <a:normAutofit/>
+          </a:bodyPr>
+          <a:lstStyle/>
+          <a:p>
+            <a:r>
+              <a:rPr lang="en-US" sz="2500" dirty="0"/>
+              <a:t>The Global Positioning System (GPS), originally </a:t>
+            </a:r>
+            <a:r>
+              <a:rPr lang="en-US" sz="2500" dirty="0" err="1"/>
+              <a:t>Navstar</a:t>
+            </a:r>
+            <a:r>
+              <a:rPr lang="en-US" sz="2500" dirty="0"/>
+              <a:t> GPS, is a satellite-based </a:t>
+            </a:r>
+            <a:r>
+              <a:rPr lang="en-US" sz="2500" dirty="0" err="1"/>
+              <a:t>radionavigation</a:t>
+            </a:r>
+            <a:r>
+              <a:rPr lang="en-US" sz="2500" dirty="0"/>
+              <a:t> system owned by the United States government and operated by the United States Air Force. It is a global navigation satellite system that provides geolocation and time information to a GPS receiver anywhere on or near the Earth where there is an unobstructed line of sight to four or more GPS satellites. Obstacles such as mountains and buildings block the relatively weak GPS signals.</a:t>
+            </a:r>
+          </a:p>
+        </p:txBody>
+      </p:sp>
+    </p:spTree>
+    <p:extLst>
+      <p:ext uri="{BB962C8B-B14F-4D97-AF65-F5344CB8AC3E}">
+        <p14:creationId xmlns:p14="http://schemas.microsoft.com/office/powerpoint/2010/main" val="2424245085"/>
+      </p:ext>
+    </p:extLst>
+  </p:cSld>
+  <p:clrMapOvr>
+    <a:masterClrMapping/>
+  </p:clrMapOvr>
+</p:sld>
+</file>
+
+<file path=ppt/slides/slide5.xml><?xml version="1.0" encoding="utf-8"?>
+<p:sld xmlns:a="http://schemas.openxmlformats.org/drawingml/2006/main" xmlns:r="http://schemas.openxmlformats.org/officeDocument/2006/relationships" xmlns:p="http://schemas.openxmlformats.org/presentationml/2006/main">
+  <p:cSld>
+    <p:spTree>
+      <p:nvGrpSpPr>
+        <p:cNvPr id="1" name=""/>
+        <p:cNvGrpSpPr/>
+        <p:nvPr/>
+      </p:nvGrpSpPr>
+      <p:grpSpPr>
+        <a:xfrm>
+          <a:off x="0" y="0"/>
+          <a:ext cx="0" cy="0"/>
+          <a:chOff x="0" y="0"/>
+          <a:chExt cx="0" cy="0"/>
+        </a:xfrm>
+      </p:grpSpPr>
+      <p:sp>
+        <p:nvSpPr>
+          <p:cNvPr id="3" name="Content Placeholder 2"/>
+          <p:cNvSpPr>
+            <a:spLocks noGrp="1"/>
+          </p:cNvSpPr>
+          <p:nvPr>
+            <p:ph idx="1"/>
+          </p:nvPr>
+        </p:nvSpPr>
+        <p:spPr>
+          <a:xfrm>
+            <a:off x="838200" y="543144"/>
+            <a:ext cx="10515600" cy="5908022"/>
+          </a:xfrm>
+        </p:spPr>
+        <p:txBody>
+          <a:bodyPr/>
+          <a:lstStyle/>
+          <a:p>
+            <a:r>
+              <a:rPr lang="en-US" sz="2000" dirty="0"/>
+              <a:t>American Government.</a:t>
+            </a:r>
+          </a:p>
+          <a:p>
+            <a:r>
+              <a:rPr lang="en-US" sz="2000" dirty="0"/>
+              <a:t>30 satellites, 27 work, 3 back-up.</a:t>
+            </a:r>
+          </a:p>
+          <a:p>
+            <a:r>
+              <a:rPr lang="en-US" sz="2000" dirty="0"/>
+              <a:t>20200 km, 7000 miles/h.</a:t>
+            </a:r>
+          </a:p>
+          <a:p>
+            <a:r>
+              <a:rPr lang="en-US" sz="2000" dirty="0"/>
+              <a:t>3 for longitude and latitude, 4 for height.</a:t>
+            </a:r>
+          </a:p>
+          <a:p>
+            <a:r>
+              <a:rPr lang="en-US" sz="2000" dirty="0"/>
+              <a:t>6 controller station, 1 center and 4 automatic, 1 back-up.</a:t>
+            </a:r>
+          </a:p>
+          <a:p>
+            <a:endParaRPr lang="en-US" sz="2000" dirty="0"/>
+          </a:p>
+          <a:p>
+            <a:endParaRPr lang="en-US" sz="2000" dirty="0"/>
+          </a:p>
+          <a:p>
+            <a:endParaRPr lang="en-US" dirty="0"/>
+          </a:p>
+        </p:txBody>
+      </p:sp>
+      <p:pic>
+        <p:nvPicPr>
+          <p:cNvPr id="1026" name="Picture 2" descr="HÃ¬nh áº£nh cÃ³ liÃªn quan"/>
+          <p:cNvPicPr>
+            <a:picLocks noChangeAspect="1" noChangeArrowheads="1"/>
+          </p:cNvPicPr>
+          <p:nvPr/>
+        </p:nvPicPr>
+        <p:blipFill>
+          <a:blip r:embed="rId2">
+            <a:extLst>
+              <a:ext uri="{28A0092B-C50C-407E-A947-70E740481C1C}">
+                <a14:useLocalDpi xmlns:a14="http://schemas.microsoft.com/office/drawing/2010/main" val="0"/>
+              </a:ext>
+            </a:extLst>
+          </a:blip>
+          <a:srcRect/>
+          <a:stretch>
+            <a:fillRect/>
+          </a:stretch>
+        </p:blipFill>
+        <p:spPr bwMode="auto">
+          <a:xfrm>
+            <a:off x="284300" y="3019205"/>
+            <a:ext cx="3295650" cy="3295651"/>
+          </a:xfrm>
+          <a:prstGeom prst="rect">
+            <a:avLst/>
+          </a:prstGeom>
+          <a:noFill/>
+          <a:extLst>
+            <a:ext uri="{909E8E84-426E-40DD-AFC4-6F175D3DCCD1}">
+              <a14:hiddenFill xmlns:a14="http://schemas.microsoft.com/office/drawing/2010/main">
+                <a:solidFill>
+                  <a:srgbClr val="FFFFFF"/>
+                </a:solidFill>
+              </a14:hiddenFill>
+            </a:ext>
+          </a:extLst>
+        </p:spPr>
+      </p:pic>
+      <p:pic>
+        <p:nvPicPr>
+          <p:cNvPr id="1028" name="Picture 4" descr="Káº¿t quáº£ hÃ¬nh áº£nh cho what is gps"/>
+          <p:cNvPicPr>
+            <a:picLocks noChangeAspect="1" noChangeArrowheads="1"/>
+          </p:cNvPicPr>
+          <p:nvPr/>
+        </p:nvPicPr>
+        <p:blipFill>
+          <a:blip r:embed="rId3">
+            <a:extLst>
+              <a:ext uri="{28A0092B-C50C-407E-A947-70E740481C1C}">
+                <a14:useLocalDpi xmlns:a14="http://schemas.microsoft.com/office/drawing/2010/main" val="0"/>
+              </a:ext>
+            </a:extLst>
+          </a:blip>
+          <a:srcRect/>
+          <a:stretch>
+            <a:fillRect/>
+          </a:stretch>
+        </p:blipFill>
+        <p:spPr bwMode="auto">
+          <a:xfrm>
+            <a:off x="8057960" y="2780660"/>
+            <a:ext cx="3555815" cy="2370543"/>
+          </a:xfrm>
+          <a:prstGeom prst="rect">
+            <a:avLst/>
+          </a:prstGeom>
+          <a:noFill/>
+          <a:extLst>
+            <a:ext uri="{909E8E84-426E-40DD-AFC4-6F175D3DCCD1}">
+              <a14:hiddenFill xmlns:a14="http://schemas.microsoft.com/office/drawing/2010/main">
+                <a:solidFill>
+                  <a:srgbClr val="FFFFFF"/>
+                </a:solidFill>
+              </a14:hiddenFill>
+            </a:ext>
+          </a:extLst>
+        </p:spPr>
+      </p:pic>
+      <p:pic>
+        <p:nvPicPr>
+          <p:cNvPr id="1030" name="Picture 6" descr="Káº¿t quáº£ hÃ¬nh áº£nh cho united states government"/>
+          <p:cNvPicPr>
+            <a:picLocks noChangeAspect="1" noChangeArrowheads="1"/>
+          </p:cNvPicPr>
+          <p:nvPr/>
+        </p:nvPicPr>
+        <p:blipFill>
+          <a:blip r:embed="rId4">
+            <a:extLst>
+              <a:ext uri="{28A0092B-C50C-407E-A947-70E740481C1C}">
+                <a14:useLocalDpi xmlns:a14="http://schemas.microsoft.com/office/drawing/2010/main" val="0"/>
+              </a:ext>
+            </a:extLst>
+          </a:blip>
+          <a:srcRect/>
+          <a:stretch>
+            <a:fillRect/>
+          </a:stretch>
+        </p:blipFill>
+        <p:spPr bwMode="auto">
+          <a:xfrm>
+            <a:off x="5960218" y="245726"/>
+            <a:ext cx="2357719" cy="1760431"/>
+          </a:xfrm>
+          <a:prstGeom prst="rect">
+            <a:avLst/>
+          </a:prstGeom>
+          <a:noFill/>
+          <a:extLst>
+            <a:ext uri="{909E8E84-426E-40DD-AFC4-6F175D3DCCD1}">
+              <a14:hiddenFill xmlns:a14="http://schemas.microsoft.com/office/drawing/2010/main">
+                <a:solidFill>
+                  <a:srgbClr val="FFFFFF"/>
+                </a:solidFill>
+              </a14:hiddenFill>
+            </a:ext>
+          </a:extLst>
+        </p:spPr>
+      </p:pic>
+      <p:pic>
+        <p:nvPicPr>
+          <p:cNvPr id="1032" name="Picture 8" descr="Káº¿t quáº£ hÃ¬nh áº£nh cho GPS device"/>
+          <p:cNvPicPr>
+            <a:picLocks noChangeAspect="1" noChangeArrowheads="1"/>
+          </p:cNvPicPr>
+          <p:nvPr/>
+        </p:nvPicPr>
+        <p:blipFill>
+          <a:blip r:embed="rId5">
+            <a:extLst>
+              <a:ext uri="{28A0092B-C50C-407E-A947-70E740481C1C}">
+                <a14:useLocalDpi xmlns:a14="http://schemas.microsoft.com/office/drawing/2010/main" val="0"/>
+              </a:ext>
+            </a:extLst>
+          </a:blip>
+          <a:srcRect/>
+          <a:stretch>
+            <a:fillRect/>
+          </a:stretch>
+        </p:blipFill>
+        <p:spPr bwMode="auto">
+          <a:xfrm>
+            <a:off x="8645150" y="245726"/>
+            <a:ext cx="2381437" cy="1764429"/>
+          </a:xfrm>
+          <a:prstGeom prst="rect">
+            <a:avLst/>
+          </a:prstGeom>
+          <a:noFill/>
+          <a:extLst>
+            <a:ext uri="{909E8E84-426E-40DD-AFC4-6F175D3DCCD1}">
+              <a14:hiddenFill xmlns:a14="http://schemas.microsoft.com/office/drawing/2010/main">
+                <a:solidFill>
+                  <a:srgbClr val="FFFFFF"/>
+                </a:solidFill>
+              </a14:hiddenFill>
+            </a:ext>
+          </a:extLst>
+        </p:spPr>
+      </p:pic>
+      <p:pic>
+        <p:nvPicPr>
+          <p:cNvPr id="1034" name="Picture 10" descr="Káº¿t quáº£ hÃ¬nh áº£nh cho satellite for gps"/>
+          <p:cNvPicPr>
+            <a:picLocks noChangeAspect="1" noChangeArrowheads="1"/>
+          </p:cNvPicPr>
+          <p:nvPr/>
+        </p:nvPicPr>
+        <p:blipFill>
+          <a:blip r:embed="rId6">
+            <a:extLst>
+              <a:ext uri="{28A0092B-C50C-407E-A947-70E740481C1C}">
+                <a14:useLocalDpi xmlns:a14="http://schemas.microsoft.com/office/drawing/2010/main" val="0"/>
+              </a:ext>
+            </a:extLst>
+          </a:blip>
+          <a:srcRect/>
+          <a:stretch>
+            <a:fillRect/>
+          </a:stretch>
+        </p:blipFill>
+        <p:spPr bwMode="auto">
+          <a:xfrm>
+            <a:off x="3998068" y="3019205"/>
+            <a:ext cx="3718264" cy="1893454"/>
+          </a:xfrm>
+          <a:prstGeom prst="rect">
+            <a:avLst/>
+          </a:prstGeom>
+          <a:noFill/>
+          <a:extLst>
+            <a:ext uri="{909E8E84-426E-40DD-AFC4-6F175D3DCCD1}">
+              <a14:hiddenFill xmlns:a14="http://schemas.microsoft.com/office/drawing/2010/main">
+                <a:solidFill>
+                  <a:srgbClr val="FFFFFF"/>
+                </a:solidFill>
+              </a14:hiddenFill>
+            </a:ext>
+          </a:extLst>
+        </p:spPr>
+      </p:pic>
+    </p:spTree>
+    <p:extLst>
+      <p:ext uri="{BB962C8B-B14F-4D97-AF65-F5344CB8AC3E}">
+        <p14:creationId xmlns:p14="http://schemas.microsoft.com/office/powerpoint/2010/main" val="2364052531"/>
+      </p:ext>
+    </p:extLst>
+  </p:cSld>
+  <p:clrMapOvr>
+    <a:masterClrMapping/>
+  </p:clrMapOvr>
+</p:sld>
+</file>
+
+<file path=ppt/slides/slide6.xml><?xml version="1.0" encoding="utf-8"?>
+<p:sld xmlns:a="http://schemas.openxmlformats.org/drawingml/2006/main" xmlns:r="http://schemas.openxmlformats.org/officeDocument/2006/relationships" xmlns:p="http://schemas.openxmlformats.org/presentationml/2006/main">
+  <p:cSld>
+    <p:spTree>
+      <p:nvGrpSpPr>
+        <p:cNvPr id="1" name=""/>
+        <p:cNvGrpSpPr/>
+        <p:nvPr/>
+      </p:nvGrpSpPr>
+      <p:grpSpPr>
+        <a:xfrm>
+          <a:off x="0" y="0"/>
+          <a:ext cx="0" cy="0"/>
+          <a:chOff x="0" y="0"/>
+          <a:chExt cx="0" cy="0"/>
+        </a:xfrm>
+      </p:grpSpPr>
+      <p:sp>
+        <p:nvSpPr>
+          <p:cNvPr id="2" name="Title 1">
+            <a:extLst>
+              <a:ext uri="{FF2B5EF4-FFF2-40B4-BE49-F238E27FC236}">
+                <a16:creationId xmlns:a16="http://schemas.microsoft.com/office/drawing/2014/main" id="{2DF89140-E817-40C5-A182-07B668C2D22B}"/>
+              </a:ext>
+            </a:extLst>
+          </p:cNvPr>
+          <p:cNvSpPr>
+            <a:spLocks noGrp="1"/>
+          </p:cNvSpPr>
+          <p:nvPr>
+            <p:ph type="title"/>
+          </p:nvPr>
+        </p:nvSpPr>
+        <p:spPr>
+          <a:xfrm>
+            <a:off x="1251678" y="342629"/>
+            <a:ext cx="10178322" cy="1492132"/>
+          </a:xfrm>
+        </p:spPr>
+        <p:txBody>
+          <a:bodyPr/>
+          <a:lstStyle/>
+          <a:p>
+            <a:r>
+              <a:rPr lang="en-US" dirty="0"/>
+              <a:t>SOLUTION</a:t>
+            </a:r>
+          </a:p>
+        </p:txBody>
+      </p:sp>
+      <p:sp>
+        <p:nvSpPr>
+          <p:cNvPr id="3" name="Content Placeholder 2">
+            <a:extLst>
+              <a:ext uri="{FF2B5EF4-FFF2-40B4-BE49-F238E27FC236}">
+                <a16:creationId xmlns:a16="http://schemas.microsoft.com/office/drawing/2014/main" id="{E88A71C6-2BFA-4018-9204-B61158A16292}"/>
+              </a:ext>
+            </a:extLst>
+          </p:cNvPr>
+          <p:cNvSpPr>
+            <a:spLocks noGrp="1"/>
+          </p:cNvSpPr>
+          <p:nvPr>
+            <p:ph idx="1"/>
+          </p:nvPr>
+        </p:nvSpPr>
+        <p:spPr>
+          <a:xfrm>
+            <a:off x="838200" y="1632089"/>
+            <a:ext cx="5257800" cy="4351338"/>
+          </a:xfrm>
+        </p:spPr>
+        <p:txBody>
+          <a:bodyPr>
+            <a:normAutofit/>
+          </a:bodyPr>
+          <a:lstStyle/>
+          <a:p>
+            <a:r>
+              <a:rPr lang="en-US" sz="2500" dirty="0"/>
+              <a:t>Build Android application to take the location.</a:t>
+            </a:r>
+          </a:p>
+          <a:p>
+            <a:r>
+              <a:rPr lang="en-US" sz="2500" dirty="0"/>
+              <a:t>A website to show results.</a:t>
+            </a:r>
+          </a:p>
+        </p:txBody>
+      </p:sp>
+      <p:pic>
+        <p:nvPicPr>
+          <p:cNvPr id="1026" name="Picture 2" descr="Káº¿t quáº£ hÃ¬nh áº£nh cho android phone">
+            <a:extLst>
+              <a:ext uri="{FF2B5EF4-FFF2-40B4-BE49-F238E27FC236}">
+                <a16:creationId xmlns:a16="http://schemas.microsoft.com/office/drawing/2014/main" id="{51C7DA1C-C399-4CAA-8D1A-64B7757E693F}"/>
+              </a:ext>
+            </a:extLst>
+          </p:cNvPr>
+          <p:cNvPicPr>
+            <a:picLocks noChangeAspect="1" noChangeArrowheads="1"/>
+          </p:cNvPicPr>
+          <p:nvPr/>
+        </p:nvPicPr>
+        <p:blipFill>
+          <a:blip r:embed="rId2">
+            <a:extLst>
+              <a:ext uri="{28A0092B-C50C-407E-A947-70E740481C1C}">
+                <a14:useLocalDpi xmlns:a14="http://schemas.microsoft.com/office/drawing/2010/main" val="0"/>
+              </a:ext>
+            </a:extLst>
+          </a:blip>
+          <a:srcRect/>
+          <a:stretch>
+            <a:fillRect/>
+          </a:stretch>
+        </p:blipFill>
+        <p:spPr bwMode="auto">
+          <a:xfrm>
+            <a:off x="6724937" y="669320"/>
+            <a:ext cx="4469837" cy="2985711"/>
+          </a:xfrm>
+          <a:prstGeom prst="rect">
+            <a:avLst/>
+          </a:prstGeom>
+          <a:noFill/>
+          <a:extLst>
+            <a:ext uri="{909E8E84-426E-40DD-AFC4-6F175D3DCCD1}">
+              <a14:hiddenFill xmlns:a14="http://schemas.microsoft.com/office/drawing/2010/main">
+                <a:solidFill>
+                  <a:srgbClr val="FFFFFF"/>
+                </a:solidFill>
+              </a14:hiddenFill>
+            </a:ext>
+          </a:extLst>
+        </p:spPr>
+      </p:pic>
+      <p:pic>
+        <p:nvPicPr>
+          <p:cNvPr id="4" name="Picture 2" descr="Káº¿t quáº£ hÃ¬nh áº£nh cho website">
+            <a:extLst>
+              <a:ext uri="{FF2B5EF4-FFF2-40B4-BE49-F238E27FC236}">
+                <a16:creationId xmlns:a16="http://schemas.microsoft.com/office/drawing/2014/main" id="{D2BF6794-0726-4215-9538-98F3934CE951}"/>
+              </a:ext>
+            </a:extLst>
+          </p:cNvPr>
+          <p:cNvPicPr>
+            <a:picLocks noChangeAspect="1" noChangeArrowheads="1"/>
+          </p:cNvPicPr>
+          <p:nvPr/>
+        </p:nvPicPr>
+        <p:blipFill>
+          <a:blip r:embed="rId3">
+            <a:extLst>
+              <a:ext uri="{28A0092B-C50C-407E-A947-70E740481C1C}">
+                <a14:useLocalDpi xmlns:a14="http://schemas.microsoft.com/office/drawing/2010/main" val="0"/>
+              </a:ext>
+            </a:extLst>
+          </a:blip>
+          <a:srcRect/>
+          <a:stretch>
+            <a:fillRect/>
+          </a:stretch>
+        </p:blipFill>
+        <p:spPr bwMode="auto">
+          <a:xfrm>
+            <a:off x="3317737" y="3429000"/>
+            <a:ext cx="3613150" cy="3429000"/>
+          </a:xfrm>
+          <a:prstGeom prst="rect">
+            <a:avLst/>
+          </a:prstGeom>
+          <a:noFill/>
+          <a:extLst>
+            <a:ext uri="{909E8E84-426E-40DD-AFC4-6F175D3DCCD1}">
+              <a14:hiddenFill xmlns:a14="http://schemas.microsoft.com/office/drawing/2010/main">
+                <a:solidFill>
+                  <a:srgbClr val="FFFFFF"/>
+                </a:solidFill>
+              </a14:hiddenFill>
+            </a:ext>
+          </a:extLst>
+        </p:spPr>
+      </p:pic>
+    </p:spTree>
+    <p:extLst>
+      <p:ext uri="{BB962C8B-B14F-4D97-AF65-F5344CB8AC3E}">
+        <p14:creationId xmlns:p14="http://schemas.microsoft.com/office/powerpoint/2010/main" val="4066938424"/>
+      </p:ext>
+    </p:extLst>
+  </p:cSld>
+  <p:clrMapOvr>
+    <a:masterClrMapping/>
+  </p:clrMapOvr>
+</p:sld>
+</file>
+
+<file path=ppt/slides/slide7.xml><?xml version="1.0" encoding="utf-8"?>
 <p:sld xmlns:a="http://schemas.openxmlformats.org/drawingml/2006/main" xmlns:r="http://schemas.openxmlformats.org/officeDocument/2006/relationships" xmlns:p="http://schemas.openxmlformats.org/presentationml/2006/main">
   <p:cSld>
     <p:spTree>
@@ -7687,224 +8554,7 @@
 </p:sld>
 </file>
 
-<file path=ppt/slides/slide12.xml><?xml version="1.0" encoding="utf-8"?>
-<p:sld xmlns:a="http://schemas.openxmlformats.org/drawingml/2006/main" xmlns:r="http://schemas.openxmlformats.org/officeDocument/2006/relationships" xmlns:p="http://schemas.openxmlformats.org/presentationml/2006/main">
-  <p:cSld>
-    <p:spTree>
-      <p:nvGrpSpPr>
-        <p:cNvPr id="1" name=""/>
-        <p:cNvGrpSpPr/>
-        <p:nvPr/>
-      </p:nvGrpSpPr>
-      <p:grpSpPr>
-        <a:xfrm>
-          <a:off x="0" y="0"/>
-          <a:ext cx="0" cy="0"/>
-          <a:chOff x="0" y="0"/>
-          <a:chExt cx="0" cy="0"/>
-        </a:xfrm>
-      </p:grpSpPr>
-      <p:sp>
-        <p:nvSpPr>
-          <p:cNvPr id="2" name="Title 1">
-            <a:extLst>
-              <a:ext uri="{FF2B5EF4-FFF2-40B4-BE49-F238E27FC236}">
-                <a16:creationId xmlns:a16="http://schemas.microsoft.com/office/drawing/2014/main" id="{18A8548F-1D37-4F1E-8691-FD6D58F17CF3}"/>
-              </a:ext>
-            </a:extLst>
-          </p:cNvPr>
-          <p:cNvSpPr>
-            <a:spLocks noGrp="1"/>
-          </p:cNvSpPr>
-          <p:nvPr>
-            <p:ph type="title"/>
-          </p:nvPr>
-        </p:nvSpPr>
-        <p:spPr/>
-        <p:txBody>
-          <a:bodyPr/>
-          <a:lstStyle/>
-          <a:p>
-            <a:r>
-              <a:rPr lang="en-US" dirty="0"/>
-              <a:t>IV/ Restriction and Problem</a:t>
-            </a:r>
-          </a:p>
-        </p:txBody>
-      </p:sp>
-      <p:sp>
-        <p:nvSpPr>
-          <p:cNvPr id="3" name="Content Placeholder 2">
-            <a:extLst>
-              <a:ext uri="{FF2B5EF4-FFF2-40B4-BE49-F238E27FC236}">
-                <a16:creationId xmlns:a16="http://schemas.microsoft.com/office/drawing/2014/main" id="{AFBFCB44-6128-4798-87D5-8B4B9012270F}"/>
-              </a:ext>
-            </a:extLst>
-          </p:cNvPr>
-          <p:cNvSpPr>
-            <a:spLocks noGrp="1"/>
-          </p:cNvSpPr>
-          <p:nvPr>
-            <p:ph idx="1"/>
-          </p:nvPr>
-        </p:nvSpPr>
-        <p:spPr/>
-        <p:txBody>
-          <a:bodyPr numCol="2">
-            <a:normAutofit/>
-          </a:bodyPr>
-          <a:lstStyle/>
-          <a:p>
-            <a:r>
-              <a:rPr lang="en-US" dirty="0"/>
-              <a:t>Problem</a:t>
-            </a:r>
-          </a:p>
-          <a:p>
-            <a:pPr marL="0" indent="0">
-              <a:buNone/>
-            </a:pPr>
-            <a:r>
-              <a:rPr lang="en-US" dirty="0"/>
-              <a:t>+ Can’t send data                              </a:t>
-            </a:r>
-          </a:p>
-          <a:p>
-            <a:pPr marL="0" indent="0">
-              <a:buNone/>
-            </a:pPr>
-            <a:r>
-              <a:rPr lang="en-US" dirty="0"/>
-              <a:t>+ First time at HTML, CSS, Android Studio.</a:t>
-            </a:r>
-          </a:p>
-          <a:p>
-            <a:pPr marL="0" indent="0">
-              <a:buNone/>
-            </a:pPr>
-            <a:r>
-              <a:rPr lang="en-US" dirty="0"/>
-              <a:t> </a:t>
-            </a:r>
-          </a:p>
-          <a:p>
-            <a:pPr marL="0" indent="0">
-              <a:buNone/>
-            </a:pPr>
-            <a:r>
-              <a:rPr lang="en-US" dirty="0"/>
-              <a:t> </a:t>
-            </a:r>
-          </a:p>
-          <a:p>
-            <a:pPr marL="0" indent="0">
-              <a:buNone/>
-            </a:pPr>
-            <a:r>
-              <a:rPr lang="en-US" dirty="0"/>
-              <a:t> </a:t>
-            </a:r>
-          </a:p>
-          <a:p>
-            <a:pPr marL="0" indent="0">
-              <a:buNone/>
-            </a:pPr>
-            <a:r>
-              <a:rPr lang="en-US" dirty="0"/>
-              <a:t> </a:t>
-            </a:r>
-          </a:p>
-          <a:p>
-            <a:pPr marL="0" indent="0">
-              <a:buNone/>
-            </a:pPr>
-            <a:r>
-              <a:rPr lang="en-US" dirty="0"/>
-              <a:t> </a:t>
-            </a:r>
-          </a:p>
-          <a:p>
-            <a:r>
-              <a:rPr lang="en-US" dirty="0"/>
-              <a:t>Restriction</a:t>
-            </a:r>
-          </a:p>
-          <a:p>
-            <a:pPr marL="0" indent="0">
-              <a:buNone/>
-            </a:pPr>
-            <a:r>
-              <a:rPr lang="en-US" dirty="0"/>
-              <a:t>+ Local web </a:t>
-            </a:r>
-          </a:p>
-          <a:p>
-            <a:pPr marL="0" indent="0">
-              <a:buNone/>
-            </a:pPr>
-            <a:endParaRPr lang="en-US" dirty="0"/>
-          </a:p>
-          <a:p>
-            <a:pPr marL="0" indent="0">
-              <a:buNone/>
-            </a:pPr>
-            <a:r>
-              <a:rPr lang="en-US" dirty="0"/>
-              <a:t> </a:t>
-            </a:r>
-          </a:p>
-          <a:p>
-            <a:pPr marL="0" indent="0">
-              <a:buNone/>
-            </a:pPr>
-            <a:r>
-              <a:rPr lang="en-US" dirty="0"/>
-              <a:t> </a:t>
-            </a:r>
-          </a:p>
-          <a:p>
-            <a:pPr marL="0" indent="0">
-              <a:buNone/>
-            </a:pPr>
-            <a:r>
-              <a:rPr lang="en-US" dirty="0"/>
-              <a:t> </a:t>
-            </a:r>
-          </a:p>
-          <a:p>
-            <a:pPr marL="0" indent="0">
-              <a:buNone/>
-            </a:pPr>
-            <a:r>
-              <a:rPr lang="en-US" dirty="0"/>
-              <a:t> </a:t>
-            </a:r>
-          </a:p>
-          <a:p>
-            <a:pPr marL="0" indent="0">
-              <a:buNone/>
-            </a:pPr>
-            <a:r>
-              <a:rPr lang="en-US" dirty="0"/>
-              <a:t> </a:t>
-            </a:r>
-          </a:p>
-        </p:txBody>
-      </p:sp>
-    </p:spTree>
-    <p:extLst>
-      <p:ext uri="{BB962C8B-B14F-4D97-AF65-F5344CB8AC3E}">
-        <p14:creationId xmlns:p14="http://schemas.microsoft.com/office/powerpoint/2010/main" val="1366092590"/>
-      </p:ext>
-    </p:extLst>
-  </p:cSld>
-  <p:clrMapOvr>
-    <a:masterClrMapping/>
-  </p:clrMapOvr>
-</p:sld>
-</file>
-
-<file path=ppt/slides/slide13.xml><?xml version="1.0" encoding="utf-8"?>
+<file path=ppt/slides/slide8.xml><?xml version="1.0" encoding="utf-8"?>
 <p:sld xmlns:a="http://schemas.openxmlformats.org/drawingml/2006/main" xmlns:r="http://schemas.openxmlformats.org/officeDocument/2006/relationships" xmlns:p="http://schemas.openxmlformats.org/presentationml/2006/main">
   <p:cSld>
     <p:spTree>
@@ -8182,7 +8832,7 @@
 </p:sld>
 </file>
 
-<file path=ppt/slides/slide14.xml><?xml version="1.0" encoding="utf-8"?>
+<file path=ppt/slides/slide9.xml><?xml version="1.0" encoding="utf-8"?>
 <p:sld xmlns:a="http://schemas.openxmlformats.org/drawingml/2006/main" xmlns:r="http://schemas.openxmlformats.org/officeDocument/2006/relationships" xmlns:p="http://schemas.openxmlformats.org/presentationml/2006/main">
   <p:cSld>
     <p:spTree>
@@ -8300,1701 +8950,6 @@
     <p:extLst>
       <p:ext uri="{BB962C8B-B14F-4D97-AF65-F5344CB8AC3E}">
         <p14:creationId xmlns:p14="http://schemas.microsoft.com/office/powerpoint/2010/main" val="3682416576"/>
-      </p:ext>
-    </p:extLst>
-  </p:cSld>
-  <p:clrMapOvr>
-    <a:masterClrMapping/>
-  </p:clrMapOvr>
-</p:sld>
-</file>
-
-<file path=ppt/slides/slide15.xml><?xml version="1.0" encoding="utf-8"?>
-<p:sld xmlns:a="http://schemas.openxmlformats.org/drawingml/2006/main" xmlns:r="http://schemas.openxmlformats.org/officeDocument/2006/relationships" xmlns:p="http://schemas.openxmlformats.org/presentationml/2006/main">
-  <p:cSld>
-    <p:spTree>
-      <p:nvGrpSpPr>
-        <p:cNvPr id="1" name=""/>
-        <p:cNvGrpSpPr/>
-        <p:nvPr/>
-      </p:nvGrpSpPr>
-      <p:grpSpPr>
-        <a:xfrm>
-          <a:off x="0" y="0"/>
-          <a:ext cx="0" cy="0"/>
-          <a:chOff x="0" y="0"/>
-          <a:chExt cx="0" cy="0"/>
-        </a:xfrm>
-      </p:grpSpPr>
-      <p:sp>
-        <p:nvSpPr>
-          <p:cNvPr id="2" name="Title 1">
-            <a:extLst>
-              <a:ext uri="{FF2B5EF4-FFF2-40B4-BE49-F238E27FC236}">
-                <a16:creationId xmlns:a16="http://schemas.microsoft.com/office/drawing/2014/main" id="{F60FC6C1-EAC2-4C8B-9757-0F6EF4B2DB0E}"/>
-              </a:ext>
-            </a:extLst>
-          </p:cNvPr>
-          <p:cNvSpPr>
-            <a:spLocks noGrp="1"/>
-          </p:cNvSpPr>
-          <p:nvPr>
-            <p:ph type="title"/>
-          </p:nvPr>
-        </p:nvSpPr>
-        <p:spPr/>
-        <p:txBody>
-          <a:bodyPr/>
-          <a:lstStyle/>
-          <a:p>
-            <a:endParaRPr lang="en-US"/>
-          </a:p>
-        </p:txBody>
-      </p:sp>
-      <p:sp>
-        <p:nvSpPr>
-          <p:cNvPr id="3" name="Content Placeholder 2">
-            <a:extLst>
-              <a:ext uri="{FF2B5EF4-FFF2-40B4-BE49-F238E27FC236}">
-                <a16:creationId xmlns:a16="http://schemas.microsoft.com/office/drawing/2014/main" id="{7CC4DAA2-7F09-42EE-BF42-8C19ABBD222A}"/>
-              </a:ext>
-            </a:extLst>
-          </p:cNvPr>
-          <p:cNvSpPr>
-            <a:spLocks noGrp="1"/>
-          </p:cNvSpPr>
-          <p:nvPr>
-            <p:ph idx="1"/>
-          </p:nvPr>
-        </p:nvSpPr>
-        <p:spPr/>
-        <p:txBody>
-          <a:bodyPr/>
-          <a:lstStyle/>
-          <a:p>
-            <a:endParaRPr lang="en-US"/>
-          </a:p>
-        </p:txBody>
-      </p:sp>
-      <p:pic>
-        <p:nvPicPr>
-          <p:cNvPr id="2050" name="Picture 2" descr="Káº¿t quáº£ hÃ¬nh áº£nh cho Thank you">
-            <a:extLst>
-              <a:ext uri="{FF2B5EF4-FFF2-40B4-BE49-F238E27FC236}">
-                <a16:creationId xmlns:a16="http://schemas.microsoft.com/office/drawing/2014/main" id="{F4E10B4C-349C-4A19-BDCC-5DE97C255F68}"/>
-              </a:ext>
-            </a:extLst>
-          </p:cNvPr>
-          <p:cNvPicPr>
-            <a:picLocks noChangeAspect="1" noChangeArrowheads="1"/>
-          </p:cNvPicPr>
-          <p:nvPr/>
-        </p:nvPicPr>
-        <p:blipFill>
-          <a:blip r:embed="rId2">
-            <a:extLst>
-              <a:ext uri="{28A0092B-C50C-407E-A947-70E740481C1C}">
-                <a14:useLocalDpi xmlns:a14="http://schemas.microsoft.com/office/drawing/2010/main" val="0"/>
-              </a:ext>
-            </a:extLst>
-          </a:blip>
-          <a:srcRect/>
-          <a:stretch>
-            <a:fillRect/>
-          </a:stretch>
-        </p:blipFill>
-        <p:spPr bwMode="auto">
-          <a:xfrm>
-            <a:off x="838200" y="-13252"/>
-            <a:ext cx="10810323" cy="7204658"/>
-          </a:xfrm>
-          <a:prstGeom prst="rect">
-            <a:avLst/>
-          </a:prstGeom>
-          <a:noFill/>
-          <a:extLst>
-            <a:ext uri="{909E8E84-426E-40DD-AFC4-6F175D3DCCD1}">
-              <a14:hiddenFill xmlns:a14="http://schemas.microsoft.com/office/drawing/2010/main">
-                <a:solidFill>
-                  <a:srgbClr val="FFFFFF"/>
-                </a:solidFill>
-              </a14:hiddenFill>
-            </a:ext>
-          </a:extLst>
-        </p:spPr>
-      </p:pic>
-    </p:spTree>
-    <p:extLst>
-      <p:ext uri="{BB962C8B-B14F-4D97-AF65-F5344CB8AC3E}">
-        <p14:creationId xmlns:p14="http://schemas.microsoft.com/office/powerpoint/2010/main" val="3331880871"/>
-      </p:ext>
-    </p:extLst>
-  </p:cSld>
-  <p:clrMapOvr>
-    <a:masterClrMapping/>
-  </p:clrMapOvr>
-</p:sld>
-</file>
-
-<file path=ppt/slides/slide2.xml><?xml version="1.0" encoding="utf-8"?>
-<p:sld xmlns:a="http://schemas.openxmlformats.org/drawingml/2006/main" xmlns:r="http://schemas.openxmlformats.org/officeDocument/2006/relationships" xmlns:p="http://schemas.openxmlformats.org/presentationml/2006/main">
-  <p:cSld>
-    <p:spTree>
-      <p:nvGrpSpPr>
-        <p:cNvPr id="1" name=""/>
-        <p:cNvGrpSpPr/>
-        <p:nvPr/>
-      </p:nvGrpSpPr>
-      <p:grpSpPr>
-        <a:xfrm>
-          <a:off x="0" y="0"/>
-          <a:ext cx="0" cy="0"/>
-          <a:chOff x="0" y="0"/>
-          <a:chExt cx="0" cy="0"/>
-        </a:xfrm>
-      </p:grpSpPr>
-      <p:sp>
-        <p:nvSpPr>
-          <p:cNvPr id="2" name="Title 1">
-            <a:extLst>
-              <a:ext uri="{FF2B5EF4-FFF2-40B4-BE49-F238E27FC236}">
-                <a16:creationId xmlns:a16="http://schemas.microsoft.com/office/drawing/2014/main" id="{53068791-53BE-425F-9232-8813D4932E05}"/>
-              </a:ext>
-            </a:extLst>
-          </p:cNvPr>
-          <p:cNvSpPr>
-            <a:spLocks noGrp="1"/>
-          </p:cNvSpPr>
-          <p:nvPr>
-            <p:ph type="title"/>
-          </p:nvPr>
-        </p:nvSpPr>
-        <p:spPr/>
-        <p:txBody>
-          <a:bodyPr/>
-          <a:lstStyle/>
-          <a:p>
-            <a:r>
-              <a:rPr lang="en-US" dirty="0"/>
-              <a:t>Overview</a:t>
-            </a:r>
-          </a:p>
-        </p:txBody>
-      </p:sp>
-      <p:sp>
-        <p:nvSpPr>
-          <p:cNvPr id="3" name="Content Placeholder 2">
-            <a:extLst>
-              <a:ext uri="{FF2B5EF4-FFF2-40B4-BE49-F238E27FC236}">
-                <a16:creationId xmlns:a16="http://schemas.microsoft.com/office/drawing/2014/main" id="{8844C238-78B3-488F-9B3E-7E496F31833D}"/>
-              </a:ext>
-            </a:extLst>
-          </p:cNvPr>
-          <p:cNvSpPr>
-            <a:spLocks noGrp="1"/>
-          </p:cNvSpPr>
-          <p:nvPr>
-            <p:ph idx="1"/>
-          </p:nvPr>
-        </p:nvSpPr>
-        <p:spPr/>
-        <p:txBody>
-          <a:bodyPr/>
-          <a:lstStyle/>
-          <a:p>
-            <a:pPr marL="571500" indent="-571500">
-              <a:buFont typeface="+mj-lt"/>
-              <a:buAutoNum type="romanUcPeriod"/>
-            </a:pPr>
-            <a:r>
-              <a:rPr lang="en-US" dirty="0"/>
-              <a:t>Solution</a:t>
-            </a:r>
-          </a:p>
-          <a:p>
-            <a:pPr marL="571500" indent="-571500">
-              <a:buFont typeface="+mj-lt"/>
-              <a:buAutoNum type="romanUcPeriod"/>
-            </a:pPr>
-            <a:r>
-              <a:rPr lang="en-US" dirty="0"/>
-              <a:t>Necessary Framework</a:t>
-            </a:r>
-          </a:p>
-          <a:p>
-            <a:pPr marL="571500" indent="-571500">
-              <a:buFont typeface="+mj-lt"/>
-              <a:buAutoNum type="romanUcPeriod"/>
-            </a:pPr>
-            <a:r>
-              <a:rPr lang="en-US" dirty="0"/>
-              <a:t>Local website</a:t>
-            </a:r>
-          </a:p>
-          <a:p>
-            <a:pPr marL="571500" indent="-571500">
-              <a:buFont typeface="+mj-lt"/>
-              <a:buAutoNum type="romanUcPeriod"/>
-            </a:pPr>
-            <a:r>
-              <a:rPr lang="en-US" dirty="0"/>
-              <a:t>Restriction and problems</a:t>
-            </a:r>
-          </a:p>
-          <a:p>
-            <a:pPr marL="571500" indent="-571500">
-              <a:buFont typeface="+mj-lt"/>
-              <a:buAutoNum type="romanUcPeriod"/>
-            </a:pPr>
-            <a:r>
-              <a:rPr lang="en-US" dirty="0"/>
-              <a:t>Reference</a:t>
-            </a:r>
-          </a:p>
-          <a:p>
-            <a:pPr marL="571500" indent="-571500">
-              <a:buFont typeface="+mj-lt"/>
-              <a:buAutoNum type="romanUcPeriod"/>
-            </a:pPr>
-            <a:endParaRPr lang="en-US" dirty="0"/>
-          </a:p>
-        </p:txBody>
-      </p:sp>
-    </p:spTree>
-    <p:extLst>
-      <p:ext uri="{BB962C8B-B14F-4D97-AF65-F5344CB8AC3E}">
-        <p14:creationId xmlns:p14="http://schemas.microsoft.com/office/powerpoint/2010/main" val="598296448"/>
-      </p:ext>
-    </p:extLst>
-  </p:cSld>
-  <p:clrMapOvr>
-    <a:masterClrMapping/>
-  </p:clrMapOvr>
-</p:sld>
-</file>
-
-<file path=ppt/slides/slide3.xml><?xml version="1.0" encoding="utf-8"?>
-<p:sld xmlns:a="http://schemas.openxmlformats.org/drawingml/2006/main" xmlns:r="http://schemas.openxmlformats.org/officeDocument/2006/relationships" xmlns:p="http://schemas.openxmlformats.org/presentationml/2006/main">
-  <p:cSld>
-    <p:spTree>
-      <p:nvGrpSpPr>
-        <p:cNvPr id="1" name=""/>
-        <p:cNvGrpSpPr/>
-        <p:nvPr/>
-      </p:nvGrpSpPr>
-      <p:grpSpPr>
-        <a:xfrm>
-          <a:off x="0" y="0"/>
-          <a:ext cx="0" cy="0"/>
-          <a:chOff x="0" y="0"/>
-          <a:chExt cx="0" cy="0"/>
-        </a:xfrm>
-      </p:grpSpPr>
-      <p:sp>
-        <p:nvSpPr>
-          <p:cNvPr id="2" name="Title 1">
-            <a:extLst>
-              <a:ext uri="{FF2B5EF4-FFF2-40B4-BE49-F238E27FC236}">
-                <a16:creationId xmlns:a16="http://schemas.microsoft.com/office/drawing/2014/main" id="{5CA18521-A973-4281-8BDB-36E7537A0EF1}"/>
-              </a:ext>
-            </a:extLst>
-          </p:cNvPr>
-          <p:cNvSpPr>
-            <a:spLocks noGrp="1"/>
-          </p:cNvSpPr>
-          <p:nvPr>
-            <p:ph type="title"/>
-          </p:nvPr>
-        </p:nvSpPr>
-        <p:spPr/>
-        <p:txBody>
-          <a:bodyPr/>
-          <a:lstStyle/>
-          <a:p>
-            <a:r>
-              <a:rPr lang="en-US" dirty="0"/>
-              <a:t>I</a:t>
-            </a:r>
-            <a:r>
-              <a:rPr lang="en-US"/>
-              <a:t>/ Solution</a:t>
-            </a:r>
-          </a:p>
-        </p:txBody>
-      </p:sp>
-      <p:sp>
-        <p:nvSpPr>
-          <p:cNvPr id="3" name="Content Placeholder 2">
-            <a:extLst>
-              <a:ext uri="{FF2B5EF4-FFF2-40B4-BE49-F238E27FC236}">
-                <a16:creationId xmlns:a16="http://schemas.microsoft.com/office/drawing/2014/main" id="{327FCF2D-5020-45F0-ADB7-FD6FDDAF771A}"/>
-              </a:ext>
-            </a:extLst>
-          </p:cNvPr>
-          <p:cNvSpPr>
-            <a:spLocks noGrp="1"/>
-          </p:cNvSpPr>
-          <p:nvPr>
-            <p:ph idx="1"/>
-          </p:nvPr>
-        </p:nvSpPr>
-        <p:spPr/>
-        <p:txBody>
-          <a:bodyPr/>
-          <a:lstStyle/>
-          <a:p>
-            <a:pPr marL="514350" indent="-514350">
-              <a:buFont typeface="+mj-lt"/>
-              <a:buAutoNum type="arabicPeriod"/>
-            </a:pPr>
-            <a:r>
-              <a:rPr lang="en-US" dirty="0"/>
-              <a:t>What is GPS?</a:t>
-            </a:r>
-          </a:p>
-          <a:p>
-            <a:pPr marL="514350" indent="-514350">
-              <a:buFont typeface="+mj-lt"/>
-              <a:buAutoNum type="arabicPeriod"/>
-            </a:pPr>
-            <a:r>
-              <a:rPr lang="en-US" dirty="0"/>
-              <a:t>How to get GPS?</a:t>
-            </a:r>
-          </a:p>
-          <a:p>
-            <a:pPr marL="514350" indent="-514350">
-              <a:buFont typeface="+mj-lt"/>
-              <a:buAutoNum type="arabicPeriod"/>
-            </a:pPr>
-            <a:r>
-              <a:rPr lang="en-US" dirty="0"/>
-              <a:t>Detect position</a:t>
-            </a:r>
-          </a:p>
-        </p:txBody>
-      </p:sp>
-    </p:spTree>
-    <p:extLst>
-      <p:ext uri="{BB962C8B-B14F-4D97-AF65-F5344CB8AC3E}">
-        <p14:creationId xmlns:p14="http://schemas.microsoft.com/office/powerpoint/2010/main" val="552068756"/>
-      </p:ext>
-    </p:extLst>
-  </p:cSld>
-  <p:clrMapOvr>
-    <a:masterClrMapping/>
-  </p:clrMapOvr>
-</p:sld>
-</file>
-
-<file path=ppt/slides/slide4.xml><?xml version="1.0" encoding="utf-8"?>
-<p:sld xmlns:a="http://schemas.openxmlformats.org/drawingml/2006/main" xmlns:r="http://schemas.openxmlformats.org/officeDocument/2006/relationships" xmlns:p="http://schemas.openxmlformats.org/presentationml/2006/main">
-  <p:cSld>
-    <p:spTree>
-      <p:nvGrpSpPr>
-        <p:cNvPr id="1" name=""/>
-        <p:cNvGrpSpPr/>
-        <p:nvPr/>
-      </p:nvGrpSpPr>
-      <p:grpSpPr>
-        <a:xfrm>
-          <a:off x="0" y="0"/>
-          <a:ext cx="0" cy="0"/>
-          <a:chOff x="0" y="0"/>
-          <a:chExt cx="0" cy="0"/>
-        </a:xfrm>
-      </p:grpSpPr>
-      <p:sp>
-        <p:nvSpPr>
-          <p:cNvPr id="2" name="Title 1"/>
-          <p:cNvSpPr>
-            <a:spLocks noGrp="1"/>
-          </p:cNvSpPr>
-          <p:nvPr>
-            <p:ph type="title"/>
-          </p:nvPr>
-        </p:nvSpPr>
-        <p:spPr/>
-        <p:txBody>
-          <a:bodyPr/>
-          <a:lstStyle/>
-          <a:p>
-            <a:r>
-              <a:rPr lang="en-US" dirty="0"/>
-              <a:t>1/ What is GPS?</a:t>
-            </a:r>
-          </a:p>
-        </p:txBody>
-      </p:sp>
-      <p:sp>
-        <p:nvSpPr>
-          <p:cNvPr id="3" name="Content Placeholder 2"/>
-          <p:cNvSpPr>
-            <a:spLocks noGrp="1"/>
-          </p:cNvSpPr>
-          <p:nvPr>
-            <p:ph idx="1"/>
-          </p:nvPr>
-        </p:nvSpPr>
-        <p:spPr/>
-        <p:txBody>
-          <a:bodyPr>
-            <a:normAutofit/>
-          </a:bodyPr>
-          <a:lstStyle/>
-          <a:p>
-            <a:r>
-              <a:rPr lang="en-US" sz="2500" dirty="0"/>
-              <a:t>The Global Positioning System (GPS), originally </a:t>
-            </a:r>
-            <a:r>
-              <a:rPr lang="en-US" sz="2500" dirty="0" err="1"/>
-              <a:t>Navstar</a:t>
-            </a:r>
-            <a:r>
-              <a:rPr lang="en-US" sz="2500" dirty="0"/>
-              <a:t> GPS, is a satellite-based </a:t>
-            </a:r>
-            <a:r>
-              <a:rPr lang="en-US" sz="2500" dirty="0" err="1"/>
-              <a:t>radionavigation</a:t>
-            </a:r>
-            <a:r>
-              <a:rPr lang="en-US" sz="2500" dirty="0"/>
-              <a:t> system owned by the United States government and operated by the United States Air Force. It is a global navigation satellite system that provides geolocation and time information to a GPS receiver anywhere on or near the Earth where there is an unobstructed line of sight to four or more GPS satellites. Obstacles such as mountains and buildings block the relatively weak GPS signals.</a:t>
-            </a:r>
-          </a:p>
-        </p:txBody>
-      </p:sp>
-    </p:spTree>
-    <p:extLst>
-      <p:ext uri="{BB962C8B-B14F-4D97-AF65-F5344CB8AC3E}">
-        <p14:creationId xmlns:p14="http://schemas.microsoft.com/office/powerpoint/2010/main" val="2424245085"/>
-      </p:ext>
-    </p:extLst>
-  </p:cSld>
-  <p:clrMapOvr>
-    <a:masterClrMapping/>
-  </p:clrMapOvr>
-</p:sld>
-</file>
-
-<file path=ppt/slides/slide5.xml><?xml version="1.0" encoding="utf-8"?>
-<p:sld xmlns:a="http://schemas.openxmlformats.org/drawingml/2006/main" xmlns:r="http://schemas.openxmlformats.org/officeDocument/2006/relationships" xmlns:p="http://schemas.openxmlformats.org/presentationml/2006/main">
-  <p:cSld>
-    <p:spTree>
-      <p:nvGrpSpPr>
-        <p:cNvPr id="1" name=""/>
-        <p:cNvGrpSpPr/>
-        <p:nvPr/>
-      </p:nvGrpSpPr>
-      <p:grpSpPr>
-        <a:xfrm>
-          <a:off x="0" y="0"/>
-          <a:ext cx="0" cy="0"/>
-          <a:chOff x="0" y="0"/>
-          <a:chExt cx="0" cy="0"/>
-        </a:xfrm>
-      </p:grpSpPr>
-      <p:sp>
-        <p:nvSpPr>
-          <p:cNvPr id="3" name="Content Placeholder 2"/>
-          <p:cNvSpPr>
-            <a:spLocks noGrp="1"/>
-          </p:cNvSpPr>
-          <p:nvPr>
-            <p:ph idx="1"/>
-          </p:nvPr>
-        </p:nvSpPr>
-        <p:spPr>
-          <a:xfrm>
-            <a:off x="838200" y="543144"/>
-            <a:ext cx="10515600" cy="5908022"/>
-          </a:xfrm>
-        </p:spPr>
-        <p:txBody>
-          <a:bodyPr/>
-          <a:lstStyle/>
-          <a:p>
-            <a:r>
-              <a:rPr lang="en-US" sz="2000" dirty="0"/>
-              <a:t>American Government.</a:t>
-            </a:r>
-          </a:p>
-          <a:p>
-            <a:r>
-              <a:rPr lang="en-US" sz="2000" dirty="0"/>
-              <a:t>30 satellites, 27 work, 3 back-up.</a:t>
-            </a:r>
-          </a:p>
-          <a:p>
-            <a:r>
-              <a:rPr lang="en-US" sz="2000" dirty="0"/>
-              <a:t>20200 km, 7000 miles/h.</a:t>
-            </a:r>
-          </a:p>
-          <a:p>
-            <a:r>
-              <a:rPr lang="en-US" sz="2000" dirty="0"/>
-              <a:t>3 for longitude and latitude, 4 for height.</a:t>
-            </a:r>
-          </a:p>
-          <a:p>
-            <a:r>
-              <a:rPr lang="en-US" sz="2000" dirty="0"/>
-              <a:t>6 controller station, 1 center and 4 automatic, 1 back-up.</a:t>
-            </a:r>
-          </a:p>
-          <a:p>
-            <a:endParaRPr lang="en-US" sz="2000" dirty="0"/>
-          </a:p>
-          <a:p>
-            <a:endParaRPr lang="en-US" sz="2000" dirty="0"/>
-          </a:p>
-          <a:p>
-            <a:endParaRPr lang="en-US" dirty="0"/>
-          </a:p>
-        </p:txBody>
-      </p:sp>
-      <p:pic>
-        <p:nvPicPr>
-          <p:cNvPr id="1026" name="Picture 2" descr="HÃ¬nh áº£nh cÃ³ liÃªn quan"/>
-          <p:cNvPicPr>
-            <a:picLocks noChangeAspect="1" noChangeArrowheads="1"/>
-          </p:cNvPicPr>
-          <p:nvPr/>
-        </p:nvPicPr>
-        <p:blipFill>
-          <a:blip r:embed="rId2">
-            <a:extLst>
-              <a:ext uri="{28A0092B-C50C-407E-A947-70E740481C1C}">
-                <a14:useLocalDpi xmlns:a14="http://schemas.microsoft.com/office/drawing/2010/main" val="0"/>
-              </a:ext>
-            </a:extLst>
-          </a:blip>
-          <a:srcRect/>
-          <a:stretch>
-            <a:fillRect/>
-          </a:stretch>
-        </p:blipFill>
-        <p:spPr bwMode="auto">
-          <a:xfrm>
-            <a:off x="284300" y="3019205"/>
-            <a:ext cx="3295650" cy="3295651"/>
-          </a:xfrm>
-          <a:prstGeom prst="rect">
-            <a:avLst/>
-          </a:prstGeom>
-          <a:noFill/>
-          <a:extLst>
-            <a:ext uri="{909E8E84-426E-40DD-AFC4-6F175D3DCCD1}">
-              <a14:hiddenFill xmlns:a14="http://schemas.microsoft.com/office/drawing/2010/main">
-                <a:solidFill>
-                  <a:srgbClr val="FFFFFF"/>
-                </a:solidFill>
-              </a14:hiddenFill>
-            </a:ext>
-          </a:extLst>
-        </p:spPr>
-      </p:pic>
-      <p:pic>
-        <p:nvPicPr>
-          <p:cNvPr id="1028" name="Picture 4" descr="Káº¿t quáº£ hÃ¬nh áº£nh cho what is gps"/>
-          <p:cNvPicPr>
-            <a:picLocks noChangeAspect="1" noChangeArrowheads="1"/>
-          </p:cNvPicPr>
-          <p:nvPr/>
-        </p:nvPicPr>
-        <p:blipFill>
-          <a:blip r:embed="rId3">
-            <a:extLst>
-              <a:ext uri="{28A0092B-C50C-407E-A947-70E740481C1C}">
-                <a14:useLocalDpi xmlns:a14="http://schemas.microsoft.com/office/drawing/2010/main" val="0"/>
-              </a:ext>
-            </a:extLst>
-          </a:blip>
-          <a:srcRect/>
-          <a:stretch>
-            <a:fillRect/>
-          </a:stretch>
-        </p:blipFill>
-        <p:spPr bwMode="auto">
-          <a:xfrm>
-            <a:off x="8057960" y="2780660"/>
-            <a:ext cx="3555815" cy="2370543"/>
-          </a:xfrm>
-          <a:prstGeom prst="rect">
-            <a:avLst/>
-          </a:prstGeom>
-          <a:noFill/>
-          <a:extLst>
-            <a:ext uri="{909E8E84-426E-40DD-AFC4-6F175D3DCCD1}">
-              <a14:hiddenFill xmlns:a14="http://schemas.microsoft.com/office/drawing/2010/main">
-                <a:solidFill>
-                  <a:srgbClr val="FFFFFF"/>
-                </a:solidFill>
-              </a14:hiddenFill>
-            </a:ext>
-          </a:extLst>
-        </p:spPr>
-      </p:pic>
-      <p:pic>
-        <p:nvPicPr>
-          <p:cNvPr id="1030" name="Picture 6" descr="Káº¿t quáº£ hÃ¬nh áº£nh cho united states government"/>
-          <p:cNvPicPr>
-            <a:picLocks noChangeAspect="1" noChangeArrowheads="1"/>
-          </p:cNvPicPr>
-          <p:nvPr/>
-        </p:nvPicPr>
-        <p:blipFill>
-          <a:blip r:embed="rId4">
-            <a:extLst>
-              <a:ext uri="{28A0092B-C50C-407E-A947-70E740481C1C}">
-                <a14:useLocalDpi xmlns:a14="http://schemas.microsoft.com/office/drawing/2010/main" val="0"/>
-              </a:ext>
-            </a:extLst>
-          </a:blip>
-          <a:srcRect/>
-          <a:stretch>
-            <a:fillRect/>
-          </a:stretch>
-        </p:blipFill>
-        <p:spPr bwMode="auto">
-          <a:xfrm>
-            <a:off x="5960218" y="245726"/>
-            <a:ext cx="2357719" cy="1760431"/>
-          </a:xfrm>
-          <a:prstGeom prst="rect">
-            <a:avLst/>
-          </a:prstGeom>
-          <a:noFill/>
-          <a:extLst>
-            <a:ext uri="{909E8E84-426E-40DD-AFC4-6F175D3DCCD1}">
-              <a14:hiddenFill xmlns:a14="http://schemas.microsoft.com/office/drawing/2010/main">
-                <a:solidFill>
-                  <a:srgbClr val="FFFFFF"/>
-                </a:solidFill>
-              </a14:hiddenFill>
-            </a:ext>
-          </a:extLst>
-        </p:spPr>
-      </p:pic>
-      <p:pic>
-        <p:nvPicPr>
-          <p:cNvPr id="1032" name="Picture 8" descr="Káº¿t quáº£ hÃ¬nh áº£nh cho GPS device"/>
-          <p:cNvPicPr>
-            <a:picLocks noChangeAspect="1" noChangeArrowheads="1"/>
-          </p:cNvPicPr>
-          <p:nvPr/>
-        </p:nvPicPr>
-        <p:blipFill>
-          <a:blip r:embed="rId5">
-            <a:extLst>
-              <a:ext uri="{28A0092B-C50C-407E-A947-70E740481C1C}">
-                <a14:useLocalDpi xmlns:a14="http://schemas.microsoft.com/office/drawing/2010/main" val="0"/>
-              </a:ext>
-            </a:extLst>
-          </a:blip>
-          <a:srcRect/>
-          <a:stretch>
-            <a:fillRect/>
-          </a:stretch>
-        </p:blipFill>
-        <p:spPr bwMode="auto">
-          <a:xfrm>
-            <a:off x="8645150" y="245726"/>
-            <a:ext cx="2381437" cy="1764429"/>
-          </a:xfrm>
-          <a:prstGeom prst="rect">
-            <a:avLst/>
-          </a:prstGeom>
-          <a:noFill/>
-          <a:extLst>
-            <a:ext uri="{909E8E84-426E-40DD-AFC4-6F175D3DCCD1}">
-              <a14:hiddenFill xmlns:a14="http://schemas.microsoft.com/office/drawing/2010/main">
-                <a:solidFill>
-                  <a:srgbClr val="FFFFFF"/>
-                </a:solidFill>
-              </a14:hiddenFill>
-            </a:ext>
-          </a:extLst>
-        </p:spPr>
-      </p:pic>
-      <p:pic>
-        <p:nvPicPr>
-          <p:cNvPr id="1034" name="Picture 10" descr="Káº¿t quáº£ hÃ¬nh áº£nh cho satellite for gps"/>
-          <p:cNvPicPr>
-            <a:picLocks noChangeAspect="1" noChangeArrowheads="1"/>
-          </p:cNvPicPr>
-          <p:nvPr/>
-        </p:nvPicPr>
-        <p:blipFill>
-          <a:blip r:embed="rId6">
-            <a:extLst>
-              <a:ext uri="{28A0092B-C50C-407E-A947-70E740481C1C}">
-                <a14:useLocalDpi xmlns:a14="http://schemas.microsoft.com/office/drawing/2010/main" val="0"/>
-              </a:ext>
-            </a:extLst>
-          </a:blip>
-          <a:srcRect/>
-          <a:stretch>
-            <a:fillRect/>
-          </a:stretch>
-        </p:blipFill>
-        <p:spPr bwMode="auto">
-          <a:xfrm>
-            <a:off x="3998068" y="3019205"/>
-            <a:ext cx="3718264" cy="1893454"/>
-          </a:xfrm>
-          <a:prstGeom prst="rect">
-            <a:avLst/>
-          </a:prstGeom>
-          <a:noFill/>
-          <a:extLst>
-            <a:ext uri="{909E8E84-426E-40DD-AFC4-6F175D3DCCD1}">
-              <a14:hiddenFill xmlns:a14="http://schemas.microsoft.com/office/drawing/2010/main">
-                <a:solidFill>
-                  <a:srgbClr val="FFFFFF"/>
-                </a:solidFill>
-              </a14:hiddenFill>
-            </a:ext>
-          </a:extLst>
-        </p:spPr>
-      </p:pic>
-    </p:spTree>
-    <p:extLst>
-      <p:ext uri="{BB962C8B-B14F-4D97-AF65-F5344CB8AC3E}">
-        <p14:creationId xmlns:p14="http://schemas.microsoft.com/office/powerpoint/2010/main" val="2364052531"/>
-      </p:ext>
-    </p:extLst>
-  </p:cSld>
-  <p:clrMapOvr>
-    <a:masterClrMapping/>
-  </p:clrMapOvr>
-</p:sld>
-</file>
-
-<file path=ppt/slides/slide6.xml><?xml version="1.0" encoding="utf-8"?>
-<p:sld xmlns:a="http://schemas.openxmlformats.org/drawingml/2006/main" xmlns:r="http://schemas.openxmlformats.org/officeDocument/2006/relationships" xmlns:p="http://schemas.openxmlformats.org/presentationml/2006/main">
-  <p:cSld>
-    <p:spTree>
-      <p:nvGrpSpPr>
-        <p:cNvPr id="1" name=""/>
-        <p:cNvGrpSpPr/>
-        <p:nvPr/>
-      </p:nvGrpSpPr>
-      <p:grpSpPr>
-        <a:xfrm>
-          <a:off x="0" y="0"/>
-          <a:ext cx="0" cy="0"/>
-          <a:chOff x="0" y="0"/>
-          <a:chExt cx="0" cy="0"/>
-        </a:xfrm>
-      </p:grpSpPr>
-      <p:sp>
-        <p:nvSpPr>
-          <p:cNvPr id="2" name="Title 1">
-            <a:extLst>
-              <a:ext uri="{FF2B5EF4-FFF2-40B4-BE49-F238E27FC236}">
-                <a16:creationId xmlns:a16="http://schemas.microsoft.com/office/drawing/2014/main" id="{2DF89140-E817-40C5-A182-07B668C2D22B}"/>
-              </a:ext>
-            </a:extLst>
-          </p:cNvPr>
-          <p:cNvSpPr>
-            <a:spLocks noGrp="1"/>
-          </p:cNvSpPr>
-          <p:nvPr>
-            <p:ph type="title"/>
-          </p:nvPr>
-        </p:nvSpPr>
-        <p:spPr/>
-        <p:txBody>
-          <a:bodyPr/>
-          <a:lstStyle/>
-          <a:p>
-            <a:r>
-              <a:rPr lang="en-US" dirty="0"/>
-              <a:t>2/ How to get GPS? </a:t>
-            </a:r>
-          </a:p>
-        </p:txBody>
-      </p:sp>
-      <p:sp>
-        <p:nvSpPr>
-          <p:cNvPr id="3" name="Content Placeholder 2">
-            <a:extLst>
-              <a:ext uri="{FF2B5EF4-FFF2-40B4-BE49-F238E27FC236}">
-                <a16:creationId xmlns:a16="http://schemas.microsoft.com/office/drawing/2014/main" id="{E88A71C6-2BFA-4018-9204-B61158A16292}"/>
-              </a:ext>
-            </a:extLst>
-          </p:cNvPr>
-          <p:cNvSpPr>
-            <a:spLocks noGrp="1"/>
-          </p:cNvSpPr>
-          <p:nvPr>
-            <p:ph idx="1"/>
-          </p:nvPr>
-        </p:nvSpPr>
-        <p:spPr>
-          <a:xfrm>
-            <a:off x="838200" y="1632089"/>
-            <a:ext cx="5257800" cy="4351338"/>
-          </a:xfrm>
-        </p:spPr>
-        <p:txBody>
-          <a:bodyPr>
-            <a:normAutofit/>
-          </a:bodyPr>
-          <a:lstStyle/>
-          <a:p>
-            <a:r>
-              <a:rPr lang="en-US" sz="2500" dirty="0"/>
-              <a:t>Build Android application to take the location.</a:t>
-            </a:r>
-          </a:p>
-          <a:p>
-            <a:r>
-              <a:rPr lang="en-US" sz="2500" dirty="0"/>
-              <a:t>Framework and library support.</a:t>
-            </a:r>
-          </a:p>
-          <a:p>
-            <a:r>
-              <a:rPr lang="en-US" sz="2500" dirty="0"/>
-              <a:t>Weak security.</a:t>
-            </a:r>
-          </a:p>
-          <a:p>
-            <a:endParaRPr lang="en-US" sz="2500" dirty="0"/>
-          </a:p>
-        </p:txBody>
-      </p:sp>
-      <p:pic>
-        <p:nvPicPr>
-          <p:cNvPr id="1026" name="Picture 2" descr="Káº¿t quáº£ hÃ¬nh áº£nh cho android phone">
-            <a:extLst>
-              <a:ext uri="{FF2B5EF4-FFF2-40B4-BE49-F238E27FC236}">
-                <a16:creationId xmlns:a16="http://schemas.microsoft.com/office/drawing/2014/main" id="{51C7DA1C-C399-4CAA-8D1A-64B7757E693F}"/>
-              </a:ext>
-            </a:extLst>
-          </p:cNvPr>
-          <p:cNvPicPr>
-            <a:picLocks noChangeAspect="1" noChangeArrowheads="1"/>
-          </p:cNvPicPr>
-          <p:nvPr/>
-        </p:nvPicPr>
-        <p:blipFill>
-          <a:blip r:embed="rId2">
-            <a:extLst>
-              <a:ext uri="{28A0092B-C50C-407E-A947-70E740481C1C}">
-                <a14:useLocalDpi xmlns:a14="http://schemas.microsoft.com/office/drawing/2010/main" val="0"/>
-              </a:ext>
-            </a:extLst>
-          </a:blip>
-          <a:srcRect/>
-          <a:stretch>
-            <a:fillRect/>
-          </a:stretch>
-        </p:blipFill>
-        <p:spPr bwMode="auto">
-          <a:xfrm>
-            <a:off x="6883963" y="1690688"/>
-            <a:ext cx="4469837" cy="2985711"/>
-          </a:xfrm>
-          <a:prstGeom prst="rect">
-            <a:avLst/>
-          </a:prstGeom>
-          <a:noFill/>
-          <a:extLst>
-            <a:ext uri="{909E8E84-426E-40DD-AFC4-6F175D3DCCD1}">
-              <a14:hiddenFill xmlns:a14="http://schemas.microsoft.com/office/drawing/2010/main">
-                <a:solidFill>
-                  <a:srgbClr val="FFFFFF"/>
-                </a:solidFill>
-              </a14:hiddenFill>
-            </a:ext>
-          </a:extLst>
-        </p:spPr>
-      </p:pic>
-      <p:pic>
-        <p:nvPicPr>
-          <p:cNvPr id="1028" name="Picture 4" descr="Káº¿t quáº£ hÃ¬nh áº£nh cho ios phone">
-            <a:extLst>
-              <a:ext uri="{FF2B5EF4-FFF2-40B4-BE49-F238E27FC236}">
-                <a16:creationId xmlns:a16="http://schemas.microsoft.com/office/drawing/2014/main" id="{2F963DF9-75D8-4826-87A6-EA3241835F4C}"/>
-              </a:ext>
-            </a:extLst>
-          </p:cNvPr>
-          <p:cNvPicPr>
-            <a:picLocks noChangeAspect="1" noChangeArrowheads="1"/>
-          </p:cNvPicPr>
-          <p:nvPr/>
-        </p:nvPicPr>
-        <p:blipFill>
-          <a:blip r:embed="rId3">
-            <a:extLst>
-              <a:ext uri="{28A0092B-C50C-407E-A947-70E740481C1C}">
-                <a14:useLocalDpi xmlns:a14="http://schemas.microsoft.com/office/drawing/2010/main" val="0"/>
-              </a:ext>
-            </a:extLst>
-          </a:blip>
-          <a:srcRect/>
-          <a:stretch>
-            <a:fillRect/>
-          </a:stretch>
-        </p:blipFill>
-        <p:spPr bwMode="auto">
-          <a:xfrm>
-            <a:off x="7300362" y="599788"/>
-            <a:ext cx="2956820" cy="4748500"/>
-          </a:xfrm>
-          <a:prstGeom prst="rect">
-            <a:avLst/>
-          </a:prstGeom>
-          <a:noFill/>
-          <a:extLst>
-            <a:ext uri="{909E8E84-426E-40DD-AFC4-6F175D3DCCD1}">
-              <a14:hiddenFill xmlns:a14="http://schemas.microsoft.com/office/drawing/2010/main">
-                <a:solidFill>
-                  <a:srgbClr val="FFFFFF"/>
-                </a:solidFill>
-              </a14:hiddenFill>
-            </a:ext>
-          </a:extLst>
-        </p:spPr>
-      </p:pic>
-    </p:spTree>
-    <p:extLst>
-      <p:ext uri="{BB962C8B-B14F-4D97-AF65-F5344CB8AC3E}">
-        <p14:creationId xmlns:p14="http://schemas.microsoft.com/office/powerpoint/2010/main" val="4066938424"/>
-      </p:ext>
-    </p:extLst>
-  </p:cSld>
-  <p:clrMapOvr>
-    <a:masterClrMapping/>
-  </p:clrMapOvr>
-  <p:timing>
-    <p:tnLst>
-      <p:par>
-        <p:cTn id="1" dur="indefinite" restart="never" nodeType="tmRoot">
-          <p:childTnLst>
-            <p:seq concurrent="1" nextAc="seek">
-              <p:cTn id="2" dur="indefinite" nodeType="mainSeq">
-                <p:childTnLst>
-                  <p:par>
-                    <p:cTn id="3" fill="hold">
-                      <p:stCondLst>
-                        <p:cond delay="indefinite"/>
-                      </p:stCondLst>
-                      <p:childTnLst>
-                        <p:par>
-                          <p:cTn id="4" fill="hold">
-                            <p:stCondLst>
-                              <p:cond delay="0"/>
-                            </p:stCondLst>
-                            <p:childTnLst>
-                              <p:par>
-                                <p:cTn id="5" presetID="1" presetClass="entr" presetSubtype="0" fill="hold" nodeType="clickEffect">
-                                  <p:stCondLst>
-                                    <p:cond delay="0"/>
-                                  </p:stCondLst>
-                                  <p:childTnLst>
-                                    <p:set>
-                                      <p:cBhvr>
-                                        <p:cTn id="6" dur="1" fill="hold">
-                                          <p:stCondLst>
-                                            <p:cond delay="0"/>
-                                          </p:stCondLst>
-                                        </p:cTn>
-                                        <p:tgtEl>
-                                          <p:spTgt spid="1028"/>
-                                        </p:tgtEl>
-                                        <p:attrNameLst>
-                                          <p:attrName>style.visibility</p:attrName>
-                                        </p:attrNameLst>
-                                      </p:cBhvr>
-                                      <p:to>
-                                        <p:strVal val="visible"/>
-                                      </p:to>
-                                    </p:set>
-                                  </p:childTnLst>
-                                </p:cTn>
-                              </p:par>
-                            </p:childTnLst>
-                          </p:cTn>
-                        </p:par>
-                      </p:childTnLst>
-                    </p:cTn>
-                  </p:par>
-                </p:childTnLst>
-              </p:cTn>
-              <p:prevCondLst>
-                <p:cond evt="onPrev" delay="0">
-                  <p:tgtEl>
-                    <p:sldTgt/>
-                  </p:tgtEl>
-                </p:cond>
-              </p:prevCondLst>
-              <p:nextCondLst>
-                <p:cond evt="onNext" delay="0">
-                  <p:tgtEl>
-                    <p:sldTgt/>
-                  </p:tgtEl>
-                </p:cond>
-              </p:nextCondLst>
-            </p:seq>
-          </p:childTnLst>
-        </p:cTn>
-      </p:par>
-    </p:tnLst>
-  </p:timing>
-</p:sld>
-</file>
-
-<file path=ppt/slides/slide7.xml><?xml version="1.0" encoding="utf-8"?>
-<p:sld xmlns:a="http://schemas.openxmlformats.org/drawingml/2006/main" xmlns:r="http://schemas.openxmlformats.org/officeDocument/2006/relationships" xmlns:p="http://schemas.openxmlformats.org/presentationml/2006/main">
-  <p:cSld>
-    <p:spTree>
-      <p:nvGrpSpPr>
-        <p:cNvPr id="1" name=""/>
-        <p:cNvGrpSpPr/>
-        <p:nvPr/>
-      </p:nvGrpSpPr>
-      <p:grpSpPr>
-        <a:xfrm>
-          <a:off x="0" y="0"/>
-          <a:ext cx="0" cy="0"/>
-          <a:chOff x="0" y="0"/>
-          <a:chExt cx="0" cy="0"/>
-        </a:xfrm>
-      </p:grpSpPr>
-      <p:sp>
-        <p:nvSpPr>
-          <p:cNvPr id="2" name="Title 1">
-            <a:extLst>
-              <a:ext uri="{FF2B5EF4-FFF2-40B4-BE49-F238E27FC236}">
-                <a16:creationId xmlns:a16="http://schemas.microsoft.com/office/drawing/2014/main" id="{853AF67D-418B-4751-BB97-88767EBCDFB4}"/>
-              </a:ext>
-            </a:extLst>
-          </p:cNvPr>
-          <p:cNvSpPr>
-            <a:spLocks noGrp="1"/>
-          </p:cNvSpPr>
-          <p:nvPr>
-            <p:ph type="title"/>
-          </p:nvPr>
-        </p:nvSpPr>
-        <p:spPr>
-          <a:xfrm>
-            <a:off x="838200" y="325368"/>
-            <a:ext cx="10515600" cy="1325563"/>
-          </a:xfrm>
-        </p:spPr>
-        <p:txBody>
-          <a:bodyPr/>
-          <a:lstStyle/>
-          <a:p>
-            <a:r>
-              <a:rPr lang="en-US" dirty="0"/>
-              <a:t>3/ Detect position</a:t>
-            </a:r>
-          </a:p>
-        </p:txBody>
-      </p:sp>
-      <p:sp>
-        <p:nvSpPr>
-          <p:cNvPr id="3" name="Content Placeholder 2">
-            <a:extLst>
-              <a:ext uri="{FF2B5EF4-FFF2-40B4-BE49-F238E27FC236}">
-                <a16:creationId xmlns:a16="http://schemas.microsoft.com/office/drawing/2014/main" id="{D125F1B6-9250-47B1-8ADE-3419DF43A747}"/>
-              </a:ext>
-            </a:extLst>
-          </p:cNvPr>
-          <p:cNvSpPr>
-            <a:spLocks noGrp="1"/>
-          </p:cNvSpPr>
-          <p:nvPr>
-            <p:ph idx="1"/>
-          </p:nvPr>
-        </p:nvSpPr>
-        <p:spPr>
-          <a:xfrm>
-            <a:off x="838200" y="1825625"/>
-            <a:ext cx="5668617" cy="4351338"/>
-          </a:xfrm>
-        </p:spPr>
-        <p:txBody>
-          <a:bodyPr>
-            <a:normAutofit/>
-          </a:bodyPr>
-          <a:lstStyle/>
-          <a:p>
-            <a:r>
-              <a:rPr lang="en-US" sz="2500" dirty="0"/>
-              <a:t>Google API:</a:t>
-            </a:r>
-          </a:p>
-          <a:p>
-            <a:pPr marL="0" indent="0">
-              <a:buNone/>
-            </a:pPr>
-            <a:r>
-              <a:rPr lang="en-US" sz="2500" dirty="0"/>
-              <a:t>+ Clear tutorial and support for research</a:t>
-            </a:r>
-          </a:p>
-          <a:p>
-            <a:pPr marL="0" indent="0">
-              <a:buNone/>
-            </a:pPr>
-            <a:r>
-              <a:rPr lang="en-US" sz="2500" dirty="0"/>
-              <a:t>+ More than 200 countries data and cover 99% area of Earth.</a:t>
-            </a:r>
-          </a:p>
-          <a:p>
-            <a:pPr marL="0" indent="0">
-              <a:buNone/>
-            </a:pPr>
-            <a:r>
-              <a:rPr lang="en-US" sz="2500" dirty="0"/>
-              <a:t>+ Over 25 millions location’s updates from collaborators and Google Local Guide teams around the world.</a:t>
-            </a:r>
-          </a:p>
-          <a:p>
-            <a:pPr marL="0" indent="0">
-              <a:buNone/>
-            </a:pPr>
-            <a:endParaRPr lang="en-US" sz="2500" dirty="0"/>
-          </a:p>
-        </p:txBody>
-      </p:sp>
-      <p:pic>
-        <p:nvPicPr>
-          <p:cNvPr id="2050" name="Picture 2" descr="Káº¿t quáº£ hÃ¬nh áº£nh cho google api">
-            <a:extLst>
-              <a:ext uri="{FF2B5EF4-FFF2-40B4-BE49-F238E27FC236}">
-                <a16:creationId xmlns:a16="http://schemas.microsoft.com/office/drawing/2014/main" id="{98BE8F0A-4B69-4476-B8A0-1F5F4A87D155}"/>
-              </a:ext>
-            </a:extLst>
-          </p:cNvPr>
-          <p:cNvPicPr>
-            <a:picLocks noChangeAspect="1" noChangeArrowheads="1"/>
-          </p:cNvPicPr>
-          <p:nvPr/>
-        </p:nvPicPr>
-        <p:blipFill>
-          <a:blip r:embed="rId2">
-            <a:extLst>
-              <a:ext uri="{28A0092B-C50C-407E-A947-70E740481C1C}">
-                <a14:useLocalDpi xmlns:a14="http://schemas.microsoft.com/office/drawing/2010/main" val="0"/>
-              </a:ext>
-            </a:extLst>
-          </a:blip>
-          <a:srcRect/>
-          <a:stretch>
-            <a:fillRect/>
-          </a:stretch>
-        </p:blipFill>
-        <p:spPr bwMode="auto">
-          <a:xfrm>
-            <a:off x="7116417" y="2237236"/>
-            <a:ext cx="4237383" cy="2383528"/>
-          </a:xfrm>
-          <a:prstGeom prst="rect">
-            <a:avLst/>
-          </a:prstGeom>
-          <a:noFill/>
-          <a:extLst>
-            <a:ext uri="{909E8E84-426E-40DD-AFC4-6F175D3DCCD1}">
-              <a14:hiddenFill xmlns:a14="http://schemas.microsoft.com/office/drawing/2010/main">
-                <a:solidFill>
-                  <a:srgbClr val="FFFFFF"/>
-                </a:solidFill>
-              </a14:hiddenFill>
-            </a:ext>
-          </a:extLst>
-        </p:spPr>
-      </p:pic>
-    </p:spTree>
-    <p:extLst>
-      <p:ext uri="{BB962C8B-B14F-4D97-AF65-F5344CB8AC3E}">
-        <p14:creationId xmlns:p14="http://schemas.microsoft.com/office/powerpoint/2010/main" val="2710744438"/>
-      </p:ext>
-    </p:extLst>
-  </p:cSld>
-  <p:clrMapOvr>
-    <a:masterClrMapping/>
-  </p:clrMapOvr>
-</p:sld>
-</file>
-
-<file path=ppt/slides/slide8.xml><?xml version="1.0" encoding="utf-8"?>
-<p:sld xmlns:a="http://schemas.openxmlformats.org/drawingml/2006/main" xmlns:r="http://schemas.openxmlformats.org/officeDocument/2006/relationships" xmlns:p="http://schemas.openxmlformats.org/presentationml/2006/main">
-  <p:cSld>
-    <p:spTree>
-      <p:nvGrpSpPr>
-        <p:cNvPr id="1" name=""/>
-        <p:cNvGrpSpPr/>
-        <p:nvPr/>
-      </p:nvGrpSpPr>
-      <p:grpSpPr>
-        <a:xfrm>
-          <a:off x="0" y="0"/>
-          <a:ext cx="0" cy="0"/>
-          <a:chOff x="0" y="0"/>
-          <a:chExt cx="0" cy="0"/>
-        </a:xfrm>
-      </p:grpSpPr>
-      <p:sp>
-        <p:nvSpPr>
-          <p:cNvPr id="2" name="Title 1">
-            <a:extLst>
-              <a:ext uri="{FF2B5EF4-FFF2-40B4-BE49-F238E27FC236}">
-                <a16:creationId xmlns:a16="http://schemas.microsoft.com/office/drawing/2014/main" id="{6B8C891A-09E1-4C05-BE14-C39AC1A24A03}"/>
-              </a:ext>
-            </a:extLst>
-          </p:cNvPr>
-          <p:cNvSpPr>
-            <a:spLocks noGrp="1"/>
-          </p:cNvSpPr>
-          <p:nvPr>
-            <p:ph type="title"/>
-          </p:nvPr>
-        </p:nvSpPr>
-        <p:spPr/>
-        <p:txBody>
-          <a:bodyPr/>
-          <a:lstStyle/>
-          <a:p>
-            <a:r>
-              <a:rPr lang="en-US" dirty="0"/>
-              <a:t>Receive data</a:t>
-            </a:r>
-          </a:p>
-        </p:txBody>
-      </p:sp>
-      <p:sp>
-        <p:nvSpPr>
-          <p:cNvPr id="3" name="Content Placeholder 2">
-            <a:extLst>
-              <a:ext uri="{FF2B5EF4-FFF2-40B4-BE49-F238E27FC236}">
-                <a16:creationId xmlns:a16="http://schemas.microsoft.com/office/drawing/2014/main" id="{8DFC2EB2-2062-4E9B-A7A7-19437EF9333A}"/>
-              </a:ext>
-            </a:extLst>
-          </p:cNvPr>
-          <p:cNvSpPr>
-            <a:spLocks noGrp="1"/>
-          </p:cNvSpPr>
-          <p:nvPr>
-            <p:ph idx="1"/>
-          </p:nvPr>
-        </p:nvSpPr>
-        <p:spPr>
-          <a:xfrm>
-            <a:off x="838200" y="1825625"/>
-            <a:ext cx="4581939" cy="4351338"/>
-          </a:xfrm>
-        </p:spPr>
-        <p:txBody>
-          <a:bodyPr>
-            <a:normAutofit/>
-          </a:bodyPr>
-          <a:lstStyle/>
-          <a:p>
-            <a:r>
-              <a:rPr lang="en-US" sz="2500" dirty="0"/>
-              <a:t>An website:</a:t>
-            </a:r>
-          </a:p>
-          <a:p>
-            <a:pPr marL="0" indent="0">
-              <a:buNone/>
-            </a:pPr>
-            <a:r>
-              <a:rPr lang="en-US" sz="2500" dirty="0"/>
-              <a:t>+ Receive data</a:t>
-            </a:r>
-          </a:p>
-          <a:p>
-            <a:pPr marL="0" indent="0">
-              <a:buNone/>
-            </a:pPr>
-            <a:r>
-              <a:rPr lang="en-US" sz="2500" dirty="0"/>
-              <a:t>+ Commute with API map</a:t>
-            </a:r>
-          </a:p>
-          <a:p>
-            <a:pPr marL="0" indent="0">
-              <a:buNone/>
-            </a:pPr>
-            <a:r>
-              <a:rPr lang="en-US" sz="2500" dirty="0"/>
-              <a:t>+ Good outlook</a:t>
-            </a:r>
-          </a:p>
-          <a:p>
-            <a:endParaRPr lang="en-US" sz="2500" dirty="0"/>
-          </a:p>
-        </p:txBody>
-      </p:sp>
-      <p:pic>
-        <p:nvPicPr>
-          <p:cNvPr id="3074" name="Picture 2" descr="Káº¿t quáº£ hÃ¬nh áº£nh cho html">
-            <a:extLst>
-              <a:ext uri="{FF2B5EF4-FFF2-40B4-BE49-F238E27FC236}">
-                <a16:creationId xmlns:a16="http://schemas.microsoft.com/office/drawing/2014/main" id="{519B3BDD-089C-4F89-8E3A-2791FFBC69B2}"/>
-              </a:ext>
-            </a:extLst>
-          </p:cNvPr>
-          <p:cNvPicPr>
-            <a:picLocks noChangeAspect="1" noChangeArrowheads="1"/>
-          </p:cNvPicPr>
-          <p:nvPr/>
-        </p:nvPicPr>
-        <p:blipFill>
-          <a:blip r:embed="rId2">
-            <a:extLst>
-              <a:ext uri="{28A0092B-C50C-407E-A947-70E740481C1C}">
-                <a14:useLocalDpi xmlns:a14="http://schemas.microsoft.com/office/drawing/2010/main" val="0"/>
-              </a:ext>
-            </a:extLst>
-          </a:blip>
-          <a:srcRect/>
-          <a:stretch>
-            <a:fillRect/>
-          </a:stretch>
-        </p:blipFill>
-        <p:spPr bwMode="auto">
-          <a:xfrm>
-            <a:off x="5569226" y="1295141"/>
-            <a:ext cx="2905798" cy="2905798"/>
-          </a:xfrm>
-          <a:prstGeom prst="rect">
-            <a:avLst/>
-          </a:prstGeom>
-          <a:noFill/>
-          <a:extLst>
-            <a:ext uri="{909E8E84-426E-40DD-AFC4-6F175D3DCCD1}">
-              <a14:hiddenFill xmlns:a14="http://schemas.microsoft.com/office/drawing/2010/main">
-                <a:solidFill>
-                  <a:srgbClr val="FFFFFF"/>
-                </a:solidFill>
-              </a14:hiddenFill>
-            </a:ext>
-          </a:extLst>
-        </p:spPr>
-      </p:pic>
-      <p:pic>
-        <p:nvPicPr>
-          <p:cNvPr id="4" name="Picture 2" descr="Káº¿t quáº£ hÃ¬nh áº£nh cho css">
-            <a:extLst>
-              <a:ext uri="{FF2B5EF4-FFF2-40B4-BE49-F238E27FC236}">
-                <a16:creationId xmlns:a16="http://schemas.microsoft.com/office/drawing/2014/main" id="{9976521B-6E52-425C-8D42-5D50BB22B070}"/>
-              </a:ext>
-            </a:extLst>
-          </p:cNvPr>
-          <p:cNvPicPr>
-            <a:picLocks noChangeAspect="1" noChangeArrowheads="1"/>
-          </p:cNvPicPr>
-          <p:nvPr/>
-        </p:nvPicPr>
-        <p:blipFill>
-          <a:blip r:embed="rId3">
-            <a:extLst>
-              <a:ext uri="{28A0092B-C50C-407E-A947-70E740481C1C}">
-                <a14:useLocalDpi xmlns:a14="http://schemas.microsoft.com/office/drawing/2010/main" val="0"/>
-              </a:ext>
-            </a:extLst>
-          </a:blip>
-          <a:srcRect/>
-          <a:stretch>
-            <a:fillRect/>
-          </a:stretch>
-        </p:blipFill>
-        <p:spPr bwMode="auto">
-          <a:xfrm>
-            <a:off x="7374576" y="629016"/>
-            <a:ext cx="4817424" cy="4817424"/>
-          </a:xfrm>
-          <a:prstGeom prst="rect">
-            <a:avLst/>
-          </a:prstGeom>
-          <a:noFill/>
-          <a:extLst>
-            <a:ext uri="{909E8E84-426E-40DD-AFC4-6F175D3DCCD1}">
-              <a14:hiddenFill xmlns:a14="http://schemas.microsoft.com/office/drawing/2010/main">
-                <a:solidFill>
-                  <a:srgbClr val="FFFFFF"/>
-                </a:solidFill>
-              </a14:hiddenFill>
-            </a:ext>
-          </a:extLst>
-        </p:spPr>
-      </p:pic>
-    </p:spTree>
-    <p:extLst>
-      <p:ext uri="{BB962C8B-B14F-4D97-AF65-F5344CB8AC3E}">
-        <p14:creationId xmlns:p14="http://schemas.microsoft.com/office/powerpoint/2010/main" val="1803599197"/>
-      </p:ext>
-    </p:extLst>
-  </p:cSld>
-  <p:clrMapOvr>
-    <a:masterClrMapping/>
-  </p:clrMapOvr>
-</p:sld>
-</file>
-
-<file path=ppt/slides/slide9.xml><?xml version="1.0" encoding="utf-8"?>
-<p:sld xmlns:a="http://schemas.openxmlformats.org/drawingml/2006/main" xmlns:r="http://schemas.openxmlformats.org/officeDocument/2006/relationships" xmlns:p="http://schemas.openxmlformats.org/presentationml/2006/main">
-  <p:cSld>
-    <p:spTree>
-      <p:nvGrpSpPr>
-        <p:cNvPr id="1" name=""/>
-        <p:cNvGrpSpPr/>
-        <p:nvPr/>
-      </p:nvGrpSpPr>
-      <p:grpSpPr>
-        <a:xfrm>
-          <a:off x="0" y="0"/>
-          <a:ext cx="0" cy="0"/>
-          <a:chOff x="0" y="0"/>
-          <a:chExt cx="0" cy="0"/>
-        </a:xfrm>
-      </p:grpSpPr>
-      <p:sp>
-        <p:nvSpPr>
-          <p:cNvPr id="2" name="Title 1">
-            <a:extLst>
-              <a:ext uri="{FF2B5EF4-FFF2-40B4-BE49-F238E27FC236}">
-                <a16:creationId xmlns:a16="http://schemas.microsoft.com/office/drawing/2014/main" id="{A4FC89BC-5CED-423E-A137-DF4BB86CB1F9}"/>
-              </a:ext>
-            </a:extLst>
-          </p:cNvPr>
-          <p:cNvSpPr>
-            <a:spLocks noGrp="1"/>
-          </p:cNvSpPr>
-          <p:nvPr>
-            <p:ph type="title"/>
-          </p:nvPr>
-        </p:nvSpPr>
-        <p:spPr/>
-        <p:txBody>
-          <a:bodyPr/>
-          <a:lstStyle/>
-          <a:p>
-            <a:r>
-              <a:rPr lang="en-US" dirty="0"/>
-              <a:t>II/ Necessary framework</a:t>
-            </a:r>
-          </a:p>
-        </p:txBody>
-      </p:sp>
-      <p:sp>
-        <p:nvSpPr>
-          <p:cNvPr id="3" name="Content Placeholder 2">
-            <a:extLst>
-              <a:ext uri="{FF2B5EF4-FFF2-40B4-BE49-F238E27FC236}">
-                <a16:creationId xmlns:a16="http://schemas.microsoft.com/office/drawing/2014/main" id="{B14A2DB2-D99E-4028-B369-AA95A5763894}"/>
-              </a:ext>
-            </a:extLst>
-          </p:cNvPr>
-          <p:cNvSpPr>
-            <a:spLocks noGrp="1"/>
-          </p:cNvSpPr>
-          <p:nvPr>
-            <p:ph idx="1"/>
-          </p:nvPr>
-        </p:nvSpPr>
-        <p:spPr>
-          <a:xfrm>
-            <a:off x="1251678" y="1825625"/>
-            <a:ext cx="10178322" cy="3593591"/>
-          </a:xfrm>
-        </p:spPr>
-        <p:txBody>
-          <a:bodyPr>
-            <a:noAutofit/>
-          </a:bodyPr>
-          <a:lstStyle/>
-          <a:p>
-            <a:pPr marL="514350" indent="-514350">
-              <a:buFont typeface="+mj-lt"/>
-              <a:buAutoNum type="arabicPeriod"/>
-            </a:pPr>
-            <a:r>
-              <a:rPr lang="en-US" sz="2500" dirty="0"/>
-              <a:t>Visual Studio Code Insider</a:t>
-            </a:r>
-          </a:p>
-          <a:p>
-            <a:pPr marL="514350" indent="-514350">
-              <a:buFont typeface="+mj-lt"/>
-              <a:buAutoNum type="arabicPeriod"/>
-            </a:pPr>
-            <a:r>
-              <a:rPr lang="en-US" sz="2500" dirty="0"/>
-              <a:t>Internet information services manager (IIS)</a:t>
-            </a:r>
-          </a:p>
-          <a:p>
-            <a:pPr marL="514350" indent="-514350">
-              <a:buFont typeface="+mj-lt"/>
-              <a:buAutoNum type="arabicPeriod"/>
-            </a:pPr>
-            <a:r>
-              <a:rPr lang="en-US" sz="2500" dirty="0"/>
-              <a:t>Android Studio</a:t>
-            </a:r>
-          </a:p>
-        </p:txBody>
-      </p:sp>
-      <p:pic>
-        <p:nvPicPr>
-          <p:cNvPr id="1026" name="Picture 2" descr="Káº¿t quáº£ hÃ¬nh áº£nh cho visual studio code insider">
-            <a:extLst>
-              <a:ext uri="{FF2B5EF4-FFF2-40B4-BE49-F238E27FC236}">
-                <a16:creationId xmlns:a16="http://schemas.microsoft.com/office/drawing/2014/main" id="{BAA7B1A6-7E93-47BD-B13D-E2AEEAC1EAA6}"/>
-              </a:ext>
-            </a:extLst>
-          </p:cNvPr>
-          <p:cNvPicPr>
-            <a:picLocks noChangeAspect="1" noChangeArrowheads="1"/>
-          </p:cNvPicPr>
-          <p:nvPr/>
-        </p:nvPicPr>
-        <p:blipFill>
-          <a:blip r:embed="rId2">
-            <a:extLst>
-              <a:ext uri="{28A0092B-C50C-407E-A947-70E740481C1C}">
-                <a14:useLocalDpi xmlns:a14="http://schemas.microsoft.com/office/drawing/2010/main" val="0"/>
-              </a:ext>
-            </a:extLst>
-          </a:blip>
-          <a:srcRect/>
-          <a:stretch>
-            <a:fillRect/>
-          </a:stretch>
-        </p:blipFill>
-        <p:spPr bwMode="auto">
-          <a:xfrm>
-            <a:off x="5698434" y="1302164"/>
-            <a:ext cx="1046922" cy="1046922"/>
-          </a:xfrm>
-          <a:prstGeom prst="rect">
-            <a:avLst/>
-          </a:prstGeom>
-          <a:noFill/>
-          <a:extLst>
-            <a:ext uri="{909E8E84-426E-40DD-AFC4-6F175D3DCCD1}">
-              <a14:hiddenFill xmlns:a14="http://schemas.microsoft.com/office/drawing/2010/main">
-                <a:solidFill>
-                  <a:srgbClr val="FFFFFF"/>
-                </a:solidFill>
-              </a14:hiddenFill>
-            </a:ext>
-          </a:extLst>
-        </p:spPr>
-      </p:pic>
-      <p:pic>
-        <p:nvPicPr>
-          <p:cNvPr id="4098" name="Picture 2" descr="Káº¿t quáº£ hÃ¬nh áº£nh cho internet information services (iis) manager">
-            <a:extLst>
-              <a:ext uri="{FF2B5EF4-FFF2-40B4-BE49-F238E27FC236}">
-                <a16:creationId xmlns:a16="http://schemas.microsoft.com/office/drawing/2014/main" id="{CA291D06-9011-4AE4-9F6C-12A7B28162EC}"/>
-              </a:ext>
-            </a:extLst>
-          </p:cNvPr>
-          <p:cNvPicPr>
-            <a:picLocks noChangeAspect="1" noChangeArrowheads="1"/>
-          </p:cNvPicPr>
-          <p:nvPr/>
-        </p:nvPicPr>
-        <p:blipFill>
-          <a:blip r:embed="rId3">
-            <a:extLst>
-              <a:ext uri="{28A0092B-C50C-407E-A947-70E740481C1C}">
-                <a14:useLocalDpi xmlns:a14="http://schemas.microsoft.com/office/drawing/2010/main" val="0"/>
-              </a:ext>
-            </a:extLst>
-          </a:blip>
-          <a:srcRect/>
-          <a:stretch>
-            <a:fillRect/>
-          </a:stretch>
-        </p:blipFill>
-        <p:spPr bwMode="auto">
-          <a:xfrm>
-            <a:off x="6864626" y="2928317"/>
-            <a:ext cx="4744278" cy="2668656"/>
-          </a:xfrm>
-          <a:prstGeom prst="rect">
-            <a:avLst/>
-          </a:prstGeom>
-          <a:noFill/>
-          <a:extLst>
-            <a:ext uri="{909E8E84-426E-40DD-AFC4-6F175D3DCCD1}">
-              <a14:hiddenFill xmlns:a14="http://schemas.microsoft.com/office/drawing/2010/main">
-                <a:solidFill>
-                  <a:srgbClr val="FFFFFF"/>
-                </a:solidFill>
-              </a14:hiddenFill>
-            </a:ext>
-          </a:extLst>
-        </p:spPr>
-      </p:pic>
-      <p:pic>
-        <p:nvPicPr>
-          <p:cNvPr id="4100" name="Picture 4" descr="Káº¿t quáº£ hÃ¬nh áº£nh cho android studio">
-            <a:extLst>
-              <a:ext uri="{FF2B5EF4-FFF2-40B4-BE49-F238E27FC236}">
-                <a16:creationId xmlns:a16="http://schemas.microsoft.com/office/drawing/2014/main" id="{05B488C1-4CC8-4834-BF06-1B8C00468EBD}"/>
-              </a:ext>
-            </a:extLst>
-          </p:cNvPr>
-          <p:cNvPicPr>
-            <a:picLocks noChangeAspect="1" noChangeArrowheads="1"/>
-          </p:cNvPicPr>
-          <p:nvPr/>
-        </p:nvPicPr>
-        <p:blipFill>
-          <a:blip r:embed="rId4">
-            <a:extLst>
-              <a:ext uri="{28A0092B-C50C-407E-A947-70E740481C1C}">
-                <a14:useLocalDpi xmlns:a14="http://schemas.microsoft.com/office/drawing/2010/main" val="0"/>
-              </a:ext>
-            </a:extLst>
-          </a:blip>
-          <a:srcRect/>
-          <a:stretch>
-            <a:fillRect/>
-          </a:stretch>
-        </p:blipFill>
-        <p:spPr bwMode="auto">
-          <a:xfrm>
-            <a:off x="2232992" y="3664020"/>
-            <a:ext cx="2908851" cy="2181639"/>
-          </a:xfrm>
-          <a:prstGeom prst="rect">
-            <a:avLst/>
-          </a:prstGeom>
-          <a:noFill/>
-          <a:extLst>
-            <a:ext uri="{909E8E84-426E-40DD-AFC4-6F175D3DCCD1}">
-              <a14:hiddenFill xmlns:a14="http://schemas.microsoft.com/office/drawing/2010/main">
-                <a:solidFill>
-                  <a:srgbClr val="FFFFFF"/>
-                </a:solidFill>
-              </a14:hiddenFill>
-            </a:ext>
-          </a:extLst>
-        </p:spPr>
-      </p:pic>
-    </p:spTree>
-    <p:extLst>
-      <p:ext uri="{BB962C8B-B14F-4D97-AF65-F5344CB8AC3E}">
-        <p14:creationId xmlns:p14="http://schemas.microsoft.com/office/powerpoint/2010/main" val="786715773"/>
       </p:ext>
     </p:extLst>
   </p:cSld>
